--- a/reports/Project Report_Mini Project DS_Adrian Maulana Muhammad.pptx
+++ b/reports/Project Report_Mini Project DS_Adrian Maulana Muhammad.pptx
@@ -6180,7 +6180,9 @@
         </p:nvSpPr>
         <p:spPr/>
         <p:txBody>
-          <a:bodyPr/>
+          <a:bodyPr>
+            <a:normAutofit/>
+          </a:bodyPr>
           <a:lstStyle/>
           <a:p>
             <a:pPr marL="514350" indent="-400050">
@@ -6229,7 +6231,22 @@
             </a:pPr>
             <a:r>
               <a:rPr lang="en-US" dirty="0"/>
-              <a:t>Exploratory Data Analysis (EDA) &amp; Statistical Analysis</a:t>
+              <a:t>Exploratory Data Analysis (</a:t>
+            </a:r>
+            <a:r>
+              <a:rPr lang="en-US"/>
+              <a:t>EDA)</a:t>
+            </a:r>
+            <a:endParaRPr lang="en-US" dirty="0"/>
+          </a:p>
+          <a:p>
+            <a:pPr marL="514350" indent="-400050">
+              <a:buFont typeface="+mj-lt"/>
+              <a:buAutoNum type="romanUcPeriod"/>
+            </a:pPr>
+            <a:r>
+              <a:rPr lang="en-US" dirty="0"/>
+              <a:t>Machine Learning Model - Clustering</a:t>
             </a:r>
           </a:p>
           <a:p>
@@ -6239,17 +6256,7 @@
             </a:pPr>
             <a:r>
               <a:rPr lang="en-US" dirty="0"/>
-              <a:t>Machine Learning Model</a:t>
-            </a:r>
-          </a:p>
-          <a:p>
-            <a:pPr marL="514350" indent="-400050">
-              <a:buFont typeface="+mj-lt"/>
-              <a:buAutoNum type="romanUcPeriod"/>
-            </a:pPr>
-            <a:r>
-              <a:rPr lang="en-US" dirty="0"/>
-              <a:t>Model Evaluation</a:t>
+              <a:t>Machine Learning Model - Classification</a:t>
             </a:r>
           </a:p>
           <a:p>

--- a/reports/Project Report_Mini Project DS_Adrian Maulana Muhammad.pptx
+++ b/reports/Project Report_Mini Project DS_Adrian Maulana Muhammad.pptx
@@ -5,49 +5,77 @@
     <p:sldMasterId id="2147483655" r:id="rId1"/>
   </p:sldMasterIdLst>
   <p:notesMasterIdLst>
-    <p:notesMasterId r:id="rId18"/>
+    <p:notesMasterId r:id="rId46"/>
   </p:notesMasterIdLst>
   <p:sldIdLst>
     <p:sldId id="256" r:id="rId2"/>
     <p:sldId id="262" r:id="rId3"/>
     <p:sldId id="263" r:id="rId4"/>
-    <p:sldId id="273" r:id="rId5"/>
-    <p:sldId id="274" r:id="rId6"/>
-    <p:sldId id="275" r:id="rId7"/>
-    <p:sldId id="264" r:id="rId8"/>
-    <p:sldId id="265" r:id="rId9"/>
-    <p:sldId id="266" r:id="rId10"/>
-    <p:sldId id="267" r:id="rId11"/>
-    <p:sldId id="268" r:id="rId12"/>
-    <p:sldId id="269" r:id="rId13"/>
-    <p:sldId id="270" r:id="rId14"/>
-    <p:sldId id="271" r:id="rId15"/>
-    <p:sldId id="272" r:id="rId16"/>
-    <p:sldId id="276" r:id="rId17"/>
+    <p:sldId id="279" r:id="rId5"/>
+    <p:sldId id="277" r:id="rId6"/>
+    <p:sldId id="278" r:id="rId7"/>
+    <p:sldId id="294" r:id="rId8"/>
+    <p:sldId id="295" r:id="rId9"/>
+    <p:sldId id="264" r:id="rId10"/>
+    <p:sldId id="273" r:id="rId11"/>
+    <p:sldId id="280" r:id="rId12"/>
+    <p:sldId id="265" r:id="rId13"/>
+    <p:sldId id="282" r:id="rId14"/>
+    <p:sldId id="281" r:id="rId15"/>
+    <p:sldId id="283" r:id="rId16"/>
+    <p:sldId id="284" r:id="rId17"/>
+    <p:sldId id="285" r:id="rId18"/>
+    <p:sldId id="286" r:id="rId19"/>
+    <p:sldId id="287" r:id="rId20"/>
+    <p:sldId id="288" r:id="rId21"/>
+    <p:sldId id="289" r:id="rId22"/>
+    <p:sldId id="267" r:id="rId23"/>
+    <p:sldId id="290" r:id="rId24"/>
+    <p:sldId id="291" r:id="rId25"/>
+    <p:sldId id="293" r:id="rId26"/>
+    <p:sldId id="292" r:id="rId27"/>
+    <p:sldId id="268" r:id="rId28"/>
+    <p:sldId id="296" r:id="rId29"/>
+    <p:sldId id="297" r:id="rId30"/>
+    <p:sldId id="298" r:id="rId31"/>
+    <p:sldId id="299" r:id="rId32"/>
+    <p:sldId id="300" r:id="rId33"/>
+    <p:sldId id="301" r:id="rId34"/>
+    <p:sldId id="302" r:id="rId35"/>
+    <p:sldId id="303" r:id="rId36"/>
+    <p:sldId id="304" r:id="rId37"/>
+    <p:sldId id="305" r:id="rId38"/>
+    <p:sldId id="306" r:id="rId39"/>
+    <p:sldId id="271" r:id="rId40"/>
+    <p:sldId id="307" r:id="rId41"/>
+    <p:sldId id="308" r:id="rId42"/>
+    <p:sldId id="272" r:id="rId43"/>
+    <p:sldId id="309" r:id="rId44"/>
+    <p:sldId id="276" r:id="rId45"/>
   </p:sldIdLst>
   <p:sldSz cx="9144000" cy="5143500" type="screen16x9"/>
   <p:notesSz cx="6858000" cy="9144000"/>
   <p:embeddedFontLst>
     <p:embeddedFont>
       <p:font typeface="Plus Jakarta Sans" panose="020B0604020202020204" charset="0"/>
-      <p:regular r:id="rId19"/>
-      <p:bold r:id="rId20"/>
-      <p:italic r:id="rId21"/>
-      <p:boldItalic r:id="rId22"/>
+      <p:regular r:id="rId47"/>
+      <p:bold r:id="rId48"/>
+      <p:italic r:id="rId49"/>
+      <p:boldItalic r:id="rId50"/>
     </p:embeddedFont>
     <p:embeddedFont>
       <p:font typeface="Plus Jakarta Sans Medium" panose="020B0604020202020204" charset="0"/>
-      <p:regular r:id="rId23"/>
-      <p:bold r:id="rId24"/>
-      <p:italic r:id="rId25"/>
-      <p:boldItalic r:id="rId26"/>
+      <p:regular r:id="rId51"/>
+      <p:bold r:id="rId52"/>
+      <p:italic r:id="rId53"/>
+      <p:boldItalic r:id="rId54"/>
     </p:embeddedFont>
     <p:embeddedFont>
       <p:font typeface="Plus Jakarta Sans SemiBold" panose="020B0604020202020204" charset="0"/>
-      <p:regular r:id="rId27"/>
-      <p:bold r:id="rId28"/>
-      <p:italic r:id="rId29"/>
-      <p:boldItalic r:id="rId30"/>
+      <p:regular r:id="rId55"/>
+      <p:bold r:id="rId56"/>
+      <p:italic r:id="rId57"/>
+      <p:boldItalic r:id="rId58"/>
     </p:embeddedFont>
   </p:embeddedFontLst>
   <p:defaultTextStyle>
@@ -296,6 +324,18 @@
     </p:ext>
   </p:extLst>
 </p:presentation>
+</file>
+
+<file path=ppt/commentAuthors.xml><?xml version="1.0" encoding="utf-8"?>
+<p:cmAuthorLst xmlns:a="http://schemas.openxmlformats.org/drawingml/2006/main" xmlns:r="http://schemas.openxmlformats.org/officeDocument/2006/relationships" xmlns:p="http://schemas.openxmlformats.org/presentationml/2006/main">
+  <p:cmAuthor id="1" name="Adrian Maulana Muhammad" initials="AMM" lastIdx="1" clrIdx="0">
+    <p:extLst>
+      <p:ext uri="{19B8F6BF-5375-455C-9EA6-DF929625EA0E}">
+        <p15:presenceInfo xmlns:p15="http://schemas.microsoft.com/office/powerpoint/2012/main" userId="00e66fc4acc1fb1d" providerId="Windows Live"/>
+      </p:ext>
+    </p:extLst>
+  </p:cmAuthor>
+</p:cmAuthorLst>
 </file>
 
 <file path=ppt/notesMasters/notesMaster1.xml><?xml version="1.0" encoding="utf-8"?>
@@ -843,6 +883,72 @@
 </p:notes>
 </file>
 
+<file path=ppt/notesSlides/notesSlide2.xml><?xml version="1.0" encoding="utf-8"?>
+<p:notes xmlns:a="http://schemas.openxmlformats.org/drawingml/2006/main" xmlns:r="http://schemas.openxmlformats.org/officeDocument/2006/relationships" xmlns:p="http://schemas.openxmlformats.org/presentationml/2006/main">
+  <p:cSld>
+    <p:spTree>
+      <p:nvGrpSpPr>
+        <p:cNvPr id="1" name=""/>
+        <p:cNvGrpSpPr/>
+        <p:nvPr/>
+      </p:nvGrpSpPr>
+      <p:grpSpPr>
+        <a:xfrm>
+          <a:off x="0" y="0"/>
+          <a:ext cx="0" cy="0"/>
+          <a:chOff x="0" y="0"/>
+          <a:chExt cx="0" cy="0"/>
+        </a:xfrm>
+      </p:grpSpPr>
+      <p:sp>
+        <p:nvSpPr>
+          <p:cNvPr id="2" name="Slide Image Placeholder 1"/>
+          <p:cNvSpPr>
+            <a:spLocks noGrp="1" noRot="1" noChangeAspect="1"/>
+          </p:cNvSpPr>
+          <p:nvPr>
+            <p:ph type="sldImg"/>
+          </p:nvPr>
+        </p:nvSpPr>
+        <p:spPr>
+          <a:xfrm>
+            <a:off x="381000" y="685800"/>
+            <a:ext cx="6096000" cy="3429000"/>
+          </a:xfrm>
+        </p:spPr>
+      </p:sp>
+      <p:sp>
+        <p:nvSpPr>
+          <p:cNvPr id="3" name="Notes Placeholder 2"/>
+          <p:cNvSpPr>
+            <a:spLocks noGrp="1"/>
+          </p:cNvSpPr>
+          <p:nvPr>
+            <p:ph type="body" idx="1"/>
+          </p:nvPr>
+        </p:nvSpPr>
+        <p:spPr/>
+        <p:txBody>
+          <a:bodyPr/>
+          <a:lstStyle/>
+          <a:p>
+            <a:endParaRPr lang="en-ID" dirty="0"/>
+          </a:p>
+        </p:txBody>
+      </p:sp>
+    </p:spTree>
+    <p:extLst>
+      <p:ext uri="{BB962C8B-B14F-4D97-AF65-F5344CB8AC3E}">
+        <p14:creationId xmlns:p14="http://schemas.microsoft.com/office/powerpoint/2010/main" val="2043092480"/>
+      </p:ext>
+    </p:extLst>
+  </p:cSld>
+  <p:clrMapOvr>
+    <a:masterClrMapping/>
+  </p:clrMapOvr>
+</p:notes>
+</file>
+
 <file path=ppt/slideLayouts/slideLayout1.xml><?xml version="1.0" encoding="utf-8"?>
 <p:sldLayout xmlns:a="http://schemas.openxmlformats.org/drawingml/2006/main" xmlns:r="http://schemas.openxmlformats.org/officeDocument/2006/relationships" xmlns:p="http://schemas.openxmlformats.org/presentationml/2006/main" matchingName="Title" type="title">
   <p:cSld name="TITLE">
@@ -2031,652 +2137,6 @@
 </file>
 
 <file path=ppt/slideLayouts/slideLayout4.xml><?xml version="1.0" encoding="utf-8"?>
-<p:sldLayout xmlns:a="http://schemas.openxmlformats.org/drawingml/2006/main" xmlns:r="http://schemas.openxmlformats.org/officeDocument/2006/relationships" xmlns:p="http://schemas.openxmlformats.org/presentationml/2006/main" matchingName="Agenda List" type="tx">
-  <p:cSld name="TITLE_AND_BODY">
-    <p:bg>
-      <p:bgPr>
-        <a:blipFill>
-          <a:blip r:embed="rId2">
-            <a:alphaModFix/>
-          </a:blip>
-          <a:stretch>
-            <a:fillRect/>
-          </a:stretch>
-        </a:blipFill>
-        <a:effectLst/>
-      </p:bgPr>
-    </p:bg>
-    <p:spTree>
-      <p:nvGrpSpPr>
-        <p:cNvPr id="1" name="Shape 23"/>
-        <p:cNvGrpSpPr/>
-        <p:nvPr/>
-      </p:nvGrpSpPr>
-      <p:grpSpPr>
-        <a:xfrm>
-          <a:off x="0" y="0"/>
-          <a:ext cx="0" cy="0"/>
-          <a:chOff x="0" y="0"/>
-          <a:chExt cx="0" cy="0"/>
-        </a:xfrm>
-      </p:grpSpPr>
-      <p:sp>
-        <p:nvSpPr>
-          <p:cNvPr id="24" name="Google Shape;24;p5"/>
-          <p:cNvSpPr txBox="1">
-            <a:spLocks noGrp="1"/>
-          </p:cNvSpPr>
-          <p:nvPr>
-            <p:ph type="title"/>
-          </p:nvPr>
-        </p:nvSpPr>
-        <p:spPr>
-          <a:xfrm>
-            <a:off x="873625" y="2040850"/>
-            <a:ext cx="6677400" cy="572700"/>
-          </a:xfrm>
-          <a:prstGeom prst="rect">
-            <a:avLst/>
-          </a:prstGeom>
-        </p:spPr>
-        <p:txBody>
-          <a:bodyPr spcFirstLastPara="1" wrap="square" lIns="91425" tIns="91425" rIns="91425" bIns="91425" anchor="t" anchorCtr="0">
-            <a:normAutofit/>
-          </a:bodyPr>
-          <a:lstStyle>
-            <a:lvl1pPr lvl="0" rtl="0">
-              <a:spcBef>
-                <a:spcPts val="0"/>
-              </a:spcBef>
-              <a:spcAft>
-                <a:spcPts val="0"/>
-              </a:spcAft>
-              <a:buSzPts val="2800"/>
-              <a:buFont typeface="Plus Jakarta Sans"/>
-              <a:buNone/>
-              <a:defRPr b="1">
-                <a:latin typeface="Plus Jakarta Sans"/>
-                <a:ea typeface="Plus Jakarta Sans"/>
-                <a:cs typeface="Plus Jakarta Sans"/>
-                <a:sym typeface="Plus Jakarta Sans"/>
-              </a:defRPr>
-            </a:lvl1pPr>
-            <a:lvl2pPr lvl="1" rtl="0">
-              <a:spcBef>
-                <a:spcPts val="0"/>
-              </a:spcBef>
-              <a:spcAft>
-                <a:spcPts val="0"/>
-              </a:spcAft>
-              <a:buSzPts val="2800"/>
-              <a:buNone/>
-              <a:defRPr/>
-            </a:lvl2pPr>
-            <a:lvl3pPr lvl="2" rtl="0">
-              <a:spcBef>
-                <a:spcPts val="0"/>
-              </a:spcBef>
-              <a:spcAft>
-                <a:spcPts val="0"/>
-              </a:spcAft>
-              <a:buSzPts val="2800"/>
-              <a:buNone/>
-              <a:defRPr/>
-            </a:lvl3pPr>
-            <a:lvl4pPr lvl="3" rtl="0">
-              <a:spcBef>
-                <a:spcPts val="0"/>
-              </a:spcBef>
-              <a:spcAft>
-                <a:spcPts val="0"/>
-              </a:spcAft>
-              <a:buSzPts val="2800"/>
-              <a:buNone/>
-              <a:defRPr/>
-            </a:lvl4pPr>
-            <a:lvl5pPr lvl="4" rtl="0">
-              <a:spcBef>
-                <a:spcPts val="0"/>
-              </a:spcBef>
-              <a:spcAft>
-                <a:spcPts val="0"/>
-              </a:spcAft>
-              <a:buSzPts val="2800"/>
-              <a:buNone/>
-              <a:defRPr/>
-            </a:lvl5pPr>
-            <a:lvl6pPr lvl="5" rtl="0">
-              <a:spcBef>
-                <a:spcPts val="0"/>
-              </a:spcBef>
-              <a:spcAft>
-                <a:spcPts val="0"/>
-              </a:spcAft>
-              <a:buSzPts val="2800"/>
-              <a:buNone/>
-              <a:defRPr/>
-            </a:lvl6pPr>
-            <a:lvl7pPr lvl="6" rtl="0">
-              <a:spcBef>
-                <a:spcPts val="0"/>
-              </a:spcBef>
-              <a:spcAft>
-                <a:spcPts val="0"/>
-              </a:spcAft>
-              <a:buSzPts val="2800"/>
-              <a:buNone/>
-              <a:defRPr/>
-            </a:lvl7pPr>
-            <a:lvl8pPr lvl="7" rtl="0">
-              <a:spcBef>
-                <a:spcPts val="0"/>
-              </a:spcBef>
-              <a:spcAft>
-                <a:spcPts val="0"/>
-              </a:spcAft>
-              <a:buSzPts val="2800"/>
-              <a:buNone/>
-              <a:defRPr/>
-            </a:lvl8pPr>
-            <a:lvl9pPr lvl="8" rtl="0">
-              <a:spcBef>
-                <a:spcPts val="0"/>
-              </a:spcBef>
-              <a:spcAft>
-                <a:spcPts val="0"/>
-              </a:spcAft>
-              <a:buSzPts val="2800"/>
-              <a:buNone/>
-              <a:defRPr/>
-            </a:lvl9pPr>
-          </a:lstStyle>
-          <a:p>
-            <a:endParaRPr/>
-          </a:p>
-        </p:txBody>
-      </p:sp>
-      <p:sp>
-        <p:nvSpPr>
-          <p:cNvPr id="25" name="Google Shape;25;p5"/>
-          <p:cNvSpPr txBox="1">
-            <a:spLocks noGrp="1"/>
-          </p:cNvSpPr>
-          <p:nvPr>
-            <p:ph type="body" idx="1"/>
-          </p:nvPr>
-        </p:nvSpPr>
-        <p:spPr>
-          <a:xfrm>
-            <a:off x="873625" y="2630600"/>
-            <a:ext cx="6014400" cy="1706100"/>
-          </a:xfrm>
-          <a:prstGeom prst="rect">
-            <a:avLst/>
-          </a:prstGeom>
-        </p:spPr>
-        <p:txBody>
-          <a:bodyPr spcFirstLastPara="1" wrap="square" lIns="91425" tIns="91425" rIns="91425" bIns="91425" anchor="t" anchorCtr="0">
-            <a:normAutofit/>
-          </a:bodyPr>
-          <a:lstStyle>
-            <a:lvl1pPr marL="457200" lvl="0" indent="-342900" rtl="0">
-              <a:spcBef>
-                <a:spcPts val="0"/>
-              </a:spcBef>
-              <a:spcAft>
-                <a:spcPts val="0"/>
-              </a:spcAft>
-              <a:buClr>
-                <a:schemeClr val="dk1"/>
-              </a:buClr>
-              <a:buSzPts val="1800"/>
-              <a:buFont typeface="Plus Jakarta Sans"/>
-              <a:buChar char="●"/>
-              <a:defRPr>
-                <a:solidFill>
-                  <a:schemeClr val="dk1"/>
-                </a:solidFill>
-                <a:latin typeface="Plus Jakarta Sans Medium"/>
-                <a:ea typeface="Plus Jakarta Sans Medium"/>
-                <a:cs typeface="Plus Jakarta Sans Medium"/>
-                <a:sym typeface="Plus Jakarta Sans Medium"/>
-              </a:defRPr>
-            </a:lvl1pPr>
-            <a:lvl2pPr marL="914400" lvl="1" indent="-317500" rtl="0">
-              <a:spcBef>
-                <a:spcPts val="0"/>
-              </a:spcBef>
-              <a:spcAft>
-                <a:spcPts val="0"/>
-              </a:spcAft>
-              <a:buClr>
-                <a:schemeClr val="dk1"/>
-              </a:buClr>
-              <a:buSzPts val="1400"/>
-              <a:buFont typeface="Plus Jakarta Sans Medium"/>
-              <a:buChar char="○"/>
-              <a:defRPr>
-                <a:solidFill>
-                  <a:schemeClr val="dk1"/>
-                </a:solidFill>
-                <a:latin typeface="Plus Jakarta Sans Medium"/>
-                <a:ea typeface="Plus Jakarta Sans Medium"/>
-                <a:cs typeface="Plus Jakarta Sans Medium"/>
-                <a:sym typeface="Plus Jakarta Sans Medium"/>
-              </a:defRPr>
-            </a:lvl2pPr>
-            <a:lvl3pPr marL="1371600" lvl="2" indent="-317500" rtl="0">
-              <a:spcBef>
-                <a:spcPts val="0"/>
-              </a:spcBef>
-              <a:spcAft>
-                <a:spcPts val="0"/>
-              </a:spcAft>
-              <a:buClr>
-                <a:schemeClr val="dk1"/>
-              </a:buClr>
-              <a:buSzPts val="1400"/>
-              <a:buFont typeface="Plus Jakarta Sans Medium"/>
-              <a:buChar char="■"/>
-              <a:defRPr>
-                <a:solidFill>
-                  <a:schemeClr val="dk1"/>
-                </a:solidFill>
-                <a:latin typeface="Plus Jakarta Sans Medium"/>
-                <a:ea typeface="Plus Jakarta Sans Medium"/>
-                <a:cs typeface="Plus Jakarta Sans Medium"/>
-                <a:sym typeface="Plus Jakarta Sans Medium"/>
-              </a:defRPr>
-            </a:lvl3pPr>
-            <a:lvl4pPr marL="1828800" lvl="3" indent="-317500" rtl="0">
-              <a:spcBef>
-                <a:spcPts val="0"/>
-              </a:spcBef>
-              <a:spcAft>
-                <a:spcPts val="0"/>
-              </a:spcAft>
-              <a:buClr>
-                <a:schemeClr val="dk1"/>
-              </a:buClr>
-              <a:buSzPts val="1400"/>
-              <a:buFont typeface="Plus Jakarta Sans Medium"/>
-              <a:buChar char="●"/>
-              <a:defRPr>
-                <a:solidFill>
-                  <a:schemeClr val="dk1"/>
-                </a:solidFill>
-                <a:latin typeface="Plus Jakarta Sans Medium"/>
-                <a:ea typeface="Plus Jakarta Sans Medium"/>
-                <a:cs typeface="Plus Jakarta Sans Medium"/>
-                <a:sym typeface="Plus Jakarta Sans Medium"/>
-              </a:defRPr>
-            </a:lvl4pPr>
-            <a:lvl5pPr marL="2286000" lvl="4" indent="-317500" rtl="0">
-              <a:spcBef>
-                <a:spcPts val="0"/>
-              </a:spcBef>
-              <a:spcAft>
-                <a:spcPts val="0"/>
-              </a:spcAft>
-              <a:buClr>
-                <a:schemeClr val="dk1"/>
-              </a:buClr>
-              <a:buSzPts val="1400"/>
-              <a:buFont typeface="Plus Jakarta Sans Medium"/>
-              <a:buChar char="○"/>
-              <a:defRPr>
-                <a:solidFill>
-                  <a:schemeClr val="dk1"/>
-                </a:solidFill>
-                <a:latin typeface="Plus Jakarta Sans Medium"/>
-                <a:ea typeface="Plus Jakarta Sans Medium"/>
-                <a:cs typeface="Plus Jakarta Sans Medium"/>
-                <a:sym typeface="Plus Jakarta Sans Medium"/>
-              </a:defRPr>
-            </a:lvl5pPr>
-            <a:lvl6pPr marL="2743200" lvl="5" indent="-317500" rtl="0">
-              <a:spcBef>
-                <a:spcPts val="0"/>
-              </a:spcBef>
-              <a:spcAft>
-                <a:spcPts val="0"/>
-              </a:spcAft>
-              <a:buClr>
-                <a:schemeClr val="dk1"/>
-              </a:buClr>
-              <a:buSzPts val="1400"/>
-              <a:buFont typeface="Plus Jakarta Sans Medium"/>
-              <a:buChar char="■"/>
-              <a:defRPr>
-                <a:solidFill>
-                  <a:schemeClr val="dk1"/>
-                </a:solidFill>
-                <a:latin typeface="Plus Jakarta Sans Medium"/>
-                <a:ea typeface="Plus Jakarta Sans Medium"/>
-                <a:cs typeface="Plus Jakarta Sans Medium"/>
-                <a:sym typeface="Plus Jakarta Sans Medium"/>
-              </a:defRPr>
-            </a:lvl6pPr>
-            <a:lvl7pPr marL="3200400" lvl="6" indent="-317500" rtl="0">
-              <a:spcBef>
-                <a:spcPts val="0"/>
-              </a:spcBef>
-              <a:spcAft>
-                <a:spcPts val="0"/>
-              </a:spcAft>
-              <a:buClr>
-                <a:schemeClr val="dk1"/>
-              </a:buClr>
-              <a:buSzPts val="1400"/>
-              <a:buFont typeface="Plus Jakarta Sans Medium"/>
-              <a:buChar char="●"/>
-              <a:defRPr>
-                <a:solidFill>
-                  <a:schemeClr val="dk1"/>
-                </a:solidFill>
-                <a:latin typeface="Plus Jakarta Sans Medium"/>
-                <a:ea typeface="Plus Jakarta Sans Medium"/>
-                <a:cs typeface="Plus Jakarta Sans Medium"/>
-                <a:sym typeface="Plus Jakarta Sans Medium"/>
-              </a:defRPr>
-            </a:lvl7pPr>
-            <a:lvl8pPr marL="3657600" lvl="7" indent="-317500" rtl="0">
-              <a:spcBef>
-                <a:spcPts val="0"/>
-              </a:spcBef>
-              <a:spcAft>
-                <a:spcPts val="0"/>
-              </a:spcAft>
-              <a:buClr>
-                <a:schemeClr val="dk1"/>
-              </a:buClr>
-              <a:buSzPts val="1400"/>
-              <a:buFont typeface="Plus Jakarta Sans Medium"/>
-              <a:buChar char="○"/>
-              <a:defRPr>
-                <a:solidFill>
-                  <a:schemeClr val="dk1"/>
-                </a:solidFill>
-                <a:latin typeface="Plus Jakarta Sans Medium"/>
-                <a:ea typeface="Plus Jakarta Sans Medium"/>
-                <a:cs typeface="Plus Jakarta Sans Medium"/>
-                <a:sym typeface="Plus Jakarta Sans Medium"/>
-              </a:defRPr>
-            </a:lvl8pPr>
-            <a:lvl9pPr marL="4114800" lvl="8" indent="-317500" rtl="0">
-              <a:spcBef>
-                <a:spcPts val="0"/>
-              </a:spcBef>
-              <a:spcAft>
-                <a:spcPts val="0"/>
-              </a:spcAft>
-              <a:buClr>
-                <a:schemeClr val="dk1"/>
-              </a:buClr>
-              <a:buSzPts val="1400"/>
-              <a:buFont typeface="Plus Jakarta Sans Medium"/>
-              <a:buChar char="■"/>
-              <a:defRPr>
-                <a:solidFill>
-                  <a:schemeClr val="dk1"/>
-                </a:solidFill>
-                <a:latin typeface="Plus Jakarta Sans Medium"/>
-                <a:ea typeface="Plus Jakarta Sans Medium"/>
-                <a:cs typeface="Plus Jakarta Sans Medium"/>
-                <a:sym typeface="Plus Jakarta Sans Medium"/>
-              </a:defRPr>
-            </a:lvl9pPr>
-          </a:lstStyle>
-          <a:p>
-            <a:endParaRPr/>
-          </a:p>
-        </p:txBody>
-      </p:sp>
-      <p:sp>
-        <p:nvSpPr>
-          <p:cNvPr id="26" name="Google Shape;26;p5"/>
-          <p:cNvSpPr txBox="1">
-            <a:spLocks noGrp="1"/>
-          </p:cNvSpPr>
-          <p:nvPr>
-            <p:ph type="sldNum" idx="12"/>
-          </p:nvPr>
-        </p:nvSpPr>
-        <p:spPr>
-          <a:xfrm>
-            <a:off x="8472458" y="4676167"/>
-            <a:ext cx="548700" cy="393600"/>
-          </a:xfrm>
-          <a:prstGeom prst="rect">
-            <a:avLst/>
-          </a:prstGeom>
-        </p:spPr>
-        <p:txBody>
-          <a:bodyPr spcFirstLastPara="1" wrap="square" lIns="91425" tIns="91425" rIns="91425" bIns="91425" anchor="ctr" anchorCtr="0">
-            <a:normAutofit/>
-          </a:bodyPr>
-          <a:lstStyle>
-            <a:lvl1pPr lvl="0" rtl="0">
-              <a:buNone/>
-              <a:defRPr>
-                <a:latin typeface="Plus Jakarta Sans SemiBold"/>
-                <a:ea typeface="Plus Jakarta Sans SemiBold"/>
-                <a:cs typeface="Plus Jakarta Sans SemiBold"/>
-                <a:sym typeface="Plus Jakarta Sans SemiBold"/>
-              </a:defRPr>
-            </a:lvl1pPr>
-            <a:lvl2pPr lvl="1" rtl="0">
-              <a:buNone/>
-              <a:defRPr>
-                <a:latin typeface="Plus Jakarta Sans SemiBold"/>
-                <a:ea typeface="Plus Jakarta Sans SemiBold"/>
-                <a:cs typeface="Plus Jakarta Sans SemiBold"/>
-                <a:sym typeface="Plus Jakarta Sans SemiBold"/>
-              </a:defRPr>
-            </a:lvl2pPr>
-            <a:lvl3pPr lvl="2" rtl="0">
-              <a:buNone/>
-              <a:defRPr>
-                <a:latin typeface="Plus Jakarta Sans SemiBold"/>
-                <a:ea typeface="Plus Jakarta Sans SemiBold"/>
-                <a:cs typeface="Plus Jakarta Sans SemiBold"/>
-                <a:sym typeface="Plus Jakarta Sans SemiBold"/>
-              </a:defRPr>
-            </a:lvl3pPr>
-            <a:lvl4pPr lvl="3" rtl="0">
-              <a:buNone/>
-              <a:defRPr>
-                <a:latin typeface="Plus Jakarta Sans SemiBold"/>
-                <a:ea typeface="Plus Jakarta Sans SemiBold"/>
-                <a:cs typeface="Plus Jakarta Sans SemiBold"/>
-                <a:sym typeface="Plus Jakarta Sans SemiBold"/>
-              </a:defRPr>
-            </a:lvl4pPr>
-            <a:lvl5pPr lvl="4" rtl="0">
-              <a:buNone/>
-              <a:defRPr>
-                <a:latin typeface="Plus Jakarta Sans SemiBold"/>
-                <a:ea typeface="Plus Jakarta Sans SemiBold"/>
-                <a:cs typeface="Plus Jakarta Sans SemiBold"/>
-                <a:sym typeface="Plus Jakarta Sans SemiBold"/>
-              </a:defRPr>
-            </a:lvl5pPr>
-            <a:lvl6pPr lvl="5" rtl="0">
-              <a:buNone/>
-              <a:defRPr>
-                <a:latin typeface="Plus Jakarta Sans SemiBold"/>
-                <a:ea typeface="Plus Jakarta Sans SemiBold"/>
-                <a:cs typeface="Plus Jakarta Sans SemiBold"/>
-                <a:sym typeface="Plus Jakarta Sans SemiBold"/>
-              </a:defRPr>
-            </a:lvl6pPr>
-            <a:lvl7pPr lvl="6" rtl="0">
-              <a:buNone/>
-              <a:defRPr>
-                <a:latin typeface="Plus Jakarta Sans SemiBold"/>
-                <a:ea typeface="Plus Jakarta Sans SemiBold"/>
-                <a:cs typeface="Plus Jakarta Sans SemiBold"/>
-                <a:sym typeface="Plus Jakarta Sans SemiBold"/>
-              </a:defRPr>
-            </a:lvl7pPr>
-            <a:lvl8pPr lvl="7" rtl="0">
-              <a:buNone/>
-              <a:defRPr>
-                <a:latin typeface="Plus Jakarta Sans SemiBold"/>
-                <a:ea typeface="Plus Jakarta Sans SemiBold"/>
-                <a:cs typeface="Plus Jakarta Sans SemiBold"/>
-                <a:sym typeface="Plus Jakarta Sans SemiBold"/>
-              </a:defRPr>
-            </a:lvl8pPr>
-            <a:lvl9pPr lvl="8" rtl="0">
-              <a:buNone/>
-              <a:defRPr>
-                <a:latin typeface="Plus Jakarta Sans SemiBold"/>
-                <a:ea typeface="Plus Jakarta Sans SemiBold"/>
-                <a:cs typeface="Plus Jakarta Sans SemiBold"/>
-                <a:sym typeface="Plus Jakarta Sans SemiBold"/>
-              </a:defRPr>
-            </a:lvl9pPr>
-          </a:lstStyle>
-          <a:p>
-            <a:pPr marL="0" lvl="0" indent="0" algn="r" rtl="0">
-              <a:spcBef>
-                <a:spcPts val="0"/>
-              </a:spcBef>
-              <a:spcAft>
-                <a:spcPts val="0"/>
-              </a:spcAft>
-              <a:buNone/>
-            </a:pPr>
-            <a:fld id="{00000000-1234-1234-1234-123412341234}" type="slidenum">
-              <a:rPr lang="en"/>
-              <a:t>‹#›</a:t>
-            </a:fld>
-            <a:endParaRPr/>
-          </a:p>
-        </p:txBody>
-      </p:sp>
-      <p:cxnSp>
-        <p:nvCxnSpPr>
-          <p:cNvPr id="27" name="Google Shape;27;p5"/>
-          <p:cNvCxnSpPr/>
-          <p:nvPr/>
-        </p:nvCxnSpPr>
-        <p:spPr>
-          <a:xfrm>
-            <a:off x="151358" y="4703617"/>
-            <a:ext cx="8841300" cy="36000"/>
-          </a:xfrm>
-          <a:prstGeom prst="straightConnector1">
-            <a:avLst/>
-          </a:prstGeom>
-          <a:noFill/>
-          <a:ln w="19050" cap="flat" cmpd="sng">
-            <a:solidFill>
-              <a:schemeClr val="accent1"/>
-            </a:solidFill>
-            <a:prstDash val="solid"/>
-            <a:round/>
-            <a:headEnd type="none" w="med" len="med"/>
-            <a:tailEnd type="none" w="med" len="med"/>
-          </a:ln>
-        </p:spPr>
-      </p:cxnSp>
-      <p:sp>
-        <p:nvSpPr>
-          <p:cNvPr id="28" name="Google Shape;28;p5"/>
-          <p:cNvSpPr txBox="1"/>
-          <p:nvPr/>
-        </p:nvSpPr>
-        <p:spPr>
-          <a:xfrm>
-            <a:off x="151350" y="4703625"/>
-            <a:ext cx="3684000" cy="338700"/>
-          </a:xfrm>
-          <a:prstGeom prst="rect">
-            <a:avLst/>
-          </a:prstGeom>
-          <a:noFill/>
-          <a:ln>
-            <a:noFill/>
-          </a:ln>
-        </p:spPr>
-        <p:txBody>
-          <a:bodyPr spcFirstLastPara="1" wrap="square" lIns="91425" tIns="91425" rIns="91425" bIns="91425" anchor="t" anchorCtr="0">
-            <a:spAutoFit/>
-          </a:bodyPr>
-          <a:lstStyle/>
-          <a:p>
-            <a:pPr marL="0" lvl="0" indent="0" algn="l" rtl="0">
-              <a:spcBef>
-                <a:spcPts val="0"/>
-              </a:spcBef>
-              <a:spcAft>
-                <a:spcPts val="0"/>
-              </a:spcAft>
-              <a:buNone/>
-            </a:pPr>
-            <a:r>
-              <a:rPr lang="en" sz="1000" b="1">
-                <a:solidFill>
-                  <a:schemeClr val="dk1"/>
-                </a:solidFill>
-                <a:latin typeface="Plus Jakarta Sans"/>
-                <a:ea typeface="Plus Jakarta Sans"/>
-                <a:cs typeface="Plus Jakarta Sans"/>
-                <a:sym typeface="Plus Jakarta Sans"/>
-              </a:rPr>
-              <a:t>Bootcamp Data Consultant by Data Science Indonesia</a:t>
-            </a:r>
-            <a:endParaRPr b="1">
-              <a:solidFill>
-                <a:schemeClr val="dk1"/>
-              </a:solidFill>
-              <a:latin typeface="Plus Jakarta Sans"/>
-              <a:ea typeface="Plus Jakarta Sans"/>
-              <a:cs typeface="Plus Jakarta Sans"/>
-              <a:sym typeface="Plus Jakarta Sans"/>
-            </a:endParaRPr>
-          </a:p>
-        </p:txBody>
-      </p:sp>
-      <p:pic>
-        <p:nvPicPr>
-          <p:cNvPr id="29" name="Google Shape;29;p5"/>
-          <p:cNvPicPr preferRelativeResize="0"/>
-          <p:nvPr/>
-        </p:nvPicPr>
-        <p:blipFill>
-          <a:blip r:embed="rId3">
-            <a:alphaModFix/>
-          </a:blip>
-          <a:stretch>
-            <a:fillRect/>
-          </a:stretch>
-        </p:blipFill>
-        <p:spPr>
-          <a:xfrm>
-            <a:off x="7097175" y="2796000"/>
-            <a:ext cx="1375275" cy="1375275"/>
-          </a:xfrm>
-          <a:prstGeom prst="rect">
-            <a:avLst/>
-          </a:prstGeom>
-          <a:noFill/>
-          <a:ln>
-            <a:noFill/>
-          </a:ln>
-        </p:spPr>
-      </p:pic>
-    </p:spTree>
-  </p:cSld>
-  <p:clrMapOvr>
-    <a:masterClrMapping/>
-  </p:clrMapOvr>
-</p:sldLayout>
-</file>
-
-<file path=ppt/slideLayouts/slideLayout5.xml><?xml version="1.0" encoding="utf-8"?>
 <p:sldLayout xmlns:a="http://schemas.openxmlformats.org/drawingml/2006/main" xmlns:r="http://schemas.openxmlformats.org/officeDocument/2006/relationships" xmlns:p="http://schemas.openxmlformats.org/presentationml/2006/main" matchingName="Content Reguler">
   <p:cSld name="TITLE_AND_BODY_1_2">
     <p:bg>
@@ -3246,603 +2706,7 @@
 </p:sldLayout>
 </file>
 
-<file path=ppt/slideLayouts/slideLayout6.xml><?xml version="1.0" encoding="utf-8"?>
-<p:sldLayout xmlns:a="http://schemas.openxmlformats.org/drawingml/2006/main" xmlns:r="http://schemas.openxmlformats.org/officeDocument/2006/relationships" xmlns:p="http://schemas.openxmlformats.org/presentationml/2006/main" matchingName="Content Gambar &amp; Diagram">
-  <p:cSld name="TITLE_AND_BODY_1_1">
-    <p:bg>
-      <p:bgPr>
-        <a:blipFill>
-          <a:blip r:embed="rId2">
-            <a:alphaModFix/>
-          </a:blip>
-          <a:stretch>
-            <a:fillRect/>
-          </a:stretch>
-        </a:blipFill>
-        <a:effectLst/>
-      </p:bgPr>
-    </p:bg>
-    <p:spTree>
-      <p:nvGrpSpPr>
-        <p:cNvPr id="1" name="Shape 36"/>
-        <p:cNvGrpSpPr/>
-        <p:nvPr/>
-      </p:nvGrpSpPr>
-      <p:grpSpPr>
-        <a:xfrm>
-          <a:off x="0" y="0"/>
-          <a:ext cx="0" cy="0"/>
-          <a:chOff x="0" y="0"/>
-          <a:chExt cx="0" cy="0"/>
-        </a:xfrm>
-      </p:grpSpPr>
-      <p:sp>
-        <p:nvSpPr>
-          <p:cNvPr id="37" name="Google Shape;37;p7"/>
-          <p:cNvSpPr>
-            <a:spLocks noGrp="1"/>
-          </p:cNvSpPr>
-          <p:nvPr>
-            <p:ph type="pic" idx="2"/>
-          </p:nvPr>
-        </p:nvSpPr>
-        <p:spPr>
-          <a:xfrm>
-            <a:off x="412225" y="1255425"/>
-            <a:ext cx="4016700" cy="3245400"/>
-          </a:xfrm>
-          <a:prstGeom prst="roundRect">
-            <a:avLst>
-              <a:gd name="adj" fmla="val 9853"/>
-            </a:avLst>
-          </a:prstGeom>
-          <a:noFill/>
-          <a:ln>
-            <a:noFill/>
-          </a:ln>
-        </p:spPr>
-      </p:sp>
-      <p:sp>
-        <p:nvSpPr>
-          <p:cNvPr id="38" name="Google Shape;38;p7"/>
-          <p:cNvSpPr txBox="1">
-            <a:spLocks noGrp="1"/>
-          </p:cNvSpPr>
-          <p:nvPr>
-            <p:ph type="title"/>
-          </p:nvPr>
-        </p:nvSpPr>
-        <p:spPr>
-          <a:xfrm>
-            <a:off x="311700" y="445025"/>
-            <a:ext cx="6377700" cy="572700"/>
-          </a:xfrm>
-          <a:prstGeom prst="rect">
-            <a:avLst/>
-          </a:prstGeom>
-        </p:spPr>
-        <p:txBody>
-          <a:bodyPr spcFirstLastPara="1" wrap="square" lIns="91425" tIns="91425" rIns="91425" bIns="91425" anchor="t" anchorCtr="0">
-            <a:normAutofit/>
-          </a:bodyPr>
-          <a:lstStyle>
-            <a:lvl1pPr lvl="0" rtl="0">
-              <a:spcBef>
-                <a:spcPts val="0"/>
-              </a:spcBef>
-              <a:spcAft>
-                <a:spcPts val="0"/>
-              </a:spcAft>
-              <a:buSzPts val="2800"/>
-              <a:buFont typeface="Plus Jakarta Sans"/>
-              <a:buNone/>
-              <a:defRPr b="1">
-                <a:latin typeface="Plus Jakarta Sans"/>
-                <a:ea typeface="Plus Jakarta Sans"/>
-                <a:cs typeface="Plus Jakarta Sans"/>
-                <a:sym typeface="Plus Jakarta Sans"/>
-              </a:defRPr>
-            </a:lvl1pPr>
-            <a:lvl2pPr lvl="1" rtl="0">
-              <a:spcBef>
-                <a:spcPts val="0"/>
-              </a:spcBef>
-              <a:spcAft>
-                <a:spcPts val="0"/>
-              </a:spcAft>
-              <a:buSzPts val="2800"/>
-              <a:buNone/>
-              <a:defRPr/>
-            </a:lvl2pPr>
-            <a:lvl3pPr lvl="2" rtl="0">
-              <a:spcBef>
-                <a:spcPts val="0"/>
-              </a:spcBef>
-              <a:spcAft>
-                <a:spcPts val="0"/>
-              </a:spcAft>
-              <a:buSzPts val="2800"/>
-              <a:buNone/>
-              <a:defRPr/>
-            </a:lvl3pPr>
-            <a:lvl4pPr lvl="3" rtl="0">
-              <a:spcBef>
-                <a:spcPts val="0"/>
-              </a:spcBef>
-              <a:spcAft>
-                <a:spcPts val="0"/>
-              </a:spcAft>
-              <a:buSzPts val="2800"/>
-              <a:buNone/>
-              <a:defRPr/>
-            </a:lvl4pPr>
-            <a:lvl5pPr lvl="4" rtl="0">
-              <a:spcBef>
-                <a:spcPts val="0"/>
-              </a:spcBef>
-              <a:spcAft>
-                <a:spcPts val="0"/>
-              </a:spcAft>
-              <a:buSzPts val="2800"/>
-              <a:buNone/>
-              <a:defRPr/>
-            </a:lvl5pPr>
-            <a:lvl6pPr lvl="5" rtl="0">
-              <a:spcBef>
-                <a:spcPts val="0"/>
-              </a:spcBef>
-              <a:spcAft>
-                <a:spcPts val="0"/>
-              </a:spcAft>
-              <a:buSzPts val="2800"/>
-              <a:buNone/>
-              <a:defRPr/>
-            </a:lvl6pPr>
-            <a:lvl7pPr lvl="6" rtl="0">
-              <a:spcBef>
-                <a:spcPts val="0"/>
-              </a:spcBef>
-              <a:spcAft>
-                <a:spcPts val="0"/>
-              </a:spcAft>
-              <a:buSzPts val="2800"/>
-              <a:buNone/>
-              <a:defRPr/>
-            </a:lvl7pPr>
-            <a:lvl8pPr lvl="7" rtl="0">
-              <a:spcBef>
-                <a:spcPts val="0"/>
-              </a:spcBef>
-              <a:spcAft>
-                <a:spcPts val="0"/>
-              </a:spcAft>
-              <a:buSzPts val="2800"/>
-              <a:buNone/>
-              <a:defRPr/>
-            </a:lvl8pPr>
-            <a:lvl9pPr lvl="8" rtl="0">
-              <a:spcBef>
-                <a:spcPts val="0"/>
-              </a:spcBef>
-              <a:spcAft>
-                <a:spcPts val="0"/>
-              </a:spcAft>
-              <a:buSzPts val="2800"/>
-              <a:buNone/>
-              <a:defRPr/>
-            </a:lvl9pPr>
-          </a:lstStyle>
-          <a:p>
-            <a:endParaRPr/>
-          </a:p>
-        </p:txBody>
-      </p:sp>
-      <p:sp>
-        <p:nvSpPr>
-          <p:cNvPr id="39" name="Google Shape;39;p7"/>
-          <p:cNvSpPr txBox="1">
-            <a:spLocks noGrp="1"/>
-          </p:cNvSpPr>
-          <p:nvPr>
-            <p:ph type="sldNum" idx="12"/>
-          </p:nvPr>
-        </p:nvSpPr>
-        <p:spPr>
-          <a:xfrm>
-            <a:off x="8472458" y="4663217"/>
-            <a:ext cx="548700" cy="393600"/>
-          </a:xfrm>
-          <a:prstGeom prst="rect">
-            <a:avLst/>
-          </a:prstGeom>
-        </p:spPr>
-        <p:txBody>
-          <a:bodyPr spcFirstLastPara="1" wrap="square" lIns="91425" tIns="91425" rIns="91425" bIns="91425" anchor="ctr" anchorCtr="0">
-            <a:normAutofit/>
-          </a:bodyPr>
-          <a:lstStyle>
-            <a:lvl1pPr lvl="0" rtl="0">
-              <a:buNone/>
-              <a:defRPr/>
-            </a:lvl1pPr>
-            <a:lvl2pPr lvl="1" rtl="0">
-              <a:buNone/>
-              <a:defRPr/>
-            </a:lvl2pPr>
-            <a:lvl3pPr lvl="2" rtl="0">
-              <a:buNone/>
-              <a:defRPr/>
-            </a:lvl3pPr>
-            <a:lvl4pPr lvl="3" rtl="0">
-              <a:buNone/>
-              <a:defRPr/>
-            </a:lvl4pPr>
-            <a:lvl5pPr lvl="4" rtl="0">
-              <a:buNone/>
-              <a:defRPr/>
-            </a:lvl5pPr>
-            <a:lvl6pPr lvl="5" rtl="0">
-              <a:buNone/>
-              <a:defRPr/>
-            </a:lvl6pPr>
-            <a:lvl7pPr lvl="6" rtl="0">
-              <a:buNone/>
-              <a:defRPr/>
-            </a:lvl7pPr>
-            <a:lvl8pPr lvl="7" rtl="0">
-              <a:buNone/>
-              <a:defRPr/>
-            </a:lvl8pPr>
-            <a:lvl9pPr lvl="8" rtl="0">
-              <a:buNone/>
-              <a:defRPr/>
-            </a:lvl9pPr>
-          </a:lstStyle>
-          <a:p>
-            <a:pPr marL="0" lvl="0" indent="0" algn="r" rtl="0">
-              <a:spcBef>
-                <a:spcPts val="0"/>
-              </a:spcBef>
-              <a:spcAft>
-                <a:spcPts val="0"/>
-              </a:spcAft>
-              <a:buNone/>
-            </a:pPr>
-            <a:fld id="{00000000-1234-1234-1234-123412341234}" type="slidenum">
-              <a:rPr lang="en"/>
-              <a:t>‹#›</a:t>
-            </a:fld>
-            <a:endParaRPr/>
-          </a:p>
-        </p:txBody>
-      </p:sp>
-      <p:sp>
-        <p:nvSpPr>
-          <p:cNvPr id="40" name="Google Shape;40;p7"/>
-          <p:cNvSpPr txBox="1">
-            <a:spLocks noGrp="1"/>
-          </p:cNvSpPr>
-          <p:nvPr>
-            <p:ph type="body" idx="1"/>
-          </p:nvPr>
-        </p:nvSpPr>
-        <p:spPr>
-          <a:xfrm>
-            <a:off x="4598200" y="1246825"/>
-            <a:ext cx="4016700" cy="3254100"/>
-          </a:xfrm>
-          <a:prstGeom prst="rect">
-            <a:avLst/>
-          </a:prstGeom>
-        </p:spPr>
-        <p:txBody>
-          <a:bodyPr spcFirstLastPara="1" wrap="square" lIns="91425" tIns="91425" rIns="91425" bIns="91425" anchor="t" anchorCtr="0">
-            <a:normAutofit/>
-          </a:bodyPr>
-          <a:lstStyle>
-            <a:lvl1pPr marL="457200" lvl="0" indent="-342900" rtl="0">
-              <a:spcBef>
-                <a:spcPts val="0"/>
-              </a:spcBef>
-              <a:spcAft>
-                <a:spcPts val="0"/>
-              </a:spcAft>
-              <a:buClr>
-                <a:schemeClr val="dk1"/>
-              </a:buClr>
-              <a:buSzPts val="1800"/>
-              <a:buFont typeface="Plus Jakarta Sans Medium"/>
-              <a:buChar char="●"/>
-              <a:defRPr>
-                <a:solidFill>
-                  <a:schemeClr val="dk1"/>
-                </a:solidFill>
-                <a:latin typeface="Plus Jakarta Sans Medium"/>
-                <a:ea typeface="Plus Jakarta Sans Medium"/>
-                <a:cs typeface="Plus Jakarta Sans Medium"/>
-                <a:sym typeface="Plus Jakarta Sans Medium"/>
-              </a:defRPr>
-            </a:lvl1pPr>
-            <a:lvl2pPr marL="914400" lvl="1" indent="-317500" rtl="0">
-              <a:spcBef>
-                <a:spcPts val="0"/>
-              </a:spcBef>
-              <a:spcAft>
-                <a:spcPts val="0"/>
-              </a:spcAft>
-              <a:buClr>
-                <a:schemeClr val="dk1"/>
-              </a:buClr>
-              <a:buSzPts val="1400"/>
-              <a:buFont typeface="Plus Jakarta Sans Medium"/>
-              <a:buChar char="○"/>
-              <a:defRPr>
-                <a:solidFill>
-                  <a:schemeClr val="dk1"/>
-                </a:solidFill>
-                <a:latin typeface="Plus Jakarta Sans Medium"/>
-                <a:ea typeface="Plus Jakarta Sans Medium"/>
-                <a:cs typeface="Plus Jakarta Sans Medium"/>
-                <a:sym typeface="Plus Jakarta Sans Medium"/>
-              </a:defRPr>
-            </a:lvl2pPr>
-            <a:lvl3pPr marL="1371600" lvl="2" indent="-317500" rtl="0">
-              <a:spcBef>
-                <a:spcPts val="0"/>
-              </a:spcBef>
-              <a:spcAft>
-                <a:spcPts val="0"/>
-              </a:spcAft>
-              <a:buClr>
-                <a:schemeClr val="dk1"/>
-              </a:buClr>
-              <a:buSzPts val="1400"/>
-              <a:buFont typeface="Plus Jakarta Sans Medium"/>
-              <a:buChar char="■"/>
-              <a:defRPr>
-                <a:solidFill>
-                  <a:schemeClr val="dk1"/>
-                </a:solidFill>
-                <a:latin typeface="Plus Jakarta Sans Medium"/>
-                <a:ea typeface="Plus Jakarta Sans Medium"/>
-                <a:cs typeface="Plus Jakarta Sans Medium"/>
-                <a:sym typeface="Plus Jakarta Sans Medium"/>
-              </a:defRPr>
-            </a:lvl3pPr>
-            <a:lvl4pPr marL="1828800" lvl="3" indent="-317500" rtl="0">
-              <a:spcBef>
-                <a:spcPts val="0"/>
-              </a:spcBef>
-              <a:spcAft>
-                <a:spcPts val="0"/>
-              </a:spcAft>
-              <a:buClr>
-                <a:schemeClr val="dk1"/>
-              </a:buClr>
-              <a:buSzPts val="1400"/>
-              <a:buFont typeface="Plus Jakarta Sans Medium"/>
-              <a:buChar char="●"/>
-              <a:defRPr>
-                <a:solidFill>
-                  <a:schemeClr val="dk1"/>
-                </a:solidFill>
-                <a:latin typeface="Plus Jakarta Sans Medium"/>
-                <a:ea typeface="Plus Jakarta Sans Medium"/>
-                <a:cs typeface="Plus Jakarta Sans Medium"/>
-                <a:sym typeface="Plus Jakarta Sans Medium"/>
-              </a:defRPr>
-            </a:lvl4pPr>
-            <a:lvl5pPr marL="2286000" lvl="4" indent="-317500" rtl="0">
-              <a:spcBef>
-                <a:spcPts val="0"/>
-              </a:spcBef>
-              <a:spcAft>
-                <a:spcPts val="0"/>
-              </a:spcAft>
-              <a:buClr>
-                <a:schemeClr val="dk1"/>
-              </a:buClr>
-              <a:buSzPts val="1400"/>
-              <a:buFont typeface="Plus Jakarta Sans Medium"/>
-              <a:buChar char="○"/>
-              <a:defRPr>
-                <a:solidFill>
-                  <a:schemeClr val="dk1"/>
-                </a:solidFill>
-                <a:latin typeface="Plus Jakarta Sans Medium"/>
-                <a:ea typeface="Plus Jakarta Sans Medium"/>
-                <a:cs typeface="Plus Jakarta Sans Medium"/>
-                <a:sym typeface="Plus Jakarta Sans Medium"/>
-              </a:defRPr>
-            </a:lvl5pPr>
-            <a:lvl6pPr marL="2743200" lvl="5" indent="-317500" rtl="0">
-              <a:spcBef>
-                <a:spcPts val="0"/>
-              </a:spcBef>
-              <a:spcAft>
-                <a:spcPts val="0"/>
-              </a:spcAft>
-              <a:buClr>
-                <a:schemeClr val="dk1"/>
-              </a:buClr>
-              <a:buSzPts val="1400"/>
-              <a:buFont typeface="Plus Jakarta Sans Medium"/>
-              <a:buChar char="■"/>
-              <a:defRPr>
-                <a:solidFill>
-                  <a:schemeClr val="dk1"/>
-                </a:solidFill>
-                <a:latin typeface="Plus Jakarta Sans Medium"/>
-                <a:ea typeface="Plus Jakarta Sans Medium"/>
-                <a:cs typeface="Plus Jakarta Sans Medium"/>
-                <a:sym typeface="Plus Jakarta Sans Medium"/>
-              </a:defRPr>
-            </a:lvl6pPr>
-            <a:lvl7pPr marL="3200400" lvl="6" indent="-317500" rtl="0">
-              <a:spcBef>
-                <a:spcPts val="0"/>
-              </a:spcBef>
-              <a:spcAft>
-                <a:spcPts val="0"/>
-              </a:spcAft>
-              <a:buClr>
-                <a:schemeClr val="dk1"/>
-              </a:buClr>
-              <a:buSzPts val="1400"/>
-              <a:buFont typeface="Plus Jakarta Sans Medium"/>
-              <a:buChar char="●"/>
-              <a:defRPr>
-                <a:solidFill>
-                  <a:schemeClr val="dk1"/>
-                </a:solidFill>
-                <a:latin typeface="Plus Jakarta Sans Medium"/>
-                <a:ea typeface="Plus Jakarta Sans Medium"/>
-                <a:cs typeface="Plus Jakarta Sans Medium"/>
-                <a:sym typeface="Plus Jakarta Sans Medium"/>
-              </a:defRPr>
-            </a:lvl7pPr>
-            <a:lvl8pPr marL="3657600" lvl="7" indent="-317500" rtl="0">
-              <a:spcBef>
-                <a:spcPts val="0"/>
-              </a:spcBef>
-              <a:spcAft>
-                <a:spcPts val="0"/>
-              </a:spcAft>
-              <a:buClr>
-                <a:schemeClr val="dk1"/>
-              </a:buClr>
-              <a:buSzPts val="1400"/>
-              <a:buFont typeface="Plus Jakarta Sans Medium"/>
-              <a:buChar char="○"/>
-              <a:defRPr>
-                <a:solidFill>
-                  <a:schemeClr val="dk1"/>
-                </a:solidFill>
-                <a:latin typeface="Plus Jakarta Sans Medium"/>
-                <a:ea typeface="Plus Jakarta Sans Medium"/>
-                <a:cs typeface="Plus Jakarta Sans Medium"/>
-                <a:sym typeface="Plus Jakarta Sans Medium"/>
-              </a:defRPr>
-            </a:lvl8pPr>
-            <a:lvl9pPr marL="4114800" lvl="8" indent="-317500" rtl="0">
-              <a:spcBef>
-                <a:spcPts val="0"/>
-              </a:spcBef>
-              <a:spcAft>
-                <a:spcPts val="0"/>
-              </a:spcAft>
-              <a:buClr>
-                <a:schemeClr val="dk1"/>
-              </a:buClr>
-              <a:buSzPts val="1400"/>
-              <a:buFont typeface="Plus Jakarta Sans Medium"/>
-              <a:buChar char="■"/>
-              <a:defRPr>
-                <a:solidFill>
-                  <a:schemeClr val="dk1"/>
-                </a:solidFill>
-                <a:latin typeface="Plus Jakarta Sans Medium"/>
-                <a:ea typeface="Plus Jakarta Sans Medium"/>
-                <a:cs typeface="Plus Jakarta Sans Medium"/>
-                <a:sym typeface="Plus Jakarta Sans Medium"/>
-              </a:defRPr>
-            </a:lvl9pPr>
-          </a:lstStyle>
-          <a:p>
-            <a:endParaRPr/>
-          </a:p>
-        </p:txBody>
-      </p:sp>
-      <p:cxnSp>
-        <p:nvCxnSpPr>
-          <p:cNvPr id="41" name="Google Shape;41;p7"/>
-          <p:cNvCxnSpPr/>
-          <p:nvPr/>
-        </p:nvCxnSpPr>
-        <p:spPr>
-          <a:xfrm>
-            <a:off x="151358" y="4703617"/>
-            <a:ext cx="8841300" cy="36000"/>
-          </a:xfrm>
-          <a:prstGeom prst="straightConnector1">
-            <a:avLst/>
-          </a:prstGeom>
-          <a:noFill/>
-          <a:ln w="19050" cap="flat" cmpd="sng">
-            <a:solidFill>
-              <a:schemeClr val="accent1"/>
-            </a:solidFill>
-            <a:prstDash val="solid"/>
-            <a:round/>
-            <a:headEnd type="none" w="med" len="med"/>
-            <a:tailEnd type="none" w="med" len="med"/>
-          </a:ln>
-        </p:spPr>
-      </p:cxnSp>
-      <p:sp>
-        <p:nvSpPr>
-          <p:cNvPr id="42" name="Google Shape;42;p7"/>
-          <p:cNvSpPr txBox="1"/>
-          <p:nvPr/>
-        </p:nvSpPr>
-        <p:spPr>
-          <a:xfrm>
-            <a:off x="151350" y="4703625"/>
-            <a:ext cx="3684000" cy="338700"/>
-          </a:xfrm>
-          <a:prstGeom prst="rect">
-            <a:avLst/>
-          </a:prstGeom>
-          <a:noFill/>
-          <a:ln>
-            <a:noFill/>
-          </a:ln>
-        </p:spPr>
-        <p:txBody>
-          <a:bodyPr spcFirstLastPara="1" wrap="square" lIns="91425" tIns="91425" rIns="91425" bIns="91425" anchor="t" anchorCtr="0">
-            <a:spAutoFit/>
-          </a:bodyPr>
-          <a:lstStyle/>
-          <a:p>
-            <a:pPr marL="0" lvl="0" indent="0" algn="l" rtl="0">
-              <a:spcBef>
-                <a:spcPts val="0"/>
-              </a:spcBef>
-              <a:spcAft>
-                <a:spcPts val="0"/>
-              </a:spcAft>
-              <a:buNone/>
-            </a:pPr>
-            <a:r>
-              <a:rPr lang="en" sz="1000" b="1">
-                <a:solidFill>
-                  <a:schemeClr val="dk1"/>
-                </a:solidFill>
-                <a:latin typeface="Plus Jakarta Sans"/>
-                <a:ea typeface="Plus Jakarta Sans"/>
-                <a:cs typeface="Plus Jakarta Sans"/>
-                <a:sym typeface="Plus Jakarta Sans"/>
-              </a:rPr>
-              <a:t>Bootcamp Data Consultant by Data Science Indonesia</a:t>
-            </a:r>
-            <a:endParaRPr b="1">
-              <a:latin typeface="Plus Jakarta Sans"/>
-              <a:ea typeface="Plus Jakarta Sans"/>
-              <a:cs typeface="Plus Jakarta Sans"/>
-              <a:sym typeface="Plus Jakarta Sans"/>
-            </a:endParaRPr>
-          </a:p>
-        </p:txBody>
-      </p:sp>
-    </p:spTree>
-  </p:cSld>
-  <p:clrMapOvr>
-    <a:masterClrMapping/>
-  </p:clrMapOvr>
-</p:sldLayout>
-</file>
-
-<file path=ppt/slideLayouts/slideLayout7.xml><?xml version="1.0" encoding="utf-8"?>
+<file path=ppt/slideLayouts/slideLayout5.xml><?xml version="1.0" encoding="utf-8"?>
 <p:sldLayout xmlns:a="http://schemas.openxmlformats.org/drawingml/2006/main" xmlns:r="http://schemas.openxmlformats.org/officeDocument/2006/relationships" xmlns:p="http://schemas.openxmlformats.org/presentationml/2006/main" matchingName="Big Text One Liner">
   <p:cSld name="CUSTOM">
     <p:bg>
@@ -4125,7 +2989,7 @@
     <p:bg>
       <p:bgPr>
         <a:blipFill>
-          <a:blip r:embed="rId9">
+          <a:blip r:embed="rId7">
             <a:alphaModFix/>
           </a:blip>
           <a:stretch>
@@ -4694,10 +3558,8 @@
     <p:sldLayoutId id="2147483648" r:id="rId1"/>
     <p:sldLayoutId id="2147483649" r:id="rId2"/>
     <p:sldLayoutId id="2147483650" r:id="rId3"/>
-    <p:sldLayoutId id="2147483651" r:id="rId4"/>
-    <p:sldLayoutId id="2147483652" r:id="rId5"/>
-    <p:sldLayoutId id="2147483653" r:id="rId6"/>
-    <p:sldLayoutId id="2147483654" r:id="rId7"/>
+    <p:sldLayoutId id="2147483652" r:id="rId4"/>
+    <p:sldLayoutId id="2147483654" r:id="rId5"/>
   </p:sldLayoutIdLst>
   <p:hf sldNum="0" hdr="0" ftr="0" dt="0"/>
   <p:txStyles>
@@ -5421,8 +4283,8 @@
         </p:nvSpPr>
         <p:spPr>
           <a:xfrm>
-            <a:off x="2214020" y="1488900"/>
-            <a:ext cx="5664000" cy="1453200"/>
+            <a:off x="2214020" y="1488899"/>
+            <a:ext cx="5664000" cy="1827737"/>
           </a:xfrm>
           <a:prstGeom prst="rect">
             <a:avLst/>
@@ -5434,7 +4296,10 @@
           </a:bodyPr>
           <a:lstStyle/>
           <a:p>
-            <a:pPr marL="0" lvl="0" indent="0" algn="just" rtl="0">
+            <a:pPr marL="0" lvl="0" indent="0" algn="ctr" rtl="0">
+              <a:lnSpc>
+                <a:spcPct val="150000"/>
+              </a:lnSpc>
               <a:spcBef>
                 <a:spcPts val="0"/>
               </a:spcBef>
@@ -5444,17 +4309,17 @@
               <a:buNone/>
             </a:pPr>
             <a:r>
-              <a:rPr lang="en-US" sz="3900" dirty="0"/>
+              <a:rPr lang="en-US" sz="3900" b="1" dirty="0"/>
               <a:t>Mini Project Data Science</a:t>
             </a:r>
             <a:br>
-              <a:rPr lang="en-US" dirty="0"/>
+              <a:rPr lang="en-US" b="1" dirty="0"/>
             </a:br>
             <a:r>
-              <a:rPr lang="en-US" sz="3100" dirty="0"/>
-              <a:t>Project Title</a:t>
-            </a:r>
-            <a:endParaRPr sz="3100" dirty="0"/>
+              <a:rPr lang="en-US" sz="1600" b="1" dirty="0"/>
+              <a:t>Analysis of Traffic Conditions in Bandung City using Waze Data</a:t>
+            </a:r>
+            <a:endParaRPr sz="1600" b="1" dirty="0"/>
           </a:p>
         </p:txBody>
       </p:sp>
@@ -5470,8 +4335,8 @@
         </p:nvSpPr>
         <p:spPr>
           <a:xfrm>
-            <a:off x="2214020" y="2942100"/>
-            <a:ext cx="5544000" cy="810600"/>
+            <a:off x="5520040" y="3316636"/>
+            <a:ext cx="2357980" cy="405533"/>
           </a:xfrm>
           <a:prstGeom prst="rect">
             <a:avLst/>
@@ -5493,10 +4358,10 @@
               <a:buNone/>
             </a:pPr>
             <a:r>
-              <a:rPr lang="en-US" dirty="0"/>
+              <a:rPr lang="en-US" sz="1200" dirty="0"/>
               <a:t>by Adrian Maulana Muhammad</a:t>
             </a:r>
-            <a:endParaRPr dirty="0"/>
+            <a:endParaRPr sz="1200" dirty="0"/>
           </a:p>
         </p:txBody>
       </p:sp>
@@ -5505,6 +4370,18 @@
   <p:clrMapOvr>
     <a:masterClrMapping/>
   </p:clrMapOvr>
+  <mc:AlternateContent xmlns:mc="http://schemas.openxmlformats.org/markup-compatibility/2006">
+    <mc:Choice xmlns:p14="http://schemas.microsoft.com/office/powerpoint/2010/main" Requires="p14">
+      <p:transition spd="med" p14:dur="700">
+        <p:fade/>
+      </p:transition>
+    </mc:Choice>
+    <mc:Fallback>
+      <p:transition spd="med">
+        <p:fade/>
+      </p:transition>
+    </mc:Fallback>
+  </mc:AlternateContent>
 </p:sld>
 </file>
 
@@ -5530,7 +4407,7 @@
           <p:cNvPr id="2" name="Title 1">
             <a:extLst>
               <a:ext uri="{FF2B5EF4-FFF2-40B4-BE49-F238E27FC236}">
-                <a16:creationId xmlns:a16="http://schemas.microsoft.com/office/drawing/2014/main" id="{C356B22A-7936-00B4-75C4-FB7AE9B05118}"/>
+                <a16:creationId xmlns:a16="http://schemas.microsoft.com/office/drawing/2014/main" id="{358F40CA-98A7-F567-A988-C7494E049703}"/>
               </a:ext>
             </a:extLst>
           </p:cNvPr>
@@ -5541,7 +4418,12 @@
             <p:ph type="title"/>
           </p:nvPr>
         </p:nvSpPr>
-        <p:spPr/>
+        <p:spPr>
+          <a:xfrm>
+            <a:off x="311700" y="709375"/>
+            <a:ext cx="6377700" cy="572700"/>
+          </a:xfrm>
+        </p:spPr>
         <p:txBody>
           <a:bodyPr>
             <a:normAutofit fontScale="90000"/>
@@ -5550,7 +4432,7 @@
           <a:p>
             <a:r>
               <a:rPr lang="en-US" dirty="0"/>
-              <a:t>Exploratory Data Analysis (EDA) &amp; Statistical Analysis</a:t>
+              <a:t>Waze for Cities Data</a:t>
             </a:r>
             <a:endParaRPr lang="en-ID" dirty="0"/>
           </a:p>
@@ -5558,10 +4440,10 @@
       </p:sp>
       <p:sp>
         <p:nvSpPr>
-          <p:cNvPr id="3" name="Title 2">
+          <p:cNvPr id="3" name="Text Placeholder 2">
             <a:extLst>
               <a:ext uri="{FF2B5EF4-FFF2-40B4-BE49-F238E27FC236}">
-                <a16:creationId xmlns:a16="http://schemas.microsoft.com/office/drawing/2014/main" id="{5F45063B-902F-2385-405A-3E24E70C2EED}"/>
+                <a16:creationId xmlns:a16="http://schemas.microsoft.com/office/drawing/2014/main" id="{D43773D6-995C-4937-9204-BD8EF7AE131A}"/>
               </a:ext>
             </a:extLst>
           </p:cNvPr>
@@ -5569,32 +4451,89 @@
             <a:spLocks noGrp="1"/>
           </p:cNvSpPr>
           <p:nvPr>
-            <p:ph type="title" idx="2"/>
+            <p:ph type="body" idx="1"/>
           </p:nvPr>
         </p:nvSpPr>
-        <p:spPr/>
+        <p:spPr>
+          <a:xfrm>
+            <a:off x="311700" y="1282075"/>
+            <a:ext cx="4144062" cy="3416400"/>
+          </a:xfrm>
+        </p:spPr>
         <p:txBody>
-          <a:bodyPr/>
+          <a:bodyPr>
+            <a:normAutofit/>
+          </a:bodyPr>
           <a:lstStyle/>
           <a:p>
-            <a:r>
-              <a:rPr lang="en-US" dirty="0"/>
-              <a:t>V</a:t>
-            </a:r>
-            <a:endParaRPr lang="en-ID" dirty="0"/>
+            <a:pPr marL="114300" indent="0" algn="just">
+              <a:buNone/>
+            </a:pPr>
+            <a:r>
+              <a:rPr lang="en-US" sz="1400" dirty="0"/>
+              <a:t>Through the Waze for Cities initiative, which involves a data-sharing partnership between Waze and public sector partners worldwide, we can utilize the data to analyze traffic safety in Bandung City for visitors.</a:t>
+            </a:r>
+            <a:endParaRPr lang="en-ID" sz="1400" dirty="0"/>
           </a:p>
         </p:txBody>
       </p:sp>
+      <p:pic>
+        <p:nvPicPr>
+          <p:cNvPr id="11" name="Picture 10">
+            <a:extLst>
+              <a:ext uri="{FF2B5EF4-FFF2-40B4-BE49-F238E27FC236}">
+                <a16:creationId xmlns:a16="http://schemas.microsoft.com/office/drawing/2014/main" id="{7AFCE1F9-E65F-8215-4232-FE7885D9F564}"/>
+              </a:ext>
+            </a:extLst>
+          </p:cNvPr>
+          <p:cNvPicPr>
+            <a:picLocks noChangeAspect="1"/>
+          </p:cNvPicPr>
+          <p:nvPr/>
+        </p:nvPicPr>
+        <p:blipFill>
+          <a:blip r:embed="rId2"/>
+          <a:stretch>
+            <a:fillRect/>
+          </a:stretch>
+        </p:blipFill>
+        <p:spPr>
+          <a:xfrm>
+            <a:off x="4572000" y="1327284"/>
+            <a:ext cx="4144062" cy="2488931"/>
+          </a:xfrm>
+          <a:prstGeom prst="rect">
+            <a:avLst/>
+          </a:prstGeom>
+          <a:ln>
+            <a:solidFill>
+              <a:schemeClr val="tx1"/>
+            </a:solidFill>
+          </a:ln>
+        </p:spPr>
+      </p:pic>
     </p:spTree>
     <p:extLst>
       <p:ext uri="{BB962C8B-B14F-4D97-AF65-F5344CB8AC3E}">
-        <p14:creationId xmlns:p14="http://schemas.microsoft.com/office/powerpoint/2010/main" val="2173926681"/>
+        <p14:creationId xmlns:p14="http://schemas.microsoft.com/office/powerpoint/2010/main" val="666130233"/>
       </p:ext>
     </p:extLst>
   </p:cSld>
   <p:clrMapOvr>
     <a:masterClrMapping/>
   </p:clrMapOvr>
+  <mc:AlternateContent xmlns:mc="http://schemas.openxmlformats.org/markup-compatibility/2006">
+    <mc:Choice xmlns:p14="http://schemas.microsoft.com/office/powerpoint/2010/main" Requires="p14">
+      <p:transition spd="med" p14:dur="700">
+        <p:fade/>
+      </p:transition>
+    </mc:Choice>
+    <mc:Fallback>
+      <p:transition spd="med">
+        <p:fade/>
+      </p:transition>
+    </mc:Fallback>
+  </mc:AlternateContent>
 </p:sld>
 </file>
 
@@ -5620,7 +4559,7 @@
           <p:cNvPr id="2" name="Title 1">
             <a:extLst>
               <a:ext uri="{FF2B5EF4-FFF2-40B4-BE49-F238E27FC236}">
-                <a16:creationId xmlns:a16="http://schemas.microsoft.com/office/drawing/2014/main" id="{C356B22A-7936-00B4-75C4-FB7AE9B05118}"/>
+                <a16:creationId xmlns:a16="http://schemas.microsoft.com/office/drawing/2014/main" id="{9D2F21D3-29AD-BBFE-9276-8507EB410A69}"/>
               </a:ext>
             </a:extLst>
           </p:cNvPr>
@@ -5631,7 +4570,12 @@
             <p:ph type="title"/>
           </p:nvPr>
         </p:nvSpPr>
-        <p:spPr/>
+        <p:spPr>
+          <a:xfrm>
+            <a:off x="505429" y="514768"/>
+            <a:ext cx="6377700" cy="572700"/>
+          </a:xfrm>
+        </p:spPr>
         <p:txBody>
           <a:bodyPr>
             <a:normAutofit fontScale="90000"/>
@@ -5640,51 +4584,229 @@
           <a:p>
             <a:r>
               <a:rPr lang="en-US" dirty="0"/>
-              <a:t>Machine Learning Model</a:t>
+              <a:t>Data Summaries</a:t>
             </a:r>
             <a:endParaRPr lang="en-ID" dirty="0"/>
           </a:p>
         </p:txBody>
       </p:sp>
-      <p:sp>
-        <p:nvSpPr>
-          <p:cNvPr id="3" name="Title 2">
+      <p:graphicFrame>
+        <p:nvGraphicFramePr>
+          <p:cNvPr id="5" name="Table 5">
             <a:extLst>
               <a:ext uri="{FF2B5EF4-FFF2-40B4-BE49-F238E27FC236}">
-                <a16:creationId xmlns:a16="http://schemas.microsoft.com/office/drawing/2014/main" id="{5F45063B-902F-2385-405A-3E24E70C2EED}"/>
+                <a16:creationId xmlns:a16="http://schemas.microsoft.com/office/drawing/2014/main" id="{2936B9AE-572A-750A-C8BA-B040CD87EA78}"/>
               </a:ext>
             </a:extLst>
           </p:cNvPr>
-          <p:cNvSpPr>
-            <a:spLocks noGrp="1"/>
-          </p:cNvSpPr>
+          <p:cNvGraphicFramePr>
+            <a:graphicFrameLocks noGrp="1"/>
+          </p:cNvGraphicFramePr>
           <p:nvPr>
-            <p:ph type="title" idx="2"/>
+            <p:extLst>
+              <p:ext uri="{D42A27DB-BD31-4B8C-83A1-F6EECF244321}">
+                <p14:modId xmlns:p14="http://schemas.microsoft.com/office/powerpoint/2010/main" val="3811271624"/>
+              </p:ext>
+            </p:extLst>
           </p:nvPr>
-        </p:nvSpPr>
-        <p:spPr/>
-        <p:txBody>
-          <a:bodyPr/>
-          <a:lstStyle/>
-          <a:p>
-            <a:r>
-              <a:rPr lang="en-US" dirty="0"/>
-              <a:t>VI</a:t>
-            </a:r>
-            <a:endParaRPr lang="en-ID" dirty="0"/>
-          </a:p>
-        </p:txBody>
-      </p:sp>
+        </p:nvGraphicFramePr>
+        <p:xfrm>
+          <a:off x="890124" y="1152293"/>
+          <a:ext cx="7363752" cy="3395431"/>
+        </p:xfrm>
+        <a:graphic>
+          <a:graphicData uri="http://schemas.openxmlformats.org/drawingml/2006/table">
+            <a:tbl>
+              <a:tblPr firstRow="1" bandRow="1">
+                <a:tableStyleId>{FABFCF23-3B69-468F-B69F-88F6DE6A72F2}</a:tableStyleId>
+              </a:tblPr>
+              <a:tblGrid>
+                <a:gridCol w="1577946">
+                  <a:extLst>
+                    <a:ext uri="{9D8B030D-6E8A-4147-A177-3AD203B41FA5}">
+                      <a16:colId xmlns:a16="http://schemas.microsoft.com/office/drawing/2014/main" val="121107167"/>
+                    </a:ext>
+                  </a:extLst>
+                </a:gridCol>
+                <a:gridCol w="5785806">
+                  <a:extLst>
+                    <a:ext uri="{9D8B030D-6E8A-4147-A177-3AD203B41FA5}">
+                      <a16:colId xmlns:a16="http://schemas.microsoft.com/office/drawing/2014/main" val="64392715"/>
+                    </a:ext>
+                  </a:extLst>
+                </a:gridCol>
+              </a:tblGrid>
+              <a:tr h="314934">
+                <a:tc>
+                  <a:txBody>
+                    <a:bodyPr/>
+                    <a:lstStyle/>
+                    <a:p>
+                      <a:pPr algn="ctr"/>
+                      <a:r>
+                        <a:rPr lang="en-US" sz="1200" dirty="0"/>
+                        <a:t>Data</a:t>
+                      </a:r>
+                      <a:endParaRPr lang="en-ID" sz="1200" dirty="0"/>
+                    </a:p>
+                  </a:txBody>
+                  <a:tcPr/>
+                </a:tc>
+                <a:tc>
+                  <a:txBody>
+                    <a:bodyPr/>
+                    <a:lstStyle/>
+                    <a:p>
+                      <a:pPr algn="ctr"/>
+                      <a:r>
+                        <a:rPr lang="en-US" sz="1200" dirty="0"/>
+                        <a:t>Summary</a:t>
+                      </a:r>
+                      <a:endParaRPr lang="en-ID" sz="1200" dirty="0"/>
+                    </a:p>
+                  </a:txBody>
+                  <a:tcPr/>
+                </a:tc>
+                <a:extLst>
+                  <a:ext uri="{0D108BD9-81ED-4DB2-BD59-A6C34878D82A}">
+                    <a16:rowId xmlns:a16="http://schemas.microsoft.com/office/drawing/2014/main" val="3485502356"/>
+                  </a:ext>
+                </a:extLst>
+              </a:tr>
+              <a:tr h="1154760">
+                <a:tc>
+                  <a:txBody>
+                    <a:bodyPr/>
+                    <a:lstStyle/>
+                    <a:p>
+                      <a:pPr algn="ctr"/>
+                      <a:r>
+                        <a:rPr lang="en-ID" sz="1200" dirty="0"/>
+                        <a:t>Aggregate Alerts</a:t>
+                      </a:r>
+                    </a:p>
+                  </a:txBody>
+                  <a:tcPr anchor="ctr"/>
+                </a:tc>
+                <a:tc>
+                  <a:txBody>
+                    <a:bodyPr/>
+                    <a:lstStyle/>
+                    <a:p>
+                      <a:pPr algn="just"/>
+                      <a:r>
+                        <a:rPr lang="en-US" sz="1200" dirty="0"/>
+                        <a:t>This data provides information on the number and types of incident reports sent by Waze users within a specific area during a certain period of time. This data can be helpful for road users and public service providers identify incidents affecting traffic and mobility in a particular area.</a:t>
+                      </a:r>
+                      <a:endParaRPr lang="en-ID" sz="1200" dirty="0"/>
+                    </a:p>
+                  </a:txBody>
+                  <a:tcPr anchor="ctr"/>
+                </a:tc>
+                <a:extLst>
+                  <a:ext uri="{0D108BD9-81ED-4DB2-BD59-A6C34878D82A}">
+                    <a16:rowId xmlns:a16="http://schemas.microsoft.com/office/drawing/2014/main" val="2848209440"/>
+                  </a:ext>
+                </a:extLst>
+              </a:tr>
+              <a:tr h="980933">
+                <a:tc>
+                  <a:txBody>
+                    <a:bodyPr/>
+                    <a:lstStyle/>
+                    <a:p>
+                      <a:pPr algn="ctr"/>
+                      <a:r>
+                        <a:rPr lang="en-ID" sz="1200" dirty="0"/>
+                        <a:t>Aggregate Median Irregularities</a:t>
+                      </a:r>
+                    </a:p>
+                  </a:txBody>
+                  <a:tcPr anchor="ctr"/>
+                </a:tc>
+                <a:tc>
+                  <a:txBody>
+                    <a:bodyPr/>
+                    <a:lstStyle/>
+                    <a:p>
+                      <a:pPr algn="just"/>
+                      <a:r>
+                        <a:rPr lang="en-US" sz="1200" dirty="0"/>
+                        <a:t>This data provides information on the condition of roads, particularly in terms of irregularities on the road surface. This data can assist public service providers in monitoring road conditions and planning for repairs.</a:t>
+                      </a:r>
+                      <a:endParaRPr lang="en-ID" sz="1200" dirty="0"/>
+                    </a:p>
+                  </a:txBody>
+                  <a:tcPr anchor="ctr"/>
+                </a:tc>
+                <a:extLst>
+                  <a:ext uri="{0D108BD9-81ED-4DB2-BD59-A6C34878D82A}">
+                    <a16:rowId xmlns:a16="http://schemas.microsoft.com/office/drawing/2014/main" val="2839994127"/>
+                  </a:ext>
+                </a:extLst>
+              </a:tr>
+              <a:tr h="944804">
+                <a:tc>
+                  <a:txBody>
+                    <a:bodyPr/>
+                    <a:lstStyle/>
+                    <a:p>
+                      <a:pPr algn="ctr"/>
+                      <a:r>
+                        <a:rPr lang="en-ID" sz="1200" dirty="0"/>
+                        <a:t>Aggregate Median Jams</a:t>
+                      </a:r>
+                    </a:p>
+                  </a:txBody>
+                  <a:tcPr anchor="ctr"/>
+                </a:tc>
+                <a:tc>
+                  <a:txBody>
+                    <a:bodyPr/>
+                    <a:lstStyle/>
+                    <a:p>
+                      <a:pPr algn="just"/>
+                      <a:r>
+                        <a:rPr lang="en-US" sz="1200" dirty="0"/>
+                        <a:t>This data provides information on traffic congestion on a particular road during a certain period of time. This data can assist road users in planning more efficient travel routes and avoiding traffic congestion.</a:t>
+                      </a:r>
+                      <a:endParaRPr lang="en-ID" sz="1200" dirty="0"/>
+                    </a:p>
+                  </a:txBody>
+                  <a:tcPr anchor="ctr"/>
+                </a:tc>
+                <a:extLst>
+                  <a:ext uri="{0D108BD9-81ED-4DB2-BD59-A6C34878D82A}">
+                    <a16:rowId xmlns:a16="http://schemas.microsoft.com/office/drawing/2014/main" val="600419646"/>
+                  </a:ext>
+                </a:extLst>
+              </a:tr>
+            </a:tbl>
+          </a:graphicData>
+        </a:graphic>
+      </p:graphicFrame>
     </p:spTree>
     <p:extLst>
       <p:ext uri="{BB962C8B-B14F-4D97-AF65-F5344CB8AC3E}">
-        <p14:creationId xmlns:p14="http://schemas.microsoft.com/office/powerpoint/2010/main" val="2378712709"/>
+        <p14:creationId xmlns:p14="http://schemas.microsoft.com/office/powerpoint/2010/main" val="1072500627"/>
       </p:ext>
     </p:extLst>
   </p:cSld>
   <p:clrMapOvr>
     <a:masterClrMapping/>
   </p:clrMapOvr>
+  <mc:AlternateContent xmlns:mc="http://schemas.openxmlformats.org/markup-compatibility/2006">
+    <mc:Choice xmlns:p14="http://schemas.microsoft.com/office/powerpoint/2010/main" Requires="p14">
+      <p:transition spd="med" p14:dur="700">
+        <p:fade/>
+      </p:transition>
+    </mc:Choice>
+    <mc:Fallback>
+      <p:transition spd="med">
+        <p:fade/>
+      </p:transition>
+    </mc:Fallback>
+  </mc:AlternateContent>
 </p:sld>
 </file>
 
@@ -5730,14 +4852,7 @@
           <a:p>
             <a:r>
               <a:rPr lang="en-US" dirty="0"/>
-              <a:t>Model</a:t>
-            </a:r>
-            <a:br>
-              <a:rPr lang="en-US" dirty="0"/>
-            </a:br>
-            <a:r>
-              <a:rPr lang="en-US" dirty="0"/>
-              <a:t>Evaluation</a:t>
+              <a:t>Data Description  &amp; Pre-processing</a:t>
             </a:r>
             <a:endParaRPr lang="en-ID" dirty="0"/>
           </a:p>
@@ -5766,7 +4881,7 @@
           <a:p>
             <a:r>
               <a:rPr lang="en-US" dirty="0"/>
-              <a:t>VII</a:t>
+              <a:t>III</a:t>
             </a:r>
             <a:endParaRPr lang="en-ID" dirty="0"/>
           </a:p>
@@ -5775,13 +4890,25 @@
     </p:spTree>
     <p:extLst>
       <p:ext uri="{BB962C8B-B14F-4D97-AF65-F5344CB8AC3E}">
-        <p14:creationId xmlns:p14="http://schemas.microsoft.com/office/powerpoint/2010/main" val="371746602"/>
+        <p14:creationId xmlns:p14="http://schemas.microsoft.com/office/powerpoint/2010/main" val="3740978120"/>
       </p:ext>
     </p:extLst>
   </p:cSld>
   <p:clrMapOvr>
     <a:masterClrMapping/>
   </p:clrMapOvr>
+  <mc:AlternateContent xmlns:mc="http://schemas.openxmlformats.org/markup-compatibility/2006">
+    <mc:Choice xmlns:p14="http://schemas.microsoft.com/office/powerpoint/2010/main" Requires="p14">
+      <p:transition spd="med" p14:dur="700">
+        <p:fade/>
+      </p:transition>
+    </mc:Choice>
+    <mc:Fallback>
+      <p:transition spd="med">
+        <p:fade/>
+      </p:transition>
+    </mc:Fallback>
+  </mc:AlternateContent>
 </p:sld>
 </file>
 
@@ -5807,7 +4934,7 @@
           <p:cNvPr id="2" name="Title 1">
             <a:extLst>
               <a:ext uri="{FF2B5EF4-FFF2-40B4-BE49-F238E27FC236}">
-                <a16:creationId xmlns:a16="http://schemas.microsoft.com/office/drawing/2014/main" id="{C356B22A-7936-00B4-75C4-FB7AE9B05118}"/>
+                <a16:creationId xmlns:a16="http://schemas.microsoft.com/office/drawing/2014/main" id="{BD8B4F0B-2F43-DF28-77AD-4DB9AFE3B9FB}"/>
               </a:ext>
             </a:extLst>
           </p:cNvPr>
@@ -5821,24 +4948,96 @@
         <p:spPr/>
         <p:txBody>
           <a:bodyPr>
-            <a:normAutofit/>
+            <a:normAutofit fontScale="90000"/>
           </a:bodyPr>
           <a:lstStyle/>
           <a:p>
             <a:r>
               <a:rPr lang="en-US" dirty="0"/>
-              <a:t>Deployment</a:t>
+              <a:t>Denormalized Data</a:t>
             </a:r>
             <a:endParaRPr lang="en-ID" dirty="0"/>
           </a:p>
         </p:txBody>
       </p:sp>
+      <p:pic>
+        <p:nvPicPr>
+          <p:cNvPr id="5" name="Picture 4">
+            <a:extLst>
+              <a:ext uri="{FF2B5EF4-FFF2-40B4-BE49-F238E27FC236}">
+                <a16:creationId xmlns:a16="http://schemas.microsoft.com/office/drawing/2014/main" id="{0F023CA8-1BEC-360A-5D56-EBBA163D5644}"/>
+              </a:ext>
+            </a:extLst>
+          </p:cNvPr>
+          <p:cNvPicPr>
+            <a:picLocks noChangeAspect="1"/>
+          </p:cNvPicPr>
+          <p:nvPr/>
+        </p:nvPicPr>
+        <p:blipFill>
+          <a:blip r:embed="rId2"/>
+          <a:stretch>
+            <a:fillRect/>
+          </a:stretch>
+        </p:blipFill>
+        <p:spPr>
+          <a:xfrm>
+            <a:off x="2513550" y="1246806"/>
+            <a:ext cx="4116899" cy="2976483"/>
+          </a:xfrm>
+          <a:prstGeom prst="rect">
+            <a:avLst/>
+          </a:prstGeom>
+        </p:spPr>
+      </p:pic>
+    </p:spTree>
+    <p:extLst>
+      <p:ext uri="{BB962C8B-B14F-4D97-AF65-F5344CB8AC3E}">
+        <p14:creationId xmlns:p14="http://schemas.microsoft.com/office/powerpoint/2010/main" val="4083575598"/>
+      </p:ext>
+    </p:extLst>
+  </p:cSld>
+  <p:clrMapOvr>
+    <a:masterClrMapping/>
+  </p:clrMapOvr>
+  <mc:AlternateContent xmlns:mc="http://schemas.openxmlformats.org/markup-compatibility/2006">
+    <mc:Choice xmlns:p14="http://schemas.microsoft.com/office/powerpoint/2010/main" Requires="p14">
+      <p:transition spd="med" p14:dur="700">
+        <p:fade/>
+      </p:transition>
+    </mc:Choice>
+    <mc:Fallback>
+      <p:transition spd="med">
+        <p:fade/>
+      </p:transition>
+    </mc:Fallback>
+  </mc:AlternateContent>
+</p:sld>
+</file>
+
+<file path=ppt/slides/slide14.xml><?xml version="1.0" encoding="utf-8"?>
+<p:sld xmlns:a="http://schemas.openxmlformats.org/drawingml/2006/main" xmlns:r="http://schemas.openxmlformats.org/officeDocument/2006/relationships" xmlns:p="http://schemas.openxmlformats.org/presentationml/2006/main">
+  <p:cSld>
+    <p:spTree>
+      <p:nvGrpSpPr>
+        <p:cNvPr id="1" name=""/>
+        <p:cNvGrpSpPr/>
+        <p:nvPr/>
+      </p:nvGrpSpPr>
+      <p:grpSpPr>
+        <a:xfrm>
+          <a:off x="0" y="0"/>
+          <a:ext cx="0" cy="0"/>
+          <a:chOff x="0" y="0"/>
+          <a:chExt cx="0" cy="0"/>
+        </a:xfrm>
+      </p:grpSpPr>
       <p:sp>
         <p:nvSpPr>
-          <p:cNvPr id="3" name="Title 2">
+          <p:cNvPr id="2" name="Title 1">
             <a:extLst>
               <a:ext uri="{FF2B5EF4-FFF2-40B4-BE49-F238E27FC236}">
-                <a16:creationId xmlns:a16="http://schemas.microsoft.com/office/drawing/2014/main" id="{5F45063B-902F-2385-405A-3E24E70C2EED}"/>
+                <a16:creationId xmlns:a16="http://schemas.microsoft.com/office/drawing/2014/main" id="{B0DB9092-C0CE-8DBD-5ADC-72B3DC1E196B}"/>
               </a:ext>
             </a:extLst>
           </p:cNvPr>
@@ -5846,7 +5045,204 @@
             <a:spLocks noGrp="1"/>
           </p:cNvSpPr>
           <p:nvPr>
-            <p:ph type="title" idx="2"/>
+            <p:ph type="title"/>
+          </p:nvPr>
+        </p:nvSpPr>
+        <p:spPr/>
+        <p:txBody>
+          <a:bodyPr>
+            <a:normAutofit fontScale="90000"/>
+          </a:bodyPr>
+          <a:lstStyle/>
+          <a:p>
+            <a:r>
+              <a:rPr lang="en-US" dirty="0"/>
+              <a:t>Data Shape &amp; Data Types</a:t>
+            </a:r>
+            <a:endParaRPr lang="en-ID" dirty="0"/>
+          </a:p>
+        </p:txBody>
+      </p:sp>
+      <p:sp>
+        <p:nvSpPr>
+          <p:cNvPr id="3" name="Text Placeholder 2">
+            <a:extLst>
+              <a:ext uri="{FF2B5EF4-FFF2-40B4-BE49-F238E27FC236}">
+                <a16:creationId xmlns:a16="http://schemas.microsoft.com/office/drawing/2014/main" id="{60D8FB08-E890-A1F3-CE44-2595D0CB83A3}"/>
+              </a:ext>
+            </a:extLst>
+          </p:cNvPr>
+          <p:cNvSpPr>
+            <a:spLocks noGrp="1"/>
+          </p:cNvSpPr>
+          <p:nvPr>
+            <p:ph type="body" idx="1"/>
+          </p:nvPr>
+        </p:nvSpPr>
+        <p:spPr>
+          <a:xfrm>
+            <a:off x="311700" y="1017725"/>
+            <a:ext cx="8520600" cy="3416400"/>
+          </a:xfrm>
+        </p:spPr>
+        <p:txBody>
+          <a:bodyPr>
+            <a:normAutofit/>
+          </a:bodyPr>
+          <a:lstStyle/>
+          <a:p>
+            <a:r>
+              <a:rPr lang="en-US" sz="1600" dirty="0"/>
+              <a:t>The main data has 15 columns and 19.809 rows</a:t>
+            </a:r>
+          </a:p>
+          <a:p>
+            <a:r>
+              <a:rPr lang="en-US" sz="1600" dirty="0"/>
+              <a:t>The list of data types is as follows, </a:t>
+            </a:r>
+            <a:r>
+              <a:rPr lang="en-ID" sz="1600" dirty="0"/>
+              <a:t>I will convert the Datetime column to the </a:t>
+            </a:r>
+            <a:r>
+              <a:rPr lang="en-ID" sz="1600" dirty="0" err="1"/>
+              <a:t>DateTime</a:t>
+            </a:r>
+            <a:r>
+              <a:rPr lang="en-ID" sz="1600" dirty="0"/>
+              <a:t> type.</a:t>
+            </a:r>
+          </a:p>
+        </p:txBody>
+      </p:sp>
+      <p:pic>
+        <p:nvPicPr>
+          <p:cNvPr id="5" name="Picture 4">
+            <a:extLst>
+              <a:ext uri="{FF2B5EF4-FFF2-40B4-BE49-F238E27FC236}">
+                <a16:creationId xmlns:a16="http://schemas.microsoft.com/office/drawing/2014/main" id="{D7B1B0A8-A370-5A8A-CAEA-C052541772EA}"/>
+              </a:ext>
+            </a:extLst>
+          </p:cNvPr>
+          <p:cNvPicPr>
+            <a:picLocks noChangeAspect="1"/>
+          </p:cNvPicPr>
+          <p:nvPr/>
+        </p:nvPicPr>
+        <p:blipFill>
+          <a:blip r:embed="rId2"/>
+          <a:stretch>
+            <a:fillRect/>
+          </a:stretch>
+        </p:blipFill>
+        <p:spPr>
+          <a:xfrm>
+            <a:off x="2713441" y="1965330"/>
+            <a:ext cx="3717117" cy="2600532"/>
+          </a:xfrm>
+          <a:prstGeom prst="rect">
+            <a:avLst/>
+          </a:prstGeom>
+          <a:ln>
+            <a:solidFill>
+              <a:schemeClr val="tx1"/>
+            </a:solidFill>
+          </a:ln>
+        </p:spPr>
+      </p:pic>
+    </p:spTree>
+    <p:extLst>
+      <p:ext uri="{BB962C8B-B14F-4D97-AF65-F5344CB8AC3E}">
+        <p14:creationId xmlns:p14="http://schemas.microsoft.com/office/powerpoint/2010/main" val="4075710569"/>
+      </p:ext>
+    </p:extLst>
+  </p:cSld>
+  <p:clrMapOvr>
+    <a:masterClrMapping/>
+  </p:clrMapOvr>
+  <mc:AlternateContent xmlns:mc="http://schemas.openxmlformats.org/markup-compatibility/2006">
+    <mc:Choice xmlns:p14="http://schemas.microsoft.com/office/powerpoint/2010/main" Requires="p14">
+      <p:transition spd="med" p14:dur="700">
+        <p:fade/>
+      </p:transition>
+    </mc:Choice>
+    <mc:Fallback>
+      <p:transition spd="med">
+        <p:fade/>
+      </p:transition>
+    </mc:Fallback>
+  </mc:AlternateContent>
+</p:sld>
+</file>
+
+<file path=ppt/slides/slide15.xml><?xml version="1.0" encoding="utf-8"?>
+<p:sld xmlns:a="http://schemas.openxmlformats.org/drawingml/2006/main" xmlns:r="http://schemas.openxmlformats.org/officeDocument/2006/relationships" xmlns:p="http://schemas.openxmlformats.org/presentationml/2006/main">
+  <p:cSld>
+    <p:spTree>
+      <p:nvGrpSpPr>
+        <p:cNvPr id="1" name=""/>
+        <p:cNvGrpSpPr/>
+        <p:nvPr/>
+      </p:nvGrpSpPr>
+      <p:grpSpPr>
+        <a:xfrm>
+          <a:off x="0" y="0"/>
+          <a:ext cx="0" cy="0"/>
+          <a:chOff x="0" y="0"/>
+          <a:chExt cx="0" cy="0"/>
+        </a:xfrm>
+      </p:grpSpPr>
+      <p:sp>
+        <p:nvSpPr>
+          <p:cNvPr id="2" name="Title 1">
+            <a:extLst>
+              <a:ext uri="{FF2B5EF4-FFF2-40B4-BE49-F238E27FC236}">
+                <a16:creationId xmlns:a16="http://schemas.microsoft.com/office/drawing/2014/main" id="{277D591B-C4E9-D130-E9BD-4CF29FB8A388}"/>
+              </a:ext>
+            </a:extLst>
+          </p:cNvPr>
+          <p:cNvSpPr>
+            <a:spLocks noGrp="1"/>
+          </p:cNvSpPr>
+          <p:nvPr>
+            <p:ph type="title"/>
+          </p:nvPr>
+        </p:nvSpPr>
+        <p:spPr>
+          <a:xfrm>
+            <a:off x="311700" y="579775"/>
+            <a:ext cx="6377700" cy="572700"/>
+          </a:xfrm>
+        </p:spPr>
+        <p:txBody>
+          <a:bodyPr>
+            <a:normAutofit fontScale="90000"/>
+          </a:bodyPr>
+          <a:lstStyle/>
+          <a:p>
+            <a:r>
+              <a:rPr lang="en-US" dirty="0"/>
+              <a:t>Checking Missing Values</a:t>
+            </a:r>
+            <a:endParaRPr lang="en-ID" dirty="0"/>
+          </a:p>
+        </p:txBody>
+      </p:sp>
+      <p:sp>
+        <p:nvSpPr>
+          <p:cNvPr id="3" name="Text Placeholder 2">
+            <a:extLst>
+              <a:ext uri="{FF2B5EF4-FFF2-40B4-BE49-F238E27FC236}">
+                <a16:creationId xmlns:a16="http://schemas.microsoft.com/office/drawing/2014/main" id="{9BC810CF-A4C7-2B77-A2DC-23442A6E19E2}"/>
+              </a:ext>
+            </a:extLst>
+          </p:cNvPr>
+          <p:cNvSpPr>
+            <a:spLocks noGrp="1"/>
+          </p:cNvSpPr>
+          <p:nvPr>
+            <p:ph type="body" idx="1"/>
           </p:nvPr>
         </p:nvSpPr>
         <p:spPr/>
@@ -5854,28 +5250,1130 @@
           <a:bodyPr/>
           <a:lstStyle/>
           <a:p>
+            <a:pPr marL="114300" indent="0">
+              <a:buNone/>
+            </a:pPr>
             <a:r>
               <a:rPr lang="en-US" dirty="0"/>
-              <a:t>VIII</a:t>
+              <a:t>Since there are only eight rows with missing values out of 19.809 rows, I will drop those rows with missing values.</a:t>
             </a:r>
             <a:endParaRPr lang="en-ID" dirty="0"/>
           </a:p>
         </p:txBody>
       </p:sp>
+      <p:pic>
+        <p:nvPicPr>
+          <p:cNvPr id="5" name="Picture 4">
+            <a:extLst>
+              <a:ext uri="{FF2B5EF4-FFF2-40B4-BE49-F238E27FC236}">
+                <a16:creationId xmlns:a16="http://schemas.microsoft.com/office/drawing/2014/main" id="{FD2CAFDD-40B5-08D1-C320-B4AAE14B2BCD}"/>
+              </a:ext>
+            </a:extLst>
+          </p:cNvPr>
+          <p:cNvPicPr>
+            <a:picLocks noChangeAspect="1"/>
+          </p:cNvPicPr>
+          <p:nvPr/>
+        </p:nvPicPr>
+        <p:blipFill>
+          <a:blip r:embed="rId2"/>
+          <a:stretch>
+            <a:fillRect/>
+          </a:stretch>
+        </p:blipFill>
+        <p:spPr>
+          <a:xfrm>
+            <a:off x="3219940" y="1986346"/>
+            <a:ext cx="2704119" cy="2523135"/>
+          </a:xfrm>
+          <a:prstGeom prst="rect">
+            <a:avLst/>
+          </a:prstGeom>
+          <a:ln>
+            <a:solidFill>
+              <a:schemeClr val="tx1"/>
+            </a:solidFill>
+          </a:ln>
+        </p:spPr>
+      </p:pic>
     </p:spTree>
     <p:extLst>
       <p:ext uri="{BB962C8B-B14F-4D97-AF65-F5344CB8AC3E}">
-        <p14:creationId xmlns:p14="http://schemas.microsoft.com/office/powerpoint/2010/main" val="3224268549"/>
+        <p14:creationId xmlns:p14="http://schemas.microsoft.com/office/powerpoint/2010/main" val="2382123876"/>
       </p:ext>
     </p:extLst>
   </p:cSld>
   <p:clrMapOvr>
     <a:masterClrMapping/>
   </p:clrMapOvr>
+  <mc:AlternateContent xmlns:mc="http://schemas.openxmlformats.org/markup-compatibility/2006">
+    <mc:Choice xmlns:p14="http://schemas.microsoft.com/office/powerpoint/2010/main" Requires="p14">
+      <p:transition spd="med" p14:dur="700">
+        <p:fade/>
+      </p:transition>
+    </mc:Choice>
+    <mc:Fallback>
+      <p:transition spd="med">
+        <p:fade/>
+      </p:transition>
+    </mc:Fallback>
+  </mc:AlternateContent>
 </p:sld>
 </file>
 
-<file path=ppt/slides/slide14.xml><?xml version="1.0" encoding="utf-8"?>
+<file path=ppt/slides/slide16.xml><?xml version="1.0" encoding="utf-8"?>
+<p:sld xmlns:a="http://schemas.openxmlformats.org/drawingml/2006/main" xmlns:r="http://schemas.openxmlformats.org/officeDocument/2006/relationships" xmlns:p="http://schemas.openxmlformats.org/presentationml/2006/main">
+  <p:cSld>
+    <p:spTree>
+      <p:nvGrpSpPr>
+        <p:cNvPr id="1" name=""/>
+        <p:cNvGrpSpPr/>
+        <p:nvPr/>
+      </p:nvGrpSpPr>
+      <p:grpSpPr>
+        <a:xfrm>
+          <a:off x="0" y="0"/>
+          <a:ext cx="0" cy="0"/>
+          <a:chOff x="0" y="0"/>
+          <a:chExt cx="0" cy="0"/>
+        </a:xfrm>
+      </p:grpSpPr>
+      <p:sp>
+        <p:nvSpPr>
+          <p:cNvPr id="2" name="Title 1">
+            <a:extLst>
+              <a:ext uri="{FF2B5EF4-FFF2-40B4-BE49-F238E27FC236}">
+                <a16:creationId xmlns:a16="http://schemas.microsoft.com/office/drawing/2014/main" id="{8DF7A171-C36F-34E3-7EA6-6719841DE08E}"/>
+              </a:ext>
+            </a:extLst>
+          </p:cNvPr>
+          <p:cNvSpPr>
+            <a:spLocks noGrp="1"/>
+          </p:cNvSpPr>
+          <p:nvPr>
+            <p:ph type="title"/>
+          </p:nvPr>
+        </p:nvSpPr>
+        <p:spPr>
+          <a:xfrm>
+            <a:off x="311700" y="574625"/>
+            <a:ext cx="6377700" cy="572700"/>
+          </a:xfrm>
+        </p:spPr>
+        <p:txBody>
+          <a:bodyPr>
+            <a:normAutofit fontScale="90000"/>
+          </a:bodyPr>
+          <a:lstStyle/>
+          <a:p>
+            <a:r>
+              <a:rPr lang="en-US" dirty="0"/>
+              <a:t>Checking Duplicate Rows</a:t>
+            </a:r>
+            <a:endParaRPr lang="en-ID" dirty="0"/>
+          </a:p>
+        </p:txBody>
+      </p:sp>
+      <p:sp>
+        <p:nvSpPr>
+          <p:cNvPr id="3" name="Text Placeholder 2">
+            <a:extLst>
+              <a:ext uri="{FF2B5EF4-FFF2-40B4-BE49-F238E27FC236}">
+                <a16:creationId xmlns:a16="http://schemas.microsoft.com/office/drawing/2014/main" id="{C750A0E2-9A2D-BA3A-2C0F-D90DBDEA973E}"/>
+              </a:ext>
+            </a:extLst>
+          </p:cNvPr>
+          <p:cNvSpPr>
+            <a:spLocks noGrp="1"/>
+          </p:cNvSpPr>
+          <p:nvPr>
+            <p:ph type="body" idx="1"/>
+          </p:nvPr>
+        </p:nvSpPr>
+        <p:spPr/>
+        <p:txBody>
+          <a:bodyPr/>
+          <a:lstStyle/>
+          <a:p>
+            <a:pPr marL="114300" indent="0">
+              <a:buNone/>
+            </a:pPr>
+            <a:r>
+              <a:rPr lang="en-US" dirty="0"/>
+              <a:t>There are no duplicate rows in the main data</a:t>
+            </a:r>
+            <a:endParaRPr lang="en-ID" dirty="0"/>
+          </a:p>
+        </p:txBody>
+      </p:sp>
+      <p:pic>
+        <p:nvPicPr>
+          <p:cNvPr id="5" name="Picture 4">
+            <a:extLst>
+              <a:ext uri="{FF2B5EF4-FFF2-40B4-BE49-F238E27FC236}">
+                <a16:creationId xmlns:a16="http://schemas.microsoft.com/office/drawing/2014/main" id="{6B76E1E5-174C-682C-46F1-DAA60E836F9E}"/>
+              </a:ext>
+            </a:extLst>
+          </p:cNvPr>
+          <p:cNvPicPr>
+            <a:picLocks noChangeAspect="1"/>
+          </p:cNvPicPr>
+          <p:nvPr/>
+        </p:nvPicPr>
+        <p:blipFill>
+          <a:blip r:embed="rId2"/>
+          <a:stretch>
+            <a:fillRect/>
+          </a:stretch>
+        </p:blipFill>
+        <p:spPr>
+          <a:xfrm>
+            <a:off x="1977018" y="1813959"/>
+            <a:ext cx="5189964" cy="2093431"/>
+          </a:xfrm>
+          <a:prstGeom prst="rect">
+            <a:avLst/>
+          </a:prstGeom>
+          <a:ln>
+            <a:solidFill>
+              <a:schemeClr val="tx1"/>
+            </a:solidFill>
+          </a:ln>
+        </p:spPr>
+      </p:pic>
+    </p:spTree>
+    <p:extLst>
+      <p:ext uri="{BB962C8B-B14F-4D97-AF65-F5344CB8AC3E}">
+        <p14:creationId xmlns:p14="http://schemas.microsoft.com/office/powerpoint/2010/main" val="2778050094"/>
+      </p:ext>
+    </p:extLst>
+  </p:cSld>
+  <p:clrMapOvr>
+    <a:masterClrMapping/>
+  </p:clrMapOvr>
+  <mc:AlternateContent xmlns:mc="http://schemas.openxmlformats.org/markup-compatibility/2006">
+    <mc:Choice xmlns:p14="http://schemas.microsoft.com/office/powerpoint/2010/main" Requires="p14">
+      <p:transition spd="med" p14:dur="700">
+        <p:fade/>
+      </p:transition>
+    </mc:Choice>
+    <mc:Fallback>
+      <p:transition spd="med">
+        <p:fade/>
+      </p:transition>
+    </mc:Fallback>
+  </mc:AlternateContent>
+</p:sld>
+</file>
+
+<file path=ppt/slides/slide17.xml><?xml version="1.0" encoding="utf-8"?>
+<p:sld xmlns:a="http://schemas.openxmlformats.org/drawingml/2006/main" xmlns:r="http://schemas.openxmlformats.org/officeDocument/2006/relationships" xmlns:p="http://schemas.openxmlformats.org/presentationml/2006/main">
+  <p:cSld>
+    <p:spTree>
+      <p:nvGrpSpPr>
+        <p:cNvPr id="1" name=""/>
+        <p:cNvGrpSpPr/>
+        <p:nvPr/>
+      </p:nvGrpSpPr>
+      <p:grpSpPr>
+        <a:xfrm>
+          <a:off x="0" y="0"/>
+          <a:ext cx="0" cy="0"/>
+          <a:chOff x="0" y="0"/>
+          <a:chExt cx="0" cy="0"/>
+        </a:xfrm>
+      </p:grpSpPr>
+      <p:sp>
+        <p:nvSpPr>
+          <p:cNvPr id="2" name="Title 1">
+            <a:extLst>
+              <a:ext uri="{FF2B5EF4-FFF2-40B4-BE49-F238E27FC236}">
+                <a16:creationId xmlns:a16="http://schemas.microsoft.com/office/drawing/2014/main" id="{0EB66B9A-D331-E275-BF38-C91ED8154D4A}"/>
+              </a:ext>
+            </a:extLst>
+          </p:cNvPr>
+          <p:cNvSpPr>
+            <a:spLocks noGrp="1"/>
+          </p:cNvSpPr>
+          <p:nvPr>
+            <p:ph type="title"/>
+          </p:nvPr>
+        </p:nvSpPr>
+        <p:spPr>
+          <a:xfrm>
+            <a:off x="311700" y="623255"/>
+            <a:ext cx="6377700" cy="477125"/>
+          </a:xfrm>
+        </p:spPr>
+        <p:txBody>
+          <a:bodyPr>
+            <a:noAutofit/>
+          </a:bodyPr>
+          <a:lstStyle/>
+          <a:p>
+            <a:r>
+              <a:rPr lang="en-US" sz="2000" dirty="0"/>
+              <a:t>Checking Data Distribution for Numerical Data</a:t>
+            </a:r>
+            <a:endParaRPr lang="en-ID" sz="2000" dirty="0"/>
+          </a:p>
+        </p:txBody>
+      </p:sp>
+      <p:sp>
+        <p:nvSpPr>
+          <p:cNvPr id="3" name="Text Placeholder 2">
+            <a:extLst>
+              <a:ext uri="{FF2B5EF4-FFF2-40B4-BE49-F238E27FC236}">
+                <a16:creationId xmlns:a16="http://schemas.microsoft.com/office/drawing/2014/main" id="{FC5C1943-E870-CFC0-0D9D-4797FAA45D43}"/>
+              </a:ext>
+            </a:extLst>
+          </p:cNvPr>
+          <p:cNvSpPr>
+            <a:spLocks noGrp="1"/>
+          </p:cNvSpPr>
+          <p:nvPr>
+            <p:ph type="body" idx="1"/>
+          </p:nvPr>
+        </p:nvSpPr>
+        <p:spPr>
+          <a:xfrm>
+            <a:off x="311700" y="1100380"/>
+            <a:ext cx="8520600" cy="3158529"/>
+          </a:xfrm>
+        </p:spPr>
+        <p:txBody>
+          <a:bodyPr/>
+          <a:lstStyle/>
+          <a:p>
+            <a:pPr marL="114300" indent="0">
+              <a:buNone/>
+            </a:pPr>
+            <a:r>
+              <a:rPr lang="en-US" dirty="0"/>
+              <a:t>Most of the numerical data on the dataset has a skewed distribution.</a:t>
+            </a:r>
+            <a:endParaRPr lang="en-ID" dirty="0"/>
+          </a:p>
+        </p:txBody>
+      </p:sp>
+      <p:pic>
+        <p:nvPicPr>
+          <p:cNvPr id="5" name="Picture 4">
+            <a:extLst>
+              <a:ext uri="{FF2B5EF4-FFF2-40B4-BE49-F238E27FC236}">
+                <a16:creationId xmlns:a16="http://schemas.microsoft.com/office/drawing/2014/main" id="{C84BDAAD-DD63-23AB-B851-E67839CCCFE5}"/>
+              </a:ext>
+            </a:extLst>
+          </p:cNvPr>
+          <p:cNvPicPr>
+            <a:picLocks noChangeAspect="1"/>
+          </p:cNvPicPr>
+          <p:nvPr/>
+        </p:nvPicPr>
+        <p:blipFill>
+          <a:blip r:embed="rId2"/>
+          <a:stretch>
+            <a:fillRect/>
+          </a:stretch>
+        </p:blipFill>
+        <p:spPr>
+          <a:xfrm>
+            <a:off x="2089096" y="1638169"/>
+            <a:ext cx="4965808" cy="2882076"/>
+          </a:xfrm>
+          <a:prstGeom prst="rect">
+            <a:avLst/>
+          </a:prstGeom>
+          <a:ln>
+            <a:solidFill>
+              <a:schemeClr val="tx1"/>
+            </a:solidFill>
+          </a:ln>
+        </p:spPr>
+      </p:pic>
+    </p:spTree>
+    <p:extLst>
+      <p:ext uri="{BB962C8B-B14F-4D97-AF65-F5344CB8AC3E}">
+        <p14:creationId xmlns:p14="http://schemas.microsoft.com/office/powerpoint/2010/main" val="1049008855"/>
+      </p:ext>
+    </p:extLst>
+  </p:cSld>
+  <p:clrMapOvr>
+    <a:masterClrMapping/>
+  </p:clrMapOvr>
+  <mc:AlternateContent xmlns:mc="http://schemas.openxmlformats.org/markup-compatibility/2006">
+    <mc:Choice xmlns:p14="http://schemas.microsoft.com/office/powerpoint/2010/main" Requires="p14">
+      <p:transition spd="med" p14:dur="700">
+        <p:fade/>
+      </p:transition>
+    </mc:Choice>
+    <mc:Fallback>
+      <p:transition spd="med">
+        <p:fade/>
+      </p:transition>
+    </mc:Fallback>
+  </mc:AlternateContent>
+</p:sld>
+</file>
+
+<file path=ppt/slides/slide18.xml><?xml version="1.0" encoding="utf-8"?>
+<p:sld xmlns:a="http://schemas.openxmlformats.org/drawingml/2006/main" xmlns:r="http://schemas.openxmlformats.org/officeDocument/2006/relationships" xmlns:p="http://schemas.openxmlformats.org/presentationml/2006/main">
+  <p:cSld>
+    <p:spTree>
+      <p:nvGrpSpPr>
+        <p:cNvPr id="1" name=""/>
+        <p:cNvGrpSpPr/>
+        <p:nvPr/>
+      </p:nvGrpSpPr>
+      <p:grpSpPr>
+        <a:xfrm>
+          <a:off x="0" y="0"/>
+          <a:ext cx="0" cy="0"/>
+          <a:chOff x="0" y="0"/>
+          <a:chExt cx="0" cy="0"/>
+        </a:xfrm>
+      </p:grpSpPr>
+      <p:sp>
+        <p:nvSpPr>
+          <p:cNvPr id="2" name="Title 1">
+            <a:extLst>
+              <a:ext uri="{FF2B5EF4-FFF2-40B4-BE49-F238E27FC236}">
+                <a16:creationId xmlns:a16="http://schemas.microsoft.com/office/drawing/2014/main" id="{3447479B-E8C7-345C-1B1A-E019852416D7}"/>
+              </a:ext>
+            </a:extLst>
+          </p:cNvPr>
+          <p:cNvSpPr>
+            <a:spLocks noGrp="1"/>
+          </p:cNvSpPr>
+          <p:nvPr>
+            <p:ph type="title"/>
+          </p:nvPr>
+        </p:nvSpPr>
+        <p:spPr>
+          <a:xfrm>
+            <a:off x="311700" y="574625"/>
+            <a:ext cx="6377700" cy="572700"/>
+          </a:xfrm>
+        </p:spPr>
+        <p:txBody>
+          <a:bodyPr>
+            <a:normAutofit fontScale="90000"/>
+          </a:bodyPr>
+          <a:lstStyle/>
+          <a:p>
+            <a:r>
+              <a:rPr lang="en-US" dirty="0"/>
+              <a:t>Checking Outliers in Numerical Data</a:t>
+            </a:r>
+            <a:endParaRPr lang="en-ID" dirty="0"/>
+          </a:p>
+        </p:txBody>
+      </p:sp>
+      <p:sp>
+        <p:nvSpPr>
+          <p:cNvPr id="3" name="Text Placeholder 2">
+            <a:extLst>
+              <a:ext uri="{FF2B5EF4-FFF2-40B4-BE49-F238E27FC236}">
+                <a16:creationId xmlns:a16="http://schemas.microsoft.com/office/drawing/2014/main" id="{9F71223F-B35B-A492-4D86-BEF22D7DAF80}"/>
+              </a:ext>
+            </a:extLst>
+          </p:cNvPr>
+          <p:cNvSpPr>
+            <a:spLocks noGrp="1"/>
+          </p:cNvSpPr>
+          <p:nvPr>
+            <p:ph type="body" idx="1"/>
+          </p:nvPr>
+        </p:nvSpPr>
+        <p:spPr/>
+        <p:txBody>
+          <a:bodyPr>
+            <a:normAutofit/>
+          </a:bodyPr>
+          <a:lstStyle/>
+          <a:p>
+            <a:pPr marL="114300" indent="0" algn="just">
+              <a:buNone/>
+            </a:pPr>
+            <a:r>
+              <a:rPr lang="en-US" sz="1200" dirty="0"/>
+              <a:t>Most of the dataset has outliers, but the outliers pattern in the Jams and Irregularities columns is almost the same. So there is a possibility that these outliers are not an unusual error or condition, so I will not delete the outliers for now because the outliers can be aware of the conditions in the dataset. But, I will remove the outliers before the Machine Learning Stage.</a:t>
+            </a:r>
+            <a:endParaRPr lang="en-ID" sz="1200" dirty="0"/>
+          </a:p>
+        </p:txBody>
+      </p:sp>
+      <p:pic>
+        <p:nvPicPr>
+          <p:cNvPr id="5" name="Picture 4">
+            <a:extLst>
+              <a:ext uri="{FF2B5EF4-FFF2-40B4-BE49-F238E27FC236}">
+                <a16:creationId xmlns:a16="http://schemas.microsoft.com/office/drawing/2014/main" id="{F31DBCE5-50D5-B6EC-D7DC-7877052A868E}"/>
+              </a:ext>
+            </a:extLst>
+          </p:cNvPr>
+          <p:cNvPicPr>
+            <a:picLocks noChangeAspect="1"/>
+          </p:cNvPicPr>
+          <p:nvPr/>
+        </p:nvPicPr>
+        <p:blipFill>
+          <a:blip r:embed="rId2"/>
+          <a:stretch>
+            <a:fillRect/>
+          </a:stretch>
+        </p:blipFill>
+        <p:spPr>
+          <a:xfrm>
+            <a:off x="2258878" y="2198442"/>
+            <a:ext cx="4626243" cy="2370433"/>
+          </a:xfrm>
+          <a:prstGeom prst="rect">
+            <a:avLst/>
+          </a:prstGeom>
+          <a:ln>
+            <a:solidFill>
+              <a:schemeClr val="tx1"/>
+            </a:solidFill>
+          </a:ln>
+        </p:spPr>
+      </p:pic>
+    </p:spTree>
+    <p:extLst>
+      <p:ext uri="{BB962C8B-B14F-4D97-AF65-F5344CB8AC3E}">
+        <p14:creationId xmlns:p14="http://schemas.microsoft.com/office/powerpoint/2010/main" val="4252887426"/>
+      </p:ext>
+    </p:extLst>
+  </p:cSld>
+  <p:clrMapOvr>
+    <a:masterClrMapping/>
+  </p:clrMapOvr>
+  <mc:AlternateContent xmlns:mc="http://schemas.openxmlformats.org/markup-compatibility/2006">
+    <mc:Choice xmlns:p14="http://schemas.microsoft.com/office/powerpoint/2010/main" Requires="p14">
+      <p:transition spd="med" p14:dur="700">
+        <p:fade/>
+      </p:transition>
+    </mc:Choice>
+    <mc:Fallback>
+      <p:transition spd="med">
+        <p:fade/>
+      </p:transition>
+    </mc:Fallback>
+  </mc:AlternateContent>
+</p:sld>
+</file>
+
+<file path=ppt/slides/slide19.xml><?xml version="1.0" encoding="utf-8"?>
+<p:sld xmlns:a="http://schemas.openxmlformats.org/drawingml/2006/main" xmlns:r="http://schemas.openxmlformats.org/officeDocument/2006/relationships" xmlns:p="http://schemas.openxmlformats.org/presentationml/2006/main">
+  <p:cSld>
+    <p:spTree>
+      <p:nvGrpSpPr>
+        <p:cNvPr id="1" name=""/>
+        <p:cNvGrpSpPr/>
+        <p:nvPr/>
+      </p:nvGrpSpPr>
+      <p:grpSpPr>
+        <a:xfrm>
+          <a:off x="0" y="0"/>
+          <a:ext cx="0" cy="0"/>
+          <a:chOff x="0" y="0"/>
+          <a:chExt cx="0" cy="0"/>
+        </a:xfrm>
+      </p:grpSpPr>
+      <p:sp>
+        <p:nvSpPr>
+          <p:cNvPr id="2" name="Title 1">
+            <a:extLst>
+              <a:ext uri="{FF2B5EF4-FFF2-40B4-BE49-F238E27FC236}">
+                <a16:creationId xmlns:a16="http://schemas.microsoft.com/office/drawing/2014/main" id="{96B46EF9-B461-EBD8-D8BA-6CA8C7FA11BF}"/>
+              </a:ext>
+            </a:extLst>
+          </p:cNvPr>
+          <p:cNvSpPr>
+            <a:spLocks noGrp="1"/>
+          </p:cNvSpPr>
+          <p:nvPr>
+            <p:ph type="title"/>
+          </p:nvPr>
+        </p:nvSpPr>
+        <p:spPr>
+          <a:xfrm>
+            <a:off x="311700" y="574625"/>
+            <a:ext cx="6377700" cy="572700"/>
+          </a:xfrm>
+        </p:spPr>
+        <p:txBody>
+          <a:bodyPr>
+            <a:normAutofit fontScale="90000"/>
+          </a:bodyPr>
+          <a:lstStyle/>
+          <a:p>
+            <a:r>
+              <a:rPr lang="en-US" dirty="0"/>
+              <a:t>Checking Descriptive Statistics</a:t>
+            </a:r>
+            <a:endParaRPr lang="en-ID" dirty="0"/>
+          </a:p>
+        </p:txBody>
+      </p:sp>
+      <p:pic>
+        <p:nvPicPr>
+          <p:cNvPr id="5" name="Picture 4">
+            <a:extLst>
+              <a:ext uri="{FF2B5EF4-FFF2-40B4-BE49-F238E27FC236}">
+                <a16:creationId xmlns:a16="http://schemas.microsoft.com/office/drawing/2014/main" id="{05C8E8C3-3033-834E-C475-1ACFD0BC6AE1}"/>
+              </a:ext>
+            </a:extLst>
+          </p:cNvPr>
+          <p:cNvPicPr>
+            <a:picLocks noChangeAspect="1"/>
+          </p:cNvPicPr>
+          <p:nvPr/>
+        </p:nvPicPr>
+        <p:blipFill>
+          <a:blip r:embed="rId2"/>
+          <a:stretch>
+            <a:fillRect/>
+          </a:stretch>
+        </p:blipFill>
+        <p:spPr>
+          <a:xfrm>
+            <a:off x="737885" y="1513032"/>
+            <a:ext cx="7668230" cy="2516528"/>
+          </a:xfrm>
+          <a:prstGeom prst="rect">
+            <a:avLst/>
+          </a:prstGeom>
+          <a:ln>
+            <a:solidFill>
+              <a:schemeClr val="tx1"/>
+            </a:solidFill>
+          </a:ln>
+        </p:spPr>
+      </p:pic>
+    </p:spTree>
+    <p:extLst>
+      <p:ext uri="{BB962C8B-B14F-4D97-AF65-F5344CB8AC3E}">
+        <p14:creationId xmlns:p14="http://schemas.microsoft.com/office/powerpoint/2010/main" val="795531419"/>
+      </p:ext>
+    </p:extLst>
+  </p:cSld>
+  <p:clrMapOvr>
+    <a:masterClrMapping/>
+  </p:clrMapOvr>
+  <mc:AlternateContent xmlns:mc="http://schemas.openxmlformats.org/markup-compatibility/2006">
+    <mc:Choice xmlns:p14="http://schemas.microsoft.com/office/powerpoint/2010/main" Requires="p14">
+      <p:transition spd="med" p14:dur="700">
+        <p:fade/>
+      </p:transition>
+    </mc:Choice>
+    <mc:Fallback>
+      <p:transition spd="med">
+        <p:fade/>
+      </p:transition>
+    </mc:Fallback>
+  </mc:AlternateContent>
+</p:sld>
+</file>
+
+<file path=ppt/slides/slide2.xml><?xml version="1.0" encoding="utf-8"?>
+<p:sld xmlns:a="http://schemas.openxmlformats.org/drawingml/2006/main" xmlns:r="http://schemas.openxmlformats.org/officeDocument/2006/relationships" xmlns:p="http://schemas.openxmlformats.org/presentationml/2006/main">
+  <p:cSld>
+    <p:spTree>
+      <p:nvGrpSpPr>
+        <p:cNvPr id="1" name=""/>
+        <p:cNvGrpSpPr/>
+        <p:nvPr/>
+      </p:nvGrpSpPr>
+      <p:grpSpPr>
+        <a:xfrm>
+          <a:off x="0" y="0"/>
+          <a:ext cx="0" cy="0"/>
+          <a:chOff x="0" y="0"/>
+          <a:chExt cx="0" cy="0"/>
+        </a:xfrm>
+      </p:grpSpPr>
+      <p:sp>
+        <p:nvSpPr>
+          <p:cNvPr id="2" name="Title 1">
+            <a:extLst>
+              <a:ext uri="{FF2B5EF4-FFF2-40B4-BE49-F238E27FC236}">
+                <a16:creationId xmlns:a16="http://schemas.microsoft.com/office/drawing/2014/main" id="{1037B75B-491E-BAB2-A756-F224B5E73DCF}"/>
+              </a:ext>
+            </a:extLst>
+          </p:cNvPr>
+          <p:cNvSpPr>
+            <a:spLocks noGrp="1"/>
+          </p:cNvSpPr>
+          <p:nvPr>
+            <p:ph type="title"/>
+          </p:nvPr>
+        </p:nvSpPr>
+        <p:spPr>
+          <a:xfrm>
+            <a:off x="311700" y="574625"/>
+            <a:ext cx="6377700" cy="572700"/>
+          </a:xfrm>
+        </p:spPr>
+        <p:txBody>
+          <a:bodyPr>
+            <a:normAutofit fontScale="90000"/>
+          </a:bodyPr>
+          <a:lstStyle/>
+          <a:p>
+            <a:r>
+              <a:rPr lang="en-US" dirty="0"/>
+              <a:t>Table of Contents</a:t>
+            </a:r>
+            <a:endParaRPr lang="en-ID" dirty="0"/>
+          </a:p>
+        </p:txBody>
+      </p:sp>
+      <p:sp>
+        <p:nvSpPr>
+          <p:cNvPr id="3" name="Text Placeholder 2">
+            <a:extLst>
+              <a:ext uri="{FF2B5EF4-FFF2-40B4-BE49-F238E27FC236}">
+                <a16:creationId xmlns:a16="http://schemas.microsoft.com/office/drawing/2014/main" id="{01529E12-C6D6-D518-9928-4B09D9687331}"/>
+              </a:ext>
+            </a:extLst>
+          </p:cNvPr>
+          <p:cNvSpPr>
+            <a:spLocks noGrp="1"/>
+          </p:cNvSpPr>
+          <p:nvPr>
+            <p:ph type="body" idx="1"/>
+          </p:nvPr>
+        </p:nvSpPr>
+        <p:spPr/>
+        <p:txBody>
+          <a:bodyPr>
+            <a:normAutofit/>
+          </a:bodyPr>
+          <a:lstStyle/>
+          <a:p>
+            <a:pPr marL="514350" indent="-400050">
+              <a:lnSpc>
+                <a:spcPct val="150000"/>
+              </a:lnSpc>
+              <a:buFont typeface="+mj-lt"/>
+              <a:buAutoNum type="romanUcPeriod"/>
+            </a:pPr>
+            <a:r>
+              <a:rPr lang="en-US" dirty="0"/>
+              <a:t>Business Understanding</a:t>
+            </a:r>
+          </a:p>
+          <a:p>
+            <a:pPr marL="514350" indent="-400050">
+              <a:lnSpc>
+                <a:spcPct val="150000"/>
+              </a:lnSpc>
+              <a:buFont typeface="+mj-lt"/>
+              <a:buAutoNum type="romanUcPeriod"/>
+            </a:pPr>
+            <a:r>
+              <a:rPr lang="en-US" dirty="0"/>
+              <a:t>Data Understanding</a:t>
+            </a:r>
+          </a:p>
+          <a:p>
+            <a:pPr marL="514350" indent="-400050">
+              <a:lnSpc>
+                <a:spcPct val="150000"/>
+              </a:lnSpc>
+              <a:buFont typeface="+mj-lt"/>
+              <a:buAutoNum type="romanUcPeriod"/>
+            </a:pPr>
+            <a:r>
+              <a:rPr lang="en-US" dirty="0"/>
+              <a:t>Data Description &amp; Pre-processing</a:t>
+            </a:r>
+          </a:p>
+          <a:p>
+            <a:pPr marL="514350" indent="-400050">
+              <a:lnSpc>
+                <a:spcPct val="150000"/>
+              </a:lnSpc>
+              <a:buFont typeface="+mj-lt"/>
+              <a:buAutoNum type="romanUcPeriod"/>
+            </a:pPr>
+            <a:r>
+              <a:rPr lang="en-US" dirty="0"/>
+              <a:t>Exploratory Data Analysis (EDA)</a:t>
+            </a:r>
+          </a:p>
+          <a:p>
+            <a:pPr marL="514350" indent="-400050">
+              <a:lnSpc>
+                <a:spcPct val="150000"/>
+              </a:lnSpc>
+              <a:buFont typeface="+mj-lt"/>
+              <a:buAutoNum type="romanUcPeriod"/>
+            </a:pPr>
+            <a:r>
+              <a:rPr lang="en-US" dirty="0"/>
+              <a:t>Machine Learning Model - Clustering</a:t>
+            </a:r>
+          </a:p>
+          <a:p>
+            <a:pPr marL="514350" indent="-400050">
+              <a:lnSpc>
+                <a:spcPct val="150000"/>
+              </a:lnSpc>
+              <a:buFont typeface="+mj-lt"/>
+              <a:buAutoNum type="romanUcPeriod"/>
+            </a:pPr>
+            <a:r>
+              <a:rPr lang="en-US" dirty="0"/>
+              <a:t>Summaries &amp; Recommendations</a:t>
+            </a:r>
+          </a:p>
+          <a:p>
+            <a:pPr marL="514350" indent="-400050">
+              <a:lnSpc>
+                <a:spcPct val="150000"/>
+              </a:lnSpc>
+              <a:buFont typeface="+mj-lt"/>
+              <a:buAutoNum type="romanUcPeriod"/>
+            </a:pPr>
+            <a:r>
+              <a:rPr lang="en-US" dirty="0"/>
+              <a:t>References</a:t>
+            </a:r>
+          </a:p>
+          <a:p>
+            <a:pPr marL="514350" indent="-400050">
+              <a:lnSpc>
+                <a:spcPct val="150000"/>
+              </a:lnSpc>
+              <a:buFont typeface="+mj-lt"/>
+              <a:buAutoNum type="romanUcPeriod"/>
+            </a:pPr>
+            <a:endParaRPr lang="en-US" dirty="0"/>
+          </a:p>
+        </p:txBody>
+      </p:sp>
+    </p:spTree>
+    <p:extLst>
+      <p:ext uri="{BB962C8B-B14F-4D97-AF65-F5344CB8AC3E}">
+        <p14:creationId xmlns:p14="http://schemas.microsoft.com/office/powerpoint/2010/main" val="779236825"/>
+      </p:ext>
+    </p:extLst>
+  </p:cSld>
+  <p:clrMapOvr>
+    <a:masterClrMapping/>
+  </p:clrMapOvr>
+  <mc:AlternateContent xmlns:mc="http://schemas.openxmlformats.org/markup-compatibility/2006">
+    <mc:Choice xmlns:p14="http://schemas.microsoft.com/office/powerpoint/2010/main" Requires="p14">
+      <p:transition spd="med" p14:dur="700">
+        <p:fade/>
+      </p:transition>
+    </mc:Choice>
+    <mc:Fallback>
+      <p:transition spd="med">
+        <p:fade/>
+      </p:transition>
+    </mc:Fallback>
+  </mc:AlternateContent>
+</p:sld>
+</file>
+
+<file path=ppt/slides/slide20.xml><?xml version="1.0" encoding="utf-8"?>
+<p:sld xmlns:a="http://schemas.openxmlformats.org/drawingml/2006/main" xmlns:r="http://schemas.openxmlformats.org/officeDocument/2006/relationships" xmlns:p="http://schemas.openxmlformats.org/presentationml/2006/main">
+  <p:cSld>
+    <p:spTree>
+      <p:nvGrpSpPr>
+        <p:cNvPr id="1" name=""/>
+        <p:cNvGrpSpPr/>
+        <p:nvPr/>
+      </p:nvGrpSpPr>
+      <p:grpSpPr>
+        <a:xfrm>
+          <a:off x="0" y="0"/>
+          <a:ext cx="0" cy="0"/>
+          <a:chOff x="0" y="0"/>
+          <a:chExt cx="0" cy="0"/>
+        </a:xfrm>
+      </p:grpSpPr>
+      <p:sp>
+        <p:nvSpPr>
+          <p:cNvPr id="2" name="Title 1">
+            <a:extLst>
+              <a:ext uri="{FF2B5EF4-FFF2-40B4-BE49-F238E27FC236}">
+                <a16:creationId xmlns:a16="http://schemas.microsoft.com/office/drawing/2014/main" id="{FB09219F-9FDB-3136-A8F6-844F525B0E0A}"/>
+              </a:ext>
+            </a:extLst>
+          </p:cNvPr>
+          <p:cNvSpPr>
+            <a:spLocks noGrp="1"/>
+          </p:cNvSpPr>
+          <p:nvPr>
+            <p:ph type="title"/>
+          </p:nvPr>
+        </p:nvSpPr>
+        <p:spPr>
+          <a:xfrm>
+            <a:off x="311700" y="574625"/>
+            <a:ext cx="6377700" cy="572700"/>
+          </a:xfrm>
+        </p:spPr>
+        <p:txBody>
+          <a:bodyPr>
+            <a:normAutofit fontScale="90000"/>
+          </a:bodyPr>
+          <a:lstStyle/>
+          <a:p>
+            <a:r>
+              <a:rPr lang="en-US" dirty="0"/>
+              <a:t>Checking Negative Values</a:t>
+            </a:r>
+            <a:endParaRPr lang="en-ID" dirty="0"/>
+          </a:p>
+        </p:txBody>
+      </p:sp>
+      <p:sp>
+        <p:nvSpPr>
+          <p:cNvPr id="3" name="Text Placeholder 2">
+            <a:extLst>
+              <a:ext uri="{FF2B5EF4-FFF2-40B4-BE49-F238E27FC236}">
+                <a16:creationId xmlns:a16="http://schemas.microsoft.com/office/drawing/2014/main" id="{70512B51-A9BE-0B75-6F3B-DD633E2A1E49}"/>
+              </a:ext>
+            </a:extLst>
+          </p:cNvPr>
+          <p:cNvSpPr>
+            <a:spLocks noGrp="1"/>
+          </p:cNvSpPr>
+          <p:nvPr>
+            <p:ph type="body" idx="1"/>
+          </p:nvPr>
+        </p:nvSpPr>
+        <p:spPr/>
+        <p:txBody>
+          <a:bodyPr>
+            <a:normAutofit/>
+          </a:bodyPr>
+          <a:lstStyle/>
+          <a:p>
+            <a:pPr marL="114300" indent="0" algn="just">
+              <a:buNone/>
+            </a:pPr>
+            <a:r>
+              <a:rPr lang="en-US" sz="1200" dirty="0"/>
+              <a:t>There are many negative values in the Jam Time Spent (seconds) column. This negative value means that traffic in the area does not experience delays or even faster than normal speed. In the context of data delay of hours, negative values indicate the remaining time, which is the difference between the time needed to pass the road and the actual time needed. So that this negative value is not an error or an unusual thing, I do not delete this negative value.</a:t>
+            </a:r>
+            <a:endParaRPr lang="en-ID" sz="1200" dirty="0"/>
+          </a:p>
+        </p:txBody>
+      </p:sp>
+      <p:pic>
+        <p:nvPicPr>
+          <p:cNvPr id="5" name="Picture 4">
+            <a:extLst>
+              <a:ext uri="{FF2B5EF4-FFF2-40B4-BE49-F238E27FC236}">
+                <a16:creationId xmlns:a16="http://schemas.microsoft.com/office/drawing/2014/main" id="{218F58FB-4723-C7AA-68DC-5140CFAEEB09}"/>
+              </a:ext>
+            </a:extLst>
+          </p:cNvPr>
+          <p:cNvPicPr>
+            <a:picLocks noChangeAspect="1"/>
+          </p:cNvPicPr>
+          <p:nvPr/>
+        </p:nvPicPr>
+        <p:blipFill>
+          <a:blip r:embed="rId2"/>
+          <a:stretch>
+            <a:fillRect/>
+          </a:stretch>
+        </p:blipFill>
+        <p:spPr>
+          <a:xfrm>
+            <a:off x="1822735" y="2429467"/>
+            <a:ext cx="5498529" cy="1692325"/>
+          </a:xfrm>
+          <a:prstGeom prst="rect">
+            <a:avLst/>
+          </a:prstGeom>
+          <a:ln>
+            <a:solidFill>
+              <a:schemeClr val="tx1"/>
+            </a:solidFill>
+          </a:ln>
+        </p:spPr>
+      </p:pic>
+    </p:spTree>
+    <p:extLst>
+      <p:ext uri="{BB962C8B-B14F-4D97-AF65-F5344CB8AC3E}">
+        <p14:creationId xmlns:p14="http://schemas.microsoft.com/office/powerpoint/2010/main" val="2377036870"/>
+      </p:ext>
+    </p:extLst>
+  </p:cSld>
+  <p:clrMapOvr>
+    <a:masterClrMapping/>
+  </p:clrMapOvr>
+  <mc:AlternateContent xmlns:mc="http://schemas.openxmlformats.org/markup-compatibility/2006">
+    <mc:Choice xmlns:p14="http://schemas.microsoft.com/office/powerpoint/2010/main" Requires="p14">
+      <p:transition spd="med" p14:dur="700">
+        <p:fade/>
+      </p:transition>
+    </mc:Choice>
+    <mc:Fallback>
+      <p:transition spd="med">
+        <p:fade/>
+      </p:transition>
+    </mc:Fallback>
+  </mc:AlternateContent>
+</p:sld>
+</file>
+
+<file path=ppt/slides/slide21.xml><?xml version="1.0" encoding="utf-8"?>
+<p:sld xmlns:a="http://schemas.openxmlformats.org/drawingml/2006/main" xmlns:r="http://schemas.openxmlformats.org/officeDocument/2006/relationships" xmlns:p="http://schemas.openxmlformats.org/presentationml/2006/main">
+  <p:cSld>
+    <p:spTree>
+      <p:nvGrpSpPr>
+        <p:cNvPr id="1" name=""/>
+        <p:cNvGrpSpPr/>
+        <p:nvPr/>
+      </p:nvGrpSpPr>
+      <p:grpSpPr>
+        <a:xfrm>
+          <a:off x="0" y="0"/>
+          <a:ext cx="0" cy="0"/>
+          <a:chOff x="0" y="0"/>
+          <a:chExt cx="0" cy="0"/>
+        </a:xfrm>
+      </p:grpSpPr>
+      <p:sp>
+        <p:nvSpPr>
+          <p:cNvPr id="2" name="Title 1">
+            <a:extLst>
+              <a:ext uri="{FF2B5EF4-FFF2-40B4-BE49-F238E27FC236}">
+                <a16:creationId xmlns:a16="http://schemas.microsoft.com/office/drawing/2014/main" id="{A4F38492-4CBF-0991-2568-AA6A546B8C1E}"/>
+              </a:ext>
+            </a:extLst>
+          </p:cNvPr>
+          <p:cNvSpPr>
+            <a:spLocks noGrp="1"/>
+          </p:cNvSpPr>
+          <p:nvPr>
+            <p:ph type="title"/>
+          </p:nvPr>
+        </p:nvSpPr>
+        <p:spPr>
+          <a:xfrm>
+            <a:off x="311700" y="574625"/>
+            <a:ext cx="6377700" cy="572700"/>
+          </a:xfrm>
+        </p:spPr>
+        <p:txBody>
+          <a:bodyPr>
+            <a:normAutofit fontScale="90000"/>
+          </a:bodyPr>
+          <a:lstStyle/>
+          <a:p>
+            <a:r>
+              <a:rPr lang="en-US" dirty="0"/>
+              <a:t>Checking Correlation in Numerical Data</a:t>
+            </a:r>
+            <a:endParaRPr lang="en-ID" dirty="0"/>
+          </a:p>
+        </p:txBody>
+      </p:sp>
+      <p:sp>
+        <p:nvSpPr>
+          <p:cNvPr id="3" name="Text Placeholder 2">
+            <a:extLst>
+              <a:ext uri="{FF2B5EF4-FFF2-40B4-BE49-F238E27FC236}">
+                <a16:creationId xmlns:a16="http://schemas.microsoft.com/office/drawing/2014/main" id="{8C4C2631-DFA8-9FEB-4CF1-E8C359CB3CF8}"/>
+              </a:ext>
+            </a:extLst>
+          </p:cNvPr>
+          <p:cNvSpPr>
+            <a:spLocks noGrp="1"/>
+          </p:cNvSpPr>
+          <p:nvPr>
+            <p:ph type="body" idx="1"/>
+          </p:nvPr>
+        </p:nvSpPr>
+        <p:spPr/>
+        <p:txBody>
+          <a:bodyPr>
+            <a:normAutofit/>
+          </a:bodyPr>
+          <a:lstStyle/>
+          <a:p>
+            <a:pPr marL="114300" indent="0" algn="just">
+              <a:buNone/>
+            </a:pPr>
+            <a:r>
+              <a:rPr lang="en-US" sz="1200" dirty="0"/>
+              <a:t>The time, distance, and speed column in Jams and Irregularities data appears to have a moderate positive correlation.</a:t>
+            </a:r>
+            <a:endParaRPr lang="en-ID" sz="1200" dirty="0"/>
+          </a:p>
+        </p:txBody>
+      </p:sp>
+      <p:pic>
+        <p:nvPicPr>
+          <p:cNvPr id="5" name="Picture 4">
+            <a:extLst>
+              <a:ext uri="{FF2B5EF4-FFF2-40B4-BE49-F238E27FC236}">
+                <a16:creationId xmlns:a16="http://schemas.microsoft.com/office/drawing/2014/main" id="{C68D8B25-A8CD-9194-240F-5741B88710C6}"/>
+              </a:ext>
+            </a:extLst>
+          </p:cNvPr>
+          <p:cNvPicPr>
+            <a:picLocks noChangeAspect="1"/>
+          </p:cNvPicPr>
+          <p:nvPr/>
+        </p:nvPicPr>
+        <p:blipFill>
+          <a:blip r:embed="rId2"/>
+          <a:stretch>
+            <a:fillRect/>
+          </a:stretch>
+        </p:blipFill>
+        <p:spPr>
+          <a:xfrm>
+            <a:off x="1304191" y="1697064"/>
+            <a:ext cx="6535618" cy="2871811"/>
+          </a:xfrm>
+          <a:prstGeom prst="rect">
+            <a:avLst/>
+          </a:prstGeom>
+          <a:ln>
+            <a:solidFill>
+              <a:schemeClr val="tx1"/>
+            </a:solidFill>
+          </a:ln>
+        </p:spPr>
+      </p:pic>
+    </p:spTree>
+    <p:extLst>
+      <p:ext uri="{BB962C8B-B14F-4D97-AF65-F5344CB8AC3E}">
+        <p14:creationId xmlns:p14="http://schemas.microsoft.com/office/powerpoint/2010/main" val="2370515661"/>
+      </p:ext>
+    </p:extLst>
+  </p:cSld>
+  <p:clrMapOvr>
+    <a:masterClrMapping/>
+  </p:clrMapOvr>
+  <mc:AlternateContent xmlns:mc="http://schemas.openxmlformats.org/markup-compatibility/2006">
+    <mc:Choice xmlns:p14="http://schemas.microsoft.com/office/powerpoint/2010/main" Requires="p14">
+      <p:transition spd="med" p14:dur="700">
+        <p:fade/>
+      </p:transition>
+    </mc:Choice>
+    <mc:Fallback>
+      <p:transition spd="med">
+        <p:fade/>
+      </p:transition>
+    </mc:Fallback>
+  </mc:AlternateContent>
+</p:sld>
+</file>
+
+<file path=ppt/slides/slide22.xml><?xml version="1.0" encoding="utf-8"?>
 <p:sld xmlns:a="http://schemas.openxmlformats.org/drawingml/2006/main" xmlns:r="http://schemas.openxmlformats.org/officeDocument/2006/relationships" xmlns:p="http://schemas.openxmlformats.org/presentationml/2006/main">
   <p:cSld>
     <p:spTree>
@@ -5917,7 +6415,7 @@
           <a:p>
             <a:r>
               <a:rPr lang="en-US" dirty="0"/>
-              <a:t>Summaries &amp; Recommendations</a:t>
+              <a:t>Exploratory Data Analysis (EDA)</a:t>
             </a:r>
             <a:endParaRPr lang="en-ID" dirty="0"/>
           </a:p>
@@ -5946,7 +6444,7 @@
           <a:p>
             <a:r>
               <a:rPr lang="en-US" dirty="0"/>
-              <a:t>IX</a:t>
+              <a:t>IV</a:t>
             </a:r>
             <a:endParaRPr lang="en-ID" dirty="0"/>
           </a:p>
@@ -5955,17 +6453,583 @@
     </p:spTree>
     <p:extLst>
       <p:ext uri="{BB962C8B-B14F-4D97-AF65-F5344CB8AC3E}">
-        <p14:creationId xmlns:p14="http://schemas.microsoft.com/office/powerpoint/2010/main" val="703020861"/>
+        <p14:creationId xmlns:p14="http://schemas.microsoft.com/office/powerpoint/2010/main" val="2173926681"/>
       </p:ext>
     </p:extLst>
   </p:cSld>
   <p:clrMapOvr>
     <a:masterClrMapping/>
   </p:clrMapOvr>
+  <mc:AlternateContent xmlns:mc="http://schemas.openxmlformats.org/markup-compatibility/2006">
+    <mc:Choice xmlns:p14="http://schemas.microsoft.com/office/powerpoint/2010/main" Requires="p14">
+      <p:transition spd="med" p14:dur="700">
+        <p:fade/>
+      </p:transition>
+    </mc:Choice>
+    <mc:Fallback>
+      <p:transition spd="med">
+        <p:fade/>
+      </p:transition>
+    </mc:Fallback>
+  </mc:AlternateContent>
 </p:sld>
 </file>
 
-<file path=ppt/slides/slide15.xml><?xml version="1.0" encoding="utf-8"?>
+<file path=ppt/slides/slide23.xml><?xml version="1.0" encoding="utf-8"?>
+<p:sld xmlns:a="http://schemas.openxmlformats.org/drawingml/2006/main" xmlns:r="http://schemas.openxmlformats.org/officeDocument/2006/relationships" xmlns:p="http://schemas.openxmlformats.org/presentationml/2006/main">
+  <p:cSld>
+    <p:spTree>
+      <p:nvGrpSpPr>
+        <p:cNvPr id="1" name=""/>
+        <p:cNvGrpSpPr/>
+        <p:nvPr/>
+      </p:nvGrpSpPr>
+      <p:grpSpPr>
+        <a:xfrm>
+          <a:off x="0" y="0"/>
+          <a:ext cx="0" cy="0"/>
+          <a:chOff x="0" y="0"/>
+          <a:chExt cx="0" cy="0"/>
+        </a:xfrm>
+      </p:grpSpPr>
+      <p:sp>
+        <p:nvSpPr>
+          <p:cNvPr id="2" name="Title 1">
+            <a:extLst>
+              <a:ext uri="{FF2B5EF4-FFF2-40B4-BE49-F238E27FC236}">
+                <a16:creationId xmlns:a16="http://schemas.microsoft.com/office/drawing/2014/main" id="{5EF48968-C616-3D8B-49DB-F528F6EFC41C}"/>
+              </a:ext>
+            </a:extLst>
+          </p:cNvPr>
+          <p:cNvSpPr>
+            <a:spLocks noGrp="1"/>
+          </p:cNvSpPr>
+          <p:nvPr>
+            <p:ph type="title"/>
+          </p:nvPr>
+        </p:nvSpPr>
+        <p:spPr>
+          <a:xfrm>
+            <a:off x="311700" y="593124"/>
+            <a:ext cx="6377700" cy="572700"/>
+          </a:xfrm>
+        </p:spPr>
+        <p:txBody>
+          <a:bodyPr>
+            <a:normAutofit fontScale="90000"/>
+          </a:bodyPr>
+          <a:lstStyle/>
+          <a:p>
+            <a:r>
+              <a:rPr lang="en-US" dirty="0"/>
+              <a:t>Alert Type Proportion in Bandung City</a:t>
+            </a:r>
+            <a:endParaRPr lang="en-ID" dirty="0"/>
+          </a:p>
+        </p:txBody>
+      </p:sp>
+      <p:sp>
+        <p:nvSpPr>
+          <p:cNvPr id="3" name="Text Placeholder 2">
+            <a:extLst>
+              <a:ext uri="{FF2B5EF4-FFF2-40B4-BE49-F238E27FC236}">
+                <a16:creationId xmlns:a16="http://schemas.microsoft.com/office/drawing/2014/main" id="{2153C02C-F7E5-FA76-F03D-8E5EFBC6BB35}"/>
+              </a:ext>
+            </a:extLst>
+          </p:cNvPr>
+          <p:cNvSpPr>
+            <a:spLocks noGrp="1"/>
+          </p:cNvSpPr>
+          <p:nvPr>
+            <p:ph type="body" idx="1"/>
+          </p:nvPr>
+        </p:nvSpPr>
+        <p:spPr>
+          <a:xfrm>
+            <a:off x="311700" y="1160224"/>
+            <a:ext cx="8520600" cy="3416400"/>
+          </a:xfrm>
+        </p:spPr>
+        <p:txBody>
+          <a:bodyPr>
+            <a:normAutofit/>
+          </a:bodyPr>
+          <a:lstStyle/>
+          <a:p>
+            <a:pPr marL="114300" indent="0">
+              <a:buNone/>
+            </a:pPr>
+            <a:r>
+              <a:rPr lang="en-US" sz="1200" dirty="0"/>
+              <a:t>As we can see from the chart below, the most frequently reported Alert Type by drivers in Bandung City is traffic jam.</a:t>
+            </a:r>
+            <a:endParaRPr lang="en-ID" sz="1200" dirty="0"/>
+          </a:p>
+        </p:txBody>
+      </p:sp>
+      <p:pic>
+        <p:nvPicPr>
+          <p:cNvPr id="7" name="Picture 6">
+            <a:extLst>
+              <a:ext uri="{FF2B5EF4-FFF2-40B4-BE49-F238E27FC236}">
+                <a16:creationId xmlns:a16="http://schemas.microsoft.com/office/drawing/2014/main" id="{BC581D64-7A61-2C5B-8F41-C1D6612C5517}"/>
+              </a:ext>
+            </a:extLst>
+          </p:cNvPr>
+          <p:cNvPicPr>
+            <a:picLocks noChangeAspect="1"/>
+          </p:cNvPicPr>
+          <p:nvPr/>
+        </p:nvPicPr>
+        <p:blipFill>
+          <a:blip r:embed="rId2"/>
+          <a:stretch>
+            <a:fillRect/>
+          </a:stretch>
+        </p:blipFill>
+        <p:spPr>
+          <a:xfrm>
+            <a:off x="2818692" y="1647683"/>
+            <a:ext cx="3506616" cy="2744814"/>
+          </a:xfrm>
+          <a:prstGeom prst="rect">
+            <a:avLst/>
+          </a:prstGeom>
+          <a:ln>
+            <a:solidFill>
+              <a:schemeClr val="tx1"/>
+            </a:solidFill>
+          </a:ln>
+        </p:spPr>
+      </p:pic>
+    </p:spTree>
+    <p:extLst>
+      <p:ext uri="{BB962C8B-B14F-4D97-AF65-F5344CB8AC3E}">
+        <p14:creationId xmlns:p14="http://schemas.microsoft.com/office/powerpoint/2010/main" val="1169935754"/>
+      </p:ext>
+    </p:extLst>
+  </p:cSld>
+  <p:clrMapOvr>
+    <a:masterClrMapping/>
+  </p:clrMapOvr>
+  <mc:AlternateContent xmlns:mc="http://schemas.openxmlformats.org/markup-compatibility/2006">
+    <mc:Choice xmlns:p14="http://schemas.microsoft.com/office/powerpoint/2010/main" Requires="p14">
+      <p:transition spd="med" p14:dur="700">
+        <p:fade/>
+      </p:transition>
+    </mc:Choice>
+    <mc:Fallback>
+      <p:transition spd="med">
+        <p:fade/>
+      </p:transition>
+    </mc:Fallback>
+  </mc:AlternateContent>
+</p:sld>
+</file>
+
+<file path=ppt/slides/slide24.xml><?xml version="1.0" encoding="utf-8"?>
+<p:sld xmlns:a="http://schemas.openxmlformats.org/drawingml/2006/main" xmlns:r="http://schemas.openxmlformats.org/officeDocument/2006/relationships" xmlns:p="http://schemas.openxmlformats.org/presentationml/2006/main">
+  <p:cSld>
+    <p:spTree>
+      <p:nvGrpSpPr>
+        <p:cNvPr id="1" name=""/>
+        <p:cNvGrpSpPr/>
+        <p:nvPr/>
+      </p:nvGrpSpPr>
+      <p:grpSpPr>
+        <a:xfrm>
+          <a:off x="0" y="0"/>
+          <a:ext cx="0" cy="0"/>
+          <a:chOff x="0" y="0"/>
+          <a:chExt cx="0" cy="0"/>
+        </a:xfrm>
+      </p:grpSpPr>
+      <p:sp>
+        <p:nvSpPr>
+          <p:cNvPr id="2" name="Title 1">
+            <a:extLst>
+              <a:ext uri="{FF2B5EF4-FFF2-40B4-BE49-F238E27FC236}">
+                <a16:creationId xmlns:a16="http://schemas.microsoft.com/office/drawing/2014/main" id="{F652A7A9-C1AF-166A-5998-FFEF7CA3B28F}"/>
+              </a:ext>
+            </a:extLst>
+          </p:cNvPr>
+          <p:cNvSpPr>
+            <a:spLocks noGrp="1"/>
+          </p:cNvSpPr>
+          <p:nvPr>
+            <p:ph type="title"/>
+          </p:nvPr>
+        </p:nvSpPr>
+        <p:spPr>
+          <a:xfrm>
+            <a:off x="311700" y="579775"/>
+            <a:ext cx="6377700" cy="572700"/>
+          </a:xfrm>
+        </p:spPr>
+        <p:txBody>
+          <a:bodyPr>
+            <a:noAutofit/>
+          </a:bodyPr>
+          <a:lstStyle/>
+          <a:p>
+            <a:r>
+              <a:rPr lang="en-US" sz="2000" dirty="0"/>
+              <a:t>Street in Bandung City with Highest Alert Reports</a:t>
+            </a:r>
+            <a:endParaRPr lang="en-ID" sz="2000" dirty="0"/>
+          </a:p>
+        </p:txBody>
+      </p:sp>
+      <p:pic>
+        <p:nvPicPr>
+          <p:cNvPr id="5" name="Picture 4">
+            <a:extLst>
+              <a:ext uri="{FF2B5EF4-FFF2-40B4-BE49-F238E27FC236}">
+                <a16:creationId xmlns:a16="http://schemas.microsoft.com/office/drawing/2014/main" id="{6E6D115B-01C8-A108-FDCB-E438554684EE}"/>
+              </a:ext>
+            </a:extLst>
+          </p:cNvPr>
+          <p:cNvPicPr>
+            <a:picLocks noChangeAspect="1"/>
+          </p:cNvPicPr>
+          <p:nvPr/>
+        </p:nvPicPr>
+        <p:blipFill>
+          <a:blip r:embed="rId2"/>
+          <a:stretch>
+            <a:fillRect/>
+          </a:stretch>
+        </p:blipFill>
+        <p:spPr>
+          <a:xfrm>
+            <a:off x="1947137" y="1152475"/>
+            <a:ext cx="5249726" cy="3345680"/>
+          </a:xfrm>
+          <a:prstGeom prst="rect">
+            <a:avLst/>
+          </a:prstGeom>
+          <a:ln>
+            <a:solidFill>
+              <a:schemeClr val="tx1"/>
+            </a:solidFill>
+          </a:ln>
+        </p:spPr>
+      </p:pic>
+    </p:spTree>
+    <p:extLst>
+      <p:ext uri="{BB962C8B-B14F-4D97-AF65-F5344CB8AC3E}">
+        <p14:creationId xmlns:p14="http://schemas.microsoft.com/office/powerpoint/2010/main" val="2634288234"/>
+      </p:ext>
+    </p:extLst>
+  </p:cSld>
+  <p:clrMapOvr>
+    <a:masterClrMapping/>
+  </p:clrMapOvr>
+  <mc:AlternateContent xmlns:mc="http://schemas.openxmlformats.org/markup-compatibility/2006">
+    <mc:Choice xmlns:p14="http://schemas.microsoft.com/office/powerpoint/2010/main" Requires="p14">
+      <p:transition spd="med" p14:dur="700">
+        <p:fade/>
+      </p:transition>
+    </mc:Choice>
+    <mc:Fallback>
+      <p:transition spd="med">
+        <p:fade/>
+      </p:transition>
+    </mc:Fallback>
+  </mc:AlternateContent>
+</p:sld>
+</file>
+
+<file path=ppt/slides/slide25.xml><?xml version="1.0" encoding="utf-8"?>
+<p:sld xmlns:a="http://schemas.openxmlformats.org/drawingml/2006/main" xmlns:r="http://schemas.openxmlformats.org/officeDocument/2006/relationships" xmlns:p="http://schemas.openxmlformats.org/presentationml/2006/main">
+  <p:cSld>
+    <p:spTree>
+      <p:nvGrpSpPr>
+        <p:cNvPr id="1" name=""/>
+        <p:cNvGrpSpPr/>
+        <p:nvPr/>
+      </p:nvGrpSpPr>
+      <p:grpSpPr>
+        <a:xfrm>
+          <a:off x="0" y="0"/>
+          <a:ext cx="0" cy="0"/>
+          <a:chOff x="0" y="0"/>
+          <a:chExt cx="0" cy="0"/>
+        </a:xfrm>
+      </p:grpSpPr>
+      <p:sp>
+        <p:nvSpPr>
+          <p:cNvPr id="2" name="Title 1">
+            <a:extLst>
+              <a:ext uri="{FF2B5EF4-FFF2-40B4-BE49-F238E27FC236}">
+                <a16:creationId xmlns:a16="http://schemas.microsoft.com/office/drawing/2014/main" id="{CA27A2BD-524B-BA78-2BFE-DE10E6AA4E2E}"/>
+              </a:ext>
+            </a:extLst>
+          </p:cNvPr>
+          <p:cNvSpPr>
+            <a:spLocks noGrp="1"/>
+          </p:cNvSpPr>
+          <p:nvPr>
+            <p:ph type="title"/>
+          </p:nvPr>
+        </p:nvSpPr>
+        <p:spPr/>
+        <p:txBody>
+          <a:bodyPr>
+            <a:noAutofit/>
+          </a:bodyPr>
+          <a:lstStyle/>
+          <a:p>
+            <a:r>
+              <a:rPr lang="en-US" sz="2200" dirty="0"/>
+              <a:t>Jam Level Based On Day of The Week &amp; Hour</a:t>
+            </a:r>
+            <a:endParaRPr lang="en-ID" sz="2200" dirty="0"/>
+          </a:p>
+        </p:txBody>
+      </p:sp>
+      <p:sp>
+        <p:nvSpPr>
+          <p:cNvPr id="3" name="Text Placeholder 2">
+            <a:extLst>
+              <a:ext uri="{FF2B5EF4-FFF2-40B4-BE49-F238E27FC236}">
+                <a16:creationId xmlns:a16="http://schemas.microsoft.com/office/drawing/2014/main" id="{E46B1027-F5F8-5AB8-1DB9-094D57C9C2A1}"/>
+              </a:ext>
+            </a:extLst>
+          </p:cNvPr>
+          <p:cNvSpPr>
+            <a:spLocks noGrp="1"/>
+          </p:cNvSpPr>
+          <p:nvPr>
+            <p:ph type="body" idx="1"/>
+          </p:nvPr>
+        </p:nvSpPr>
+        <p:spPr/>
+        <p:txBody>
+          <a:bodyPr>
+            <a:normAutofit/>
+          </a:bodyPr>
+          <a:lstStyle/>
+          <a:p>
+            <a:pPr marL="114300" indent="0" algn="just">
+              <a:buNone/>
+            </a:pPr>
+            <a:r>
+              <a:rPr lang="en-US" sz="1200" dirty="0"/>
+              <a:t>It is noticeable that the average traffic congestion is quite severe on Tuesdays, Thursdays, and Fridays. Meanwhile, traffic congestion tends to increase from 9 a.m. to 3 p.m.</a:t>
+            </a:r>
+            <a:endParaRPr lang="en-ID" sz="1200" dirty="0"/>
+          </a:p>
+        </p:txBody>
+      </p:sp>
+      <p:pic>
+        <p:nvPicPr>
+          <p:cNvPr id="5" name="Picture 4">
+            <a:extLst>
+              <a:ext uri="{FF2B5EF4-FFF2-40B4-BE49-F238E27FC236}">
+                <a16:creationId xmlns:a16="http://schemas.microsoft.com/office/drawing/2014/main" id="{3EFF45D9-0B33-E61E-1D6F-E19F5CB3011C}"/>
+              </a:ext>
+            </a:extLst>
+          </p:cNvPr>
+          <p:cNvPicPr>
+            <a:picLocks noChangeAspect="1"/>
+          </p:cNvPicPr>
+          <p:nvPr/>
+        </p:nvPicPr>
+        <p:blipFill>
+          <a:blip r:embed="rId2"/>
+          <a:stretch>
+            <a:fillRect/>
+          </a:stretch>
+        </p:blipFill>
+        <p:spPr>
+          <a:xfrm>
+            <a:off x="1440494" y="1809310"/>
+            <a:ext cx="6263011" cy="2759565"/>
+          </a:xfrm>
+          <a:prstGeom prst="rect">
+            <a:avLst/>
+          </a:prstGeom>
+          <a:ln>
+            <a:solidFill>
+              <a:schemeClr val="tx1"/>
+            </a:solidFill>
+          </a:ln>
+        </p:spPr>
+      </p:pic>
+    </p:spTree>
+    <p:extLst>
+      <p:ext uri="{BB962C8B-B14F-4D97-AF65-F5344CB8AC3E}">
+        <p14:creationId xmlns:p14="http://schemas.microsoft.com/office/powerpoint/2010/main" val="1789996709"/>
+      </p:ext>
+    </p:extLst>
+  </p:cSld>
+  <p:clrMapOvr>
+    <a:masterClrMapping/>
+  </p:clrMapOvr>
+  <mc:AlternateContent xmlns:mc="http://schemas.openxmlformats.org/markup-compatibility/2006">
+    <mc:Choice xmlns:p14="http://schemas.microsoft.com/office/powerpoint/2010/main" Requires="p14">
+      <p:transition spd="med" p14:dur="700">
+        <p:fade/>
+      </p:transition>
+    </mc:Choice>
+    <mc:Fallback>
+      <p:transition spd="med">
+        <p:fade/>
+      </p:transition>
+    </mc:Fallback>
+  </mc:AlternateContent>
+</p:sld>
+</file>
+
+<file path=ppt/slides/slide26.xml><?xml version="1.0" encoding="utf-8"?>
+<p:sld xmlns:a="http://schemas.openxmlformats.org/drawingml/2006/main" xmlns:r="http://schemas.openxmlformats.org/officeDocument/2006/relationships" xmlns:p="http://schemas.openxmlformats.org/presentationml/2006/main">
+  <p:cSld>
+    <p:spTree>
+      <p:nvGrpSpPr>
+        <p:cNvPr id="1" name=""/>
+        <p:cNvGrpSpPr/>
+        <p:nvPr/>
+      </p:nvGrpSpPr>
+      <p:grpSpPr>
+        <a:xfrm>
+          <a:off x="0" y="0"/>
+          <a:ext cx="0" cy="0"/>
+          <a:chOff x="0" y="0"/>
+          <a:chExt cx="0" cy="0"/>
+        </a:xfrm>
+      </p:grpSpPr>
+      <p:sp>
+        <p:nvSpPr>
+          <p:cNvPr id="2" name="Title 1">
+            <a:extLst>
+              <a:ext uri="{FF2B5EF4-FFF2-40B4-BE49-F238E27FC236}">
+                <a16:creationId xmlns:a16="http://schemas.microsoft.com/office/drawing/2014/main" id="{35CDE53B-A0BD-7155-213B-422C1B5E8034}"/>
+              </a:ext>
+            </a:extLst>
+          </p:cNvPr>
+          <p:cNvSpPr>
+            <a:spLocks noGrp="1"/>
+          </p:cNvSpPr>
+          <p:nvPr>
+            <p:ph type="title"/>
+          </p:nvPr>
+        </p:nvSpPr>
+        <p:spPr>
+          <a:xfrm>
+            <a:off x="311700" y="574625"/>
+            <a:ext cx="6377700" cy="572700"/>
+          </a:xfrm>
+        </p:spPr>
+        <p:txBody>
+          <a:bodyPr>
+            <a:normAutofit fontScale="90000"/>
+          </a:bodyPr>
+          <a:lstStyle/>
+          <a:p>
+            <a:r>
+              <a:rPr lang="en-US" dirty="0"/>
+              <a:t>Alert Records Trend </a:t>
+            </a:r>
+            <a:endParaRPr lang="en-ID" dirty="0"/>
+          </a:p>
+        </p:txBody>
+      </p:sp>
+      <p:sp>
+        <p:nvSpPr>
+          <p:cNvPr id="3" name="Text Placeholder 2">
+            <a:extLst>
+              <a:ext uri="{FF2B5EF4-FFF2-40B4-BE49-F238E27FC236}">
+                <a16:creationId xmlns:a16="http://schemas.microsoft.com/office/drawing/2014/main" id="{6780B62C-F10D-3C61-5F3E-B1101E797800}"/>
+              </a:ext>
+            </a:extLst>
+          </p:cNvPr>
+          <p:cNvSpPr>
+            <a:spLocks noGrp="1"/>
+          </p:cNvSpPr>
+          <p:nvPr>
+            <p:ph type="body" idx="1"/>
+          </p:nvPr>
+        </p:nvSpPr>
+        <p:spPr>
+          <a:xfrm>
+            <a:off x="311700" y="1160224"/>
+            <a:ext cx="8520600" cy="3416400"/>
+          </a:xfrm>
+        </p:spPr>
+        <p:txBody>
+          <a:bodyPr>
+            <a:normAutofit/>
+          </a:bodyPr>
+          <a:lstStyle/>
+          <a:p>
+            <a:pPr marL="114300" indent="0" algn="just">
+              <a:buNone/>
+            </a:pPr>
+            <a:r>
+              <a:rPr lang="en-US" sz="1200" dirty="0"/>
+              <a:t>There are three time periods from July to September 2022, where the trend for each alert report has significantly increased. A further diagnostic analysis is needed to determine the causes of these trends during these periods.</a:t>
+            </a:r>
+            <a:endParaRPr lang="en-ID" sz="1200" dirty="0"/>
+          </a:p>
+        </p:txBody>
+      </p:sp>
+      <p:pic>
+        <p:nvPicPr>
+          <p:cNvPr id="5" name="Picture 4">
+            <a:extLst>
+              <a:ext uri="{FF2B5EF4-FFF2-40B4-BE49-F238E27FC236}">
+                <a16:creationId xmlns:a16="http://schemas.microsoft.com/office/drawing/2014/main" id="{CB8778DC-6A2B-6A3C-8D09-7B9D2068D5E8}"/>
+              </a:ext>
+            </a:extLst>
+          </p:cNvPr>
+          <p:cNvPicPr>
+            <a:picLocks noChangeAspect="1"/>
+          </p:cNvPicPr>
+          <p:nvPr/>
+        </p:nvPicPr>
+        <p:blipFill>
+          <a:blip r:embed="rId2"/>
+          <a:stretch>
+            <a:fillRect/>
+          </a:stretch>
+        </p:blipFill>
+        <p:spPr>
+          <a:xfrm>
+            <a:off x="2095382" y="1719770"/>
+            <a:ext cx="4953235" cy="2945220"/>
+          </a:xfrm>
+          <a:prstGeom prst="rect">
+            <a:avLst/>
+          </a:prstGeom>
+        </p:spPr>
+      </p:pic>
+    </p:spTree>
+    <p:extLst>
+      <p:ext uri="{BB962C8B-B14F-4D97-AF65-F5344CB8AC3E}">
+        <p14:creationId xmlns:p14="http://schemas.microsoft.com/office/powerpoint/2010/main" val="1796004040"/>
+      </p:ext>
+    </p:extLst>
+  </p:cSld>
+  <p:clrMapOvr>
+    <a:masterClrMapping/>
+  </p:clrMapOvr>
+  <mc:AlternateContent xmlns:mc="http://schemas.openxmlformats.org/markup-compatibility/2006">
+    <mc:Choice xmlns:p14="http://schemas.microsoft.com/office/powerpoint/2010/main" Requires="p14">
+      <p:transition spd="med" p14:dur="700">
+        <p:fade/>
+      </p:transition>
+    </mc:Choice>
+    <mc:Fallback>
+      <p:transition spd="med">
+        <p:fade/>
+      </p:transition>
+    </mc:Fallback>
+  </mc:AlternateContent>
+</p:sld>
+</file>
+
+<file path=ppt/slides/slide27.xml><?xml version="1.0" encoding="utf-8"?>
 <p:sld xmlns:a="http://schemas.openxmlformats.org/drawingml/2006/main" xmlns:r="http://schemas.openxmlformats.org/officeDocument/2006/relationships" xmlns:p="http://schemas.openxmlformats.org/presentationml/2006/main">
   <p:cSld>
     <p:spTree>
@@ -6001,13 +7065,13 @@
         <p:spPr/>
         <p:txBody>
           <a:bodyPr>
-            <a:normAutofit/>
+            <a:normAutofit fontScale="90000"/>
           </a:bodyPr>
           <a:lstStyle/>
           <a:p>
             <a:r>
               <a:rPr lang="en-US" dirty="0"/>
-              <a:t>References</a:t>
+              <a:t>Machine Learning Model - Clustering</a:t>
             </a:r>
             <a:endParaRPr lang="en-ID" dirty="0"/>
           </a:p>
@@ -6036,7 +7100,7 @@
           <a:p>
             <a:r>
               <a:rPr lang="en-US" dirty="0"/>
-              <a:t>X</a:t>
+              <a:t>V</a:t>
             </a:r>
             <a:endParaRPr lang="en-ID" dirty="0"/>
           </a:p>
@@ -6045,17 +7109,29 @@
     </p:spTree>
     <p:extLst>
       <p:ext uri="{BB962C8B-B14F-4D97-AF65-F5344CB8AC3E}">
-        <p14:creationId xmlns:p14="http://schemas.microsoft.com/office/powerpoint/2010/main" val="4019982233"/>
+        <p14:creationId xmlns:p14="http://schemas.microsoft.com/office/powerpoint/2010/main" val="2378712709"/>
       </p:ext>
     </p:extLst>
   </p:cSld>
   <p:clrMapOvr>
     <a:masterClrMapping/>
   </p:clrMapOvr>
+  <mc:AlternateContent xmlns:mc="http://schemas.openxmlformats.org/markup-compatibility/2006">
+    <mc:Choice xmlns:p14="http://schemas.microsoft.com/office/powerpoint/2010/main" Requires="p14">
+      <p:transition spd="med" p14:dur="700">
+        <p:fade/>
+      </p:transition>
+    </mc:Choice>
+    <mc:Fallback>
+      <p:transition spd="med">
+        <p:fade/>
+      </p:transition>
+    </mc:Fallback>
+  </mc:AlternateContent>
 </p:sld>
 </file>
 
-<file path=ppt/slides/slide16.xml><?xml version="1.0" encoding="utf-8"?>
+<file path=ppt/slides/slide28.xml><?xml version="1.0" encoding="utf-8"?>
 <p:sld xmlns:a="http://schemas.openxmlformats.org/drawingml/2006/main" xmlns:r="http://schemas.openxmlformats.org/officeDocument/2006/relationships" xmlns:p="http://schemas.openxmlformats.org/presentationml/2006/main">
   <p:cSld>
     <p:spTree>
@@ -6077,7 +7153,7 @@
           <p:cNvPr id="2" name="Title 1">
             <a:extLst>
               <a:ext uri="{FF2B5EF4-FFF2-40B4-BE49-F238E27FC236}">
-                <a16:creationId xmlns:a16="http://schemas.microsoft.com/office/drawing/2014/main" id="{BA8DD580-C9BB-788A-D3D8-6F2E94EA9919}"/>
+                <a16:creationId xmlns:a16="http://schemas.microsoft.com/office/drawing/2014/main" id="{0CE12212-7405-E005-69C2-D5BC669CE5B2}"/>
               </a:ext>
             </a:extLst>
           </p:cNvPr>
@@ -6088,33 +7164,121 @@
             <p:ph type="title"/>
           </p:nvPr>
         </p:nvSpPr>
-        <p:spPr/>
+        <p:spPr>
+          <a:xfrm>
+            <a:off x="179965" y="579775"/>
+            <a:ext cx="6377700" cy="572700"/>
+          </a:xfrm>
+        </p:spPr>
         <p:txBody>
-          <a:bodyPr/>
+          <a:bodyPr>
+            <a:normAutofit fontScale="90000"/>
+          </a:bodyPr>
           <a:lstStyle/>
           <a:p>
             <a:r>
               <a:rPr lang="en-US" dirty="0"/>
-              <a:t>Thank You!</a:t>
+              <a:t>K-Means Algorithm</a:t>
             </a:r>
             <a:endParaRPr lang="en-ID" dirty="0"/>
           </a:p>
         </p:txBody>
       </p:sp>
+      <p:sp>
+        <p:nvSpPr>
+          <p:cNvPr id="3" name="Text Placeholder 2">
+            <a:extLst>
+              <a:ext uri="{FF2B5EF4-FFF2-40B4-BE49-F238E27FC236}">
+                <a16:creationId xmlns:a16="http://schemas.microsoft.com/office/drawing/2014/main" id="{1D5D42C9-E225-7F6F-5E05-6121C5E0F8A5}"/>
+              </a:ext>
+            </a:extLst>
+          </p:cNvPr>
+          <p:cNvSpPr>
+            <a:spLocks noGrp="1"/>
+          </p:cNvSpPr>
+          <p:nvPr>
+            <p:ph type="body" idx="1"/>
+          </p:nvPr>
+        </p:nvSpPr>
+        <p:spPr>
+          <a:xfrm>
+            <a:off x="179965" y="1152475"/>
+            <a:ext cx="4547019" cy="3416400"/>
+          </a:xfrm>
+        </p:spPr>
+        <p:txBody>
+          <a:bodyPr>
+            <a:normAutofit/>
+          </a:bodyPr>
+          <a:lstStyle/>
+          <a:p>
+            <a:pPr marL="114300" indent="0" algn="just">
+              <a:buNone/>
+            </a:pPr>
+            <a:r>
+              <a:rPr lang="en-US" sz="1300" dirty="0"/>
+              <a:t>At this stage, we will group or clustering street in Bandung City based on data length, time spent, and speed for irregularities in traffic. The clustering algorithm that I chose is K-Means. K-means clustering is a type of unsupervised learning used with unlabeled datasets. The goal of this algorithm is to find K groups in the data. The algorithm works iteratively to assign each data point to one of K groups based on the provided features. Data points are clustered based on feature similarity.</a:t>
+            </a:r>
+            <a:endParaRPr lang="en-ID" sz="1300" dirty="0"/>
+          </a:p>
+        </p:txBody>
+      </p:sp>
+      <p:pic>
+        <p:nvPicPr>
+          <p:cNvPr id="5" name="Picture 4">
+            <a:extLst>
+              <a:ext uri="{FF2B5EF4-FFF2-40B4-BE49-F238E27FC236}">
+                <a16:creationId xmlns:a16="http://schemas.microsoft.com/office/drawing/2014/main" id="{FD6EA8DD-5D0A-8560-0C0C-8CF648C7A622}"/>
+              </a:ext>
+            </a:extLst>
+          </p:cNvPr>
+          <p:cNvPicPr>
+            <a:picLocks noChangeAspect="1"/>
+          </p:cNvPicPr>
+          <p:nvPr/>
+        </p:nvPicPr>
+        <p:blipFill>
+          <a:blip r:embed="rId2"/>
+          <a:stretch>
+            <a:fillRect/>
+          </a:stretch>
+        </p:blipFill>
+        <p:spPr>
+          <a:xfrm>
+            <a:off x="4825656" y="1635395"/>
+            <a:ext cx="3849002" cy="1603751"/>
+          </a:xfrm>
+          <a:prstGeom prst="rect">
+            <a:avLst/>
+          </a:prstGeom>
+        </p:spPr>
+      </p:pic>
     </p:spTree>
     <p:extLst>
       <p:ext uri="{BB962C8B-B14F-4D97-AF65-F5344CB8AC3E}">
-        <p14:creationId xmlns:p14="http://schemas.microsoft.com/office/powerpoint/2010/main" val="2985467604"/>
+        <p14:creationId xmlns:p14="http://schemas.microsoft.com/office/powerpoint/2010/main" val="1746642407"/>
       </p:ext>
     </p:extLst>
   </p:cSld>
   <p:clrMapOvr>
     <a:masterClrMapping/>
   </p:clrMapOvr>
+  <mc:AlternateContent xmlns:mc="http://schemas.openxmlformats.org/markup-compatibility/2006">
+    <mc:Choice xmlns:p14="http://schemas.microsoft.com/office/powerpoint/2010/main" Requires="p14">
+      <p:transition spd="med" p14:dur="700">
+        <p:fade/>
+      </p:transition>
+    </mc:Choice>
+    <mc:Fallback>
+      <p:transition spd="med">
+        <p:fade/>
+      </p:transition>
+    </mc:Fallback>
+  </mc:AlternateContent>
 </p:sld>
 </file>
 
-<file path=ppt/slides/slide2.xml><?xml version="1.0" encoding="utf-8"?>
+<file path=ppt/slides/slide29.xml><?xml version="1.0" encoding="utf-8"?>
 <p:sld xmlns:a="http://schemas.openxmlformats.org/drawingml/2006/main" xmlns:r="http://schemas.openxmlformats.org/officeDocument/2006/relationships" xmlns:p="http://schemas.openxmlformats.org/presentationml/2006/main">
   <p:cSld>
     <p:spTree>
@@ -6136,7 +7300,7 @@
           <p:cNvPr id="2" name="Title 1">
             <a:extLst>
               <a:ext uri="{FF2B5EF4-FFF2-40B4-BE49-F238E27FC236}">
-                <a16:creationId xmlns:a16="http://schemas.microsoft.com/office/drawing/2014/main" id="{1037B75B-491E-BAB2-A756-F224B5E73DCF}"/>
+                <a16:creationId xmlns:a16="http://schemas.microsoft.com/office/drawing/2014/main" id="{BA0B9214-4BA4-68C6-FF27-6697867E6BCB}"/>
               </a:ext>
             </a:extLst>
           </p:cNvPr>
@@ -6147,7 +7311,12 @@
             <p:ph type="title"/>
           </p:nvPr>
         </p:nvSpPr>
-        <p:spPr/>
+        <p:spPr>
+          <a:xfrm>
+            <a:off x="311700" y="574625"/>
+            <a:ext cx="6377700" cy="572700"/>
+          </a:xfrm>
+        </p:spPr>
         <p:txBody>
           <a:bodyPr>
             <a:normAutofit fontScale="90000"/>
@@ -6156,7 +7325,7 @@
           <a:p>
             <a:r>
               <a:rPr lang="en-US" dirty="0"/>
-              <a:t>Table of Contents</a:t>
+              <a:t>Feature Scaling</a:t>
             </a:r>
             <a:endParaRPr lang="en-ID" dirty="0"/>
           </a:p>
@@ -6167,7 +7336,7 @@
           <p:cNvPr id="3" name="Text Placeholder 2">
             <a:extLst>
               <a:ext uri="{FF2B5EF4-FFF2-40B4-BE49-F238E27FC236}">
-                <a16:creationId xmlns:a16="http://schemas.microsoft.com/office/drawing/2014/main" id="{01529E12-C6D6-D518-9928-4B09D9687331}"/>
+                <a16:creationId xmlns:a16="http://schemas.microsoft.com/office/drawing/2014/main" id="{739FF822-1D9F-43DF-E768-6F5F1A6B9468}"/>
               </a:ext>
             </a:extLst>
           </p:cNvPr>
@@ -6185,129 +7354,74 @@
           </a:bodyPr>
           <a:lstStyle/>
           <a:p>
-            <a:pPr marL="514350" indent="-400050">
-              <a:buFont typeface="+mj-lt"/>
-              <a:buAutoNum type="romanUcPeriod"/>
+            <a:pPr marL="114300" indent="0" algn="just">
+              <a:buNone/>
             </a:pPr>
             <a:r>
-              <a:rPr lang="en-US" dirty="0"/>
-              <a:t>Business Understanding</a:t>
-            </a:r>
-          </a:p>
-          <a:p>
-            <a:pPr marL="514350" indent="-400050">
-              <a:buFont typeface="+mj-lt"/>
-              <a:buAutoNum type="romanUcPeriod"/>
-            </a:pPr>
-            <a:r>
-              <a:rPr lang="en-US" dirty="0"/>
-              <a:t>Data Understanding</a:t>
-            </a:r>
-          </a:p>
-          <a:p>
-            <a:pPr marL="514350" indent="-400050">
-              <a:buFont typeface="+mj-lt"/>
-              <a:buAutoNum type="romanUcPeriod"/>
-            </a:pPr>
-            <a:r>
-              <a:rPr lang="en-US" dirty="0"/>
-              <a:t>Data Description</a:t>
-            </a:r>
-          </a:p>
-          <a:p>
-            <a:pPr marL="514350" indent="-400050">
-              <a:buFont typeface="+mj-lt"/>
-              <a:buAutoNum type="romanUcPeriod"/>
-            </a:pPr>
-            <a:r>
-              <a:rPr lang="en-US" dirty="0"/>
-              <a:t>Data Pre-processing</a:t>
-            </a:r>
-          </a:p>
-          <a:p>
-            <a:pPr marL="514350" indent="-400050">
-              <a:buFont typeface="+mj-lt"/>
-              <a:buAutoNum type="romanUcPeriod"/>
-            </a:pPr>
-            <a:r>
-              <a:rPr lang="en-US" dirty="0"/>
-              <a:t>Exploratory Data Analysis (</a:t>
-            </a:r>
-            <a:r>
-              <a:rPr lang="en-US"/>
-              <a:t>EDA)</a:t>
-            </a:r>
-            <a:endParaRPr lang="en-US" dirty="0"/>
-          </a:p>
-          <a:p>
-            <a:pPr marL="514350" indent="-400050">
-              <a:buFont typeface="+mj-lt"/>
-              <a:buAutoNum type="romanUcPeriod"/>
-            </a:pPr>
-            <a:r>
-              <a:rPr lang="en-US" dirty="0"/>
-              <a:t>Machine Learning Model - Clustering</a:t>
-            </a:r>
-          </a:p>
-          <a:p>
-            <a:pPr marL="514350" indent="-400050">
-              <a:buFont typeface="+mj-lt"/>
-              <a:buAutoNum type="romanUcPeriod"/>
-            </a:pPr>
-            <a:r>
-              <a:rPr lang="en-US" dirty="0"/>
-              <a:t>Machine Learning Model - Classification</a:t>
-            </a:r>
-          </a:p>
-          <a:p>
-            <a:pPr marL="514350" indent="-400050">
-              <a:buFont typeface="+mj-lt"/>
-              <a:buAutoNum type="romanUcPeriod"/>
-            </a:pPr>
-            <a:r>
-              <a:rPr lang="en-US" dirty="0"/>
-              <a:t>Deployment</a:t>
-            </a:r>
-          </a:p>
-          <a:p>
-            <a:pPr marL="514350" indent="-400050">
-              <a:buFont typeface="+mj-lt"/>
-              <a:buAutoNum type="romanUcPeriod"/>
-            </a:pPr>
-            <a:r>
-              <a:rPr lang="en-US" dirty="0"/>
-              <a:t>Summaries &amp; Recommendations</a:t>
-            </a:r>
-          </a:p>
-          <a:p>
-            <a:pPr marL="514350" indent="-400050">
-              <a:buFont typeface="+mj-lt"/>
-              <a:buAutoNum type="romanUcPeriod"/>
-            </a:pPr>
-            <a:r>
-              <a:rPr lang="en-US" dirty="0"/>
-              <a:t>References</a:t>
-            </a:r>
-          </a:p>
-          <a:p>
-            <a:pPr marL="514350" indent="-400050">
-              <a:buFont typeface="+mj-lt"/>
-              <a:buAutoNum type="romanUcPeriod"/>
-            </a:pPr>
-            <a:endParaRPr lang="en-US" dirty="0"/>
+              <a:rPr lang="en-US" sz="1500" dirty="0"/>
+              <a:t>Feature scaling is a common preprocessing step in machine learning that is often performed before applying the k-means clustering algorithm. The reason for performing feature scaling is to ensure that all features or variables have equal importance in the clustering process, regardless of their original scale or units of measurement.</a:t>
+            </a:r>
+            <a:endParaRPr lang="en-ID" sz="1500" dirty="0"/>
           </a:p>
         </p:txBody>
       </p:sp>
+      <p:pic>
+        <p:nvPicPr>
+          <p:cNvPr id="5" name="Picture 4">
+            <a:extLst>
+              <a:ext uri="{FF2B5EF4-FFF2-40B4-BE49-F238E27FC236}">
+                <a16:creationId xmlns:a16="http://schemas.microsoft.com/office/drawing/2014/main" id="{75D81AB1-8290-8E72-20F9-205B94CDF539}"/>
+              </a:ext>
+            </a:extLst>
+          </p:cNvPr>
+          <p:cNvPicPr>
+            <a:picLocks noChangeAspect="1"/>
+          </p:cNvPicPr>
+          <p:nvPr/>
+        </p:nvPicPr>
+        <p:blipFill>
+          <a:blip r:embed="rId2"/>
+          <a:stretch>
+            <a:fillRect/>
+          </a:stretch>
+        </p:blipFill>
+        <p:spPr>
+          <a:xfrm>
+            <a:off x="1418681" y="2571750"/>
+            <a:ext cx="6306638" cy="1229089"/>
+          </a:xfrm>
+          <a:prstGeom prst="rect">
+            <a:avLst/>
+          </a:prstGeom>
+          <a:ln>
+            <a:solidFill>
+              <a:schemeClr val="tx1"/>
+            </a:solidFill>
+          </a:ln>
+        </p:spPr>
+      </p:pic>
     </p:spTree>
     <p:extLst>
       <p:ext uri="{BB962C8B-B14F-4D97-AF65-F5344CB8AC3E}">
-        <p14:creationId xmlns:p14="http://schemas.microsoft.com/office/powerpoint/2010/main" val="779236825"/>
+        <p14:creationId xmlns:p14="http://schemas.microsoft.com/office/powerpoint/2010/main" val="1010518346"/>
       </p:ext>
     </p:extLst>
   </p:cSld>
   <p:clrMapOvr>
     <a:masterClrMapping/>
   </p:clrMapOvr>
+  <mc:AlternateContent xmlns:mc="http://schemas.openxmlformats.org/markup-compatibility/2006">
+    <mc:Choice xmlns:p14="http://schemas.microsoft.com/office/powerpoint/2010/main" Requires="p14">
+      <p:transition spd="med" p14:dur="700">
+        <p:fade/>
+      </p:transition>
+    </mc:Choice>
+    <mc:Fallback>
+      <p:transition spd="med">
+        <p:fade/>
+      </p:transition>
+    </mc:Fallback>
+  </mc:AlternateContent>
 </p:sld>
 </file>
 
@@ -6398,10 +7512,22 @@
   <p:clrMapOvr>
     <a:masterClrMapping/>
   </p:clrMapOvr>
+  <mc:AlternateContent xmlns:mc="http://schemas.openxmlformats.org/markup-compatibility/2006">
+    <mc:Choice xmlns:p14="http://schemas.microsoft.com/office/powerpoint/2010/main" Requires="p14">
+      <p:transition spd="med" p14:dur="700">
+        <p:fade/>
+      </p:transition>
+    </mc:Choice>
+    <mc:Fallback>
+      <p:transition spd="med">
+        <p:fade/>
+      </p:transition>
+    </mc:Fallback>
+  </mc:AlternateContent>
 </p:sld>
 </file>
 
-<file path=ppt/slides/slide4.xml><?xml version="1.0" encoding="utf-8"?>
+<file path=ppt/slides/slide30.xml><?xml version="1.0" encoding="utf-8"?>
 <p:sld xmlns:a="http://schemas.openxmlformats.org/drawingml/2006/main" xmlns:r="http://schemas.openxmlformats.org/officeDocument/2006/relationships" xmlns:p="http://schemas.openxmlformats.org/presentationml/2006/main">
   <p:cSld>
     <p:spTree>
@@ -6423,7 +7549,7 @@
           <p:cNvPr id="2" name="Title 1">
             <a:extLst>
               <a:ext uri="{FF2B5EF4-FFF2-40B4-BE49-F238E27FC236}">
-                <a16:creationId xmlns:a16="http://schemas.microsoft.com/office/drawing/2014/main" id="{358F40CA-98A7-F567-A988-C7494E049703}"/>
+                <a16:creationId xmlns:a16="http://schemas.microsoft.com/office/drawing/2014/main" id="{44DE3BA8-4496-90A4-1572-70E2FAA34D96}"/>
               </a:ext>
             </a:extLst>
           </p:cNvPr>
@@ -6434,12 +7560,23 @@
             <p:ph type="title"/>
           </p:nvPr>
         </p:nvSpPr>
-        <p:spPr/>
+        <p:spPr>
+          <a:xfrm>
+            <a:off x="311700" y="579775"/>
+            <a:ext cx="6377700" cy="572700"/>
+          </a:xfrm>
+        </p:spPr>
         <p:txBody>
-          <a:bodyPr/>
+          <a:bodyPr>
+            <a:normAutofit fontScale="90000"/>
+          </a:bodyPr>
           <a:lstStyle/>
           <a:p>
-            <a:endParaRPr lang="en-ID"/>
+            <a:r>
+              <a:rPr lang="en-US" dirty="0"/>
+              <a:t>Elbow Method</a:t>
+            </a:r>
+            <a:endParaRPr lang="en-ID" dirty="0"/>
           </a:p>
         </p:txBody>
       </p:sp>
@@ -6448,7 +7585,7 @@
           <p:cNvPr id="3" name="Text Placeholder 2">
             <a:extLst>
               <a:ext uri="{FF2B5EF4-FFF2-40B4-BE49-F238E27FC236}">
-                <a16:creationId xmlns:a16="http://schemas.microsoft.com/office/drawing/2014/main" id="{D43773D6-995C-4937-9204-BD8EF7AE131A}"/>
+                <a16:creationId xmlns:a16="http://schemas.microsoft.com/office/drawing/2014/main" id="{B33B0239-75BF-F23D-82D2-5EE3FEEB6935}"/>
               </a:ext>
             </a:extLst>
           </p:cNvPr>
@@ -6461,125 +7598,83 @@
         </p:nvSpPr>
         <p:spPr/>
         <p:txBody>
-          <a:bodyPr/>
+          <a:bodyPr>
+            <a:normAutofit/>
+          </a:bodyPr>
           <a:lstStyle/>
           <a:p>
-            <a:endParaRPr lang="en-ID"/>
+            <a:pPr marL="114300" indent="0" algn="just">
+              <a:buNone/>
+            </a:pPr>
+            <a:r>
+              <a:rPr lang="en-US" sz="1200" dirty="0"/>
+              <a:t>The elbow method is commonly used to determine the optimal number of clusters in K-Means clustering. The optimal number of groups is where the "elbow" of the curve is located in the plot. The below graph selects an Elbow point at K=5. Let’s validate the value of K using the Silhouette plot.</a:t>
+            </a:r>
+            <a:endParaRPr lang="en-ID" sz="1200" dirty="0"/>
           </a:p>
         </p:txBody>
       </p:sp>
+      <p:pic>
+        <p:nvPicPr>
+          <p:cNvPr id="5" name="Picture 4">
+            <a:extLst>
+              <a:ext uri="{FF2B5EF4-FFF2-40B4-BE49-F238E27FC236}">
+                <a16:creationId xmlns:a16="http://schemas.microsoft.com/office/drawing/2014/main" id="{8046EFF4-B93A-1885-10F1-3065CF4DC848}"/>
+              </a:ext>
+            </a:extLst>
+          </p:cNvPr>
+          <p:cNvPicPr>
+            <a:picLocks noChangeAspect="1"/>
+          </p:cNvPicPr>
+          <p:nvPr/>
+        </p:nvPicPr>
+        <p:blipFill>
+          <a:blip r:embed="rId2"/>
+          <a:stretch>
+            <a:fillRect/>
+          </a:stretch>
+        </p:blipFill>
+        <p:spPr>
+          <a:xfrm>
+            <a:off x="2787475" y="2013608"/>
+            <a:ext cx="3569049" cy="2495873"/>
+          </a:xfrm>
+          <a:prstGeom prst="rect">
+            <a:avLst/>
+          </a:prstGeom>
+          <a:ln>
+            <a:solidFill>
+              <a:schemeClr val="tx1"/>
+            </a:solidFill>
+          </a:ln>
+        </p:spPr>
+      </p:pic>
     </p:spTree>
     <p:extLst>
       <p:ext uri="{BB962C8B-B14F-4D97-AF65-F5344CB8AC3E}">
-        <p14:creationId xmlns:p14="http://schemas.microsoft.com/office/powerpoint/2010/main" val="2717327939"/>
+        <p14:creationId xmlns:p14="http://schemas.microsoft.com/office/powerpoint/2010/main" val="3414908793"/>
       </p:ext>
     </p:extLst>
   </p:cSld>
   <p:clrMapOvr>
     <a:masterClrMapping/>
   </p:clrMapOvr>
+  <mc:AlternateContent xmlns:mc="http://schemas.openxmlformats.org/markup-compatibility/2006">
+    <mc:Choice xmlns:p14="http://schemas.microsoft.com/office/powerpoint/2010/main" Requires="p14">
+      <p:transition spd="med" p14:dur="700">
+        <p:fade/>
+      </p:transition>
+    </mc:Choice>
+    <mc:Fallback>
+      <p:transition spd="med">
+        <p:fade/>
+      </p:transition>
+    </mc:Fallback>
+  </mc:AlternateContent>
 </p:sld>
 </file>
 
-<file path=ppt/slides/slide5.xml><?xml version="1.0" encoding="utf-8"?>
-<p:sld xmlns:a="http://schemas.openxmlformats.org/drawingml/2006/main" xmlns:r="http://schemas.openxmlformats.org/officeDocument/2006/relationships" xmlns:p="http://schemas.openxmlformats.org/presentationml/2006/main">
-  <p:cSld>
-    <p:spTree>
-      <p:nvGrpSpPr>
-        <p:cNvPr id="1" name=""/>
-        <p:cNvGrpSpPr/>
-        <p:nvPr/>
-      </p:nvGrpSpPr>
-      <p:grpSpPr>
-        <a:xfrm>
-          <a:off x="0" y="0"/>
-          <a:ext cx="0" cy="0"/>
-          <a:chOff x="0" y="0"/>
-          <a:chExt cx="0" cy="0"/>
-        </a:xfrm>
-      </p:grpSpPr>
-      <p:sp>
-        <p:nvSpPr>
-          <p:cNvPr id="2" name="Picture Placeholder 1">
-            <a:extLst>
-              <a:ext uri="{FF2B5EF4-FFF2-40B4-BE49-F238E27FC236}">
-                <a16:creationId xmlns:a16="http://schemas.microsoft.com/office/drawing/2014/main" id="{6CB453AC-5495-2560-4EBD-ECED5B859555}"/>
-              </a:ext>
-            </a:extLst>
-          </p:cNvPr>
-          <p:cNvSpPr>
-            <a:spLocks noGrp="1"/>
-          </p:cNvSpPr>
-          <p:nvPr>
-            <p:ph type="pic" idx="2"/>
-          </p:nvPr>
-        </p:nvSpPr>
-        <p:spPr/>
-      </p:sp>
-      <p:sp>
-        <p:nvSpPr>
-          <p:cNvPr id="3" name="Title 2">
-            <a:extLst>
-              <a:ext uri="{FF2B5EF4-FFF2-40B4-BE49-F238E27FC236}">
-                <a16:creationId xmlns:a16="http://schemas.microsoft.com/office/drawing/2014/main" id="{697E207E-69FC-29AD-E55F-430EDF5683D7}"/>
-              </a:ext>
-            </a:extLst>
-          </p:cNvPr>
-          <p:cNvSpPr>
-            <a:spLocks noGrp="1"/>
-          </p:cNvSpPr>
-          <p:nvPr>
-            <p:ph type="title"/>
-          </p:nvPr>
-        </p:nvSpPr>
-        <p:spPr/>
-        <p:txBody>
-          <a:bodyPr/>
-          <a:lstStyle/>
-          <a:p>
-            <a:endParaRPr lang="en-ID"/>
-          </a:p>
-        </p:txBody>
-      </p:sp>
-      <p:sp>
-        <p:nvSpPr>
-          <p:cNvPr id="4" name="Text Placeholder 3">
-            <a:extLst>
-              <a:ext uri="{FF2B5EF4-FFF2-40B4-BE49-F238E27FC236}">
-                <a16:creationId xmlns:a16="http://schemas.microsoft.com/office/drawing/2014/main" id="{EBD08EFF-3A6C-A827-8313-92CFCBF9E0A8}"/>
-              </a:ext>
-            </a:extLst>
-          </p:cNvPr>
-          <p:cNvSpPr>
-            <a:spLocks noGrp="1"/>
-          </p:cNvSpPr>
-          <p:nvPr>
-            <p:ph type="body" idx="1"/>
-          </p:nvPr>
-        </p:nvSpPr>
-        <p:spPr/>
-        <p:txBody>
-          <a:bodyPr/>
-          <a:lstStyle/>
-          <a:p>
-            <a:endParaRPr lang="en-ID"/>
-          </a:p>
-        </p:txBody>
-      </p:sp>
-    </p:spTree>
-    <p:extLst>
-      <p:ext uri="{BB962C8B-B14F-4D97-AF65-F5344CB8AC3E}">
-        <p14:creationId xmlns:p14="http://schemas.microsoft.com/office/powerpoint/2010/main" val="2515257271"/>
-      </p:ext>
-    </p:extLst>
-  </p:cSld>
-  <p:clrMapOvr>
-    <a:masterClrMapping/>
-  </p:clrMapOvr>
-</p:sld>
-</file>
-
-<file path=ppt/slides/slide6.xml><?xml version="1.0" encoding="utf-8"?>
+<file path=ppt/slides/slide31.xml><?xml version="1.0" encoding="utf-8"?>
 <p:sld xmlns:a="http://schemas.openxmlformats.org/drawingml/2006/main" xmlns:r="http://schemas.openxmlformats.org/officeDocument/2006/relationships" xmlns:p="http://schemas.openxmlformats.org/presentationml/2006/main">
   <p:cSld>
     <p:spTree>
@@ -6601,7 +7696,7 @@
           <p:cNvPr id="2" name="Title 1">
             <a:extLst>
               <a:ext uri="{FF2B5EF4-FFF2-40B4-BE49-F238E27FC236}">
-                <a16:creationId xmlns:a16="http://schemas.microsoft.com/office/drawing/2014/main" id="{A9D99F9E-C6EC-7F97-05CB-1D967F48125A}"/>
+                <a16:creationId xmlns:a16="http://schemas.microsoft.com/office/drawing/2014/main" id="{9E1F9883-9FD0-2018-862C-A6574F31540A}"/>
               </a:ext>
             </a:extLst>
           </p:cNvPr>
@@ -6612,12 +7707,23 @@
             <p:ph type="title"/>
           </p:nvPr>
         </p:nvSpPr>
-        <p:spPr/>
+        <p:spPr>
+          <a:xfrm>
+            <a:off x="311700" y="574625"/>
+            <a:ext cx="6377700" cy="572700"/>
+          </a:xfrm>
+        </p:spPr>
         <p:txBody>
-          <a:bodyPr/>
+          <a:bodyPr>
+            <a:normAutofit fontScale="90000"/>
+          </a:bodyPr>
           <a:lstStyle/>
           <a:p>
-            <a:endParaRPr lang="en-ID"/>
+            <a:r>
+              <a:rPr lang="en-US" dirty="0"/>
+              <a:t>Silhouette Score</a:t>
+            </a:r>
+            <a:endParaRPr lang="en-ID" dirty="0"/>
           </a:p>
         </p:txBody>
       </p:sp>
@@ -6626,7 +7732,7 @@
           <p:cNvPr id="3" name="Text Placeholder 2">
             <a:extLst>
               <a:ext uri="{FF2B5EF4-FFF2-40B4-BE49-F238E27FC236}">
-                <a16:creationId xmlns:a16="http://schemas.microsoft.com/office/drawing/2014/main" id="{AF394836-DCE8-5298-47E6-C866A5356190}"/>
+                <a16:creationId xmlns:a16="http://schemas.microsoft.com/office/drawing/2014/main" id="{2707BB0F-A4C4-D79A-CC1A-2898161667E5}"/>
               </a:ext>
             </a:extLst>
           </p:cNvPr>
@@ -6639,27 +7745,1164 @@
         </p:nvSpPr>
         <p:spPr/>
         <p:txBody>
-          <a:bodyPr/>
+          <a:bodyPr>
+            <a:normAutofit/>
+          </a:bodyPr>
           <a:lstStyle/>
           <a:p>
-            <a:endParaRPr lang="en-ID"/>
+            <a:pPr marL="114300" indent="0" algn="just">
+              <a:buNone/>
+            </a:pPr>
+            <a:r>
+              <a:rPr lang="en-US" sz="1200" dirty="0"/>
+              <a:t>Silhouette score is a widely used metric for evaluating the quality of clusters in K-Means clustering. The Silhouette score ranges from -1 to 1, where a score of 1 indicates good clustering, and a score of -1 indicates poor clustering.</a:t>
+            </a:r>
+            <a:endParaRPr lang="en-ID" sz="1200" dirty="0"/>
           </a:p>
         </p:txBody>
       </p:sp>
+      <p:pic>
+        <p:nvPicPr>
+          <p:cNvPr id="5" name="Picture 4">
+            <a:extLst>
+              <a:ext uri="{FF2B5EF4-FFF2-40B4-BE49-F238E27FC236}">
+                <a16:creationId xmlns:a16="http://schemas.microsoft.com/office/drawing/2014/main" id="{C8ED7C75-E885-EFF0-8C6B-6BCE81EC98F0}"/>
+              </a:ext>
+            </a:extLst>
+          </p:cNvPr>
+          <p:cNvPicPr>
+            <a:picLocks noChangeAspect="1"/>
+          </p:cNvPicPr>
+          <p:nvPr/>
+        </p:nvPicPr>
+        <p:blipFill>
+          <a:blip r:embed="rId2"/>
+          <a:stretch>
+            <a:fillRect/>
+          </a:stretch>
+        </p:blipFill>
+        <p:spPr>
+          <a:xfrm>
+            <a:off x="3809261" y="1800591"/>
+            <a:ext cx="4868056" cy="2640370"/>
+          </a:xfrm>
+          <a:prstGeom prst="rect">
+            <a:avLst/>
+          </a:prstGeom>
+          <a:ln>
+            <a:solidFill>
+              <a:schemeClr val="tx1"/>
+            </a:solidFill>
+          </a:ln>
+        </p:spPr>
+      </p:pic>
+      <p:pic>
+        <p:nvPicPr>
+          <p:cNvPr id="7" name="Picture 6">
+            <a:extLst>
+              <a:ext uri="{FF2B5EF4-FFF2-40B4-BE49-F238E27FC236}">
+                <a16:creationId xmlns:a16="http://schemas.microsoft.com/office/drawing/2014/main" id="{AF25E12F-01B8-D5C8-14FE-6E864A105344}"/>
+              </a:ext>
+            </a:extLst>
+          </p:cNvPr>
+          <p:cNvPicPr>
+            <a:picLocks noChangeAspect="1"/>
+          </p:cNvPicPr>
+          <p:nvPr/>
+        </p:nvPicPr>
+        <p:blipFill>
+          <a:blip r:embed="rId3"/>
+          <a:stretch>
+            <a:fillRect/>
+          </a:stretch>
+        </p:blipFill>
+        <p:spPr>
+          <a:xfrm>
+            <a:off x="795202" y="1800591"/>
+            <a:ext cx="2242466" cy="2636548"/>
+          </a:xfrm>
+          <a:prstGeom prst="rect">
+            <a:avLst/>
+          </a:prstGeom>
+          <a:ln>
+            <a:solidFill>
+              <a:schemeClr val="tx1"/>
+            </a:solidFill>
+          </a:ln>
+        </p:spPr>
+      </p:pic>
     </p:spTree>
     <p:extLst>
       <p:ext uri="{BB962C8B-B14F-4D97-AF65-F5344CB8AC3E}">
-        <p14:creationId xmlns:p14="http://schemas.microsoft.com/office/powerpoint/2010/main" val="2082507212"/>
+        <p14:creationId xmlns:p14="http://schemas.microsoft.com/office/powerpoint/2010/main" val="3928676563"/>
       </p:ext>
     </p:extLst>
   </p:cSld>
   <p:clrMapOvr>
     <a:masterClrMapping/>
   </p:clrMapOvr>
+  <mc:AlternateContent xmlns:mc="http://schemas.openxmlformats.org/markup-compatibility/2006">
+    <mc:Choice xmlns:p14="http://schemas.microsoft.com/office/powerpoint/2010/main" Requires="p14">
+      <p:transition spd="med" p14:dur="700">
+        <p:fade/>
+      </p:transition>
+    </mc:Choice>
+    <mc:Fallback>
+      <p:transition spd="med">
+        <p:fade/>
+      </p:transition>
+    </mc:Fallback>
+  </mc:AlternateContent>
 </p:sld>
 </file>
 
-<file path=ppt/slides/slide7.xml><?xml version="1.0" encoding="utf-8"?>
+<file path=ppt/slides/slide32.xml><?xml version="1.0" encoding="utf-8"?>
+<p:sld xmlns:a="http://schemas.openxmlformats.org/drawingml/2006/main" xmlns:r="http://schemas.openxmlformats.org/officeDocument/2006/relationships" xmlns:p="http://schemas.openxmlformats.org/presentationml/2006/main">
+  <p:cSld>
+    <p:spTree>
+      <p:nvGrpSpPr>
+        <p:cNvPr id="1" name=""/>
+        <p:cNvGrpSpPr/>
+        <p:nvPr/>
+      </p:nvGrpSpPr>
+      <p:grpSpPr>
+        <a:xfrm>
+          <a:off x="0" y="0"/>
+          <a:ext cx="0" cy="0"/>
+          <a:chOff x="0" y="0"/>
+          <a:chExt cx="0" cy="0"/>
+        </a:xfrm>
+      </p:grpSpPr>
+      <p:sp>
+        <p:nvSpPr>
+          <p:cNvPr id="2" name="Title 1">
+            <a:extLst>
+              <a:ext uri="{FF2B5EF4-FFF2-40B4-BE49-F238E27FC236}">
+                <a16:creationId xmlns:a16="http://schemas.microsoft.com/office/drawing/2014/main" id="{C1D64C7F-A238-6313-BAD3-268F25A53623}"/>
+              </a:ext>
+            </a:extLst>
+          </p:cNvPr>
+          <p:cNvSpPr>
+            <a:spLocks noGrp="1"/>
+          </p:cNvSpPr>
+          <p:nvPr>
+            <p:ph type="title"/>
+          </p:nvPr>
+        </p:nvSpPr>
+        <p:spPr>
+          <a:xfrm>
+            <a:off x="311700" y="574625"/>
+            <a:ext cx="6377700" cy="572700"/>
+          </a:xfrm>
+        </p:spPr>
+        <p:txBody>
+          <a:bodyPr>
+            <a:normAutofit fontScale="90000"/>
+          </a:bodyPr>
+          <a:lstStyle/>
+          <a:p>
+            <a:r>
+              <a:rPr lang="en-US" dirty="0"/>
+              <a:t>Choosing K=4</a:t>
+            </a:r>
+            <a:endParaRPr lang="en-ID" dirty="0"/>
+          </a:p>
+        </p:txBody>
+      </p:sp>
+      <p:sp>
+        <p:nvSpPr>
+          <p:cNvPr id="3" name="Text Placeholder 2">
+            <a:extLst>
+              <a:ext uri="{FF2B5EF4-FFF2-40B4-BE49-F238E27FC236}">
+                <a16:creationId xmlns:a16="http://schemas.microsoft.com/office/drawing/2014/main" id="{ADCDED0F-2154-9942-9627-F64F8861FE92}"/>
+              </a:ext>
+            </a:extLst>
+          </p:cNvPr>
+          <p:cNvSpPr>
+            <a:spLocks noGrp="1"/>
+          </p:cNvSpPr>
+          <p:nvPr>
+            <p:ph type="body" idx="1"/>
+          </p:nvPr>
+        </p:nvSpPr>
+        <p:spPr/>
+        <p:txBody>
+          <a:bodyPr>
+            <a:normAutofit/>
+          </a:bodyPr>
+          <a:lstStyle/>
+          <a:p>
+            <a:pPr marL="114300" indent="0" algn="just">
+              <a:lnSpc>
+                <a:spcPct val="150000"/>
+              </a:lnSpc>
+              <a:buNone/>
+            </a:pPr>
+            <a:r>
+              <a:rPr lang="en-US" sz="1400" dirty="0"/>
+              <a:t>The Silhouette score is maximum (0.50) for K = 2, but that’s not sufficient to select the optimal K. The following conditions should be checked to pick the right ‘K’ using the Silhouette plots: </a:t>
+            </a:r>
+          </a:p>
+          <a:p>
+            <a:pPr algn="just">
+              <a:lnSpc>
+                <a:spcPct val="150000"/>
+              </a:lnSpc>
+              <a:buFont typeface="Wingdings" panose="05000000000000000000" pitchFamily="2" charset="2"/>
+              <a:buChar char="§"/>
+            </a:pPr>
+            <a:r>
+              <a:rPr lang="en-US" sz="1400" dirty="0"/>
+              <a:t>For a particular K, all the clusters should have a Silhouette score more than the average score of the dataset (represented by a red dotted line). The x-axis represents the Silhouette score.</a:t>
+            </a:r>
+          </a:p>
+          <a:p>
+            <a:pPr algn="just">
+              <a:lnSpc>
+                <a:spcPct val="150000"/>
+              </a:lnSpc>
+              <a:buFont typeface="Wingdings" panose="05000000000000000000" pitchFamily="2" charset="2"/>
+              <a:buChar char="§"/>
+            </a:pPr>
+            <a:r>
+              <a:rPr lang="en-US" sz="1400" dirty="0"/>
+              <a:t>There should not be wide fluctuations in the size of the clusters. The width of the groups represents the number of data points </a:t>
+            </a:r>
+          </a:p>
+          <a:p>
+            <a:pPr marL="114300" indent="0" algn="just">
+              <a:lnSpc>
+                <a:spcPct val="150000"/>
+              </a:lnSpc>
+              <a:buNone/>
+            </a:pPr>
+            <a:r>
+              <a:rPr lang="en-US" sz="1400" dirty="0"/>
+              <a:t>The value of 4 for clusters looks optimal. The silhouette score for each group is above average silhouette scores. Also, the thickness is more uniform than the plot with a bunch of 2 or 3, with one cluster thickness much more than the other. </a:t>
+            </a:r>
+            <a:r>
+              <a:rPr lang="en-US" sz="1400" b="1" dirty="0"/>
+              <a:t>Thus, one can select the optimal number of groups as 4.</a:t>
+            </a:r>
+            <a:endParaRPr lang="en-ID" sz="1400" b="1" dirty="0"/>
+          </a:p>
+        </p:txBody>
+      </p:sp>
+    </p:spTree>
+    <p:extLst>
+      <p:ext uri="{BB962C8B-B14F-4D97-AF65-F5344CB8AC3E}">
+        <p14:creationId xmlns:p14="http://schemas.microsoft.com/office/powerpoint/2010/main" val="3531933595"/>
+      </p:ext>
+    </p:extLst>
+  </p:cSld>
+  <p:clrMapOvr>
+    <a:masterClrMapping/>
+  </p:clrMapOvr>
+  <mc:AlternateContent xmlns:mc="http://schemas.openxmlformats.org/markup-compatibility/2006">
+    <mc:Choice xmlns:p14="http://schemas.microsoft.com/office/powerpoint/2010/main" Requires="p14">
+      <p:transition spd="med" p14:dur="700">
+        <p:fade/>
+      </p:transition>
+    </mc:Choice>
+    <mc:Fallback>
+      <p:transition spd="med">
+        <p:fade/>
+      </p:transition>
+    </mc:Fallback>
+  </mc:AlternateContent>
+</p:sld>
+</file>
+
+<file path=ppt/slides/slide33.xml><?xml version="1.0" encoding="utf-8"?>
+<p:sld xmlns:a="http://schemas.openxmlformats.org/drawingml/2006/main" xmlns:r="http://schemas.openxmlformats.org/officeDocument/2006/relationships" xmlns:p="http://schemas.openxmlformats.org/presentationml/2006/main">
+  <p:cSld>
+    <p:spTree>
+      <p:nvGrpSpPr>
+        <p:cNvPr id="1" name=""/>
+        <p:cNvGrpSpPr/>
+        <p:nvPr/>
+      </p:nvGrpSpPr>
+      <p:grpSpPr>
+        <a:xfrm>
+          <a:off x="0" y="0"/>
+          <a:ext cx="0" cy="0"/>
+          <a:chOff x="0" y="0"/>
+          <a:chExt cx="0" cy="0"/>
+        </a:xfrm>
+      </p:grpSpPr>
+      <p:sp>
+        <p:nvSpPr>
+          <p:cNvPr id="2" name="Title 1">
+            <a:extLst>
+              <a:ext uri="{FF2B5EF4-FFF2-40B4-BE49-F238E27FC236}">
+                <a16:creationId xmlns:a16="http://schemas.microsoft.com/office/drawing/2014/main" id="{278393F1-2E14-4F1A-B81F-4D0E9A301D5B}"/>
+              </a:ext>
+            </a:extLst>
+          </p:cNvPr>
+          <p:cNvSpPr>
+            <a:spLocks noGrp="1"/>
+          </p:cNvSpPr>
+          <p:nvPr>
+            <p:ph type="title"/>
+          </p:nvPr>
+        </p:nvSpPr>
+        <p:spPr>
+          <a:xfrm>
+            <a:off x="311700" y="574625"/>
+            <a:ext cx="6377700" cy="572700"/>
+          </a:xfrm>
+        </p:spPr>
+        <p:txBody>
+          <a:bodyPr>
+            <a:normAutofit fontScale="90000"/>
+          </a:bodyPr>
+          <a:lstStyle/>
+          <a:p>
+            <a:r>
+              <a:rPr lang="en-US" dirty="0"/>
+              <a:t>Fitting K-Means with K=4</a:t>
+            </a:r>
+            <a:endParaRPr lang="en-ID" dirty="0"/>
+          </a:p>
+        </p:txBody>
+      </p:sp>
+      <p:sp>
+        <p:nvSpPr>
+          <p:cNvPr id="3" name="Text Placeholder 2">
+            <a:extLst>
+              <a:ext uri="{FF2B5EF4-FFF2-40B4-BE49-F238E27FC236}">
+                <a16:creationId xmlns:a16="http://schemas.microsoft.com/office/drawing/2014/main" id="{6C2C44E3-9E71-5B64-3C88-4ABEB5755DFF}"/>
+              </a:ext>
+            </a:extLst>
+          </p:cNvPr>
+          <p:cNvSpPr>
+            <a:spLocks noGrp="1"/>
+          </p:cNvSpPr>
+          <p:nvPr>
+            <p:ph type="body" idx="1"/>
+          </p:nvPr>
+        </p:nvSpPr>
+        <p:spPr/>
+        <p:txBody>
+          <a:bodyPr>
+            <a:normAutofit/>
+          </a:bodyPr>
+          <a:lstStyle/>
+          <a:p>
+            <a:pPr marL="114300" indent="0" algn="just">
+              <a:buNone/>
+            </a:pPr>
+            <a:r>
+              <a:rPr lang="en-US" sz="1200" dirty="0"/>
+              <a:t>After determining the optimal value of K, the next step is to perform the process of fitting the K-Means model to the features of the data. In this step, the K-Means algorithm is applied to the data, and the model is trained to cluster the data points into K clusters. Once the model is fitted to the data, it can be used to predict the cluster labels of new data points based on their proximity to the centroids. </a:t>
+            </a:r>
+          </a:p>
+        </p:txBody>
+      </p:sp>
+      <p:pic>
+        <p:nvPicPr>
+          <p:cNvPr id="5" name="Picture 4">
+            <a:extLst>
+              <a:ext uri="{FF2B5EF4-FFF2-40B4-BE49-F238E27FC236}">
+                <a16:creationId xmlns:a16="http://schemas.microsoft.com/office/drawing/2014/main" id="{E9501564-543B-4CA4-6BA8-92D4778CC342}"/>
+              </a:ext>
+            </a:extLst>
+          </p:cNvPr>
+          <p:cNvPicPr>
+            <a:picLocks noChangeAspect="1"/>
+          </p:cNvPicPr>
+          <p:nvPr/>
+        </p:nvPicPr>
+        <p:blipFill>
+          <a:blip r:embed="rId2"/>
+          <a:stretch>
+            <a:fillRect/>
+          </a:stretch>
+        </p:blipFill>
+        <p:spPr>
+          <a:xfrm>
+            <a:off x="1984844" y="2432706"/>
+            <a:ext cx="5174311" cy="1190155"/>
+          </a:xfrm>
+          <a:prstGeom prst="rect">
+            <a:avLst/>
+          </a:prstGeom>
+          <a:ln>
+            <a:solidFill>
+              <a:schemeClr val="tx1"/>
+            </a:solidFill>
+          </a:ln>
+        </p:spPr>
+      </p:pic>
+    </p:spTree>
+    <p:extLst>
+      <p:ext uri="{BB962C8B-B14F-4D97-AF65-F5344CB8AC3E}">
+        <p14:creationId xmlns:p14="http://schemas.microsoft.com/office/powerpoint/2010/main" val="2023814908"/>
+      </p:ext>
+    </p:extLst>
+  </p:cSld>
+  <p:clrMapOvr>
+    <a:masterClrMapping/>
+  </p:clrMapOvr>
+  <mc:AlternateContent xmlns:mc="http://schemas.openxmlformats.org/markup-compatibility/2006">
+    <mc:Choice xmlns:p14="http://schemas.microsoft.com/office/powerpoint/2010/main" Requires="p14">
+      <p:transition spd="med" p14:dur="700">
+        <p:fade/>
+      </p:transition>
+    </mc:Choice>
+    <mc:Fallback>
+      <p:transition spd="med">
+        <p:fade/>
+      </p:transition>
+    </mc:Fallback>
+  </mc:AlternateContent>
+</p:sld>
+</file>
+
+<file path=ppt/slides/slide34.xml><?xml version="1.0" encoding="utf-8"?>
+<p:sld xmlns:a="http://schemas.openxmlformats.org/drawingml/2006/main" xmlns:r="http://schemas.openxmlformats.org/officeDocument/2006/relationships" xmlns:p="http://schemas.openxmlformats.org/presentationml/2006/main">
+  <p:cSld>
+    <p:spTree>
+      <p:nvGrpSpPr>
+        <p:cNvPr id="1" name=""/>
+        <p:cNvGrpSpPr/>
+        <p:nvPr/>
+      </p:nvGrpSpPr>
+      <p:grpSpPr>
+        <a:xfrm>
+          <a:off x="0" y="0"/>
+          <a:ext cx="0" cy="0"/>
+          <a:chOff x="0" y="0"/>
+          <a:chExt cx="0" cy="0"/>
+        </a:xfrm>
+      </p:grpSpPr>
+      <p:sp>
+        <p:nvSpPr>
+          <p:cNvPr id="2" name="Title 1">
+            <a:extLst>
+              <a:ext uri="{FF2B5EF4-FFF2-40B4-BE49-F238E27FC236}">
+                <a16:creationId xmlns:a16="http://schemas.microsoft.com/office/drawing/2014/main" id="{5C30E0D6-09D9-3029-A069-E79ECA294766}"/>
+              </a:ext>
+            </a:extLst>
+          </p:cNvPr>
+          <p:cNvSpPr>
+            <a:spLocks noGrp="1"/>
+          </p:cNvSpPr>
+          <p:nvPr>
+            <p:ph type="title"/>
+          </p:nvPr>
+        </p:nvSpPr>
+        <p:spPr>
+          <a:xfrm>
+            <a:off x="311700" y="574625"/>
+            <a:ext cx="6377700" cy="572700"/>
+          </a:xfrm>
+        </p:spPr>
+        <p:txBody>
+          <a:bodyPr>
+            <a:normAutofit fontScale="90000"/>
+          </a:bodyPr>
+          <a:lstStyle/>
+          <a:p>
+            <a:r>
+              <a:rPr lang="en-US" dirty="0"/>
+              <a:t>Clusters Visualization</a:t>
+            </a:r>
+            <a:endParaRPr lang="en-ID" dirty="0"/>
+          </a:p>
+        </p:txBody>
+      </p:sp>
+      <p:sp>
+        <p:nvSpPr>
+          <p:cNvPr id="3" name="Text Placeholder 2">
+            <a:extLst>
+              <a:ext uri="{FF2B5EF4-FFF2-40B4-BE49-F238E27FC236}">
+                <a16:creationId xmlns:a16="http://schemas.microsoft.com/office/drawing/2014/main" id="{1C806248-516C-542A-BDC9-93F11B026C3B}"/>
+              </a:ext>
+            </a:extLst>
+          </p:cNvPr>
+          <p:cNvSpPr>
+            <a:spLocks noGrp="1"/>
+          </p:cNvSpPr>
+          <p:nvPr>
+            <p:ph type="body" idx="1"/>
+          </p:nvPr>
+        </p:nvSpPr>
+        <p:spPr>
+          <a:xfrm>
+            <a:off x="311700" y="1124528"/>
+            <a:ext cx="8520600" cy="3416400"/>
+          </a:xfrm>
+        </p:spPr>
+        <p:txBody>
+          <a:bodyPr>
+            <a:normAutofit/>
+          </a:bodyPr>
+          <a:lstStyle/>
+          <a:p>
+            <a:pPr marL="114300" indent="0" algn="just">
+              <a:buNone/>
+            </a:pPr>
+            <a:r>
+              <a:rPr lang="en-US" sz="900" dirty="0"/>
+              <a:t>The previous K-Means cluster prediction results can be visualized in a three-dimensional chart shown below. This visualization allows for a deeper understanding of the clustering structure and pattern of the data, and can serve as a useful tool for exploratory data analysis and feature selection.</a:t>
+            </a:r>
+            <a:endParaRPr lang="en-ID" sz="900" dirty="0"/>
+          </a:p>
+        </p:txBody>
+      </p:sp>
+      <p:pic>
+        <p:nvPicPr>
+          <p:cNvPr id="5" name="Picture 4">
+            <a:extLst>
+              <a:ext uri="{FF2B5EF4-FFF2-40B4-BE49-F238E27FC236}">
+                <a16:creationId xmlns:a16="http://schemas.microsoft.com/office/drawing/2014/main" id="{F8642DBE-358A-CB31-E68D-12A573DA083C}"/>
+              </a:ext>
+            </a:extLst>
+          </p:cNvPr>
+          <p:cNvPicPr>
+            <a:picLocks noChangeAspect="1"/>
+          </p:cNvPicPr>
+          <p:nvPr/>
+        </p:nvPicPr>
+        <p:blipFill>
+          <a:blip r:embed="rId2"/>
+          <a:stretch>
+            <a:fillRect/>
+          </a:stretch>
+        </p:blipFill>
+        <p:spPr>
+          <a:xfrm>
+            <a:off x="2777163" y="1596611"/>
+            <a:ext cx="3589674" cy="3032047"/>
+          </a:xfrm>
+          <a:prstGeom prst="rect">
+            <a:avLst/>
+          </a:prstGeom>
+          <a:ln>
+            <a:solidFill>
+              <a:schemeClr val="tx1"/>
+            </a:solidFill>
+          </a:ln>
+        </p:spPr>
+      </p:pic>
+    </p:spTree>
+    <p:extLst>
+      <p:ext uri="{BB962C8B-B14F-4D97-AF65-F5344CB8AC3E}">
+        <p14:creationId xmlns:p14="http://schemas.microsoft.com/office/powerpoint/2010/main" val="1645478983"/>
+      </p:ext>
+    </p:extLst>
+  </p:cSld>
+  <p:clrMapOvr>
+    <a:masterClrMapping/>
+  </p:clrMapOvr>
+  <mc:AlternateContent xmlns:mc="http://schemas.openxmlformats.org/markup-compatibility/2006">
+    <mc:Choice xmlns:p14="http://schemas.microsoft.com/office/powerpoint/2010/main" Requires="p14">
+      <p:transition spd="med" p14:dur="700">
+        <p:fade/>
+      </p:transition>
+    </mc:Choice>
+    <mc:Fallback>
+      <p:transition spd="med">
+        <p:fade/>
+      </p:transition>
+    </mc:Fallback>
+  </mc:AlternateContent>
+</p:sld>
+</file>
+
+<file path=ppt/slides/slide35.xml><?xml version="1.0" encoding="utf-8"?>
+<p:sld xmlns:a="http://schemas.openxmlformats.org/drawingml/2006/main" xmlns:r="http://schemas.openxmlformats.org/officeDocument/2006/relationships" xmlns:p="http://schemas.openxmlformats.org/presentationml/2006/main">
+  <p:cSld>
+    <p:spTree>
+      <p:nvGrpSpPr>
+        <p:cNvPr id="1" name=""/>
+        <p:cNvGrpSpPr/>
+        <p:nvPr/>
+      </p:nvGrpSpPr>
+      <p:grpSpPr>
+        <a:xfrm>
+          <a:off x="0" y="0"/>
+          <a:ext cx="0" cy="0"/>
+          <a:chOff x="0" y="0"/>
+          <a:chExt cx="0" cy="0"/>
+        </a:xfrm>
+      </p:grpSpPr>
+      <p:sp>
+        <p:nvSpPr>
+          <p:cNvPr id="2" name="Title 1">
+            <a:extLst>
+              <a:ext uri="{FF2B5EF4-FFF2-40B4-BE49-F238E27FC236}">
+                <a16:creationId xmlns:a16="http://schemas.microsoft.com/office/drawing/2014/main" id="{7A98C595-CCFA-BE5F-61CC-A3C4EF4DF849}"/>
+              </a:ext>
+            </a:extLst>
+          </p:cNvPr>
+          <p:cNvSpPr>
+            <a:spLocks noGrp="1"/>
+          </p:cNvSpPr>
+          <p:nvPr>
+            <p:ph type="title"/>
+          </p:nvPr>
+        </p:nvSpPr>
+        <p:spPr>
+          <a:xfrm>
+            <a:off x="311700" y="572026"/>
+            <a:ext cx="6377700" cy="572700"/>
+          </a:xfrm>
+        </p:spPr>
+        <p:txBody>
+          <a:bodyPr>
+            <a:normAutofit fontScale="90000"/>
+          </a:bodyPr>
+          <a:lstStyle/>
+          <a:p>
+            <a:r>
+              <a:rPr lang="en-US" dirty="0"/>
+              <a:t>Cluster’s Characteristics</a:t>
+            </a:r>
+            <a:endParaRPr lang="en-ID" dirty="0"/>
+          </a:p>
+        </p:txBody>
+      </p:sp>
+      <p:sp>
+        <p:nvSpPr>
+          <p:cNvPr id="3" name="Text Placeholder 2">
+            <a:extLst>
+              <a:ext uri="{FF2B5EF4-FFF2-40B4-BE49-F238E27FC236}">
+                <a16:creationId xmlns:a16="http://schemas.microsoft.com/office/drawing/2014/main" id="{75CEB83C-97A5-B809-53FD-27D6540DF7FE}"/>
+              </a:ext>
+            </a:extLst>
+          </p:cNvPr>
+          <p:cNvSpPr>
+            <a:spLocks noGrp="1"/>
+          </p:cNvSpPr>
+          <p:nvPr>
+            <p:ph type="body" idx="1"/>
+          </p:nvPr>
+        </p:nvSpPr>
+        <p:spPr>
+          <a:xfrm>
+            <a:off x="311700" y="1144726"/>
+            <a:ext cx="8520600" cy="3416400"/>
+          </a:xfrm>
+        </p:spPr>
+        <p:txBody>
+          <a:bodyPr/>
+          <a:lstStyle/>
+          <a:p>
+            <a:pPr marL="114300" indent="0" algn="just">
+              <a:buNone/>
+            </a:pPr>
+            <a:r>
+              <a:rPr lang="en-US" dirty="0"/>
+              <a:t>The characteristics of each cluster can be observed and analyzed through the table presented below</a:t>
+            </a:r>
+            <a:endParaRPr lang="en-ID" dirty="0"/>
+          </a:p>
+        </p:txBody>
+      </p:sp>
+      <p:pic>
+        <p:nvPicPr>
+          <p:cNvPr id="5" name="Picture 4">
+            <a:extLst>
+              <a:ext uri="{FF2B5EF4-FFF2-40B4-BE49-F238E27FC236}">
+                <a16:creationId xmlns:a16="http://schemas.microsoft.com/office/drawing/2014/main" id="{0C967F70-6A8C-B493-7560-E84BDB1F070D}"/>
+              </a:ext>
+            </a:extLst>
+          </p:cNvPr>
+          <p:cNvPicPr>
+            <a:picLocks noChangeAspect="1"/>
+          </p:cNvPicPr>
+          <p:nvPr/>
+        </p:nvPicPr>
+        <p:blipFill>
+          <a:blip r:embed="rId2"/>
+          <a:stretch>
+            <a:fillRect/>
+          </a:stretch>
+        </p:blipFill>
+        <p:spPr>
+          <a:xfrm>
+            <a:off x="811091" y="2179859"/>
+            <a:ext cx="7521818" cy="1346134"/>
+          </a:xfrm>
+          <a:prstGeom prst="rect">
+            <a:avLst/>
+          </a:prstGeom>
+          <a:ln>
+            <a:solidFill>
+              <a:schemeClr val="tx1"/>
+            </a:solidFill>
+          </a:ln>
+        </p:spPr>
+      </p:pic>
+    </p:spTree>
+    <p:extLst>
+      <p:ext uri="{BB962C8B-B14F-4D97-AF65-F5344CB8AC3E}">
+        <p14:creationId xmlns:p14="http://schemas.microsoft.com/office/powerpoint/2010/main" val="2839560252"/>
+      </p:ext>
+    </p:extLst>
+  </p:cSld>
+  <p:clrMapOvr>
+    <a:masterClrMapping/>
+  </p:clrMapOvr>
+  <mc:AlternateContent xmlns:mc="http://schemas.openxmlformats.org/markup-compatibility/2006">
+    <mc:Choice xmlns:p14="http://schemas.microsoft.com/office/powerpoint/2010/main" Requires="p14">
+      <p:transition spd="med" p14:dur="700">
+        <p:fade/>
+      </p:transition>
+    </mc:Choice>
+    <mc:Fallback>
+      <p:transition spd="med">
+        <p:fade/>
+      </p:transition>
+    </mc:Fallback>
+  </mc:AlternateContent>
+</p:sld>
+</file>
+
+<file path=ppt/slides/slide36.xml><?xml version="1.0" encoding="utf-8"?>
+<p:sld xmlns:a="http://schemas.openxmlformats.org/drawingml/2006/main" xmlns:r="http://schemas.openxmlformats.org/officeDocument/2006/relationships" xmlns:p="http://schemas.openxmlformats.org/presentationml/2006/main">
+  <p:cSld>
+    <p:spTree>
+      <p:nvGrpSpPr>
+        <p:cNvPr id="1" name=""/>
+        <p:cNvGrpSpPr/>
+        <p:nvPr/>
+      </p:nvGrpSpPr>
+      <p:grpSpPr>
+        <a:xfrm>
+          <a:off x="0" y="0"/>
+          <a:ext cx="0" cy="0"/>
+          <a:chOff x="0" y="0"/>
+          <a:chExt cx="0" cy="0"/>
+        </a:xfrm>
+      </p:grpSpPr>
+      <p:sp>
+        <p:nvSpPr>
+          <p:cNvPr id="2" name="Title 1">
+            <a:extLst>
+              <a:ext uri="{FF2B5EF4-FFF2-40B4-BE49-F238E27FC236}">
+                <a16:creationId xmlns:a16="http://schemas.microsoft.com/office/drawing/2014/main" id="{1D4528F2-0452-1D50-D14C-56D312EC996E}"/>
+              </a:ext>
+            </a:extLst>
+          </p:cNvPr>
+          <p:cNvSpPr>
+            <a:spLocks noGrp="1"/>
+          </p:cNvSpPr>
+          <p:nvPr>
+            <p:ph type="title"/>
+          </p:nvPr>
+        </p:nvSpPr>
+        <p:spPr>
+          <a:xfrm>
+            <a:off x="311700" y="585375"/>
+            <a:ext cx="6377700" cy="572700"/>
+          </a:xfrm>
+        </p:spPr>
+        <p:txBody>
+          <a:bodyPr>
+            <a:normAutofit fontScale="90000"/>
+          </a:bodyPr>
+          <a:lstStyle/>
+          <a:p>
+            <a:r>
+              <a:rPr lang="en-US" dirty="0"/>
+              <a:t>Cluster’s Average Irregularities Length</a:t>
+            </a:r>
+            <a:endParaRPr lang="en-ID" dirty="0"/>
+          </a:p>
+        </p:txBody>
+      </p:sp>
+      <p:sp>
+        <p:nvSpPr>
+          <p:cNvPr id="3" name="Text Placeholder 2">
+            <a:extLst>
+              <a:ext uri="{FF2B5EF4-FFF2-40B4-BE49-F238E27FC236}">
+                <a16:creationId xmlns:a16="http://schemas.microsoft.com/office/drawing/2014/main" id="{1BB0D635-9896-632B-844F-B47F619B0C4A}"/>
+              </a:ext>
+            </a:extLst>
+          </p:cNvPr>
+          <p:cNvSpPr>
+            <a:spLocks noGrp="1"/>
+          </p:cNvSpPr>
+          <p:nvPr>
+            <p:ph type="body" idx="1"/>
+          </p:nvPr>
+        </p:nvSpPr>
+        <p:spPr/>
+        <p:txBody>
+          <a:bodyPr>
+            <a:normAutofit/>
+          </a:bodyPr>
+          <a:lstStyle/>
+          <a:p>
+            <a:pPr marL="114300" indent="0" algn="just">
+              <a:buNone/>
+            </a:pPr>
+            <a:r>
+              <a:rPr lang="en-US" sz="1200" dirty="0"/>
+              <a:t>Based on the average Irregularities Length, only Cluster 1 and Cluster 2 can exceed the overall average in Bandung. This finding suggests that these two clusters may have distinct characteristics and represent areas with higher road irregularities or poor road conditions.</a:t>
+            </a:r>
+            <a:endParaRPr lang="en-ID" sz="1200" dirty="0"/>
+          </a:p>
+        </p:txBody>
+      </p:sp>
+      <p:pic>
+        <p:nvPicPr>
+          <p:cNvPr id="5" name="Picture 4">
+            <a:extLst>
+              <a:ext uri="{FF2B5EF4-FFF2-40B4-BE49-F238E27FC236}">
+                <a16:creationId xmlns:a16="http://schemas.microsoft.com/office/drawing/2014/main" id="{BF0B9DFC-FABB-A381-55FB-9D5757862081}"/>
+              </a:ext>
+            </a:extLst>
+          </p:cNvPr>
+          <p:cNvPicPr>
+            <a:picLocks noChangeAspect="1"/>
+          </p:cNvPicPr>
+          <p:nvPr/>
+        </p:nvPicPr>
+        <p:blipFill>
+          <a:blip r:embed="rId2"/>
+          <a:stretch>
+            <a:fillRect/>
+          </a:stretch>
+        </p:blipFill>
+        <p:spPr>
+          <a:xfrm>
+            <a:off x="2783479" y="1967326"/>
+            <a:ext cx="3577041" cy="2590799"/>
+          </a:xfrm>
+          <a:prstGeom prst="rect">
+            <a:avLst/>
+          </a:prstGeom>
+          <a:ln>
+            <a:solidFill>
+              <a:schemeClr val="tx1"/>
+            </a:solidFill>
+          </a:ln>
+        </p:spPr>
+      </p:pic>
+    </p:spTree>
+    <p:extLst>
+      <p:ext uri="{BB962C8B-B14F-4D97-AF65-F5344CB8AC3E}">
+        <p14:creationId xmlns:p14="http://schemas.microsoft.com/office/powerpoint/2010/main" val="1918416639"/>
+      </p:ext>
+    </p:extLst>
+  </p:cSld>
+  <p:clrMapOvr>
+    <a:masterClrMapping/>
+  </p:clrMapOvr>
+  <mc:AlternateContent xmlns:mc="http://schemas.openxmlformats.org/markup-compatibility/2006">
+    <mc:Choice xmlns:p14="http://schemas.microsoft.com/office/powerpoint/2010/main" Requires="p14">
+      <p:transition spd="med" p14:dur="700">
+        <p:fade/>
+      </p:transition>
+    </mc:Choice>
+    <mc:Fallback>
+      <p:transition spd="med">
+        <p:fade/>
+      </p:transition>
+    </mc:Fallback>
+  </mc:AlternateContent>
+</p:sld>
+</file>
+
+<file path=ppt/slides/slide37.xml><?xml version="1.0" encoding="utf-8"?>
+<p:sld xmlns:a="http://schemas.openxmlformats.org/drawingml/2006/main" xmlns:r="http://schemas.openxmlformats.org/officeDocument/2006/relationships" xmlns:p="http://schemas.openxmlformats.org/presentationml/2006/main">
+  <p:cSld>
+    <p:spTree>
+      <p:nvGrpSpPr>
+        <p:cNvPr id="1" name=""/>
+        <p:cNvGrpSpPr/>
+        <p:nvPr/>
+      </p:nvGrpSpPr>
+      <p:grpSpPr>
+        <a:xfrm>
+          <a:off x="0" y="0"/>
+          <a:ext cx="0" cy="0"/>
+          <a:chOff x="0" y="0"/>
+          <a:chExt cx="0" cy="0"/>
+        </a:xfrm>
+      </p:grpSpPr>
+      <p:sp>
+        <p:nvSpPr>
+          <p:cNvPr id="2" name="Title 1">
+            <a:extLst>
+              <a:ext uri="{FF2B5EF4-FFF2-40B4-BE49-F238E27FC236}">
+                <a16:creationId xmlns:a16="http://schemas.microsoft.com/office/drawing/2014/main" id="{1D4528F2-0452-1D50-D14C-56D312EC996E}"/>
+              </a:ext>
+            </a:extLst>
+          </p:cNvPr>
+          <p:cNvSpPr>
+            <a:spLocks noGrp="1"/>
+          </p:cNvSpPr>
+          <p:nvPr>
+            <p:ph type="title"/>
+          </p:nvPr>
+        </p:nvSpPr>
+        <p:spPr>
+          <a:xfrm>
+            <a:off x="311700" y="585375"/>
+            <a:ext cx="6377700" cy="572700"/>
+          </a:xfrm>
+        </p:spPr>
+        <p:txBody>
+          <a:bodyPr>
+            <a:normAutofit/>
+          </a:bodyPr>
+          <a:lstStyle/>
+          <a:p>
+            <a:r>
+              <a:rPr lang="en-US" sz="2300" dirty="0"/>
+              <a:t>Cluster’s Average Irregularities Time Spent</a:t>
+            </a:r>
+            <a:endParaRPr lang="en-ID" sz="2300" dirty="0"/>
+          </a:p>
+        </p:txBody>
+      </p:sp>
+      <p:sp>
+        <p:nvSpPr>
+          <p:cNvPr id="3" name="Text Placeholder 2">
+            <a:extLst>
+              <a:ext uri="{FF2B5EF4-FFF2-40B4-BE49-F238E27FC236}">
+                <a16:creationId xmlns:a16="http://schemas.microsoft.com/office/drawing/2014/main" id="{1BB0D635-9896-632B-844F-B47F619B0C4A}"/>
+              </a:ext>
+            </a:extLst>
+          </p:cNvPr>
+          <p:cNvSpPr>
+            <a:spLocks noGrp="1"/>
+          </p:cNvSpPr>
+          <p:nvPr>
+            <p:ph type="body" idx="1"/>
+          </p:nvPr>
+        </p:nvSpPr>
+        <p:spPr/>
+        <p:txBody>
+          <a:bodyPr>
+            <a:normAutofit/>
+          </a:bodyPr>
+          <a:lstStyle/>
+          <a:p>
+            <a:pPr marL="114300" indent="0" algn="just">
+              <a:buNone/>
+            </a:pPr>
+            <a:r>
+              <a:rPr lang="en-US" sz="1200" dirty="0"/>
+              <a:t>Based on the average Irregularities Time Spent, only Cluster 1 and Cluster 3 can exceed the overall average in Bandung. This finding suggests that these two clusters may have distinctive travel patterns and preferences compared to the other clusters and may represent areas with longer travel times or congestion during peak hours. </a:t>
+            </a:r>
+            <a:endParaRPr lang="en-ID" sz="1200" dirty="0"/>
+          </a:p>
+        </p:txBody>
+      </p:sp>
+      <p:pic>
+        <p:nvPicPr>
+          <p:cNvPr id="6" name="Picture 5">
+            <a:extLst>
+              <a:ext uri="{FF2B5EF4-FFF2-40B4-BE49-F238E27FC236}">
+                <a16:creationId xmlns:a16="http://schemas.microsoft.com/office/drawing/2014/main" id="{F961B0E6-BC83-1E52-C92D-23EEF0A56317}"/>
+              </a:ext>
+            </a:extLst>
+          </p:cNvPr>
+          <p:cNvPicPr>
+            <a:picLocks noChangeAspect="1"/>
+          </p:cNvPicPr>
+          <p:nvPr/>
+        </p:nvPicPr>
+        <p:blipFill>
+          <a:blip r:embed="rId2"/>
+          <a:stretch>
+            <a:fillRect/>
+          </a:stretch>
+        </p:blipFill>
+        <p:spPr>
+          <a:xfrm>
+            <a:off x="2873684" y="2046517"/>
+            <a:ext cx="3396632" cy="2488572"/>
+          </a:xfrm>
+          <a:prstGeom prst="rect">
+            <a:avLst/>
+          </a:prstGeom>
+          <a:ln>
+            <a:solidFill>
+              <a:schemeClr val="tx1"/>
+            </a:solidFill>
+          </a:ln>
+        </p:spPr>
+      </p:pic>
+    </p:spTree>
+    <p:extLst>
+      <p:ext uri="{BB962C8B-B14F-4D97-AF65-F5344CB8AC3E}">
+        <p14:creationId xmlns:p14="http://schemas.microsoft.com/office/powerpoint/2010/main" val="3877956788"/>
+      </p:ext>
+    </p:extLst>
+  </p:cSld>
+  <p:clrMapOvr>
+    <a:masterClrMapping/>
+  </p:clrMapOvr>
+  <mc:AlternateContent xmlns:mc="http://schemas.openxmlformats.org/markup-compatibility/2006">
+    <mc:Choice xmlns:p14="http://schemas.microsoft.com/office/powerpoint/2010/main" Requires="p14">
+      <p:transition spd="med" p14:dur="700">
+        <p:fade/>
+      </p:transition>
+    </mc:Choice>
+    <mc:Fallback>
+      <p:transition spd="med">
+        <p:fade/>
+      </p:transition>
+    </mc:Fallback>
+  </mc:AlternateContent>
+</p:sld>
+</file>
+
+<file path=ppt/slides/slide38.xml><?xml version="1.0" encoding="utf-8"?>
+<p:sld xmlns:a="http://schemas.openxmlformats.org/drawingml/2006/main" xmlns:r="http://schemas.openxmlformats.org/officeDocument/2006/relationships" xmlns:p="http://schemas.openxmlformats.org/presentationml/2006/main">
+  <p:cSld>
+    <p:spTree>
+      <p:nvGrpSpPr>
+        <p:cNvPr id="1" name=""/>
+        <p:cNvGrpSpPr/>
+        <p:nvPr/>
+      </p:nvGrpSpPr>
+      <p:grpSpPr>
+        <a:xfrm>
+          <a:off x="0" y="0"/>
+          <a:ext cx="0" cy="0"/>
+          <a:chOff x="0" y="0"/>
+          <a:chExt cx="0" cy="0"/>
+        </a:xfrm>
+      </p:grpSpPr>
+      <p:sp>
+        <p:nvSpPr>
+          <p:cNvPr id="2" name="Title 1">
+            <a:extLst>
+              <a:ext uri="{FF2B5EF4-FFF2-40B4-BE49-F238E27FC236}">
+                <a16:creationId xmlns:a16="http://schemas.microsoft.com/office/drawing/2014/main" id="{1D4528F2-0452-1D50-D14C-56D312EC996E}"/>
+              </a:ext>
+            </a:extLst>
+          </p:cNvPr>
+          <p:cNvSpPr>
+            <a:spLocks noGrp="1"/>
+          </p:cNvSpPr>
+          <p:nvPr>
+            <p:ph type="title"/>
+          </p:nvPr>
+        </p:nvSpPr>
+        <p:spPr>
+          <a:xfrm>
+            <a:off x="311700" y="585375"/>
+            <a:ext cx="6377700" cy="572700"/>
+          </a:xfrm>
+        </p:spPr>
+        <p:txBody>
+          <a:bodyPr>
+            <a:normAutofit/>
+          </a:bodyPr>
+          <a:lstStyle/>
+          <a:p>
+            <a:r>
+              <a:rPr lang="en-US" sz="2300" dirty="0"/>
+              <a:t>Cluster’s Average Irregularities Speed</a:t>
+            </a:r>
+            <a:endParaRPr lang="en-ID" sz="2300" dirty="0"/>
+          </a:p>
+        </p:txBody>
+      </p:sp>
+      <p:sp>
+        <p:nvSpPr>
+          <p:cNvPr id="3" name="Text Placeholder 2">
+            <a:extLst>
+              <a:ext uri="{FF2B5EF4-FFF2-40B4-BE49-F238E27FC236}">
+                <a16:creationId xmlns:a16="http://schemas.microsoft.com/office/drawing/2014/main" id="{1BB0D635-9896-632B-844F-B47F619B0C4A}"/>
+              </a:ext>
+            </a:extLst>
+          </p:cNvPr>
+          <p:cNvSpPr>
+            <a:spLocks noGrp="1"/>
+          </p:cNvSpPr>
+          <p:nvPr>
+            <p:ph type="body" idx="1"/>
+          </p:nvPr>
+        </p:nvSpPr>
+        <p:spPr/>
+        <p:txBody>
+          <a:bodyPr>
+            <a:normAutofit/>
+          </a:bodyPr>
+          <a:lstStyle/>
+          <a:p>
+            <a:pPr marL="114300" indent="0" algn="just">
+              <a:buNone/>
+            </a:pPr>
+            <a:r>
+              <a:rPr lang="en-US" sz="1200" dirty="0"/>
+              <a:t>Based on the average Irregularities Speed, only Cluster 1 and Cluster 2 can exceed the overall average in Bandung. This finding suggests that these two clusters may have distinct traffic characteristics and flow patterns compared to the other clusters and may represent areas with higher traffic congestion, bottlenecks, or accidents. </a:t>
+            </a:r>
+            <a:endParaRPr lang="en-ID" sz="1200" dirty="0"/>
+          </a:p>
+        </p:txBody>
+      </p:sp>
+      <p:pic>
+        <p:nvPicPr>
+          <p:cNvPr id="5" name="Picture 4">
+            <a:extLst>
+              <a:ext uri="{FF2B5EF4-FFF2-40B4-BE49-F238E27FC236}">
+                <a16:creationId xmlns:a16="http://schemas.microsoft.com/office/drawing/2014/main" id="{3DE3758B-83CB-BF13-F301-97DAE0B3094C}"/>
+              </a:ext>
+            </a:extLst>
+          </p:cNvPr>
+          <p:cNvPicPr>
+            <a:picLocks noChangeAspect="1"/>
+          </p:cNvPicPr>
+          <p:nvPr/>
+        </p:nvPicPr>
+        <p:blipFill>
+          <a:blip r:embed="rId2"/>
+          <a:stretch>
+            <a:fillRect/>
+          </a:stretch>
+        </p:blipFill>
+        <p:spPr>
+          <a:xfrm>
+            <a:off x="2932913" y="2027541"/>
+            <a:ext cx="3278174" cy="2454999"/>
+          </a:xfrm>
+          <a:prstGeom prst="rect">
+            <a:avLst/>
+          </a:prstGeom>
+          <a:ln>
+            <a:solidFill>
+              <a:schemeClr val="tx1"/>
+            </a:solidFill>
+          </a:ln>
+        </p:spPr>
+      </p:pic>
+    </p:spTree>
+    <p:extLst>
+      <p:ext uri="{BB962C8B-B14F-4D97-AF65-F5344CB8AC3E}">
+        <p14:creationId xmlns:p14="http://schemas.microsoft.com/office/powerpoint/2010/main" val="814640366"/>
+      </p:ext>
+    </p:extLst>
+  </p:cSld>
+  <p:clrMapOvr>
+    <a:masterClrMapping/>
+  </p:clrMapOvr>
+  <mc:AlternateContent xmlns:mc="http://schemas.openxmlformats.org/markup-compatibility/2006">
+    <mc:Choice xmlns:p14="http://schemas.microsoft.com/office/powerpoint/2010/main" Requires="p14">
+      <p:transition spd="med" p14:dur="700">
+        <p:fade/>
+      </p:transition>
+    </mc:Choice>
+    <mc:Fallback>
+      <p:transition spd="med">
+        <p:fade/>
+      </p:transition>
+    </mc:Fallback>
+  </mc:AlternateContent>
+</p:sld>
+</file>
+
+<file path=ppt/slides/slide39.xml><?xml version="1.0" encoding="utf-8"?>
 <p:sld xmlns:a="http://schemas.openxmlformats.org/drawingml/2006/main" xmlns:r="http://schemas.openxmlformats.org/officeDocument/2006/relationships" xmlns:p="http://schemas.openxmlformats.org/presentationml/2006/main">
   <p:cSld>
     <p:spTree>
@@ -6701,14 +8944,7 @@
           <a:p>
             <a:r>
               <a:rPr lang="en-US" dirty="0"/>
-              <a:t>Data</a:t>
-            </a:r>
-            <a:br>
-              <a:rPr lang="en-US" dirty="0"/>
-            </a:br>
-            <a:r>
-              <a:rPr lang="en-US" dirty="0"/>
-              <a:t>Understanding</a:t>
+              <a:t>Summaries &amp; Recommendations</a:t>
             </a:r>
             <a:endParaRPr lang="en-ID" dirty="0"/>
           </a:p>
@@ -6737,7 +8973,7 @@
           <a:p>
             <a:r>
               <a:rPr lang="en-US" dirty="0"/>
-              <a:t>II</a:t>
+              <a:t>VI</a:t>
             </a:r>
             <a:endParaRPr lang="en-ID" dirty="0"/>
           </a:p>
@@ -6746,17 +8982,517 @@
     </p:spTree>
     <p:extLst>
       <p:ext uri="{BB962C8B-B14F-4D97-AF65-F5344CB8AC3E}">
-        <p14:creationId xmlns:p14="http://schemas.microsoft.com/office/powerpoint/2010/main" val="1975133034"/>
+        <p14:creationId xmlns:p14="http://schemas.microsoft.com/office/powerpoint/2010/main" val="703020861"/>
       </p:ext>
     </p:extLst>
   </p:cSld>
   <p:clrMapOvr>
     <a:masterClrMapping/>
   </p:clrMapOvr>
+  <mc:AlternateContent xmlns:mc="http://schemas.openxmlformats.org/markup-compatibility/2006">
+    <mc:Choice xmlns:p14="http://schemas.microsoft.com/office/powerpoint/2010/main" Requires="p14">
+      <p:transition spd="med" p14:dur="700">
+        <p:fade/>
+      </p:transition>
+    </mc:Choice>
+    <mc:Fallback>
+      <p:transition spd="med">
+        <p:fade/>
+      </p:transition>
+    </mc:Fallback>
+  </mc:AlternateContent>
 </p:sld>
 </file>
 
-<file path=ppt/slides/slide8.xml><?xml version="1.0" encoding="utf-8"?>
+<file path=ppt/slides/slide4.xml><?xml version="1.0" encoding="utf-8"?>
+<p:sld xmlns:a="http://schemas.openxmlformats.org/drawingml/2006/main" xmlns:r="http://schemas.openxmlformats.org/officeDocument/2006/relationships" xmlns:p="http://schemas.openxmlformats.org/presentationml/2006/main">
+  <p:cSld>
+    <p:spTree>
+      <p:nvGrpSpPr>
+        <p:cNvPr id="1" name=""/>
+        <p:cNvGrpSpPr/>
+        <p:nvPr/>
+      </p:nvGrpSpPr>
+      <p:grpSpPr>
+        <a:xfrm>
+          <a:off x="0" y="0"/>
+          <a:ext cx="0" cy="0"/>
+          <a:chOff x="0" y="0"/>
+          <a:chExt cx="0" cy="0"/>
+        </a:xfrm>
+      </p:grpSpPr>
+      <p:sp>
+        <p:nvSpPr>
+          <p:cNvPr id="2" name="Title 1">
+            <a:extLst>
+              <a:ext uri="{FF2B5EF4-FFF2-40B4-BE49-F238E27FC236}">
+                <a16:creationId xmlns:a16="http://schemas.microsoft.com/office/drawing/2014/main" id="{358F40CA-98A7-F567-A988-C7494E049703}"/>
+              </a:ext>
+            </a:extLst>
+          </p:cNvPr>
+          <p:cNvSpPr>
+            <a:spLocks noGrp="1"/>
+          </p:cNvSpPr>
+          <p:nvPr>
+            <p:ph type="title"/>
+          </p:nvPr>
+        </p:nvSpPr>
+        <p:spPr>
+          <a:xfrm>
+            <a:off x="311700" y="618810"/>
+            <a:ext cx="6377700" cy="572700"/>
+          </a:xfrm>
+        </p:spPr>
+        <p:txBody>
+          <a:bodyPr>
+            <a:normAutofit fontScale="90000"/>
+          </a:bodyPr>
+          <a:lstStyle/>
+          <a:p>
+            <a:r>
+              <a:rPr lang="en-US" dirty="0"/>
+              <a:t>Visitors in Bandung City</a:t>
+            </a:r>
+            <a:endParaRPr lang="en-ID" dirty="0"/>
+          </a:p>
+        </p:txBody>
+      </p:sp>
+      <p:sp>
+        <p:nvSpPr>
+          <p:cNvPr id="3" name="Text Placeholder 2">
+            <a:extLst>
+              <a:ext uri="{FF2B5EF4-FFF2-40B4-BE49-F238E27FC236}">
+                <a16:creationId xmlns:a16="http://schemas.microsoft.com/office/drawing/2014/main" id="{D43773D6-995C-4937-9204-BD8EF7AE131A}"/>
+              </a:ext>
+            </a:extLst>
+          </p:cNvPr>
+          <p:cNvSpPr>
+            <a:spLocks noGrp="1"/>
+          </p:cNvSpPr>
+          <p:nvPr>
+            <p:ph type="body" idx="1"/>
+          </p:nvPr>
+        </p:nvSpPr>
+        <p:spPr>
+          <a:xfrm>
+            <a:off x="311700" y="1142577"/>
+            <a:ext cx="4144062" cy="3416400"/>
+          </a:xfrm>
+        </p:spPr>
+        <p:txBody>
+          <a:bodyPr>
+            <a:normAutofit/>
+          </a:bodyPr>
+          <a:lstStyle/>
+          <a:p>
+            <a:pPr marL="114300" indent="0" algn="just">
+              <a:buNone/>
+            </a:pPr>
+            <a:r>
+              <a:rPr lang="en-US" sz="1400" dirty="0"/>
+              <a:t>Based on an analysis of visitor data for cities in West Java province provided by Open Data </a:t>
+            </a:r>
+            <a:r>
+              <a:rPr lang="en-US" sz="1400" dirty="0" err="1"/>
+              <a:t>Jabar</a:t>
+            </a:r>
+            <a:r>
+              <a:rPr lang="en-US" sz="1400" dirty="0"/>
+              <a:t>, Bandung has the highest number of visitors and a positive trend in visitor growth over the last two years. This phenomenon may impact traffic conditions on all roads in Bandung. By utilizing traffic data provided by Waze for Cities, we can analyze the traffic conditions in Bandung, including information on traffic jams, irregularities, and alerts.</a:t>
+            </a:r>
+            <a:endParaRPr lang="en-ID" sz="1400" dirty="0"/>
+          </a:p>
+        </p:txBody>
+      </p:sp>
+      <p:pic>
+        <p:nvPicPr>
+          <p:cNvPr id="5" name="Picture 4">
+            <a:extLst>
+              <a:ext uri="{FF2B5EF4-FFF2-40B4-BE49-F238E27FC236}">
+                <a16:creationId xmlns:a16="http://schemas.microsoft.com/office/drawing/2014/main" id="{34329CD6-6CC1-73F8-7E31-57B8F7668AA5}"/>
+              </a:ext>
+            </a:extLst>
+          </p:cNvPr>
+          <p:cNvPicPr>
+            <a:picLocks noChangeAspect="1"/>
+          </p:cNvPicPr>
+          <p:nvPr/>
+        </p:nvPicPr>
+        <p:blipFill>
+          <a:blip r:embed="rId2"/>
+          <a:stretch>
+            <a:fillRect/>
+          </a:stretch>
+        </p:blipFill>
+        <p:spPr>
+          <a:xfrm>
+            <a:off x="4573041" y="1299959"/>
+            <a:ext cx="4078136" cy="2543582"/>
+          </a:xfrm>
+          <a:prstGeom prst="rect">
+            <a:avLst/>
+          </a:prstGeom>
+        </p:spPr>
+      </p:pic>
+    </p:spTree>
+    <p:extLst>
+      <p:ext uri="{BB962C8B-B14F-4D97-AF65-F5344CB8AC3E}">
+        <p14:creationId xmlns:p14="http://schemas.microsoft.com/office/powerpoint/2010/main" val="4290070278"/>
+      </p:ext>
+    </p:extLst>
+  </p:cSld>
+  <p:clrMapOvr>
+    <a:masterClrMapping/>
+  </p:clrMapOvr>
+  <mc:AlternateContent xmlns:mc="http://schemas.openxmlformats.org/markup-compatibility/2006">
+    <mc:Choice xmlns:p14="http://schemas.microsoft.com/office/powerpoint/2010/main" Requires="p14">
+      <p:transition spd="med" p14:dur="700">
+        <p:fade/>
+      </p:transition>
+    </mc:Choice>
+    <mc:Fallback>
+      <p:transition spd="med">
+        <p:fade/>
+      </p:transition>
+    </mc:Fallback>
+  </mc:AlternateContent>
+</p:sld>
+</file>
+
+<file path=ppt/slides/slide40.xml><?xml version="1.0" encoding="utf-8"?>
+<p:sld xmlns:a="http://schemas.openxmlformats.org/drawingml/2006/main" xmlns:r="http://schemas.openxmlformats.org/officeDocument/2006/relationships" xmlns:p="http://schemas.openxmlformats.org/presentationml/2006/main">
+  <p:cSld>
+    <p:spTree>
+      <p:nvGrpSpPr>
+        <p:cNvPr id="1" name=""/>
+        <p:cNvGrpSpPr/>
+        <p:nvPr/>
+      </p:nvGrpSpPr>
+      <p:grpSpPr>
+        <a:xfrm>
+          <a:off x="0" y="0"/>
+          <a:ext cx="0" cy="0"/>
+          <a:chOff x="0" y="0"/>
+          <a:chExt cx="0" cy="0"/>
+        </a:xfrm>
+      </p:grpSpPr>
+      <p:sp>
+        <p:nvSpPr>
+          <p:cNvPr id="2" name="Title 1">
+            <a:extLst>
+              <a:ext uri="{FF2B5EF4-FFF2-40B4-BE49-F238E27FC236}">
+                <a16:creationId xmlns:a16="http://schemas.microsoft.com/office/drawing/2014/main" id="{A94FB180-E7E5-0014-2440-5D71AA764058}"/>
+              </a:ext>
+            </a:extLst>
+          </p:cNvPr>
+          <p:cNvSpPr>
+            <a:spLocks noGrp="1"/>
+          </p:cNvSpPr>
+          <p:nvPr>
+            <p:ph type="title"/>
+          </p:nvPr>
+        </p:nvSpPr>
+        <p:spPr>
+          <a:xfrm>
+            <a:off x="311700" y="574625"/>
+            <a:ext cx="6377700" cy="572700"/>
+          </a:xfrm>
+        </p:spPr>
+        <p:txBody>
+          <a:bodyPr>
+            <a:normAutofit fontScale="90000"/>
+          </a:bodyPr>
+          <a:lstStyle/>
+          <a:p>
+            <a:r>
+              <a:rPr lang="en-US" dirty="0"/>
+              <a:t>Summaries</a:t>
+            </a:r>
+            <a:endParaRPr lang="en-ID" dirty="0"/>
+          </a:p>
+        </p:txBody>
+      </p:sp>
+      <p:sp>
+        <p:nvSpPr>
+          <p:cNvPr id="3" name="Text Placeholder 2">
+            <a:extLst>
+              <a:ext uri="{FF2B5EF4-FFF2-40B4-BE49-F238E27FC236}">
+                <a16:creationId xmlns:a16="http://schemas.microsoft.com/office/drawing/2014/main" id="{5ECC536C-45DA-CA82-2FAC-1216FF092312}"/>
+              </a:ext>
+            </a:extLst>
+          </p:cNvPr>
+          <p:cNvSpPr>
+            <a:spLocks noGrp="1"/>
+          </p:cNvSpPr>
+          <p:nvPr>
+            <p:ph type="body" idx="1"/>
+          </p:nvPr>
+        </p:nvSpPr>
+        <p:spPr/>
+        <p:txBody>
+          <a:bodyPr>
+            <a:normAutofit fontScale="62500" lnSpcReduction="20000"/>
+          </a:bodyPr>
+          <a:lstStyle/>
+          <a:p>
+            <a:pPr algn="just">
+              <a:lnSpc>
+                <a:spcPct val="170000"/>
+              </a:lnSpc>
+              <a:buFont typeface="Arial" panose="020B0604020202020204" pitchFamily="34" charset="0"/>
+              <a:buChar char="•"/>
+            </a:pPr>
+            <a:r>
+              <a:rPr lang="en-US" dirty="0"/>
+              <a:t>Traffic jam is the most frequently reported Alert Type by drivers in Bandung City.</a:t>
+            </a:r>
+          </a:p>
+          <a:p>
+            <a:pPr algn="just">
+              <a:lnSpc>
+                <a:spcPct val="170000"/>
+              </a:lnSpc>
+              <a:buFont typeface="Arial" panose="020B0604020202020204" pitchFamily="34" charset="0"/>
+              <a:buChar char="•"/>
+            </a:pPr>
+            <a:r>
+              <a:rPr lang="en-US" dirty="0"/>
+              <a:t>Traffic congestion is severe on Tuesdays, Thursdays, and Fridays and tends to increase between 9 a.m. to 3 p.m.</a:t>
+            </a:r>
+          </a:p>
+          <a:p>
+            <a:pPr algn="just">
+              <a:lnSpc>
+                <a:spcPct val="170000"/>
+              </a:lnSpc>
+              <a:buFont typeface="Arial" panose="020B0604020202020204" pitchFamily="34" charset="0"/>
+              <a:buChar char="•"/>
+            </a:pPr>
+            <a:r>
+              <a:rPr lang="en-US" dirty="0"/>
+              <a:t>There are three time periods (July to September 2022) where the trend for each alert report has significantly increased, requiring further diagnostic analysis to determine the causes of the trends.</a:t>
+            </a:r>
+          </a:p>
+          <a:p>
+            <a:pPr algn="just">
+              <a:lnSpc>
+                <a:spcPct val="170000"/>
+              </a:lnSpc>
+              <a:buFont typeface="Arial" panose="020B0604020202020204" pitchFamily="34" charset="0"/>
+              <a:buChar char="•"/>
+            </a:pPr>
+            <a:r>
+              <a:rPr lang="en-US" dirty="0"/>
+              <a:t>Only Streets in Cluster 1 and 2 have an average Irregularities Length that exceeds the overall average in Bandung, indicating these clusters may represent areas with higher road irregularities or poor road conditions.</a:t>
+            </a:r>
+          </a:p>
+          <a:p>
+            <a:pPr algn="just">
+              <a:lnSpc>
+                <a:spcPct val="170000"/>
+              </a:lnSpc>
+              <a:buFont typeface="Arial" panose="020B0604020202020204" pitchFamily="34" charset="0"/>
+              <a:buChar char="•"/>
+            </a:pPr>
+            <a:r>
+              <a:rPr lang="en-US" dirty="0"/>
+              <a:t>Only Streets in Cluster 1 and 3 have an average Irregularities Time Spent that exceeds the overall average in Bandung, suggesting these two clusters may represent areas with longer travel times or congestion during peak hours and have distinctive travel patterns and preferences compared to the other clusters.</a:t>
+            </a:r>
+          </a:p>
+          <a:p>
+            <a:pPr algn="just">
+              <a:lnSpc>
+                <a:spcPct val="170000"/>
+              </a:lnSpc>
+              <a:buFont typeface="Arial" panose="020B0604020202020204" pitchFamily="34" charset="0"/>
+              <a:buChar char="•"/>
+            </a:pPr>
+            <a:r>
+              <a:rPr lang="en-US" dirty="0"/>
+              <a:t>Only Streets in Cluster 1 and 2 have an average Irregularities Speed that exceeds the overall average in Bandung. These clusters may represent areas with higher traffic congestion, bottlenecks, or accidents and have distinct traffic characteristics and flow patterns compared to the other groups.</a:t>
+            </a:r>
+          </a:p>
+        </p:txBody>
+      </p:sp>
+    </p:spTree>
+    <p:extLst>
+      <p:ext uri="{BB962C8B-B14F-4D97-AF65-F5344CB8AC3E}">
+        <p14:creationId xmlns:p14="http://schemas.microsoft.com/office/powerpoint/2010/main" val="1850332475"/>
+      </p:ext>
+    </p:extLst>
+  </p:cSld>
+  <p:clrMapOvr>
+    <a:masterClrMapping/>
+  </p:clrMapOvr>
+  <mc:AlternateContent xmlns:mc="http://schemas.openxmlformats.org/markup-compatibility/2006">
+    <mc:Choice xmlns:p14="http://schemas.microsoft.com/office/powerpoint/2010/main" Requires="p14">
+      <p:transition spd="med" p14:dur="700">
+        <p:fade/>
+      </p:transition>
+    </mc:Choice>
+    <mc:Fallback>
+      <p:transition spd="med">
+        <p:fade/>
+      </p:transition>
+    </mc:Fallback>
+  </mc:AlternateContent>
+</p:sld>
+</file>
+
+<file path=ppt/slides/slide41.xml><?xml version="1.0" encoding="utf-8"?>
+<p:sld xmlns:a="http://schemas.openxmlformats.org/drawingml/2006/main" xmlns:r="http://schemas.openxmlformats.org/officeDocument/2006/relationships" xmlns:p="http://schemas.openxmlformats.org/presentationml/2006/main">
+  <p:cSld>
+    <p:spTree>
+      <p:nvGrpSpPr>
+        <p:cNvPr id="1" name=""/>
+        <p:cNvGrpSpPr/>
+        <p:nvPr/>
+      </p:nvGrpSpPr>
+      <p:grpSpPr>
+        <a:xfrm>
+          <a:off x="0" y="0"/>
+          <a:ext cx="0" cy="0"/>
+          <a:chOff x="0" y="0"/>
+          <a:chExt cx="0" cy="0"/>
+        </a:xfrm>
+      </p:grpSpPr>
+      <p:sp>
+        <p:nvSpPr>
+          <p:cNvPr id="2" name="Title 1">
+            <a:extLst>
+              <a:ext uri="{FF2B5EF4-FFF2-40B4-BE49-F238E27FC236}">
+                <a16:creationId xmlns:a16="http://schemas.microsoft.com/office/drawing/2014/main" id="{52721A40-1A72-D0BF-4FA6-503DFCE2A398}"/>
+              </a:ext>
+            </a:extLst>
+          </p:cNvPr>
+          <p:cNvSpPr>
+            <a:spLocks noGrp="1"/>
+          </p:cNvSpPr>
+          <p:nvPr>
+            <p:ph type="title"/>
+          </p:nvPr>
+        </p:nvSpPr>
+        <p:spPr>
+          <a:xfrm>
+            <a:off x="311700" y="579775"/>
+            <a:ext cx="6377700" cy="572700"/>
+          </a:xfrm>
+        </p:spPr>
+        <p:txBody>
+          <a:bodyPr>
+            <a:normAutofit fontScale="90000"/>
+          </a:bodyPr>
+          <a:lstStyle/>
+          <a:p>
+            <a:r>
+              <a:rPr lang="en-US" dirty="0"/>
+              <a:t>Recommendations</a:t>
+            </a:r>
+            <a:endParaRPr lang="en-ID" dirty="0"/>
+          </a:p>
+        </p:txBody>
+      </p:sp>
+      <p:sp>
+        <p:nvSpPr>
+          <p:cNvPr id="3" name="Text Placeholder 2">
+            <a:extLst>
+              <a:ext uri="{FF2B5EF4-FFF2-40B4-BE49-F238E27FC236}">
+                <a16:creationId xmlns:a16="http://schemas.microsoft.com/office/drawing/2014/main" id="{37AA09DE-B730-E7C3-230D-9483F87CADBC}"/>
+              </a:ext>
+            </a:extLst>
+          </p:cNvPr>
+          <p:cNvSpPr>
+            <a:spLocks noGrp="1"/>
+          </p:cNvSpPr>
+          <p:nvPr>
+            <p:ph type="body" idx="1"/>
+          </p:nvPr>
+        </p:nvSpPr>
+        <p:spPr/>
+        <p:txBody>
+          <a:bodyPr>
+            <a:normAutofit fontScale="70000" lnSpcReduction="20000"/>
+          </a:bodyPr>
+          <a:lstStyle/>
+          <a:p>
+            <a:pPr algn="just">
+              <a:buFont typeface="Arial" panose="020B0604020202020204" pitchFamily="34" charset="0"/>
+              <a:buChar char="•"/>
+            </a:pPr>
+            <a:r>
+              <a:rPr lang="en-US" dirty="0"/>
+              <a:t>To manage severe traffic congestion on Tuesdays, Thursdays, and Fridays, stakeholders should consider implementing measures such as road network optimization, rerouting, and information dissemination to provide alternative travel options to motorists. </a:t>
+            </a:r>
+          </a:p>
+          <a:p>
+            <a:pPr algn="just">
+              <a:buFont typeface="Arial" panose="020B0604020202020204" pitchFamily="34" charset="0"/>
+              <a:buChar char="•"/>
+            </a:pPr>
+            <a:r>
+              <a:rPr lang="en-US" dirty="0"/>
+              <a:t>The three time periods where the trend for each alert report has significantly increased require further diagnostic analysis to determine the causes of the trends. This analysis can provide insight into identifying and addressing potential problems, allowing stakeholders to mitigate future effects of similar issues. </a:t>
+            </a:r>
+          </a:p>
+          <a:p>
+            <a:pPr algn="just">
+              <a:buFont typeface="Arial" panose="020B0604020202020204" pitchFamily="34" charset="0"/>
+              <a:buChar char="•"/>
+            </a:pPr>
+            <a:r>
+              <a:rPr lang="en-US" dirty="0"/>
+              <a:t>Streets in Cluster 1 and 2 may represent areas with higher road irregularities or poor road conditions, necessitating an evaluation of the roads' maintenance and repair needs by local authorities and transport infrastructure providers. </a:t>
+            </a:r>
+          </a:p>
+          <a:p>
+            <a:pPr algn="just">
+              <a:buFont typeface="Arial" panose="020B0604020202020204" pitchFamily="34" charset="0"/>
+              <a:buChar char="•"/>
+            </a:pPr>
+            <a:r>
+              <a:rPr lang="en-US" dirty="0"/>
+              <a:t>Streets in Cluster 1 and 3 may represent areas with longer travel times or congestion during peak hours. Stakeholders should consider implementing traffic management and control systems to alleviate congestion and improve traffic flow. </a:t>
+            </a:r>
+          </a:p>
+          <a:p>
+            <a:pPr algn="just">
+              <a:buFont typeface="Arial" panose="020B0604020202020204" pitchFamily="34" charset="0"/>
+              <a:buChar char="•"/>
+            </a:pPr>
+            <a:r>
+              <a:rPr lang="en-US" dirty="0"/>
+              <a:t>Streets in Cluster 1 and 2 may represent areas with higher traffic congestion, bottlenecks, or accidents, necessitating traffic calming measures, road widening, and accident prevention strategies.</a:t>
+            </a:r>
+            <a:endParaRPr lang="en-ID" dirty="0"/>
+          </a:p>
+        </p:txBody>
+      </p:sp>
+    </p:spTree>
+    <p:extLst>
+      <p:ext uri="{BB962C8B-B14F-4D97-AF65-F5344CB8AC3E}">
+        <p14:creationId xmlns:p14="http://schemas.microsoft.com/office/powerpoint/2010/main" val="2651881613"/>
+      </p:ext>
+    </p:extLst>
+  </p:cSld>
+  <p:clrMapOvr>
+    <a:masterClrMapping/>
+  </p:clrMapOvr>
+  <mc:AlternateContent xmlns:mc="http://schemas.openxmlformats.org/markup-compatibility/2006">
+    <mc:Choice xmlns:p14="http://schemas.microsoft.com/office/powerpoint/2010/main" Requires="p14">
+      <p:transition spd="med" p14:dur="700">
+        <p:fade/>
+      </p:transition>
+    </mc:Choice>
+    <mc:Fallback>
+      <p:transition spd="med">
+        <p:fade/>
+      </p:transition>
+    </mc:Fallback>
+  </mc:AlternateContent>
+</p:sld>
+</file>
+
+<file path=ppt/slides/slide42.xml><?xml version="1.0" encoding="utf-8"?>
 <p:sld xmlns:a="http://schemas.openxmlformats.org/drawingml/2006/main" xmlns:r="http://schemas.openxmlformats.org/officeDocument/2006/relationships" xmlns:p="http://schemas.openxmlformats.org/presentationml/2006/main">
   <p:cSld>
     <p:spTree>
@@ -6792,20 +9528,13 @@
         <p:spPr/>
         <p:txBody>
           <a:bodyPr>
-            <a:normAutofit fontScale="90000"/>
+            <a:normAutofit/>
           </a:bodyPr>
           <a:lstStyle/>
           <a:p>
             <a:r>
               <a:rPr lang="en-US" dirty="0"/>
-              <a:t>Data</a:t>
-            </a:r>
-            <a:br>
-              <a:rPr lang="en-US" dirty="0"/>
-            </a:br>
-            <a:r>
-              <a:rPr lang="en-US" dirty="0"/>
-              <a:t>Description</a:t>
+              <a:t>References</a:t>
             </a:r>
             <a:endParaRPr lang="en-ID" dirty="0"/>
           </a:p>
@@ -6834,7 +9563,7 @@
           <a:p>
             <a:r>
               <a:rPr lang="en-US" dirty="0"/>
-              <a:t>III</a:t>
+              <a:t>VII</a:t>
             </a:r>
             <a:endParaRPr lang="en-ID" dirty="0"/>
           </a:p>
@@ -6843,13 +9572,935 @@
     </p:spTree>
     <p:extLst>
       <p:ext uri="{BB962C8B-B14F-4D97-AF65-F5344CB8AC3E}">
-        <p14:creationId xmlns:p14="http://schemas.microsoft.com/office/powerpoint/2010/main" val="3740978120"/>
+        <p14:creationId xmlns:p14="http://schemas.microsoft.com/office/powerpoint/2010/main" val="4019982233"/>
       </p:ext>
     </p:extLst>
   </p:cSld>
   <p:clrMapOvr>
     <a:masterClrMapping/>
   </p:clrMapOvr>
+  <mc:AlternateContent xmlns:mc="http://schemas.openxmlformats.org/markup-compatibility/2006">
+    <mc:Choice xmlns:p14="http://schemas.microsoft.com/office/powerpoint/2010/main" Requires="p14">
+      <p:transition spd="med" p14:dur="700">
+        <p:fade/>
+      </p:transition>
+    </mc:Choice>
+    <mc:Fallback>
+      <p:transition spd="med">
+        <p:fade/>
+      </p:transition>
+    </mc:Fallback>
+  </mc:AlternateContent>
+</p:sld>
+</file>
+
+<file path=ppt/slides/slide43.xml><?xml version="1.0" encoding="utf-8"?>
+<p:sld xmlns:a="http://schemas.openxmlformats.org/drawingml/2006/main" xmlns:r="http://schemas.openxmlformats.org/officeDocument/2006/relationships" xmlns:p="http://schemas.openxmlformats.org/presentationml/2006/main">
+  <p:cSld>
+    <p:spTree>
+      <p:nvGrpSpPr>
+        <p:cNvPr id="1" name=""/>
+        <p:cNvGrpSpPr/>
+        <p:nvPr/>
+      </p:nvGrpSpPr>
+      <p:grpSpPr>
+        <a:xfrm>
+          <a:off x="0" y="0"/>
+          <a:ext cx="0" cy="0"/>
+          <a:chOff x="0" y="0"/>
+          <a:chExt cx="0" cy="0"/>
+        </a:xfrm>
+      </p:grpSpPr>
+      <p:sp>
+        <p:nvSpPr>
+          <p:cNvPr id="3" name="Text Placeholder 2">
+            <a:extLst>
+              <a:ext uri="{FF2B5EF4-FFF2-40B4-BE49-F238E27FC236}">
+                <a16:creationId xmlns:a16="http://schemas.microsoft.com/office/drawing/2014/main" id="{064CE004-5207-92B5-9EBA-A3C494F363D6}"/>
+              </a:ext>
+            </a:extLst>
+          </p:cNvPr>
+          <p:cNvSpPr>
+            <a:spLocks noGrp="1"/>
+          </p:cNvSpPr>
+          <p:nvPr>
+            <p:ph type="body" idx="1"/>
+          </p:nvPr>
+        </p:nvSpPr>
+        <p:spPr/>
+        <p:txBody>
+          <a:bodyPr/>
+          <a:lstStyle/>
+          <a:p>
+            <a:r>
+              <a:rPr lang="en-ID" dirty="0">
+                <a:hlinkClick r:id="rId2"/>
+              </a:rPr>
+              <a:t>https://www.kaggle.com/code/prashant111/k-means-clustering-with-python/notebook</a:t>
+            </a:r>
+            <a:endParaRPr lang="en-ID" dirty="0"/>
+          </a:p>
+          <a:p>
+            <a:r>
+              <a:rPr lang="en-ID" dirty="0">
+                <a:hlinkClick r:id="rId3"/>
+              </a:rPr>
+              <a:t>https://towardsdatascience.com/elbow-method-is-not-sufficient-to-find-best-k-in-k-means-clustering-fc820da0631d</a:t>
+            </a:r>
+            <a:endParaRPr lang="en-ID" dirty="0"/>
+          </a:p>
+          <a:p>
+            <a:r>
+              <a:rPr lang="en-ID" dirty="0">
+                <a:hlinkClick r:id="rId4"/>
+              </a:rPr>
+              <a:t>https://www.kaggle.com/code/shrutimechlearn/step-by-step-kmeans-explained-in-detail</a:t>
+            </a:r>
+            <a:endParaRPr lang="en-ID" dirty="0"/>
+          </a:p>
+          <a:p>
+            <a:r>
+              <a:rPr lang="en-ID" dirty="0">
+                <a:hlinkClick r:id="rId5"/>
+              </a:rPr>
+              <a:t>https://pennmusa.github.io/MUSA_801.io/project_8/index.html</a:t>
+            </a:r>
+            <a:endParaRPr lang="en-ID" dirty="0"/>
+          </a:p>
+          <a:p>
+            <a:r>
+              <a:rPr lang="en-ID" dirty="0">
+                <a:hlinkClick r:id="rId6"/>
+              </a:rPr>
+              <a:t>https://www.arcgis.com/apps/dashboards/d1ee0d06645b49d5a01e3bad3add4c5a</a:t>
+            </a:r>
+            <a:endParaRPr lang="en-ID" dirty="0"/>
+          </a:p>
+        </p:txBody>
+      </p:sp>
+    </p:spTree>
+    <p:extLst>
+      <p:ext uri="{BB962C8B-B14F-4D97-AF65-F5344CB8AC3E}">
+        <p14:creationId xmlns:p14="http://schemas.microsoft.com/office/powerpoint/2010/main" val="1300305499"/>
+      </p:ext>
+    </p:extLst>
+  </p:cSld>
+  <p:clrMapOvr>
+    <a:masterClrMapping/>
+  </p:clrMapOvr>
+  <mc:AlternateContent xmlns:mc="http://schemas.openxmlformats.org/markup-compatibility/2006">
+    <mc:Choice xmlns:p14="http://schemas.microsoft.com/office/powerpoint/2010/main" Requires="p14">
+      <p:transition spd="med" p14:dur="700">
+        <p:fade/>
+      </p:transition>
+    </mc:Choice>
+    <mc:Fallback>
+      <p:transition spd="med">
+        <p:fade/>
+      </p:transition>
+    </mc:Fallback>
+  </mc:AlternateContent>
+</p:sld>
+</file>
+
+<file path=ppt/slides/slide44.xml><?xml version="1.0" encoding="utf-8"?>
+<p:sld xmlns:a="http://schemas.openxmlformats.org/drawingml/2006/main" xmlns:r="http://schemas.openxmlformats.org/officeDocument/2006/relationships" xmlns:p="http://schemas.openxmlformats.org/presentationml/2006/main">
+  <p:cSld>
+    <p:spTree>
+      <p:nvGrpSpPr>
+        <p:cNvPr id="1" name=""/>
+        <p:cNvGrpSpPr/>
+        <p:nvPr/>
+      </p:nvGrpSpPr>
+      <p:grpSpPr>
+        <a:xfrm>
+          <a:off x="0" y="0"/>
+          <a:ext cx="0" cy="0"/>
+          <a:chOff x="0" y="0"/>
+          <a:chExt cx="0" cy="0"/>
+        </a:xfrm>
+      </p:grpSpPr>
+      <p:sp>
+        <p:nvSpPr>
+          <p:cNvPr id="2" name="Title 1">
+            <a:extLst>
+              <a:ext uri="{FF2B5EF4-FFF2-40B4-BE49-F238E27FC236}">
+                <a16:creationId xmlns:a16="http://schemas.microsoft.com/office/drawing/2014/main" id="{BA8DD580-C9BB-788A-D3D8-6F2E94EA9919}"/>
+              </a:ext>
+            </a:extLst>
+          </p:cNvPr>
+          <p:cNvSpPr>
+            <a:spLocks noGrp="1"/>
+          </p:cNvSpPr>
+          <p:nvPr>
+            <p:ph type="title"/>
+          </p:nvPr>
+        </p:nvSpPr>
+        <p:spPr/>
+        <p:txBody>
+          <a:bodyPr/>
+          <a:lstStyle/>
+          <a:p>
+            <a:r>
+              <a:rPr lang="en-US" dirty="0"/>
+              <a:t>Thank You!</a:t>
+            </a:r>
+            <a:endParaRPr lang="en-ID" dirty="0"/>
+          </a:p>
+        </p:txBody>
+      </p:sp>
+    </p:spTree>
+    <p:extLst>
+      <p:ext uri="{BB962C8B-B14F-4D97-AF65-F5344CB8AC3E}">
+        <p14:creationId xmlns:p14="http://schemas.microsoft.com/office/powerpoint/2010/main" val="2985467604"/>
+      </p:ext>
+    </p:extLst>
+  </p:cSld>
+  <p:clrMapOvr>
+    <a:masterClrMapping/>
+  </p:clrMapOvr>
+  <mc:AlternateContent xmlns:mc="http://schemas.openxmlformats.org/markup-compatibility/2006">
+    <mc:Choice xmlns:p14="http://schemas.microsoft.com/office/powerpoint/2010/main" Requires="p14">
+      <p:transition spd="med" p14:dur="700">
+        <p:fade/>
+      </p:transition>
+    </mc:Choice>
+    <mc:Fallback>
+      <p:transition spd="med">
+        <p:fade/>
+      </p:transition>
+    </mc:Fallback>
+  </mc:AlternateContent>
+</p:sld>
+</file>
+
+<file path=ppt/slides/slide5.xml><?xml version="1.0" encoding="utf-8"?>
+<p:sld xmlns:a="http://schemas.openxmlformats.org/drawingml/2006/main" xmlns:r="http://schemas.openxmlformats.org/officeDocument/2006/relationships" xmlns:p="http://schemas.openxmlformats.org/presentationml/2006/main">
+  <p:cSld>
+    <p:spTree>
+      <p:nvGrpSpPr>
+        <p:cNvPr id="1" name=""/>
+        <p:cNvGrpSpPr/>
+        <p:nvPr/>
+      </p:nvGrpSpPr>
+      <p:grpSpPr>
+        <a:xfrm>
+          <a:off x="0" y="0"/>
+          <a:ext cx="0" cy="0"/>
+          <a:chOff x="0" y="0"/>
+          <a:chExt cx="0" cy="0"/>
+        </a:xfrm>
+      </p:grpSpPr>
+      <p:sp>
+        <p:nvSpPr>
+          <p:cNvPr id="2" name="Title 1">
+            <a:extLst>
+              <a:ext uri="{FF2B5EF4-FFF2-40B4-BE49-F238E27FC236}">
+                <a16:creationId xmlns:a16="http://schemas.microsoft.com/office/drawing/2014/main" id="{77251AE3-B0F4-AEAE-208C-97254C79C266}"/>
+              </a:ext>
+            </a:extLst>
+          </p:cNvPr>
+          <p:cNvSpPr>
+            <a:spLocks noGrp="1"/>
+          </p:cNvSpPr>
+          <p:nvPr>
+            <p:ph type="title"/>
+          </p:nvPr>
+        </p:nvSpPr>
+        <p:spPr>
+          <a:xfrm>
+            <a:off x="311700" y="520563"/>
+            <a:ext cx="6377700" cy="572700"/>
+          </a:xfrm>
+        </p:spPr>
+        <p:txBody>
+          <a:bodyPr>
+            <a:normAutofit fontScale="90000"/>
+          </a:bodyPr>
+          <a:lstStyle/>
+          <a:p>
+            <a:r>
+              <a:rPr lang="en-US" dirty="0"/>
+              <a:t>Total Visitors based on Year and City</a:t>
+            </a:r>
+            <a:endParaRPr lang="en-ID" dirty="0"/>
+          </a:p>
+        </p:txBody>
+      </p:sp>
+      <p:sp>
+        <p:nvSpPr>
+          <p:cNvPr id="3" name="Text Placeholder 2">
+            <a:extLst>
+              <a:ext uri="{FF2B5EF4-FFF2-40B4-BE49-F238E27FC236}">
+                <a16:creationId xmlns:a16="http://schemas.microsoft.com/office/drawing/2014/main" id="{850942E8-81E1-E5AB-C911-B28C3182DB19}"/>
+              </a:ext>
+            </a:extLst>
+          </p:cNvPr>
+          <p:cNvSpPr>
+            <a:spLocks noGrp="1"/>
+          </p:cNvSpPr>
+          <p:nvPr>
+            <p:ph type="body" idx="1"/>
+          </p:nvPr>
+        </p:nvSpPr>
+        <p:spPr>
+          <a:xfrm>
+            <a:off x="311700" y="1017725"/>
+            <a:ext cx="8520600" cy="3416400"/>
+          </a:xfrm>
+        </p:spPr>
+        <p:txBody>
+          <a:bodyPr>
+            <a:normAutofit/>
+          </a:bodyPr>
+          <a:lstStyle/>
+          <a:p>
+            <a:pPr marL="114300" indent="0">
+              <a:buNone/>
+            </a:pPr>
+            <a:r>
+              <a:rPr lang="en-US" sz="1200" dirty="0"/>
+              <a:t>The chart below shows that Bandung has a positive trend in visitor growth over the last two years.</a:t>
+            </a:r>
+            <a:endParaRPr lang="en-ID" sz="1200" dirty="0"/>
+          </a:p>
+        </p:txBody>
+      </p:sp>
+      <p:pic>
+        <p:nvPicPr>
+          <p:cNvPr id="5" name="Picture 4">
+            <a:extLst>
+              <a:ext uri="{FF2B5EF4-FFF2-40B4-BE49-F238E27FC236}">
+                <a16:creationId xmlns:a16="http://schemas.microsoft.com/office/drawing/2014/main" id="{835BF46C-394B-F3BF-5EC2-DEAA31E428C4}"/>
+              </a:ext>
+            </a:extLst>
+          </p:cNvPr>
+          <p:cNvPicPr>
+            <a:picLocks noChangeAspect="1"/>
+          </p:cNvPicPr>
+          <p:nvPr/>
+        </p:nvPicPr>
+        <p:blipFill>
+          <a:blip r:embed="rId2"/>
+          <a:stretch>
+            <a:fillRect/>
+          </a:stretch>
+        </p:blipFill>
+        <p:spPr>
+          <a:xfrm>
+            <a:off x="1421969" y="1391645"/>
+            <a:ext cx="6300061" cy="3118211"/>
+          </a:xfrm>
+          <a:prstGeom prst="rect">
+            <a:avLst/>
+          </a:prstGeom>
+          <a:ln>
+            <a:solidFill>
+              <a:schemeClr val="tx1"/>
+            </a:solidFill>
+          </a:ln>
+        </p:spPr>
+      </p:pic>
+      <p:sp>
+        <p:nvSpPr>
+          <p:cNvPr id="6" name="TextBox 5">
+            <a:extLst>
+              <a:ext uri="{FF2B5EF4-FFF2-40B4-BE49-F238E27FC236}">
+                <a16:creationId xmlns:a16="http://schemas.microsoft.com/office/drawing/2014/main" id="{7B53FA6F-1243-96BE-2703-ABFF952E0B2A}"/>
+              </a:ext>
+            </a:extLst>
+          </p:cNvPr>
+          <p:cNvSpPr txBox="1"/>
+          <p:nvPr/>
+        </p:nvSpPr>
+        <p:spPr>
+          <a:xfrm>
+            <a:off x="1421969" y="4509856"/>
+            <a:ext cx="1356462" cy="215444"/>
+          </a:xfrm>
+          <a:prstGeom prst="rect">
+            <a:avLst/>
+          </a:prstGeom>
+          <a:noFill/>
+        </p:spPr>
+        <p:txBody>
+          <a:bodyPr wrap="none" rtlCol="0">
+            <a:spAutoFit/>
+          </a:bodyPr>
+          <a:lstStyle/>
+          <a:p>
+            <a:r>
+              <a:rPr lang="en-US" sz="800" dirty="0"/>
+              <a:t>Source: Open Data </a:t>
+            </a:r>
+            <a:r>
+              <a:rPr lang="en-US" sz="800" dirty="0" err="1"/>
+              <a:t>Jabar</a:t>
+            </a:r>
+            <a:endParaRPr lang="en-ID" sz="800" dirty="0"/>
+          </a:p>
+        </p:txBody>
+      </p:sp>
+    </p:spTree>
+    <p:extLst>
+      <p:ext uri="{BB962C8B-B14F-4D97-AF65-F5344CB8AC3E}">
+        <p14:creationId xmlns:p14="http://schemas.microsoft.com/office/powerpoint/2010/main" val="792110180"/>
+      </p:ext>
+    </p:extLst>
+  </p:cSld>
+  <p:clrMapOvr>
+    <a:masterClrMapping/>
+  </p:clrMapOvr>
+  <mc:AlternateContent xmlns:mc="http://schemas.openxmlformats.org/markup-compatibility/2006">
+    <mc:Choice xmlns:p14="http://schemas.microsoft.com/office/powerpoint/2010/main" Requires="p14">
+      <p:transition spd="med" p14:dur="700">
+        <p:fade/>
+      </p:transition>
+    </mc:Choice>
+    <mc:Fallback>
+      <p:transition spd="med">
+        <p:fade/>
+      </p:transition>
+    </mc:Fallback>
+  </mc:AlternateContent>
+</p:sld>
+</file>
+
+<file path=ppt/slides/slide6.xml><?xml version="1.0" encoding="utf-8"?>
+<p:sld xmlns:a="http://schemas.openxmlformats.org/drawingml/2006/main" xmlns:r="http://schemas.openxmlformats.org/officeDocument/2006/relationships" xmlns:p="http://schemas.openxmlformats.org/presentationml/2006/main">
+  <p:cSld>
+    <p:spTree>
+      <p:nvGrpSpPr>
+        <p:cNvPr id="1" name=""/>
+        <p:cNvGrpSpPr/>
+        <p:nvPr/>
+      </p:nvGrpSpPr>
+      <p:grpSpPr>
+        <a:xfrm>
+          <a:off x="0" y="0"/>
+          <a:ext cx="0" cy="0"/>
+          <a:chOff x="0" y="0"/>
+          <a:chExt cx="0" cy="0"/>
+        </a:xfrm>
+      </p:grpSpPr>
+      <p:sp>
+        <p:nvSpPr>
+          <p:cNvPr id="2" name="Title 1">
+            <a:extLst>
+              <a:ext uri="{FF2B5EF4-FFF2-40B4-BE49-F238E27FC236}">
+                <a16:creationId xmlns:a16="http://schemas.microsoft.com/office/drawing/2014/main" id="{77251AE3-B0F4-AEAE-208C-97254C79C266}"/>
+              </a:ext>
+            </a:extLst>
+          </p:cNvPr>
+          <p:cNvSpPr>
+            <a:spLocks noGrp="1"/>
+          </p:cNvSpPr>
+          <p:nvPr>
+            <p:ph type="title"/>
+          </p:nvPr>
+        </p:nvSpPr>
+        <p:spPr>
+          <a:xfrm>
+            <a:off x="311700" y="563148"/>
+            <a:ext cx="6377700" cy="572700"/>
+          </a:xfrm>
+        </p:spPr>
+        <p:txBody>
+          <a:bodyPr>
+            <a:normAutofit fontScale="90000"/>
+          </a:bodyPr>
+          <a:lstStyle/>
+          <a:p>
+            <a:r>
+              <a:rPr lang="en-US" dirty="0"/>
+              <a:t>Average Total Visitors in Each City</a:t>
+            </a:r>
+            <a:endParaRPr lang="en-ID" dirty="0"/>
+          </a:p>
+        </p:txBody>
+      </p:sp>
+      <p:sp>
+        <p:nvSpPr>
+          <p:cNvPr id="3" name="Text Placeholder 2">
+            <a:extLst>
+              <a:ext uri="{FF2B5EF4-FFF2-40B4-BE49-F238E27FC236}">
+                <a16:creationId xmlns:a16="http://schemas.microsoft.com/office/drawing/2014/main" id="{850942E8-81E1-E5AB-C911-B28C3182DB19}"/>
+              </a:ext>
+            </a:extLst>
+          </p:cNvPr>
+          <p:cNvSpPr>
+            <a:spLocks noGrp="1"/>
+          </p:cNvSpPr>
+          <p:nvPr>
+            <p:ph type="body" idx="1"/>
+          </p:nvPr>
+        </p:nvSpPr>
+        <p:spPr>
+          <a:xfrm>
+            <a:off x="311700" y="1017725"/>
+            <a:ext cx="8520600" cy="3416400"/>
+          </a:xfrm>
+        </p:spPr>
+        <p:txBody>
+          <a:bodyPr>
+            <a:normAutofit/>
+          </a:bodyPr>
+          <a:lstStyle/>
+          <a:p>
+            <a:pPr marL="114300" indent="0">
+              <a:buNone/>
+            </a:pPr>
+            <a:r>
+              <a:rPr lang="en-US" sz="1200" dirty="0"/>
+              <a:t>The chart below shows that Bandung has the highest number of visitors.</a:t>
+            </a:r>
+            <a:endParaRPr lang="en-ID" sz="1200" dirty="0"/>
+          </a:p>
+        </p:txBody>
+      </p:sp>
+      <p:pic>
+        <p:nvPicPr>
+          <p:cNvPr id="6" name="Picture 5">
+            <a:extLst>
+              <a:ext uri="{FF2B5EF4-FFF2-40B4-BE49-F238E27FC236}">
+                <a16:creationId xmlns:a16="http://schemas.microsoft.com/office/drawing/2014/main" id="{4F560D59-32DF-EFB3-80EA-31E372D53964}"/>
+              </a:ext>
+            </a:extLst>
+          </p:cNvPr>
+          <p:cNvPicPr>
+            <a:picLocks noChangeAspect="1"/>
+          </p:cNvPicPr>
+          <p:nvPr/>
+        </p:nvPicPr>
+        <p:blipFill>
+          <a:blip r:embed="rId2"/>
+          <a:stretch>
+            <a:fillRect/>
+          </a:stretch>
+        </p:blipFill>
+        <p:spPr>
+          <a:xfrm>
+            <a:off x="2574670" y="1360493"/>
+            <a:ext cx="3994660" cy="3172860"/>
+          </a:xfrm>
+          <a:prstGeom prst="rect">
+            <a:avLst/>
+          </a:prstGeom>
+          <a:ln>
+            <a:solidFill>
+              <a:schemeClr val="tx1"/>
+            </a:solidFill>
+          </a:ln>
+        </p:spPr>
+      </p:pic>
+      <p:sp>
+        <p:nvSpPr>
+          <p:cNvPr id="7" name="TextBox 6">
+            <a:extLst>
+              <a:ext uri="{FF2B5EF4-FFF2-40B4-BE49-F238E27FC236}">
+                <a16:creationId xmlns:a16="http://schemas.microsoft.com/office/drawing/2014/main" id="{AFD22159-3AEC-FAA6-068E-10E3CE0EDF40}"/>
+              </a:ext>
+            </a:extLst>
+          </p:cNvPr>
+          <p:cNvSpPr txBox="1"/>
+          <p:nvPr/>
+        </p:nvSpPr>
+        <p:spPr>
+          <a:xfrm>
+            <a:off x="2574670" y="4533353"/>
+            <a:ext cx="1356462" cy="215444"/>
+          </a:xfrm>
+          <a:prstGeom prst="rect">
+            <a:avLst/>
+          </a:prstGeom>
+          <a:noFill/>
+        </p:spPr>
+        <p:txBody>
+          <a:bodyPr wrap="none" rtlCol="0">
+            <a:spAutoFit/>
+          </a:bodyPr>
+          <a:lstStyle/>
+          <a:p>
+            <a:r>
+              <a:rPr lang="en-US" sz="800" dirty="0"/>
+              <a:t>Source: Open Data </a:t>
+            </a:r>
+            <a:r>
+              <a:rPr lang="en-US" sz="800" dirty="0" err="1"/>
+              <a:t>Jabar</a:t>
+            </a:r>
+            <a:endParaRPr lang="en-ID" sz="800" dirty="0"/>
+          </a:p>
+        </p:txBody>
+      </p:sp>
+    </p:spTree>
+    <p:extLst>
+      <p:ext uri="{BB962C8B-B14F-4D97-AF65-F5344CB8AC3E}">
+        <p14:creationId xmlns:p14="http://schemas.microsoft.com/office/powerpoint/2010/main" val="2304480999"/>
+      </p:ext>
+    </p:extLst>
+  </p:cSld>
+  <p:clrMapOvr>
+    <a:masterClrMapping/>
+  </p:clrMapOvr>
+  <mc:AlternateContent xmlns:mc="http://schemas.openxmlformats.org/markup-compatibility/2006">
+    <mc:Choice xmlns:p14="http://schemas.microsoft.com/office/powerpoint/2010/main" Requires="p14">
+      <p:transition spd="med" p14:dur="700">
+        <p:fade/>
+      </p:transition>
+    </mc:Choice>
+    <mc:Fallback>
+      <p:transition spd="med">
+        <p:fade/>
+      </p:transition>
+    </mc:Fallback>
+  </mc:AlternateContent>
+</p:sld>
+</file>
+
+<file path=ppt/slides/slide7.xml><?xml version="1.0" encoding="utf-8"?>
+<p:sld xmlns:a="http://schemas.openxmlformats.org/drawingml/2006/main" xmlns:r="http://schemas.openxmlformats.org/officeDocument/2006/relationships" xmlns:p="http://schemas.openxmlformats.org/presentationml/2006/main">
+  <p:cSld>
+    <p:spTree>
+      <p:nvGrpSpPr>
+        <p:cNvPr id="1" name=""/>
+        <p:cNvGrpSpPr/>
+        <p:nvPr/>
+      </p:nvGrpSpPr>
+      <p:grpSpPr>
+        <a:xfrm>
+          <a:off x="0" y="0"/>
+          <a:ext cx="0" cy="0"/>
+          <a:chOff x="0" y="0"/>
+          <a:chExt cx="0" cy="0"/>
+        </a:xfrm>
+      </p:grpSpPr>
+      <p:sp>
+        <p:nvSpPr>
+          <p:cNvPr id="2" name="Title 1">
+            <a:extLst>
+              <a:ext uri="{FF2B5EF4-FFF2-40B4-BE49-F238E27FC236}">
+                <a16:creationId xmlns:a16="http://schemas.microsoft.com/office/drawing/2014/main" id="{CC1D06C0-00CF-231A-BAAC-4DCDE66206B8}"/>
+              </a:ext>
+            </a:extLst>
+          </p:cNvPr>
+          <p:cNvSpPr>
+            <a:spLocks noGrp="1"/>
+          </p:cNvSpPr>
+          <p:nvPr>
+            <p:ph type="title"/>
+          </p:nvPr>
+        </p:nvSpPr>
+        <p:spPr>
+          <a:xfrm>
+            <a:off x="311700" y="579775"/>
+            <a:ext cx="6377700" cy="572700"/>
+          </a:xfrm>
+        </p:spPr>
+        <p:txBody>
+          <a:bodyPr>
+            <a:normAutofit fontScale="90000"/>
+          </a:bodyPr>
+          <a:lstStyle/>
+          <a:p>
+            <a:r>
+              <a:rPr lang="en-US" dirty="0"/>
+              <a:t>Problem Description</a:t>
+            </a:r>
+            <a:endParaRPr lang="en-ID" dirty="0"/>
+          </a:p>
+        </p:txBody>
+      </p:sp>
+      <p:sp>
+        <p:nvSpPr>
+          <p:cNvPr id="3" name="Text Placeholder 2">
+            <a:extLst>
+              <a:ext uri="{FF2B5EF4-FFF2-40B4-BE49-F238E27FC236}">
+                <a16:creationId xmlns:a16="http://schemas.microsoft.com/office/drawing/2014/main" id="{D824872B-5C09-1FF2-2B63-C92C2FEF469A}"/>
+              </a:ext>
+            </a:extLst>
+          </p:cNvPr>
+          <p:cNvSpPr>
+            <a:spLocks noGrp="1"/>
+          </p:cNvSpPr>
+          <p:nvPr>
+            <p:ph type="body" idx="1"/>
+          </p:nvPr>
+        </p:nvSpPr>
+        <p:spPr>
+          <a:xfrm>
+            <a:off x="311700" y="1152475"/>
+            <a:ext cx="8165873" cy="3416400"/>
+          </a:xfrm>
+        </p:spPr>
+        <p:txBody>
+          <a:bodyPr>
+            <a:normAutofit/>
+          </a:bodyPr>
+          <a:lstStyle/>
+          <a:p>
+            <a:pPr marL="114300" indent="0" algn="just">
+              <a:lnSpc>
+                <a:spcPct val="150000"/>
+              </a:lnSpc>
+              <a:buNone/>
+            </a:pPr>
+            <a:r>
+              <a:rPr lang="en-US" dirty="0"/>
+              <a:t>I have identified several summary questions to address the problem from the background information provided:</a:t>
+            </a:r>
+          </a:p>
+          <a:p>
+            <a:pPr algn="just">
+              <a:lnSpc>
+                <a:spcPct val="150000"/>
+              </a:lnSpc>
+              <a:buFont typeface="+mj-lt"/>
+              <a:buAutoNum type="arabicPeriod"/>
+            </a:pPr>
+            <a:r>
+              <a:rPr lang="en-US" dirty="0"/>
+              <a:t>What are the traffic alert patterns in Bandung City?</a:t>
+            </a:r>
+          </a:p>
+          <a:p>
+            <a:pPr algn="just">
+              <a:lnSpc>
+                <a:spcPct val="150000"/>
+              </a:lnSpc>
+              <a:buFont typeface="+mj-lt"/>
+              <a:buAutoNum type="arabicPeriod"/>
+            </a:pPr>
+            <a:r>
+              <a:rPr lang="en-US" dirty="0"/>
+              <a:t>How is the pattern and distribution of traffic congestion in Bandung City?</a:t>
+            </a:r>
+          </a:p>
+          <a:p>
+            <a:pPr algn="just">
+              <a:lnSpc>
+                <a:spcPct val="150000"/>
+              </a:lnSpc>
+              <a:buFont typeface="+mj-lt"/>
+              <a:buAutoNum type="arabicPeriod"/>
+            </a:pPr>
+            <a:r>
+              <a:rPr lang="en-US" dirty="0"/>
+              <a:t>How can we group Bandung City areas with similar traffic characteristics?</a:t>
+            </a:r>
+            <a:endParaRPr lang="en-ID" dirty="0"/>
+          </a:p>
+        </p:txBody>
+      </p:sp>
+    </p:spTree>
+    <p:extLst>
+      <p:ext uri="{BB962C8B-B14F-4D97-AF65-F5344CB8AC3E}">
+        <p14:creationId xmlns:p14="http://schemas.microsoft.com/office/powerpoint/2010/main" val="3616645280"/>
+      </p:ext>
+    </p:extLst>
+  </p:cSld>
+  <p:clrMapOvr>
+    <a:masterClrMapping/>
+  </p:clrMapOvr>
+  <mc:AlternateContent xmlns:mc="http://schemas.openxmlformats.org/markup-compatibility/2006">
+    <mc:Choice xmlns:p14="http://schemas.microsoft.com/office/powerpoint/2010/main" Requires="p14">
+      <p:transition spd="med" p14:dur="700">
+        <p:fade/>
+      </p:transition>
+    </mc:Choice>
+    <mc:Fallback>
+      <p:transition spd="med">
+        <p:fade/>
+      </p:transition>
+    </mc:Fallback>
+  </mc:AlternateContent>
+</p:sld>
+</file>
+
+<file path=ppt/slides/slide8.xml><?xml version="1.0" encoding="utf-8"?>
+<p:sld xmlns:a="http://schemas.openxmlformats.org/drawingml/2006/main" xmlns:r="http://schemas.openxmlformats.org/officeDocument/2006/relationships" xmlns:p="http://schemas.openxmlformats.org/presentationml/2006/main">
+  <p:cSld>
+    <p:spTree>
+      <p:nvGrpSpPr>
+        <p:cNvPr id="1" name=""/>
+        <p:cNvGrpSpPr/>
+        <p:nvPr/>
+      </p:nvGrpSpPr>
+      <p:grpSpPr>
+        <a:xfrm>
+          <a:off x="0" y="0"/>
+          <a:ext cx="0" cy="0"/>
+          <a:chOff x="0" y="0"/>
+          <a:chExt cx="0" cy="0"/>
+        </a:xfrm>
+      </p:grpSpPr>
+      <p:sp>
+        <p:nvSpPr>
+          <p:cNvPr id="2" name="Title 1">
+            <a:extLst>
+              <a:ext uri="{FF2B5EF4-FFF2-40B4-BE49-F238E27FC236}">
+                <a16:creationId xmlns:a16="http://schemas.microsoft.com/office/drawing/2014/main" id="{B0B6B7B4-CC88-2FEB-F298-D7F34B6426F1}"/>
+              </a:ext>
+            </a:extLst>
+          </p:cNvPr>
+          <p:cNvSpPr>
+            <a:spLocks noGrp="1"/>
+          </p:cNvSpPr>
+          <p:nvPr>
+            <p:ph type="title"/>
+          </p:nvPr>
+        </p:nvSpPr>
+        <p:spPr>
+          <a:xfrm>
+            <a:off x="311700" y="574625"/>
+            <a:ext cx="6377700" cy="572700"/>
+          </a:xfrm>
+        </p:spPr>
+        <p:txBody>
+          <a:bodyPr>
+            <a:normAutofit fontScale="90000"/>
+          </a:bodyPr>
+          <a:lstStyle/>
+          <a:p>
+            <a:r>
+              <a:rPr lang="en-US" dirty="0"/>
+              <a:t>Project Goals</a:t>
+            </a:r>
+            <a:endParaRPr lang="en-ID" dirty="0"/>
+          </a:p>
+        </p:txBody>
+      </p:sp>
+      <p:sp>
+        <p:nvSpPr>
+          <p:cNvPr id="3" name="Text Placeholder 2">
+            <a:extLst>
+              <a:ext uri="{FF2B5EF4-FFF2-40B4-BE49-F238E27FC236}">
+                <a16:creationId xmlns:a16="http://schemas.microsoft.com/office/drawing/2014/main" id="{9782544F-4875-E8B0-A63A-7179E4DB0E70}"/>
+              </a:ext>
+            </a:extLst>
+          </p:cNvPr>
+          <p:cNvSpPr>
+            <a:spLocks noGrp="1"/>
+          </p:cNvSpPr>
+          <p:nvPr>
+            <p:ph type="body" idx="1"/>
+          </p:nvPr>
+        </p:nvSpPr>
+        <p:spPr>
+          <a:xfrm>
+            <a:off x="311700" y="1152475"/>
+            <a:ext cx="8010890" cy="3416400"/>
+          </a:xfrm>
+        </p:spPr>
+        <p:txBody>
+          <a:bodyPr>
+            <a:normAutofit fontScale="92500" lnSpcReduction="20000"/>
+          </a:bodyPr>
+          <a:lstStyle/>
+          <a:p>
+            <a:pPr marL="114300" indent="0" algn="just">
+              <a:lnSpc>
+                <a:spcPct val="150000"/>
+              </a:lnSpc>
+              <a:buNone/>
+            </a:pPr>
+            <a:r>
+              <a:rPr lang="en-US" dirty="0"/>
+              <a:t>To answer this question, I set the goals and methods that can answer the problem.</a:t>
+            </a:r>
+          </a:p>
+          <a:p>
+            <a:pPr algn="just">
+              <a:lnSpc>
+                <a:spcPct val="150000"/>
+              </a:lnSpc>
+              <a:buFont typeface="+mj-lt"/>
+              <a:buAutoNum type="arabicPeriod"/>
+            </a:pPr>
+            <a:r>
+              <a:rPr lang="en-US" dirty="0"/>
+              <a:t>Analyze the traffic alert pattern in the city of Bandung using Waze for Cities data analysis to see the most dominant type of alert.</a:t>
+            </a:r>
+          </a:p>
+          <a:p>
+            <a:pPr algn="just">
+              <a:lnSpc>
+                <a:spcPct val="150000"/>
+              </a:lnSpc>
+              <a:buFont typeface="+mj-lt"/>
+              <a:buAutoNum type="arabicPeriod"/>
+            </a:pPr>
+            <a:r>
+              <a:rPr lang="en-US" dirty="0"/>
+              <a:t>Analyzing traffic congestion patterns in Bandung by analyzing Waze for Cities data for Bandung in various circumstances.</a:t>
+            </a:r>
+          </a:p>
+          <a:p>
+            <a:pPr algn="just">
+              <a:lnSpc>
+                <a:spcPct val="150000"/>
+              </a:lnSpc>
+              <a:buFont typeface="+mj-lt"/>
+              <a:buAutoNum type="arabicPeriod"/>
+            </a:pPr>
+            <a:r>
+              <a:rPr lang="en-US" dirty="0"/>
+              <a:t>Conducting a Machine Learning algorithm, which is clustering, to get a pattern of group division for roads in Bandung with similar traffic characteristics.</a:t>
+            </a:r>
+          </a:p>
+          <a:p>
+            <a:pPr algn="just">
+              <a:lnSpc>
+                <a:spcPct val="150000"/>
+              </a:lnSpc>
+              <a:buFont typeface="+mj-lt"/>
+              <a:buAutoNum type="arabicPeriod"/>
+            </a:pPr>
+            <a:endParaRPr lang="en-US" dirty="0"/>
+          </a:p>
+          <a:p>
+            <a:pPr algn="just">
+              <a:lnSpc>
+                <a:spcPct val="150000"/>
+              </a:lnSpc>
+              <a:buFont typeface="+mj-lt"/>
+              <a:buAutoNum type="arabicPeriod"/>
+            </a:pPr>
+            <a:endParaRPr lang="en-US" dirty="0"/>
+          </a:p>
+          <a:p>
+            <a:pPr marL="114300" indent="0" algn="just">
+              <a:lnSpc>
+                <a:spcPct val="150000"/>
+              </a:lnSpc>
+              <a:buNone/>
+            </a:pPr>
+            <a:endParaRPr lang="en-ID" dirty="0"/>
+          </a:p>
+        </p:txBody>
+      </p:sp>
+    </p:spTree>
+    <p:extLst>
+      <p:ext uri="{BB962C8B-B14F-4D97-AF65-F5344CB8AC3E}">
+        <p14:creationId xmlns:p14="http://schemas.microsoft.com/office/powerpoint/2010/main" val="2609937095"/>
+      </p:ext>
+    </p:extLst>
+  </p:cSld>
+  <p:clrMapOvr>
+    <a:masterClrMapping/>
+  </p:clrMapOvr>
+  <mc:AlternateContent xmlns:mc="http://schemas.openxmlformats.org/markup-compatibility/2006">
+    <mc:Choice xmlns:p14="http://schemas.microsoft.com/office/powerpoint/2010/main" Requires="p14">
+      <p:transition spd="med" p14:dur="700">
+        <p:fade/>
+      </p:transition>
+    </mc:Choice>
+    <mc:Fallback>
+      <p:transition spd="med">
+        <p:fade/>
+      </p:transition>
+    </mc:Fallback>
+  </mc:AlternateContent>
 </p:sld>
 </file>
 
@@ -6902,7 +10553,7 @@
             </a:br>
             <a:r>
               <a:rPr lang="en-US" dirty="0"/>
-              <a:t>Pre-processing</a:t>
+              <a:t>Understanding</a:t>
             </a:r>
             <a:endParaRPr lang="en-ID" dirty="0"/>
           </a:p>
@@ -6931,7 +10582,7 @@
           <a:p>
             <a:r>
               <a:rPr lang="en-US" dirty="0"/>
-              <a:t>IV</a:t>
+              <a:t>II</a:t>
             </a:r>
             <a:endParaRPr lang="en-ID" dirty="0"/>
           </a:p>
@@ -6940,13 +10591,25 @@
     </p:spTree>
     <p:extLst>
       <p:ext uri="{BB962C8B-B14F-4D97-AF65-F5344CB8AC3E}">
-        <p14:creationId xmlns:p14="http://schemas.microsoft.com/office/powerpoint/2010/main" val="1967347391"/>
+        <p14:creationId xmlns:p14="http://schemas.microsoft.com/office/powerpoint/2010/main" val="1975133034"/>
       </p:ext>
     </p:extLst>
   </p:cSld>
   <p:clrMapOvr>
     <a:masterClrMapping/>
   </p:clrMapOvr>
+  <mc:AlternateContent xmlns:mc="http://schemas.openxmlformats.org/markup-compatibility/2006">
+    <mc:Choice xmlns:p14="http://schemas.microsoft.com/office/powerpoint/2010/main" Requires="p14">
+      <p:transition spd="med" p14:dur="700">
+        <p:fade/>
+      </p:transition>
+    </mc:Choice>
+    <mc:Fallback>
+      <p:transition spd="med">
+        <p:fade/>
+      </p:transition>
+    </mc:Fallback>
+  </mc:AlternateContent>
 </p:sld>
 </file>
 

--- a/reports/Project Report_Mini Project DS_Adrian Maulana Muhammad.pptx
+++ b/reports/Project Report_Mini Project DS_Adrian Maulana Muhammad.pptx
@@ -4365,18 +4365,63 @@
           </a:p>
         </p:txBody>
       </p:sp>
+      <p:sp>
+        <p:nvSpPr>
+          <p:cNvPr id="3" name="TextBox 2">
+            <a:extLst>
+              <a:ext uri="{FF2B5EF4-FFF2-40B4-BE49-F238E27FC236}">
+                <a16:creationId xmlns:a16="http://schemas.microsoft.com/office/drawing/2014/main" id="{5E6ED6A3-D227-A15F-B1BA-26A662C1A8ED}"/>
+              </a:ext>
+            </a:extLst>
+          </p:cNvPr>
+          <p:cNvSpPr txBox="1"/>
+          <p:nvPr/>
+        </p:nvSpPr>
+        <p:spPr>
+          <a:xfrm>
+            <a:off x="4409268" y="4897279"/>
+            <a:ext cx="4734732" cy="246221"/>
+          </a:xfrm>
+          <a:prstGeom prst="rect">
+            <a:avLst/>
+          </a:prstGeom>
+          <a:noFill/>
+        </p:spPr>
+        <p:txBody>
+          <a:bodyPr wrap="square">
+            <a:spAutoFit/>
+          </a:bodyPr>
+          <a:lstStyle/>
+          <a:p>
+            <a:r>
+              <a:rPr lang="en-ID" sz="1000" dirty="0">
+                <a:solidFill>
+                  <a:schemeClr val="accent2"/>
+                </a:solidFill>
+                <a:hlinkClick r:id="rId3"/>
+              </a:rPr>
+              <a:t>https://github.com/adrn-mm/DSLS_Mini-Project-DS_Adrian-Maulana-Muhammad</a:t>
+            </a:r>
+            <a:endParaRPr lang="en-ID" sz="1000" dirty="0">
+              <a:solidFill>
+                <a:schemeClr val="accent2"/>
+              </a:solidFill>
+            </a:endParaRPr>
+          </a:p>
+        </p:txBody>
+      </p:sp>
     </p:spTree>
   </p:cSld>
   <p:clrMapOvr>
     <a:masterClrMapping/>
   </p:clrMapOvr>
-  <mc:AlternateContent xmlns:mc="http://schemas.openxmlformats.org/markup-compatibility/2006">
-    <mc:Choice xmlns:p14="http://schemas.microsoft.com/office/powerpoint/2010/main" Requires="p14">
+  <mc:AlternateContent xmlns:mc="http://schemas.openxmlformats.org/markup-compatibility/2006" xmlns:p14="http://schemas.microsoft.com/office/powerpoint/2010/main">
+    <mc:Choice Requires="p14">
       <p:transition spd="med" p14:dur="700">
         <p:fade/>
       </p:transition>
     </mc:Choice>
-    <mc:Fallback>
+    <mc:Fallback xmlns="">
       <p:transition spd="med">
         <p:fade/>
       </p:transition>
@@ -4522,13 +4567,13 @@
   <p:clrMapOvr>
     <a:masterClrMapping/>
   </p:clrMapOvr>
-  <mc:AlternateContent xmlns:mc="http://schemas.openxmlformats.org/markup-compatibility/2006">
-    <mc:Choice xmlns:p14="http://schemas.microsoft.com/office/powerpoint/2010/main" Requires="p14">
+  <mc:AlternateContent xmlns:mc="http://schemas.openxmlformats.org/markup-compatibility/2006" xmlns:p14="http://schemas.microsoft.com/office/powerpoint/2010/main">
+    <mc:Choice Requires="p14">
       <p:transition spd="med" p14:dur="700">
         <p:fade/>
       </p:transition>
     </mc:Choice>
-    <mc:Fallback>
+    <mc:Fallback xmlns="">
       <p:transition spd="med">
         <p:fade/>
       </p:transition>
@@ -4795,13 +4840,13 @@
   <p:clrMapOvr>
     <a:masterClrMapping/>
   </p:clrMapOvr>
-  <mc:AlternateContent xmlns:mc="http://schemas.openxmlformats.org/markup-compatibility/2006">
-    <mc:Choice xmlns:p14="http://schemas.microsoft.com/office/powerpoint/2010/main" Requires="p14">
+  <mc:AlternateContent xmlns:mc="http://schemas.openxmlformats.org/markup-compatibility/2006" xmlns:p14="http://schemas.microsoft.com/office/powerpoint/2010/main">
+    <mc:Choice Requires="p14">
       <p:transition spd="med" p14:dur="700">
         <p:fade/>
       </p:transition>
     </mc:Choice>
-    <mc:Fallback>
+    <mc:Fallback xmlns="">
       <p:transition spd="med">
         <p:fade/>
       </p:transition>
@@ -4897,13 +4942,13 @@
   <p:clrMapOvr>
     <a:masterClrMapping/>
   </p:clrMapOvr>
-  <mc:AlternateContent xmlns:mc="http://schemas.openxmlformats.org/markup-compatibility/2006">
-    <mc:Choice xmlns:p14="http://schemas.microsoft.com/office/powerpoint/2010/main" Requires="p14">
+  <mc:AlternateContent xmlns:mc="http://schemas.openxmlformats.org/markup-compatibility/2006" xmlns:p14="http://schemas.microsoft.com/office/powerpoint/2010/main">
+    <mc:Choice Requires="p14">
       <p:transition spd="med" p14:dur="700">
         <p:fade/>
       </p:transition>
     </mc:Choice>
-    <mc:Fallback>
+    <mc:Fallback xmlns="">
       <p:transition spd="med">
         <p:fade/>
       </p:transition>
@@ -5000,13 +5045,13 @@
   <p:clrMapOvr>
     <a:masterClrMapping/>
   </p:clrMapOvr>
-  <mc:AlternateContent xmlns:mc="http://schemas.openxmlformats.org/markup-compatibility/2006">
-    <mc:Choice xmlns:p14="http://schemas.microsoft.com/office/powerpoint/2010/main" Requires="p14">
+  <mc:AlternateContent xmlns:mc="http://schemas.openxmlformats.org/markup-compatibility/2006" xmlns:p14="http://schemas.microsoft.com/office/powerpoint/2010/main">
+    <mc:Choice Requires="p14">
       <p:transition spd="med" p14:dur="700">
         <p:fade/>
       </p:transition>
     </mc:Choice>
-    <mc:Fallback>
+    <mc:Fallback xmlns="">
       <p:transition spd="med">
         <p:fade/>
       </p:transition>
@@ -5161,13 +5206,13 @@
   <p:clrMapOvr>
     <a:masterClrMapping/>
   </p:clrMapOvr>
-  <mc:AlternateContent xmlns:mc="http://schemas.openxmlformats.org/markup-compatibility/2006">
-    <mc:Choice xmlns:p14="http://schemas.microsoft.com/office/powerpoint/2010/main" Requires="p14">
+  <mc:AlternateContent xmlns:mc="http://schemas.openxmlformats.org/markup-compatibility/2006" xmlns:p14="http://schemas.microsoft.com/office/powerpoint/2010/main">
+    <mc:Choice Requires="p14">
       <p:transition spd="med" p14:dur="700">
         <p:fade/>
       </p:transition>
     </mc:Choice>
-    <mc:Fallback>
+    <mc:Fallback xmlns="">
       <p:transition spd="med">
         <p:fade/>
       </p:transition>
@@ -5306,13 +5351,13 @@
   <p:clrMapOvr>
     <a:masterClrMapping/>
   </p:clrMapOvr>
-  <mc:AlternateContent xmlns:mc="http://schemas.openxmlformats.org/markup-compatibility/2006">
-    <mc:Choice xmlns:p14="http://schemas.microsoft.com/office/powerpoint/2010/main" Requires="p14">
+  <mc:AlternateContent xmlns:mc="http://schemas.openxmlformats.org/markup-compatibility/2006" xmlns:p14="http://schemas.microsoft.com/office/powerpoint/2010/main">
+    <mc:Choice Requires="p14">
       <p:transition spd="med" p14:dur="700">
         <p:fade/>
       </p:transition>
     </mc:Choice>
-    <mc:Fallback>
+    <mc:Fallback xmlns="">
       <p:transition spd="med">
         <p:fade/>
       </p:transition>
@@ -5451,13 +5496,13 @@
   <p:clrMapOvr>
     <a:masterClrMapping/>
   </p:clrMapOvr>
-  <mc:AlternateContent xmlns:mc="http://schemas.openxmlformats.org/markup-compatibility/2006">
-    <mc:Choice xmlns:p14="http://schemas.microsoft.com/office/powerpoint/2010/main" Requires="p14">
+  <mc:AlternateContent xmlns:mc="http://schemas.openxmlformats.org/markup-compatibility/2006" xmlns:p14="http://schemas.microsoft.com/office/powerpoint/2010/main">
+    <mc:Choice Requires="p14">
       <p:transition spd="med" p14:dur="700">
         <p:fade/>
       </p:transition>
     </mc:Choice>
-    <mc:Fallback>
+    <mc:Fallback xmlns="">
       <p:transition spd="med">
         <p:fade/>
       </p:transition>
@@ -5601,13 +5646,13 @@
   <p:clrMapOvr>
     <a:masterClrMapping/>
   </p:clrMapOvr>
-  <mc:AlternateContent xmlns:mc="http://schemas.openxmlformats.org/markup-compatibility/2006">
-    <mc:Choice xmlns:p14="http://schemas.microsoft.com/office/powerpoint/2010/main" Requires="p14">
+  <mc:AlternateContent xmlns:mc="http://schemas.openxmlformats.org/markup-compatibility/2006" xmlns:p14="http://schemas.microsoft.com/office/powerpoint/2010/main">
+    <mc:Choice Requires="p14">
       <p:transition spd="med" p14:dur="700">
         <p:fade/>
       </p:transition>
     </mc:Choice>
-    <mc:Fallback>
+    <mc:Fallback xmlns="">
       <p:transition spd="med">
         <p:fade/>
       </p:transition>
@@ -5748,13 +5793,13 @@
   <p:clrMapOvr>
     <a:masterClrMapping/>
   </p:clrMapOvr>
-  <mc:AlternateContent xmlns:mc="http://schemas.openxmlformats.org/markup-compatibility/2006">
-    <mc:Choice xmlns:p14="http://schemas.microsoft.com/office/powerpoint/2010/main" Requires="p14">
+  <mc:AlternateContent xmlns:mc="http://schemas.openxmlformats.org/markup-compatibility/2006" xmlns:p14="http://schemas.microsoft.com/office/powerpoint/2010/main">
+    <mc:Choice Requires="p14">
       <p:transition spd="med" p14:dur="700">
         <p:fade/>
       </p:transition>
     </mc:Choice>
-    <mc:Fallback>
+    <mc:Fallback xmlns="">
       <p:transition spd="med">
         <p:fade/>
       </p:transition>
@@ -5861,13 +5906,13 @@
   <p:clrMapOvr>
     <a:masterClrMapping/>
   </p:clrMapOvr>
-  <mc:AlternateContent xmlns:mc="http://schemas.openxmlformats.org/markup-compatibility/2006">
-    <mc:Choice xmlns:p14="http://schemas.microsoft.com/office/powerpoint/2010/main" Requires="p14">
+  <mc:AlternateContent xmlns:mc="http://schemas.openxmlformats.org/markup-compatibility/2006" xmlns:p14="http://schemas.microsoft.com/office/powerpoint/2010/main">
+    <mc:Choice Requires="p14">
       <p:transition spd="med" p14:dur="700">
         <p:fade/>
       </p:transition>
     </mc:Choice>
-    <mc:Fallback>
+    <mc:Fallback xmlns="">
       <p:transition spd="med">
         <p:fade/>
       </p:transition>
@@ -6064,13 +6109,13 @@
   <p:clrMapOvr>
     <a:masterClrMapping/>
   </p:clrMapOvr>
-  <mc:AlternateContent xmlns:mc="http://schemas.openxmlformats.org/markup-compatibility/2006">
-    <mc:Choice xmlns:p14="http://schemas.microsoft.com/office/powerpoint/2010/main" Requires="p14">
+  <mc:AlternateContent xmlns:mc="http://schemas.openxmlformats.org/markup-compatibility/2006" xmlns:p14="http://schemas.microsoft.com/office/powerpoint/2010/main">
+    <mc:Choice Requires="p14">
       <p:transition spd="med" p14:dur="700">
         <p:fade/>
       </p:transition>
     </mc:Choice>
-    <mc:Fallback>
+    <mc:Fallback xmlns="">
       <p:transition spd="med">
         <p:fade/>
       </p:transition>
@@ -6211,13 +6256,13 @@
   <p:clrMapOvr>
     <a:masterClrMapping/>
   </p:clrMapOvr>
-  <mc:AlternateContent xmlns:mc="http://schemas.openxmlformats.org/markup-compatibility/2006">
-    <mc:Choice xmlns:p14="http://schemas.microsoft.com/office/powerpoint/2010/main" Requires="p14">
+  <mc:AlternateContent xmlns:mc="http://schemas.openxmlformats.org/markup-compatibility/2006" xmlns:p14="http://schemas.microsoft.com/office/powerpoint/2010/main">
+    <mc:Choice Requires="p14">
       <p:transition spd="med" p14:dur="700">
         <p:fade/>
       </p:transition>
     </mc:Choice>
-    <mc:Fallback>
+    <mc:Fallback xmlns="">
       <p:transition spd="med">
         <p:fade/>
       </p:transition>
@@ -6358,13 +6403,13 @@
   <p:clrMapOvr>
     <a:masterClrMapping/>
   </p:clrMapOvr>
-  <mc:AlternateContent xmlns:mc="http://schemas.openxmlformats.org/markup-compatibility/2006">
-    <mc:Choice xmlns:p14="http://schemas.microsoft.com/office/powerpoint/2010/main" Requires="p14">
+  <mc:AlternateContent xmlns:mc="http://schemas.openxmlformats.org/markup-compatibility/2006" xmlns:p14="http://schemas.microsoft.com/office/powerpoint/2010/main">
+    <mc:Choice Requires="p14">
       <p:transition spd="med" p14:dur="700">
         <p:fade/>
       </p:transition>
     </mc:Choice>
-    <mc:Fallback>
+    <mc:Fallback xmlns="">
       <p:transition spd="med">
         <p:fade/>
       </p:transition>
@@ -6460,13 +6505,13 @@
   <p:clrMapOvr>
     <a:masterClrMapping/>
   </p:clrMapOvr>
-  <mc:AlternateContent xmlns:mc="http://schemas.openxmlformats.org/markup-compatibility/2006">
-    <mc:Choice xmlns:p14="http://schemas.microsoft.com/office/powerpoint/2010/main" Requires="p14">
+  <mc:AlternateContent xmlns:mc="http://schemas.openxmlformats.org/markup-compatibility/2006" xmlns:p14="http://schemas.microsoft.com/office/powerpoint/2010/main">
+    <mc:Choice Requires="p14">
       <p:transition spd="med" p14:dur="700">
         <p:fade/>
       </p:transition>
     </mc:Choice>
-    <mc:Fallback>
+    <mc:Fallback xmlns="">
       <p:transition spd="med">
         <p:fade/>
       </p:transition>
@@ -6612,13 +6657,13 @@
   <p:clrMapOvr>
     <a:masterClrMapping/>
   </p:clrMapOvr>
-  <mc:AlternateContent xmlns:mc="http://schemas.openxmlformats.org/markup-compatibility/2006">
-    <mc:Choice xmlns:p14="http://schemas.microsoft.com/office/powerpoint/2010/main" Requires="p14">
+  <mc:AlternateContent xmlns:mc="http://schemas.openxmlformats.org/markup-compatibility/2006" xmlns:p14="http://schemas.microsoft.com/office/powerpoint/2010/main">
+    <mc:Choice Requires="p14">
       <p:transition spd="med" p14:dur="700">
         <p:fade/>
       </p:transition>
     </mc:Choice>
-    <mc:Fallback>
+    <mc:Fallback xmlns="">
       <p:transition spd="med">
         <p:fade/>
       </p:transition>
@@ -6725,13 +6770,13 @@
   <p:clrMapOvr>
     <a:masterClrMapping/>
   </p:clrMapOvr>
-  <mc:AlternateContent xmlns:mc="http://schemas.openxmlformats.org/markup-compatibility/2006">
-    <mc:Choice xmlns:p14="http://schemas.microsoft.com/office/powerpoint/2010/main" Requires="p14">
+  <mc:AlternateContent xmlns:mc="http://schemas.openxmlformats.org/markup-compatibility/2006" xmlns:p14="http://schemas.microsoft.com/office/powerpoint/2010/main">
+    <mc:Choice Requires="p14">
       <p:transition spd="med" p14:dur="700">
         <p:fade/>
       </p:transition>
     </mc:Choice>
-    <mc:Fallback>
+    <mc:Fallback xmlns="">
       <p:transition spd="med">
         <p:fade/>
       </p:transition>
@@ -6867,13 +6912,13 @@
   <p:clrMapOvr>
     <a:masterClrMapping/>
   </p:clrMapOvr>
-  <mc:AlternateContent xmlns:mc="http://schemas.openxmlformats.org/markup-compatibility/2006">
-    <mc:Choice xmlns:p14="http://schemas.microsoft.com/office/powerpoint/2010/main" Requires="p14">
+  <mc:AlternateContent xmlns:mc="http://schemas.openxmlformats.org/markup-compatibility/2006" xmlns:p14="http://schemas.microsoft.com/office/powerpoint/2010/main">
+    <mc:Choice Requires="p14">
       <p:transition spd="med" p14:dur="700">
         <p:fade/>
       </p:transition>
     </mc:Choice>
-    <mc:Fallback>
+    <mc:Fallback xmlns="">
       <p:transition spd="med">
         <p:fade/>
       </p:transition>
@@ -7014,13 +7059,13 @@
   <p:clrMapOvr>
     <a:masterClrMapping/>
   </p:clrMapOvr>
-  <mc:AlternateContent xmlns:mc="http://schemas.openxmlformats.org/markup-compatibility/2006">
-    <mc:Choice xmlns:p14="http://schemas.microsoft.com/office/powerpoint/2010/main" Requires="p14">
+  <mc:AlternateContent xmlns:mc="http://schemas.openxmlformats.org/markup-compatibility/2006" xmlns:p14="http://schemas.microsoft.com/office/powerpoint/2010/main">
+    <mc:Choice Requires="p14">
       <p:transition spd="med" p14:dur="700">
         <p:fade/>
       </p:transition>
     </mc:Choice>
-    <mc:Fallback>
+    <mc:Fallback xmlns="">
       <p:transition spd="med">
         <p:fade/>
       </p:transition>
@@ -7116,13 +7161,13 @@
   <p:clrMapOvr>
     <a:masterClrMapping/>
   </p:clrMapOvr>
-  <mc:AlternateContent xmlns:mc="http://schemas.openxmlformats.org/markup-compatibility/2006">
-    <mc:Choice xmlns:p14="http://schemas.microsoft.com/office/powerpoint/2010/main" Requires="p14">
+  <mc:AlternateContent xmlns:mc="http://schemas.openxmlformats.org/markup-compatibility/2006" xmlns:p14="http://schemas.microsoft.com/office/powerpoint/2010/main">
+    <mc:Choice Requires="p14">
       <p:transition spd="med" p14:dur="700">
         <p:fade/>
       </p:transition>
     </mc:Choice>
-    <mc:Fallback>
+    <mc:Fallback xmlns="">
       <p:transition spd="med">
         <p:fade/>
       </p:transition>
@@ -7263,13 +7308,13 @@
   <p:clrMapOvr>
     <a:masterClrMapping/>
   </p:clrMapOvr>
-  <mc:AlternateContent xmlns:mc="http://schemas.openxmlformats.org/markup-compatibility/2006">
-    <mc:Choice xmlns:p14="http://schemas.microsoft.com/office/powerpoint/2010/main" Requires="p14">
+  <mc:AlternateContent xmlns:mc="http://schemas.openxmlformats.org/markup-compatibility/2006" xmlns:p14="http://schemas.microsoft.com/office/powerpoint/2010/main">
+    <mc:Choice Requires="p14">
       <p:transition spd="med" p14:dur="700">
         <p:fade/>
       </p:transition>
     </mc:Choice>
-    <mc:Fallback>
+    <mc:Fallback xmlns="">
       <p:transition spd="med">
         <p:fade/>
       </p:transition>
@@ -7410,13 +7455,13 @@
   <p:clrMapOvr>
     <a:masterClrMapping/>
   </p:clrMapOvr>
-  <mc:AlternateContent xmlns:mc="http://schemas.openxmlformats.org/markup-compatibility/2006">
-    <mc:Choice xmlns:p14="http://schemas.microsoft.com/office/powerpoint/2010/main" Requires="p14">
+  <mc:AlternateContent xmlns:mc="http://schemas.openxmlformats.org/markup-compatibility/2006" xmlns:p14="http://schemas.microsoft.com/office/powerpoint/2010/main">
+    <mc:Choice Requires="p14">
       <p:transition spd="med" p14:dur="700">
         <p:fade/>
       </p:transition>
     </mc:Choice>
-    <mc:Fallback>
+    <mc:Fallback xmlns="">
       <p:transition spd="med">
         <p:fade/>
       </p:transition>
@@ -7512,13 +7557,13 @@
   <p:clrMapOvr>
     <a:masterClrMapping/>
   </p:clrMapOvr>
-  <mc:AlternateContent xmlns:mc="http://schemas.openxmlformats.org/markup-compatibility/2006">
-    <mc:Choice xmlns:p14="http://schemas.microsoft.com/office/powerpoint/2010/main" Requires="p14">
+  <mc:AlternateContent xmlns:mc="http://schemas.openxmlformats.org/markup-compatibility/2006" xmlns:p14="http://schemas.microsoft.com/office/powerpoint/2010/main">
+    <mc:Choice Requires="p14">
       <p:transition spd="med" p14:dur="700">
         <p:fade/>
       </p:transition>
     </mc:Choice>
-    <mc:Fallback>
+    <mc:Fallback xmlns="">
       <p:transition spd="med">
         <p:fade/>
       </p:transition>
@@ -7659,13 +7704,13 @@
   <p:clrMapOvr>
     <a:masterClrMapping/>
   </p:clrMapOvr>
-  <mc:AlternateContent xmlns:mc="http://schemas.openxmlformats.org/markup-compatibility/2006">
-    <mc:Choice xmlns:p14="http://schemas.microsoft.com/office/powerpoint/2010/main" Requires="p14">
+  <mc:AlternateContent xmlns:mc="http://schemas.openxmlformats.org/markup-compatibility/2006" xmlns:p14="http://schemas.microsoft.com/office/powerpoint/2010/main">
+    <mc:Choice Requires="p14">
       <p:transition spd="med" p14:dur="700">
         <p:fade/>
       </p:transition>
     </mc:Choice>
-    <mc:Fallback>
+    <mc:Fallback xmlns="">
       <p:transition spd="med">
         <p:fade/>
       </p:transition>
@@ -7841,13 +7886,13 @@
   <p:clrMapOvr>
     <a:masterClrMapping/>
   </p:clrMapOvr>
-  <mc:AlternateContent xmlns:mc="http://schemas.openxmlformats.org/markup-compatibility/2006">
-    <mc:Choice xmlns:p14="http://schemas.microsoft.com/office/powerpoint/2010/main" Requires="p14">
+  <mc:AlternateContent xmlns:mc="http://schemas.openxmlformats.org/markup-compatibility/2006" xmlns:p14="http://schemas.microsoft.com/office/powerpoint/2010/main">
+    <mc:Choice Requires="p14">
       <p:transition spd="med" p14:dur="700">
         <p:fade/>
       </p:transition>
     </mc:Choice>
-    <mc:Fallback>
+    <mc:Fallback xmlns="">
       <p:transition spd="med">
         <p:fade/>
       </p:transition>
@@ -7998,13 +8043,13 @@
   <p:clrMapOvr>
     <a:masterClrMapping/>
   </p:clrMapOvr>
-  <mc:AlternateContent xmlns:mc="http://schemas.openxmlformats.org/markup-compatibility/2006">
-    <mc:Choice xmlns:p14="http://schemas.microsoft.com/office/powerpoint/2010/main" Requires="p14">
+  <mc:AlternateContent xmlns:mc="http://schemas.openxmlformats.org/markup-compatibility/2006" xmlns:p14="http://schemas.microsoft.com/office/powerpoint/2010/main">
+    <mc:Choice Requires="p14">
       <p:transition spd="med" p14:dur="700">
         <p:fade/>
       </p:transition>
     </mc:Choice>
-    <mc:Fallback>
+    <mc:Fallback xmlns="">
       <p:transition spd="med">
         <p:fade/>
       </p:transition>
@@ -8144,13 +8189,13 @@
   <p:clrMapOvr>
     <a:masterClrMapping/>
   </p:clrMapOvr>
-  <mc:AlternateContent xmlns:mc="http://schemas.openxmlformats.org/markup-compatibility/2006">
-    <mc:Choice xmlns:p14="http://schemas.microsoft.com/office/powerpoint/2010/main" Requires="p14">
+  <mc:AlternateContent xmlns:mc="http://schemas.openxmlformats.org/markup-compatibility/2006" xmlns:p14="http://schemas.microsoft.com/office/powerpoint/2010/main">
+    <mc:Choice Requires="p14">
       <p:transition spd="med" p14:dur="700">
         <p:fade/>
       </p:transition>
     </mc:Choice>
-    <mc:Fallback>
+    <mc:Fallback xmlns="">
       <p:transition spd="med">
         <p:fade/>
       </p:transition>
@@ -8296,13 +8341,13 @@
   <p:clrMapOvr>
     <a:masterClrMapping/>
   </p:clrMapOvr>
-  <mc:AlternateContent xmlns:mc="http://schemas.openxmlformats.org/markup-compatibility/2006">
-    <mc:Choice xmlns:p14="http://schemas.microsoft.com/office/powerpoint/2010/main" Requires="p14">
+  <mc:AlternateContent xmlns:mc="http://schemas.openxmlformats.org/markup-compatibility/2006" xmlns:p14="http://schemas.microsoft.com/office/powerpoint/2010/main">
+    <mc:Choice Requires="p14">
       <p:transition spd="med" p14:dur="700">
         <p:fade/>
       </p:transition>
     </mc:Choice>
-    <mc:Fallback>
+    <mc:Fallback xmlns="">
       <p:transition spd="med">
         <p:fade/>
       </p:transition>
@@ -8446,13 +8491,13 @@
   <p:clrMapOvr>
     <a:masterClrMapping/>
   </p:clrMapOvr>
-  <mc:AlternateContent xmlns:mc="http://schemas.openxmlformats.org/markup-compatibility/2006">
-    <mc:Choice xmlns:p14="http://schemas.microsoft.com/office/powerpoint/2010/main" Requires="p14">
+  <mc:AlternateContent xmlns:mc="http://schemas.openxmlformats.org/markup-compatibility/2006" xmlns:p14="http://schemas.microsoft.com/office/powerpoint/2010/main">
+    <mc:Choice Requires="p14">
       <p:transition spd="med" p14:dur="700">
         <p:fade/>
       </p:transition>
     </mc:Choice>
-    <mc:Fallback>
+    <mc:Fallback xmlns="">
       <p:transition spd="med">
         <p:fade/>
       </p:transition>
@@ -8593,13 +8638,13 @@
   <p:clrMapOvr>
     <a:masterClrMapping/>
   </p:clrMapOvr>
-  <mc:AlternateContent xmlns:mc="http://schemas.openxmlformats.org/markup-compatibility/2006">
-    <mc:Choice xmlns:p14="http://schemas.microsoft.com/office/powerpoint/2010/main" Requires="p14">
+  <mc:AlternateContent xmlns:mc="http://schemas.openxmlformats.org/markup-compatibility/2006" xmlns:p14="http://schemas.microsoft.com/office/powerpoint/2010/main">
+    <mc:Choice Requires="p14">
       <p:transition spd="med" p14:dur="700">
         <p:fade/>
       </p:transition>
     </mc:Choice>
-    <mc:Fallback>
+    <mc:Fallback xmlns="">
       <p:transition spd="med">
         <p:fade/>
       </p:transition>
@@ -8740,13 +8785,13 @@
   <p:clrMapOvr>
     <a:masterClrMapping/>
   </p:clrMapOvr>
-  <mc:AlternateContent xmlns:mc="http://schemas.openxmlformats.org/markup-compatibility/2006">
-    <mc:Choice xmlns:p14="http://schemas.microsoft.com/office/powerpoint/2010/main" Requires="p14">
+  <mc:AlternateContent xmlns:mc="http://schemas.openxmlformats.org/markup-compatibility/2006" xmlns:p14="http://schemas.microsoft.com/office/powerpoint/2010/main">
+    <mc:Choice Requires="p14">
       <p:transition spd="med" p14:dur="700">
         <p:fade/>
       </p:transition>
     </mc:Choice>
-    <mc:Fallback>
+    <mc:Fallback xmlns="">
       <p:transition spd="med">
         <p:fade/>
       </p:transition>
@@ -8887,13 +8932,13 @@
   <p:clrMapOvr>
     <a:masterClrMapping/>
   </p:clrMapOvr>
-  <mc:AlternateContent xmlns:mc="http://schemas.openxmlformats.org/markup-compatibility/2006">
-    <mc:Choice xmlns:p14="http://schemas.microsoft.com/office/powerpoint/2010/main" Requires="p14">
+  <mc:AlternateContent xmlns:mc="http://schemas.openxmlformats.org/markup-compatibility/2006" xmlns:p14="http://schemas.microsoft.com/office/powerpoint/2010/main">
+    <mc:Choice Requires="p14">
       <p:transition spd="med" p14:dur="700">
         <p:fade/>
       </p:transition>
     </mc:Choice>
-    <mc:Fallback>
+    <mc:Fallback xmlns="">
       <p:transition spd="med">
         <p:fade/>
       </p:transition>
@@ -8989,13 +9034,13 @@
   <p:clrMapOvr>
     <a:masterClrMapping/>
   </p:clrMapOvr>
-  <mc:AlternateContent xmlns:mc="http://schemas.openxmlformats.org/markup-compatibility/2006">
-    <mc:Choice xmlns:p14="http://schemas.microsoft.com/office/powerpoint/2010/main" Requires="p14">
+  <mc:AlternateContent xmlns:mc="http://schemas.openxmlformats.org/markup-compatibility/2006" xmlns:p14="http://schemas.microsoft.com/office/powerpoint/2010/main">
+    <mc:Choice Requires="p14">
       <p:transition spd="med" p14:dur="700">
         <p:fade/>
       </p:transition>
     </mc:Choice>
-    <mc:Fallback>
+    <mc:Fallback xmlns="">
       <p:transition spd="med">
         <p:fade/>
       </p:transition>
@@ -9144,13 +9189,13 @@
   <p:clrMapOvr>
     <a:masterClrMapping/>
   </p:clrMapOvr>
-  <mc:AlternateContent xmlns:mc="http://schemas.openxmlformats.org/markup-compatibility/2006">
-    <mc:Choice xmlns:p14="http://schemas.microsoft.com/office/powerpoint/2010/main" Requires="p14">
+  <mc:AlternateContent xmlns:mc="http://schemas.openxmlformats.org/markup-compatibility/2006" xmlns:p14="http://schemas.microsoft.com/office/powerpoint/2010/main">
+    <mc:Choice Requires="p14">
       <p:transition spd="med" p14:dur="700">
         <p:fade/>
       </p:transition>
     </mc:Choice>
-    <mc:Fallback>
+    <mc:Fallback xmlns="">
       <p:transition spd="med">
         <p:fade/>
       </p:transition>
@@ -9324,13 +9369,13 @@
   <p:clrMapOvr>
     <a:masterClrMapping/>
   </p:clrMapOvr>
-  <mc:AlternateContent xmlns:mc="http://schemas.openxmlformats.org/markup-compatibility/2006">
-    <mc:Choice xmlns:p14="http://schemas.microsoft.com/office/powerpoint/2010/main" Requires="p14">
+  <mc:AlternateContent xmlns:mc="http://schemas.openxmlformats.org/markup-compatibility/2006" xmlns:p14="http://schemas.microsoft.com/office/powerpoint/2010/main">
+    <mc:Choice Requires="p14">
       <p:transition spd="med" p14:dur="700">
         <p:fade/>
       </p:transition>
     </mc:Choice>
-    <mc:Fallback>
+    <mc:Fallback xmlns="">
       <p:transition spd="med">
         <p:fade/>
       </p:transition>
@@ -9421,7 +9466,7 @@
             </a:pPr>
             <a:r>
               <a:rPr lang="en-US" dirty="0"/>
-              <a:t>To manage severe traffic congestion on Tuesdays, Thursdays, and Fridays, stakeholders should consider implementing measures such as road network optimization, rerouting, and information dissemination to provide alternative travel options to motorists. </a:t>
+              <a:t>To manage severe traffic congestion on Tuesdays, Thursdays, and Fridays, stakeholders should consider implementing road network optimization, rerouting, and information dissemination to provide alternative travel options to motorists. </a:t>
             </a:r>
           </a:p>
           <a:p>
@@ -9477,13 +9522,13 @@
   <p:clrMapOvr>
     <a:masterClrMapping/>
   </p:clrMapOvr>
-  <mc:AlternateContent xmlns:mc="http://schemas.openxmlformats.org/markup-compatibility/2006">
-    <mc:Choice xmlns:p14="http://schemas.microsoft.com/office/powerpoint/2010/main" Requires="p14">
+  <mc:AlternateContent xmlns:mc="http://schemas.openxmlformats.org/markup-compatibility/2006" xmlns:p14="http://schemas.microsoft.com/office/powerpoint/2010/main">
+    <mc:Choice Requires="p14">
       <p:transition spd="med" p14:dur="700">
         <p:fade/>
       </p:transition>
     </mc:Choice>
-    <mc:Fallback>
+    <mc:Fallback xmlns="">
       <p:transition spd="med">
         <p:fade/>
       </p:transition>
@@ -9579,13 +9624,13 @@
   <p:clrMapOvr>
     <a:masterClrMapping/>
   </p:clrMapOvr>
-  <mc:AlternateContent xmlns:mc="http://schemas.openxmlformats.org/markup-compatibility/2006">
-    <mc:Choice xmlns:p14="http://schemas.microsoft.com/office/powerpoint/2010/main" Requires="p14">
+  <mc:AlternateContent xmlns:mc="http://schemas.openxmlformats.org/markup-compatibility/2006" xmlns:p14="http://schemas.microsoft.com/office/powerpoint/2010/main">
+    <mc:Choice Requires="p14">
       <p:transition spd="med" p14:dur="700">
         <p:fade/>
       </p:transition>
     </mc:Choice>
-    <mc:Fallback>
+    <mc:Fallback xmlns="">
       <p:transition spd="med">
         <p:fade/>
       </p:transition>
@@ -9688,13 +9733,13 @@
   <p:clrMapOvr>
     <a:masterClrMapping/>
   </p:clrMapOvr>
-  <mc:AlternateContent xmlns:mc="http://schemas.openxmlformats.org/markup-compatibility/2006">
-    <mc:Choice xmlns:p14="http://schemas.microsoft.com/office/powerpoint/2010/main" Requires="p14">
+  <mc:AlternateContent xmlns:mc="http://schemas.openxmlformats.org/markup-compatibility/2006" xmlns:p14="http://schemas.microsoft.com/office/powerpoint/2010/main">
+    <mc:Choice Requires="p14">
       <p:transition spd="med" p14:dur="700">
         <p:fade/>
       </p:transition>
     </mc:Choice>
-    <mc:Fallback>
+    <mc:Fallback xmlns="">
       <p:transition spd="med">
         <p:fade/>
       </p:transition>
@@ -9759,13 +9804,13 @@
   <p:clrMapOvr>
     <a:masterClrMapping/>
   </p:clrMapOvr>
-  <mc:AlternateContent xmlns:mc="http://schemas.openxmlformats.org/markup-compatibility/2006">
-    <mc:Choice xmlns:p14="http://schemas.microsoft.com/office/powerpoint/2010/main" Requires="p14">
+  <mc:AlternateContent xmlns:mc="http://schemas.openxmlformats.org/markup-compatibility/2006" xmlns:p14="http://schemas.microsoft.com/office/powerpoint/2010/main">
+    <mc:Choice Requires="p14">
       <p:transition spd="med" p14:dur="700">
         <p:fade/>
       </p:transition>
     </mc:Choice>
-    <mc:Fallback>
+    <mc:Fallback xmlns="">
       <p:transition spd="med">
         <p:fade/>
       </p:transition>
@@ -9951,13 +9996,13 @@
   <p:clrMapOvr>
     <a:masterClrMapping/>
   </p:clrMapOvr>
-  <mc:AlternateContent xmlns:mc="http://schemas.openxmlformats.org/markup-compatibility/2006">
-    <mc:Choice xmlns:p14="http://schemas.microsoft.com/office/powerpoint/2010/main" Requires="p14">
+  <mc:AlternateContent xmlns:mc="http://schemas.openxmlformats.org/markup-compatibility/2006" xmlns:p14="http://schemas.microsoft.com/office/powerpoint/2010/main">
+    <mc:Choice Requires="p14">
       <p:transition spd="med" p14:dur="700">
         <p:fade/>
       </p:transition>
     </mc:Choice>
-    <mc:Fallback>
+    <mc:Fallback xmlns="">
       <p:transition spd="med">
         <p:fade/>
       </p:transition>
@@ -10143,13 +10188,13 @@
   <p:clrMapOvr>
     <a:masterClrMapping/>
   </p:clrMapOvr>
-  <mc:AlternateContent xmlns:mc="http://schemas.openxmlformats.org/markup-compatibility/2006">
-    <mc:Choice xmlns:p14="http://schemas.microsoft.com/office/powerpoint/2010/main" Requires="p14">
+  <mc:AlternateContent xmlns:mc="http://schemas.openxmlformats.org/markup-compatibility/2006" xmlns:p14="http://schemas.microsoft.com/office/powerpoint/2010/main">
+    <mc:Choice Requires="p14">
       <p:transition spd="med" p14:dur="700">
         <p:fade/>
       </p:transition>
     </mc:Choice>
-    <mc:Fallback>
+    <mc:Fallback xmlns="">
       <p:transition spd="med">
         <p:fade/>
       </p:transition>
@@ -10302,13 +10347,13 @@
   <p:clrMapOvr>
     <a:masterClrMapping/>
   </p:clrMapOvr>
-  <mc:AlternateContent xmlns:mc="http://schemas.openxmlformats.org/markup-compatibility/2006">
-    <mc:Choice xmlns:p14="http://schemas.microsoft.com/office/powerpoint/2010/main" Requires="p14">
+  <mc:AlternateContent xmlns:mc="http://schemas.openxmlformats.org/markup-compatibility/2006" xmlns:p14="http://schemas.microsoft.com/office/powerpoint/2010/main">
+    <mc:Choice Requires="p14">
       <p:transition spd="med" p14:dur="700">
         <p:fade/>
       </p:transition>
     </mc:Choice>
-    <mc:Fallback>
+    <mc:Fallback xmlns="">
       <p:transition spd="med">
         <p:fade/>
       </p:transition>
@@ -10489,13 +10534,13 @@
   <p:clrMapOvr>
     <a:masterClrMapping/>
   </p:clrMapOvr>
-  <mc:AlternateContent xmlns:mc="http://schemas.openxmlformats.org/markup-compatibility/2006">
-    <mc:Choice xmlns:p14="http://schemas.microsoft.com/office/powerpoint/2010/main" Requires="p14">
+  <mc:AlternateContent xmlns:mc="http://schemas.openxmlformats.org/markup-compatibility/2006" xmlns:p14="http://schemas.microsoft.com/office/powerpoint/2010/main">
+    <mc:Choice Requires="p14">
       <p:transition spd="med" p14:dur="700">
         <p:fade/>
       </p:transition>
     </mc:Choice>
-    <mc:Fallback>
+    <mc:Fallback xmlns="">
       <p:transition spd="med">
         <p:fade/>
       </p:transition>
@@ -10598,13 +10643,13 @@
   <p:clrMapOvr>
     <a:masterClrMapping/>
   </p:clrMapOvr>
-  <mc:AlternateContent xmlns:mc="http://schemas.openxmlformats.org/markup-compatibility/2006">
-    <mc:Choice xmlns:p14="http://schemas.microsoft.com/office/powerpoint/2010/main" Requires="p14">
+  <mc:AlternateContent xmlns:mc="http://schemas.openxmlformats.org/markup-compatibility/2006" xmlns:p14="http://schemas.microsoft.com/office/powerpoint/2010/main">
+    <mc:Choice Requires="p14">
       <p:transition spd="med" p14:dur="700">
         <p:fade/>
       </p:transition>
     </mc:Choice>
-    <mc:Fallback>
+    <mc:Fallback xmlns="">
       <p:transition spd="med">
         <p:fade/>
       </p:transition>

--- a/reports/Project Report_Mini Project DS_Adrian Maulana Muhammad.pptx
+++ b/reports/Project Report_Mini Project DS_Adrian Maulana Muhammad.pptx
@@ -5,7 +5,7 @@
     <p:sldMasterId id="2147483655" r:id="rId1"/>
   </p:sldMasterIdLst>
   <p:notesMasterIdLst>
-    <p:notesMasterId r:id="rId46"/>
+    <p:notesMasterId r:id="rId47"/>
   </p:notesMasterIdLst>
   <p:sldIdLst>
     <p:sldId id="256" r:id="rId2"/>
@@ -34,48 +34,49 @@
     <p:sldId id="291" r:id="rId25"/>
     <p:sldId id="293" r:id="rId26"/>
     <p:sldId id="292" r:id="rId27"/>
-    <p:sldId id="268" r:id="rId28"/>
-    <p:sldId id="296" r:id="rId29"/>
-    <p:sldId id="297" r:id="rId30"/>
-    <p:sldId id="298" r:id="rId31"/>
-    <p:sldId id="299" r:id="rId32"/>
-    <p:sldId id="300" r:id="rId33"/>
-    <p:sldId id="301" r:id="rId34"/>
-    <p:sldId id="302" r:id="rId35"/>
-    <p:sldId id="303" r:id="rId36"/>
-    <p:sldId id="304" r:id="rId37"/>
-    <p:sldId id="305" r:id="rId38"/>
-    <p:sldId id="306" r:id="rId39"/>
-    <p:sldId id="271" r:id="rId40"/>
-    <p:sldId id="307" r:id="rId41"/>
-    <p:sldId id="308" r:id="rId42"/>
-    <p:sldId id="272" r:id="rId43"/>
-    <p:sldId id="309" r:id="rId44"/>
-    <p:sldId id="276" r:id="rId45"/>
+    <p:sldId id="310" r:id="rId28"/>
+    <p:sldId id="268" r:id="rId29"/>
+    <p:sldId id="296" r:id="rId30"/>
+    <p:sldId id="297" r:id="rId31"/>
+    <p:sldId id="298" r:id="rId32"/>
+    <p:sldId id="299" r:id="rId33"/>
+    <p:sldId id="300" r:id="rId34"/>
+    <p:sldId id="301" r:id="rId35"/>
+    <p:sldId id="302" r:id="rId36"/>
+    <p:sldId id="303" r:id="rId37"/>
+    <p:sldId id="304" r:id="rId38"/>
+    <p:sldId id="305" r:id="rId39"/>
+    <p:sldId id="306" r:id="rId40"/>
+    <p:sldId id="271" r:id="rId41"/>
+    <p:sldId id="307" r:id="rId42"/>
+    <p:sldId id="308" r:id="rId43"/>
+    <p:sldId id="272" r:id="rId44"/>
+    <p:sldId id="309" r:id="rId45"/>
+    <p:sldId id="276" r:id="rId46"/>
   </p:sldIdLst>
   <p:sldSz cx="9144000" cy="5143500" type="screen16x9"/>
   <p:notesSz cx="6858000" cy="9144000"/>
   <p:embeddedFontLst>
     <p:embeddedFont>
       <p:font typeface="Plus Jakarta Sans" panose="020B0604020202020204" charset="0"/>
-      <p:regular r:id="rId47"/>
-      <p:bold r:id="rId48"/>
-      <p:italic r:id="rId49"/>
-      <p:boldItalic r:id="rId50"/>
+      <p:regular r:id="rId48"/>
+      <p:bold r:id="rId49"/>
+      <p:italic r:id="rId50"/>
+      <p:boldItalic r:id="rId51"/>
     </p:embeddedFont>
     <p:embeddedFont>
       <p:font typeface="Plus Jakarta Sans Medium" panose="020B0604020202020204" charset="0"/>
-      <p:regular r:id="rId51"/>
-      <p:bold r:id="rId52"/>
-      <p:italic r:id="rId53"/>
-      <p:boldItalic r:id="rId54"/>
+      <p:regular r:id="rId52"/>
+      <p:bold r:id="rId53"/>
+      <p:italic r:id="rId54"/>
+      <p:boldItalic r:id="rId55"/>
     </p:embeddedFont>
     <p:embeddedFont>
       <p:font typeface="Plus Jakarta Sans SemiBold" panose="020B0604020202020204" charset="0"/>
-      <p:regular r:id="rId55"/>
-      <p:bold r:id="rId56"/>
-      <p:italic r:id="rId57"/>
-      <p:boldItalic r:id="rId58"/>
+      <p:regular r:id="rId56"/>
+      <p:bold r:id="rId57"/>
+      <p:italic r:id="rId58"/>
+      <p:boldItalic r:id="rId59"/>
     </p:embeddedFont>
   </p:embeddedFontLst>
   <p:defaultTextStyle>
@@ -4415,13 +4416,13 @@
   <p:clrMapOvr>
     <a:masterClrMapping/>
   </p:clrMapOvr>
-  <mc:AlternateContent xmlns:mc="http://schemas.openxmlformats.org/markup-compatibility/2006" xmlns:p14="http://schemas.microsoft.com/office/powerpoint/2010/main">
-    <mc:Choice Requires="p14">
+  <mc:AlternateContent xmlns:mc="http://schemas.openxmlformats.org/markup-compatibility/2006">
+    <mc:Choice xmlns:p14="http://schemas.microsoft.com/office/powerpoint/2010/main" Requires="p14">
       <p:transition spd="med" p14:dur="700">
         <p:fade/>
       </p:transition>
     </mc:Choice>
-    <mc:Fallback xmlns="">
+    <mc:Fallback>
       <p:transition spd="med">
         <p:fade/>
       </p:transition>
@@ -4567,13 +4568,13 @@
   <p:clrMapOvr>
     <a:masterClrMapping/>
   </p:clrMapOvr>
-  <mc:AlternateContent xmlns:mc="http://schemas.openxmlformats.org/markup-compatibility/2006" xmlns:p14="http://schemas.microsoft.com/office/powerpoint/2010/main">
-    <mc:Choice Requires="p14">
+  <mc:AlternateContent xmlns:mc="http://schemas.openxmlformats.org/markup-compatibility/2006">
+    <mc:Choice xmlns:p14="http://schemas.microsoft.com/office/powerpoint/2010/main" Requires="p14">
       <p:transition spd="med" p14:dur="700">
         <p:fade/>
       </p:transition>
     </mc:Choice>
-    <mc:Fallback xmlns="">
+    <mc:Fallback>
       <p:transition spd="med">
         <p:fade/>
       </p:transition>
@@ -4840,13 +4841,13 @@
   <p:clrMapOvr>
     <a:masterClrMapping/>
   </p:clrMapOvr>
-  <mc:AlternateContent xmlns:mc="http://schemas.openxmlformats.org/markup-compatibility/2006" xmlns:p14="http://schemas.microsoft.com/office/powerpoint/2010/main">
-    <mc:Choice Requires="p14">
+  <mc:AlternateContent xmlns:mc="http://schemas.openxmlformats.org/markup-compatibility/2006">
+    <mc:Choice xmlns:p14="http://schemas.microsoft.com/office/powerpoint/2010/main" Requires="p14">
       <p:transition spd="med" p14:dur="700">
         <p:fade/>
       </p:transition>
     </mc:Choice>
-    <mc:Fallback xmlns="">
+    <mc:Fallback>
       <p:transition spd="med">
         <p:fade/>
       </p:transition>
@@ -4942,13 +4943,13 @@
   <p:clrMapOvr>
     <a:masterClrMapping/>
   </p:clrMapOvr>
-  <mc:AlternateContent xmlns:mc="http://schemas.openxmlformats.org/markup-compatibility/2006" xmlns:p14="http://schemas.microsoft.com/office/powerpoint/2010/main">
-    <mc:Choice Requires="p14">
+  <mc:AlternateContent xmlns:mc="http://schemas.openxmlformats.org/markup-compatibility/2006">
+    <mc:Choice xmlns:p14="http://schemas.microsoft.com/office/powerpoint/2010/main" Requires="p14">
       <p:transition spd="med" p14:dur="700">
         <p:fade/>
       </p:transition>
     </mc:Choice>
-    <mc:Fallback xmlns="">
+    <mc:Fallback>
       <p:transition spd="med">
         <p:fade/>
       </p:transition>
@@ -5045,13 +5046,13 @@
   <p:clrMapOvr>
     <a:masterClrMapping/>
   </p:clrMapOvr>
-  <mc:AlternateContent xmlns:mc="http://schemas.openxmlformats.org/markup-compatibility/2006" xmlns:p14="http://schemas.microsoft.com/office/powerpoint/2010/main">
-    <mc:Choice Requires="p14">
+  <mc:AlternateContent xmlns:mc="http://schemas.openxmlformats.org/markup-compatibility/2006">
+    <mc:Choice xmlns:p14="http://schemas.microsoft.com/office/powerpoint/2010/main" Requires="p14">
       <p:transition spd="med" p14:dur="700">
         <p:fade/>
       </p:transition>
     </mc:Choice>
-    <mc:Fallback xmlns="">
+    <mc:Fallback>
       <p:transition spd="med">
         <p:fade/>
       </p:transition>
@@ -5206,13 +5207,13 @@
   <p:clrMapOvr>
     <a:masterClrMapping/>
   </p:clrMapOvr>
-  <mc:AlternateContent xmlns:mc="http://schemas.openxmlformats.org/markup-compatibility/2006" xmlns:p14="http://schemas.microsoft.com/office/powerpoint/2010/main">
-    <mc:Choice Requires="p14">
+  <mc:AlternateContent xmlns:mc="http://schemas.openxmlformats.org/markup-compatibility/2006">
+    <mc:Choice xmlns:p14="http://schemas.microsoft.com/office/powerpoint/2010/main" Requires="p14">
       <p:transition spd="med" p14:dur="700">
         <p:fade/>
       </p:transition>
     </mc:Choice>
-    <mc:Fallback xmlns="">
+    <mc:Fallback>
       <p:transition spd="med">
         <p:fade/>
       </p:transition>
@@ -5351,13 +5352,13 @@
   <p:clrMapOvr>
     <a:masterClrMapping/>
   </p:clrMapOvr>
-  <mc:AlternateContent xmlns:mc="http://schemas.openxmlformats.org/markup-compatibility/2006" xmlns:p14="http://schemas.microsoft.com/office/powerpoint/2010/main">
-    <mc:Choice Requires="p14">
+  <mc:AlternateContent xmlns:mc="http://schemas.openxmlformats.org/markup-compatibility/2006">
+    <mc:Choice xmlns:p14="http://schemas.microsoft.com/office/powerpoint/2010/main" Requires="p14">
       <p:transition spd="med" p14:dur="700">
         <p:fade/>
       </p:transition>
     </mc:Choice>
-    <mc:Fallback xmlns="">
+    <mc:Fallback>
       <p:transition spd="med">
         <p:fade/>
       </p:transition>
@@ -5496,13 +5497,13 @@
   <p:clrMapOvr>
     <a:masterClrMapping/>
   </p:clrMapOvr>
-  <mc:AlternateContent xmlns:mc="http://schemas.openxmlformats.org/markup-compatibility/2006" xmlns:p14="http://schemas.microsoft.com/office/powerpoint/2010/main">
-    <mc:Choice Requires="p14">
+  <mc:AlternateContent xmlns:mc="http://schemas.openxmlformats.org/markup-compatibility/2006">
+    <mc:Choice xmlns:p14="http://schemas.microsoft.com/office/powerpoint/2010/main" Requires="p14">
       <p:transition spd="med" p14:dur="700">
         <p:fade/>
       </p:transition>
     </mc:Choice>
-    <mc:Fallback xmlns="">
+    <mc:Fallback>
       <p:transition spd="med">
         <p:fade/>
       </p:transition>
@@ -5646,13 +5647,13 @@
   <p:clrMapOvr>
     <a:masterClrMapping/>
   </p:clrMapOvr>
-  <mc:AlternateContent xmlns:mc="http://schemas.openxmlformats.org/markup-compatibility/2006" xmlns:p14="http://schemas.microsoft.com/office/powerpoint/2010/main">
-    <mc:Choice Requires="p14">
+  <mc:AlternateContent xmlns:mc="http://schemas.openxmlformats.org/markup-compatibility/2006">
+    <mc:Choice xmlns:p14="http://schemas.microsoft.com/office/powerpoint/2010/main" Requires="p14">
       <p:transition spd="med" p14:dur="700">
         <p:fade/>
       </p:transition>
     </mc:Choice>
-    <mc:Fallback xmlns="">
+    <mc:Fallback>
       <p:transition spd="med">
         <p:fade/>
       </p:transition>
@@ -5793,13 +5794,13 @@
   <p:clrMapOvr>
     <a:masterClrMapping/>
   </p:clrMapOvr>
-  <mc:AlternateContent xmlns:mc="http://schemas.openxmlformats.org/markup-compatibility/2006" xmlns:p14="http://schemas.microsoft.com/office/powerpoint/2010/main">
-    <mc:Choice Requires="p14">
+  <mc:AlternateContent xmlns:mc="http://schemas.openxmlformats.org/markup-compatibility/2006">
+    <mc:Choice xmlns:p14="http://schemas.microsoft.com/office/powerpoint/2010/main" Requires="p14">
       <p:transition spd="med" p14:dur="700">
         <p:fade/>
       </p:transition>
     </mc:Choice>
-    <mc:Fallback xmlns="">
+    <mc:Fallback>
       <p:transition spd="med">
         <p:fade/>
       </p:transition>
@@ -5906,13 +5907,13 @@
   <p:clrMapOvr>
     <a:masterClrMapping/>
   </p:clrMapOvr>
-  <mc:AlternateContent xmlns:mc="http://schemas.openxmlformats.org/markup-compatibility/2006" xmlns:p14="http://schemas.microsoft.com/office/powerpoint/2010/main">
-    <mc:Choice Requires="p14">
+  <mc:AlternateContent xmlns:mc="http://schemas.openxmlformats.org/markup-compatibility/2006">
+    <mc:Choice xmlns:p14="http://schemas.microsoft.com/office/powerpoint/2010/main" Requires="p14">
       <p:transition spd="med" p14:dur="700">
         <p:fade/>
       </p:transition>
     </mc:Choice>
-    <mc:Fallback xmlns="">
+    <mc:Fallback>
       <p:transition spd="med">
         <p:fade/>
       </p:transition>
@@ -6109,13 +6110,13 @@
   <p:clrMapOvr>
     <a:masterClrMapping/>
   </p:clrMapOvr>
-  <mc:AlternateContent xmlns:mc="http://schemas.openxmlformats.org/markup-compatibility/2006" xmlns:p14="http://schemas.microsoft.com/office/powerpoint/2010/main">
-    <mc:Choice Requires="p14">
+  <mc:AlternateContent xmlns:mc="http://schemas.openxmlformats.org/markup-compatibility/2006">
+    <mc:Choice xmlns:p14="http://schemas.microsoft.com/office/powerpoint/2010/main" Requires="p14">
       <p:transition spd="med" p14:dur="700">
         <p:fade/>
       </p:transition>
     </mc:Choice>
-    <mc:Fallback xmlns="">
+    <mc:Fallback>
       <p:transition spd="med">
         <p:fade/>
       </p:transition>
@@ -6256,13 +6257,13 @@
   <p:clrMapOvr>
     <a:masterClrMapping/>
   </p:clrMapOvr>
-  <mc:AlternateContent xmlns:mc="http://schemas.openxmlformats.org/markup-compatibility/2006" xmlns:p14="http://schemas.microsoft.com/office/powerpoint/2010/main">
-    <mc:Choice Requires="p14">
+  <mc:AlternateContent xmlns:mc="http://schemas.openxmlformats.org/markup-compatibility/2006">
+    <mc:Choice xmlns:p14="http://schemas.microsoft.com/office/powerpoint/2010/main" Requires="p14">
       <p:transition spd="med" p14:dur="700">
         <p:fade/>
       </p:transition>
     </mc:Choice>
-    <mc:Fallback xmlns="">
+    <mc:Fallback>
       <p:transition spd="med">
         <p:fade/>
       </p:transition>
@@ -6403,13 +6404,13 @@
   <p:clrMapOvr>
     <a:masterClrMapping/>
   </p:clrMapOvr>
-  <mc:AlternateContent xmlns:mc="http://schemas.openxmlformats.org/markup-compatibility/2006" xmlns:p14="http://schemas.microsoft.com/office/powerpoint/2010/main">
-    <mc:Choice Requires="p14">
+  <mc:AlternateContent xmlns:mc="http://schemas.openxmlformats.org/markup-compatibility/2006">
+    <mc:Choice xmlns:p14="http://schemas.microsoft.com/office/powerpoint/2010/main" Requires="p14">
       <p:transition spd="med" p14:dur="700">
         <p:fade/>
       </p:transition>
     </mc:Choice>
-    <mc:Fallback xmlns="">
+    <mc:Fallback>
       <p:transition spd="med">
         <p:fade/>
       </p:transition>
@@ -6505,13 +6506,13 @@
   <p:clrMapOvr>
     <a:masterClrMapping/>
   </p:clrMapOvr>
-  <mc:AlternateContent xmlns:mc="http://schemas.openxmlformats.org/markup-compatibility/2006" xmlns:p14="http://schemas.microsoft.com/office/powerpoint/2010/main">
-    <mc:Choice Requires="p14">
+  <mc:AlternateContent xmlns:mc="http://schemas.openxmlformats.org/markup-compatibility/2006">
+    <mc:Choice xmlns:p14="http://schemas.microsoft.com/office/powerpoint/2010/main" Requires="p14">
       <p:transition spd="med" p14:dur="700">
         <p:fade/>
       </p:transition>
     </mc:Choice>
-    <mc:Fallback xmlns="">
+    <mc:Fallback>
       <p:transition spd="med">
         <p:fade/>
       </p:transition>
@@ -6657,13 +6658,13 @@
   <p:clrMapOvr>
     <a:masterClrMapping/>
   </p:clrMapOvr>
-  <mc:AlternateContent xmlns:mc="http://schemas.openxmlformats.org/markup-compatibility/2006" xmlns:p14="http://schemas.microsoft.com/office/powerpoint/2010/main">
-    <mc:Choice Requires="p14">
+  <mc:AlternateContent xmlns:mc="http://schemas.openxmlformats.org/markup-compatibility/2006">
+    <mc:Choice xmlns:p14="http://schemas.microsoft.com/office/powerpoint/2010/main" Requires="p14">
       <p:transition spd="med" p14:dur="700">
         <p:fade/>
       </p:transition>
     </mc:Choice>
-    <mc:Fallback xmlns="">
+    <mc:Fallback>
       <p:transition spd="med">
         <p:fade/>
       </p:transition>
@@ -6770,13 +6771,13 @@
   <p:clrMapOvr>
     <a:masterClrMapping/>
   </p:clrMapOvr>
-  <mc:AlternateContent xmlns:mc="http://schemas.openxmlformats.org/markup-compatibility/2006" xmlns:p14="http://schemas.microsoft.com/office/powerpoint/2010/main">
-    <mc:Choice Requires="p14">
+  <mc:AlternateContent xmlns:mc="http://schemas.openxmlformats.org/markup-compatibility/2006">
+    <mc:Choice xmlns:p14="http://schemas.microsoft.com/office/powerpoint/2010/main" Requires="p14">
       <p:transition spd="med" p14:dur="700">
         <p:fade/>
       </p:transition>
     </mc:Choice>
-    <mc:Fallback xmlns="">
+    <mc:Fallback>
       <p:transition spd="med">
         <p:fade/>
       </p:transition>
@@ -6912,13 +6913,13 @@
   <p:clrMapOvr>
     <a:masterClrMapping/>
   </p:clrMapOvr>
-  <mc:AlternateContent xmlns:mc="http://schemas.openxmlformats.org/markup-compatibility/2006" xmlns:p14="http://schemas.microsoft.com/office/powerpoint/2010/main">
-    <mc:Choice Requires="p14">
+  <mc:AlternateContent xmlns:mc="http://schemas.openxmlformats.org/markup-compatibility/2006">
+    <mc:Choice xmlns:p14="http://schemas.microsoft.com/office/powerpoint/2010/main" Requires="p14">
       <p:transition spd="med" p14:dur="700">
         <p:fade/>
       </p:transition>
     </mc:Choice>
-    <mc:Fallback xmlns="">
+    <mc:Fallback>
       <p:transition spd="med">
         <p:fade/>
       </p:transition>
@@ -7059,13 +7060,13 @@
   <p:clrMapOvr>
     <a:masterClrMapping/>
   </p:clrMapOvr>
-  <mc:AlternateContent xmlns:mc="http://schemas.openxmlformats.org/markup-compatibility/2006" xmlns:p14="http://schemas.microsoft.com/office/powerpoint/2010/main">
-    <mc:Choice Requires="p14">
+  <mc:AlternateContent xmlns:mc="http://schemas.openxmlformats.org/markup-compatibility/2006">
+    <mc:Choice xmlns:p14="http://schemas.microsoft.com/office/powerpoint/2010/main" Requires="p14">
       <p:transition spd="med" p14:dur="700">
         <p:fade/>
       </p:transition>
     </mc:Choice>
-    <mc:Fallback xmlns="">
+    <mc:Fallback>
       <p:transition spd="med">
         <p:fade/>
       </p:transition>
@@ -7096,6 +7097,158 @@
           <p:cNvPr id="2" name="Title 1">
             <a:extLst>
               <a:ext uri="{FF2B5EF4-FFF2-40B4-BE49-F238E27FC236}">
+                <a16:creationId xmlns:a16="http://schemas.microsoft.com/office/drawing/2014/main" id="{A3E599E0-02A6-03B8-E295-FCFDAB2455DC}"/>
+              </a:ext>
+            </a:extLst>
+          </p:cNvPr>
+          <p:cNvSpPr>
+            <a:spLocks noGrp="1"/>
+          </p:cNvSpPr>
+          <p:nvPr>
+            <p:ph type="title"/>
+          </p:nvPr>
+        </p:nvSpPr>
+        <p:spPr>
+          <a:xfrm>
+            <a:off x="311700" y="574625"/>
+            <a:ext cx="6377700" cy="572700"/>
+          </a:xfrm>
+        </p:spPr>
+        <p:txBody>
+          <a:bodyPr>
+            <a:normAutofit fontScale="90000"/>
+          </a:bodyPr>
+          <a:lstStyle/>
+          <a:p>
+            <a:r>
+              <a:rPr lang="en-US" dirty="0"/>
+              <a:t>Analytics Dashboard</a:t>
+            </a:r>
+            <a:endParaRPr lang="en-ID" dirty="0"/>
+          </a:p>
+        </p:txBody>
+      </p:sp>
+      <p:sp>
+        <p:nvSpPr>
+          <p:cNvPr id="3" name="Text Placeholder 2">
+            <a:extLst>
+              <a:ext uri="{FF2B5EF4-FFF2-40B4-BE49-F238E27FC236}">
+                <a16:creationId xmlns:a16="http://schemas.microsoft.com/office/drawing/2014/main" id="{43CFFED7-118D-9F72-C9F4-38DD2367D753}"/>
+              </a:ext>
+            </a:extLst>
+          </p:cNvPr>
+          <p:cNvSpPr>
+            <a:spLocks noGrp="1"/>
+          </p:cNvSpPr>
+          <p:nvPr>
+            <p:ph type="body" idx="1"/>
+          </p:nvPr>
+        </p:nvSpPr>
+        <p:spPr/>
+        <p:txBody>
+          <a:bodyPr>
+            <a:normAutofit/>
+          </a:bodyPr>
+          <a:lstStyle/>
+          <a:p>
+            <a:pPr marL="114300" indent="0" algn="just">
+              <a:buNone/>
+            </a:pPr>
+            <a:r>
+              <a:rPr lang="en-US" sz="1050" dirty="0"/>
+              <a:t>This analytics dashboard shows the proportion of traffic alerts in the city and street of West Java. The local government can use the dashboard to monitor and get insight into their area's traffic condition. The dashboard can be accessed at this </a:t>
+            </a:r>
+            <a:r>
+              <a:rPr lang="en-US" sz="1050" dirty="0">
+                <a:hlinkClick r:id="rId2"/>
+              </a:rPr>
+              <a:t>link</a:t>
+            </a:r>
+            <a:r>
+              <a:rPr lang="en-US" sz="1050" dirty="0"/>
+              <a:t>.</a:t>
+            </a:r>
+            <a:endParaRPr lang="en-ID" sz="1050" dirty="0"/>
+          </a:p>
+        </p:txBody>
+      </p:sp>
+      <p:pic>
+        <p:nvPicPr>
+          <p:cNvPr id="5" name="Picture 4">
+            <a:extLst>
+              <a:ext uri="{FF2B5EF4-FFF2-40B4-BE49-F238E27FC236}">
+                <a16:creationId xmlns:a16="http://schemas.microsoft.com/office/drawing/2014/main" id="{0B81744E-7270-A2A1-F89B-D6FD8A44716F}"/>
+              </a:ext>
+            </a:extLst>
+          </p:cNvPr>
+          <p:cNvPicPr>
+            <a:picLocks noChangeAspect="1"/>
+          </p:cNvPicPr>
+          <p:nvPr/>
+        </p:nvPicPr>
+        <p:blipFill>
+          <a:blip r:embed="rId3"/>
+          <a:stretch>
+            <a:fillRect/>
+          </a:stretch>
+        </p:blipFill>
+        <p:spPr>
+          <a:xfrm>
+            <a:off x="2030278" y="1725133"/>
+            <a:ext cx="5083444" cy="2843742"/>
+          </a:xfrm>
+          <a:prstGeom prst="rect">
+            <a:avLst/>
+          </a:prstGeom>
+        </p:spPr>
+      </p:pic>
+    </p:spTree>
+    <p:extLst>
+      <p:ext uri="{BB962C8B-B14F-4D97-AF65-F5344CB8AC3E}">
+        <p14:creationId xmlns:p14="http://schemas.microsoft.com/office/powerpoint/2010/main" val="3268951472"/>
+      </p:ext>
+    </p:extLst>
+  </p:cSld>
+  <p:clrMapOvr>
+    <a:masterClrMapping/>
+  </p:clrMapOvr>
+  <mc:AlternateContent xmlns:mc="http://schemas.openxmlformats.org/markup-compatibility/2006">
+    <mc:Choice xmlns:p14="http://schemas.microsoft.com/office/powerpoint/2010/main" Requires="p14">
+      <p:transition spd="med" p14:dur="700">
+        <p:fade/>
+      </p:transition>
+    </mc:Choice>
+    <mc:Fallback>
+      <p:transition spd="med">
+        <p:fade/>
+      </p:transition>
+    </mc:Fallback>
+  </mc:AlternateContent>
+</p:sld>
+</file>
+
+<file path=ppt/slides/slide28.xml><?xml version="1.0" encoding="utf-8"?>
+<p:sld xmlns:a="http://schemas.openxmlformats.org/drawingml/2006/main" xmlns:r="http://schemas.openxmlformats.org/officeDocument/2006/relationships" xmlns:p="http://schemas.openxmlformats.org/presentationml/2006/main">
+  <p:cSld>
+    <p:spTree>
+      <p:nvGrpSpPr>
+        <p:cNvPr id="1" name=""/>
+        <p:cNvGrpSpPr/>
+        <p:nvPr/>
+      </p:nvGrpSpPr>
+      <p:grpSpPr>
+        <a:xfrm>
+          <a:off x="0" y="0"/>
+          <a:ext cx="0" cy="0"/>
+          <a:chOff x="0" y="0"/>
+          <a:chExt cx="0" cy="0"/>
+        </a:xfrm>
+      </p:grpSpPr>
+      <p:sp>
+        <p:nvSpPr>
+          <p:cNvPr id="2" name="Title 1">
+            <a:extLst>
+              <a:ext uri="{FF2B5EF4-FFF2-40B4-BE49-F238E27FC236}">
                 <a16:creationId xmlns:a16="http://schemas.microsoft.com/office/drawing/2014/main" id="{C356B22A-7936-00B4-75C4-FB7AE9B05118}"/>
               </a:ext>
             </a:extLst>
@@ -7161,13 +7314,13 @@
   <p:clrMapOvr>
     <a:masterClrMapping/>
   </p:clrMapOvr>
-  <mc:AlternateContent xmlns:mc="http://schemas.openxmlformats.org/markup-compatibility/2006" xmlns:p14="http://schemas.microsoft.com/office/powerpoint/2010/main">
-    <mc:Choice Requires="p14">
+  <mc:AlternateContent xmlns:mc="http://schemas.openxmlformats.org/markup-compatibility/2006">
+    <mc:Choice xmlns:p14="http://schemas.microsoft.com/office/powerpoint/2010/main" Requires="p14">
       <p:transition spd="med" p14:dur="700">
         <p:fade/>
       </p:transition>
     </mc:Choice>
-    <mc:Fallback xmlns="">
+    <mc:Fallback>
       <p:transition spd="med">
         <p:fade/>
       </p:transition>
@@ -7176,7 +7329,7 @@
 </p:sld>
 </file>
 
-<file path=ppt/slides/slide28.xml><?xml version="1.0" encoding="utf-8"?>
+<file path=ppt/slides/slide29.xml><?xml version="1.0" encoding="utf-8"?>
 <p:sld xmlns:a="http://schemas.openxmlformats.org/drawingml/2006/main" xmlns:r="http://schemas.openxmlformats.org/officeDocument/2006/relationships" xmlns:p="http://schemas.openxmlformats.org/presentationml/2006/main">
   <p:cSld>
     <p:spTree>
@@ -7308,13 +7461,13 @@
   <p:clrMapOvr>
     <a:masterClrMapping/>
   </p:clrMapOvr>
-  <mc:AlternateContent xmlns:mc="http://schemas.openxmlformats.org/markup-compatibility/2006" xmlns:p14="http://schemas.microsoft.com/office/powerpoint/2010/main">
-    <mc:Choice Requires="p14">
+  <mc:AlternateContent xmlns:mc="http://schemas.openxmlformats.org/markup-compatibility/2006">
+    <mc:Choice xmlns:p14="http://schemas.microsoft.com/office/powerpoint/2010/main" Requires="p14">
       <p:transition spd="med" p14:dur="700">
         <p:fade/>
       </p:transition>
     </mc:Choice>
-    <mc:Fallback xmlns="">
+    <mc:Fallback>
       <p:transition spd="med">
         <p:fade/>
       </p:transition>
@@ -7323,7 +7476,109 @@
 </p:sld>
 </file>
 
-<file path=ppt/slides/slide29.xml><?xml version="1.0" encoding="utf-8"?>
+<file path=ppt/slides/slide3.xml><?xml version="1.0" encoding="utf-8"?>
+<p:sld xmlns:a="http://schemas.openxmlformats.org/drawingml/2006/main" xmlns:r="http://schemas.openxmlformats.org/officeDocument/2006/relationships" xmlns:p="http://schemas.openxmlformats.org/presentationml/2006/main">
+  <p:cSld>
+    <p:spTree>
+      <p:nvGrpSpPr>
+        <p:cNvPr id="1" name=""/>
+        <p:cNvGrpSpPr/>
+        <p:nvPr/>
+      </p:nvGrpSpPr>
+      <p:grpSpPr>
+        <a:xfrm>
+          <a:off x="0" y="0"/>
+          <a:ext cx="0" cy="0"/>
+          <a:chOff x="0" y="0"/>
+          <a:chExt cx="0" cy="0"/>
+        </a:xfrm>
+      </p:grpSpPr>
+      <p:sp>
+        <p:nvSpPr>
+          <p:cNvPr id="2" name="Title 1">
+            <a:extLst>
+              <a:ext uri="{FF2B5EF4-FFF2-40B4-BE49-F238E27FC236}">
+                <a16:creationId xmlns:a16="http://schemas.microsoft.com/office/drawing/2014/main" id="{C356B22A-7936-00B4-75C4-FB7AE9B05118}"/>
+              </a:ext>
+            </a:extLst>
+          </p:cNvPr>
+          <p:cNvSpPr>
+            <a:spLocks noGrp="1"/>
+          </p:cNvSpPr>
+          <p:nvPr>
+            <p:ph type="title"/>
+          </p:nvPr>
+        </p:nvSpPr>
+        <p:spPr/>
+        <p:txBody>
+          <a:bodyPr>
+            <a:normAutofit fontScale="90000"/>
+          </a:bodyPr>
+          <a:lstStyle/>
+          <a:p>
+            <a:r>
+              <a:rPr lang="en-US" dirty="0"/>
+              <a:t>Business Understanding</a:t>
+            </a:r>
+            <a:endParaRPr lang="en-ID" dirty="0"/>
+          </a:p>
+        </p:txBody>
+      </p:sp>
+      <p:sp>
+        <p:nvSpPr>
+          <p:cNvPr id="3" name="Title 2">
+            <a:extLst>
+              <a:ext uri="{FF2B5EF4-FFF2-40B4-BE49-F238E27FC236}">
+                <a16:creationId xmlns:a16="http://schemas.microsoft.com/office/drawing/2014/main" id="{5F45063B-902F-2385-405A-3E24E70C2EED}"/>
+              </a:ext>
+            </a:extLst>
+          </p:cNvPr>
+          <p:cNvSpPr>
+            <a:spLocks noGrp="1"/>
+          </p:cNvSpPr>
+          <p:nvPr>
+            <p:ph type="title" idx="2"/>
+          </p:nvPr>
+        </p:nvSpPr>
+        <p:spPr/>
+        <p:txBody>
+          <a:bodyPr/>
+          <a:lstStyle/>
+          <a:p>
+            <a:r>
+              <a:rPr lang="en-US" dirty="0"/>
+              <a:t>I</a:t>
+            </a:r>
+            <a:endParaRPr lang="en-ID" dirty="0"/>
+          </a:p>
+        </p:txBody>
+      </p:sp>
+    </p:spTree>
+    <p:extLst>
+      <p:ext uri="{BB962C8B-B14F-4D97-AF65-F5344CB8AC3E}">
+        <p14:creationId xmlns:p14="http://schemas.microsoft.com/office/powerpoint/2010/main" val="2970781897"/>
+      </p:ext>
+    </p:extLst>
+  </p:cSld>
+  <p:clrMapOvr>
+    <a:masterClrMapping/>
+  </p:clrMapOvr>
+  <mc:AlternateContent xmlns:mc="http://schemas.openxmlformats.org/markup-compatibility/2006">
+    <mc:Choice xmlns:p14="http://schemas.microsoft.com/office/powerpoint/2010/main" Requires="p14">
+      <p:transition spd="med" p14:dur="700">
+        <p:fade/>
+      </p:transition>
+    </mc:Choice>
+    <mc:Fallback>
+      <p:transition spd="med">
+        <p:fade/>
+      </p:transition>
+    </mc:Fallback>
+  </mc:AlternateContent>
+</p:sld>
+</file>
+
+<file path=ppt/slides/slide30.xml><?xml version="1.0" encoding="utf-8"?>
 <p:sld xmlns:a="http://schemas.openxmlformats.org/drawingml/2006/main" xmlns:r="http://schemas.openxmlformats.org/officeDocument/2006/relationships" xmlns:p="http://schemas.openxmlformats.org/presentationml/2006/main">
   <p:cSld>
     <p:spTree>
@@ -7455,13 +7710,13 @@
   <p:clrMapOvr>
     <a:masterClrMapping/>
   </p:clrMapOvr>
-  <mc:AlternateContent xmlns:mc="http://schemas.openxmlformats.org/markup-compatibility/2006" xmlns:p14="http://schemas.microsoft.com/office/powerpoint/2010/main">
-    <mc:Choice Requires="p14">
+  <mc:AlternateContent xmlns:mc="http://schemas.openxmlformats.org/markup-compatibility/2006">
+    <mc:Choice xmlns:p14="http://schemas.microsoft.com/office/powerpoint/2010/main" Requires="p14">
       <p:transition spd="med" p14:dur="700">
         <p:fade/>
       </p:transition>
     </mc:Choice>
-    <mc:Fallback xmlns="">
+    <mc:Fallback>
       <p:transition spd="med">
         <p:fade/>
       </p:transition>
@@ -7470,109 +7725,7 @@
 </p:sld>
 </file>
 
-<file path=ppt/slides/slide3.xml><?xml version="1.0" encoding="utf-8"?>
-<p:sld xmlns:a="http://schemas.openxmlformats.org/drawingml/2006/main" xmlns:r="http://schemas.openxmlformats.org/officeDocument/2006/relationships" xmlns:p="http://schemas.openxmlformats.org/presentationml/2006/main">
-  <p:cSld>
-    <p:spTree>
-      <p:nvGrpSpPr>
-        <p:cNvPr id="1" name=""/>
-        <p:cNvGrpSpPr/>
-        <p:nvPr/>
-      </p:nvGrpSpPr>
-      <p:grpSpPr>
-        <a:xfrm>
-          <a:off x="0" y="0"/>
-          <a:ext cx="0" cy="0"/>
-          <a:chOff x="0" y="0"/>
-          <a:chExt cx="0" cy="0"/>
-        </a:xfrm>
-      </p:grpSpPr>
-      <p:sp>
-        <p:nvSpPr>
-          <p:cNvPr id="2" name="Title 1">
-            <a:extLst>
-              <a:ext uri="{FF2B5EF4-FFF2-40B4-BE49-F238E27FC236}">
-                <a16:creationId xmlns:a16="http://schemas.microsoft.com/office/drawing/2014/main" id="{C356B22A-7936-00B4-75C4-FB7AE9B05118}"/>
-              </a:ext>
-            </a:extLst>
-          </p:cNvPr>
-          <p:cNvSpPr>
-            <a:spLocks noGrp="1"/>
-          </p:cNvSpPr>
-          <p:nvPr>
-            <p:ph type="title"/>
-          </p:nvPr>
-        </p:nvSpPr>
-        <p:spPr/>
-        <p:txBody>
-          <a:bodyPr>
-            <a:normAutofit fontScale="90000"/>
-          </a:bodyPr>
-          <a:lstStyle/>
-          <a:p>
-            <a:r>
-              <a:rPr lang="en-US" dirty="0"/>
-              <a:t>Business Understanding</a:t>
-            </a:r>
-            <a:endParaRPr lang="en-ID" dirty="0"/>
-          </a:p>
-        </p:txBody>
-      </p:sp>
-      <p:sp>
-        <p:nvSpPr>
-          <p:cNvPr id="3" name="Title 2">
-            <a:extLst>
-              <a:ext uri="{FF2B5EF4-FFF2-40B4-BE49-F238E27FC236}">
-                <a16:creationId xmlns:a16="http://schemas.microsoft.com/office/drawing/2014/main" id="{5F45063B-902F-2385-405A-3E24E70C2EED}"/>
-              </a:ext>
-            </a:extLst>
-          </p:cNvPr>
-          <p:cNvSpPr>
-            <a:spLocks noGrp="1"/>
-          </p:cNvSpPr>
-          <p:nvPr>
-            <p:ph type="title" idx="2"/>
-          </p:nvPr>
-        </p:nvSpPr>
-        <p:spPr/>
-        <p:txBody>
-          <a:bodyPr/>
-          <a:lstStyle/>
-          <a:p>
-            <a:r>
-              <a:rPr lang="en-US" dirty="0"/>
-              <a:t>I</a:t>
-            </a:r>
-            <a:endParaRPr lang="en-ID" dirty="0"/>
-          </a:p>
-        </p:txBody>
-      </p:sp>
-    </p:spTree>
-    <p:extLst>
-      <p:ext uri="{BB962C8B-B14F-4D97-AF65-F5344CB8AC3E}">
-        <p14:creationId xmlns:p14="http://schemas.microsoft.com/office/powerpoint/2010/main" val="2970781897"/>
-      </p:ext>
-    </p:extLst>
-  </p:cSld>
-  <p:clrMapOvr>
-    <a:masterClrMapping/>
-  </p:clrMapOvr>
-  <mc:AlternateContent xmlns:mc="http://schemas.openxmlformats.org/markup-compatibility/2006" xmlns:p14="http://schemas.microsoft.com/office/powerpoint/2010/main">
-    <mc:Choice Requires="p14">
-      <p:transition spd="med" p14:dur="700">
-        <p:fade/>
-      </p:transition>
-    </mc:Choice>
-    <mc:Fallback xmlns="">
-      <p:transition spd="med">
-        <p:fade/>
-      </p:transition>
-    </mc:Fallback>
-  </mc:AlternateContent>
-</p:sld>
-</file>
-
-<file path=ppt/slides/slide30.xml><?xml version="1.0" encoding="utf-8"?>
+<file path=ppt/slides/slide31.xml><?xml version="1.0" encoding="utf-8"?>
 <p:sld xmlns:a="http://schemas.openxmlformats.org/drawingml/2006/main" xmlns:r="http://schemas.openxmlformats.org/officeDocument/2006/relationships" xmlns:p="http://schemas.openxmlformats.org/presentationml/2006/main">
   <p:cSld>
     <p:spTree>
@@ -7704,13 +7857,13 @@
   <p:clrMapOvr>
     <a:masterClrMapping/>
   </p:clrMapOvr>
-  <mc:AlternateContent xmlns:mc="http://schemas.openxmlformats.org/markup-compatibility/2006" xmlns:p14="http://schemas.microsoft.com/office/powerpoint/2010/main">
-    <mc:Choice Requires="p14">
+  <mc:AlternateContent xmlns:mc="http://schemas.openxmlformats.org/markup-compatibility/2006">
+    <mc:Choice xmlns:p14="http://schemas.microsoft.com/office/powerpoint/2010/main" Requires="p14">
       <p:transition spd="med" p14:dur="700">
         <p:fade/>
       </p:transition>
     </mc:Choice>
-    <mc:Fallback xmlns="">
+    <mc:Fallback>
       <p:transition spd="med">
         <p:fade/>
       </p:transition>
@@ -7719,7 +7872,7 @@
 </p:sld>
 </file>
 
-<file path=ppt/slides/slide31.xml><?xml version="1.0" encoding="utf-8"?>
+<file path=ppt/slides/slide32.xml><?xml version="1.0" encoding="utf-8"?>
 <p:sld xmlns:a="http://schemas.openxmlformats.org/drawingml/2006/main" xmlns:r="http://schemas.openxmlformats.org/officeDocument/2006/relationships" xmlns:p="http://schemas.openxmlformats.org/presentationml/2006/main">
   <p:cSld>
     <p:spTree>
@@ -7886,13 +8039,13 @@
   <p:clrMapOvr>
     <a:masterClrMapping/>
   </p:clrMapOvr>
-  <mc:AlternateContent xmlns:mc="http://schemas.openxmlformats.org/markup-compatibility/2006" xmlns:p14="http://schemas.microsoft.com/office/powerpoint/2010/main">
-    <mc:Choice Requires="p14">
+  <mc:AlternateContent xmlns:mc="http://schemas.openxmlformats.org/markup-compatibility/2006">
+    <mc:Choice xmlns:p14="http://schemas.microsoft.com/office/powerpoint/2010/main" Requires="p14">
       <p:transition spd="med" p14:dur="700">
         <p:fade/>
       </p:transition>
     </mc:Choice>
-    <mc:Fallback xmlns="">
+    <mc:Fallback>
       <p:transition spd="med">
         <p:fade/>
       </p:transition>
@@ -7901,7 +8054,7 @@
 </p:sld>
 </file>
 
-<file path=ppt/slides/slide32.xml><?xml version="1.0" encoding="utf-8"?>
+<file path=ppt/slides/slide33.xml><?xml version="1.0" encoding="utf-8"?>
 <p:sld xmlns:a="http://schemas.openxmlformats.org/drawingml/2006/main" xmlns:r="http://schemas.openxmlformats.org/officeDocument/2006/relationships" xmlns:p="http://schemas.openxmlformats.org/presentationml/2006/main">
   <p:cSld>
     <p:spTree>
@@ -8043,13 +8196,13 @@
   <p:clrMapOvr>
     <a:masterClrMapping/>
   </p:clrMapOvr>
-  <mc:AlternateContent xmlns:mc="http://schemas.openxmlformats.org/markup-compatibility/2006" xmlns:p14="http://schemas.microsoft.com/office/powerpoint/2010/main">
-    <mc:Choice Requires="p14">
+  <mc:AlternateContent xmlns:mc="http://schemas.openxmlformats.org/markup-compatibility/2006">
+    <mc:Choice xmlns:p14="http://schemas.microsoft.com/office/powerpoint/2010/main" Requires="p14">
       <p:transition spd="med" p14:dur="700">
         <p:fade/>
       </p:transition>
     </mc:Choice>
-    <mc:Fallback xmlns="">
+    <mc:Fallback>
       <p:transition spd="med">
         <p:fade/>
       </p:transition>
@@ -8058,7 +8211,7 @@
 </p:sld>
 </file>
 
-<file path=ppt/slides/slide33.xml><?xml version="1.0" encoding="utf-8"?>
+<file path=ppt/slides/slide34.xml><?xml version="1.0" encoding="utf-8"?>
 <p:sld xmlns:a="http://schemas.openxmlformats.org/drawingml/2006/main" xmlns:r="http://schemas.openxmlformats.org/officeDocument/2006/relationships" xmlns:p="http://schemas.openxmlformats.org/presentationml/2006/main">
   <p:cSld>
     <p:spTree>
@@ -8189,13 +8342,13 @@
   <p:clrMapOvr>
     <a:masterClrMapping/>
   </p:clrMapOvr>
-  <mc:AlternateContent xmlns:mc="http://schemas.openxmlformats.org/markup-compatibility/2006" xmlns:p14="http://schemas.microsoft.com/office/powerpoint/2010/main">
-    <mc:Choice Requires="p14">
+  <mc:AlternateContent xmlns:mc="http://schemas.openxmlformats.org/markup-compatibility/2006">
+    <mc:Choice xmlns:p14="http://schemas.microsoft.com/office/powerpoint/2010/main" Requires="p14">
       <p:transition spd="med" p14:dur="700">
         <p:fade/>
       </p:transition>
     </mc:Choice>
-    <mc:Fallback xmlns="">
+    <mc:Fallback>
       <p:transition spd="med">
         <p:fade/>
       </p:transition>
@@ -8204,7 +8357,7 @@
 </p:sld>
 </file>
 
-<file path=ppt/slides/slide34.xml><?xml version="1.0" encoding="utf-8"?>
+<file path=ppt/slides/slide35.xml><?xml version="1.0" encoding="utf-8"?>
 <p:sld xmlns:a="http://schemas.openxmlformats.org/drawingml/2006/main" xmlns:r="http://schemas.openxmlformats.org/officeDocument/2006/relationships" xmlns:p="http://schemas.openxmlformats.org/presentationml/2006/main">
   <p:cSld>
     <p:spTree>
@@ -8341,13 +8494,13 @@
   <p:clrMapOvr>
     <a:masterClrMapping/>
   </p:clrMapOvr>
-  <mc:AlternateContent xmlns:mc="http://schemas.openxmlformats.org/markup-compatibility/2006" xmlns:p14="http://schemas.microsoft.com/office/powerpoint/2010/main">
-    <mc:Choice Requires="p14">
+  <mc:AlternateContent xmlns:mc="http://schemas.openxmlformats.org/markup-compatibility/2006">
+    <mc:Choice xmlns:p14="http://schemas.microsoft.com/office/powerpoint/2010/main" Requires="p14">
       <p:transition spd="med" p14:dur="700">
         <p:fade/>
       </p:transition>
     </mc:Choice>
-    <mc:Fallback xmlns="">
+    <mc:Fallback>
       <p:transition spd="med">
         <p:fade/>
       </p:transition>
@@ -8356,7 +8509,7 @@
 </p:sld>
 </file>
 
-<file path=ppt/slides/slide35.xml><?xml version="1.0" encoding="utf-8"?>
+<file path=ppt/slides/slide36.xml><?xml version="1.0" encoding="utf-8"?>
 <p:sld xmlns:a="http://schemas.openxmlformats.org/drawingml/2006/main" xmlns:r="http://schemas.openxmlformats.org/officeDocument/2006/relationships" xmlns:p="http://schemas.openxmlformats.org/presentationml/2006/main">
   <p:cSld>
     <p:spTree>
@@ -8491,13 +8644,13 @@
   <p:clrMapOvr>
     <a:masterClrMapping/>
   </p:clrMapOvr>
-  <mc:AlternateContent xmlns:mc="http://schemas.openxmlformats.org/markup-compatibility/2006" xmlns:p14="http://schemas.microsoft.com/office/powerpoint/2010/main">
-    <mc:Choice Requires="p14">
+  <mc:AlternateContent xmlns:mc="http://schemas.openxmlformats.org/markup-compatibility/2006">
+    <mc:Choice xmlns:p14="http://schemas.microsoft.com/office/powerpoint/2010/main" Requires="p14">
       <p:transition spd="med" p14:dur="700">
         <p:fade/>
       </p:transition>
     </mc:Choice>
-    <mc:Fallback xmlns="">
+    <mc:Fallback>
       <p:transition spd="med">
         <p:fade/>
       </p:transition>
@@ -8506,7 +8659,7 @@
 </p:sld>
 </file>
 
-<file path=ppt/slides/slide36.xml><?xml version="1.0" encoding="utf-8"?>
+<file path=ppt/slides/slide37.xml><?xml version="1.0" encoding="utf-8"?>
 <p:sld xmlns:a="http://schemas.openxmlformats.org/drawingml/2006/main" xmlns:r="http://schemas.openxmlformats.org/officeDocument/2006/relationships" xmlns:p="http://schemas.openxmlformats.org/presentationml/2006/main">
   <p:cSld>
     <p:spTree>
@@ -8638,13 +8791,13 @@
   <p:clrMapOvr>
     <a:masterClrMapping/>
   </p:clrMapOvr>
-  <mc:AlternateContent xmlns:mc="http://schemas.openxmlformats.org/markup-compatibility/2006" xmlns:p14="http://schemas.microsoft.com/office/powerpoint/2010/main">
-    <mc:Choice Requires="p14">
+  <mc:AlternateContent xmlns:mc="http://schemas.openxmlformats.org/markup-compatibility/2006">
+    <mc:Choice xmlns:p14="http://schemas.microsoft.com/office/powerpoint/2010/main" Requires="p14">
       <p:transition spd="med" p14:dur="700">
         <p:fade/>
       </p:transition>
     </mc:Choice>
-    <mc:Fallback xmlns="">
+    <mc:Fallback>
       <p:transition spd="med">
         <p:fade/>
       </p:transition>
@@ -8653,7 +8806,7 @@
 </p:sld>
 </file>
 
-<file path=ppt/slides/slide37.xml><?xml version="1.0" encoding="utf-8"?>
+<file path=ppt/slides/slide38.xml><?xml version="1.0" encoding="utf-8"?>
 <p:sld xmlns:a="http://schemas.openxmlformats.org/drawingml/2006/main" xmlns:r="http://schemas.openxmlformats.org/officeDocument/2006/relationships" xmlns:p="http://schemas.openxmlformats.org/presentationml/2006/main">
   <p:cSld>
     <p:spTree>
@@ -8785,13 +8938,13 @@
   <p:clrMapOvr>
     <a:masterClrMapping/>
   </p:clrMapOvr>
-  <mc:AlternateContent xmlns:mc="http://schemas.openxmlformats.org/markup-compatibility/2006" xmlns:p14="http://schemas.microsoft.com/office/powerpoint/2010/main">
-    <mc:Choice Requires="p14">
+  <mc:AlternateContent xmlns:mc="http://schemas.openxmlformats.org/markup-compatibility/2006">
+    <mc:Choice xmlns:p14="http://schemas.microsoft.com/office/powerpoint/2010/main" Requires="p14">
       <p:transition spd="med" p14:dur="700">
         <p:fade/>
       </p:transition>
     </mc:Choice>
-    <mc:Fallback xmlns="">
+    <mc:Fallback>
       <p:transition spd="med">
         <p:fade/>
       </p:transition>
@@ -8800,7 +8953,7 @@
 </p:sld>
 </file>
 
-<file path=ppt/slides/slide38.xml><?xml version="1.0" encoding="utf-8"?>
+<file path=ppt/slides/slide39.xml><?xml version="1.0" encoding="utf-8"?>
 <p:sld xmlns:a="http://schemas.openxmlformats.org/drawingml/2006/main" xmlns:r="http://schemas.openxmlformats.org/officeDocument/2006/relationships" xmlns:p="http://schemas.openxmlformats.org/presentationml/2006/main">
   <p:cSld>
     <p:spTree>
@@ -8932,115 +9085,13 @@
   <p:clrMapOvr>
     <a:masterClrMapping/>
   </p:clrMapOvr>
-  <mc:AlternateContent xmlns:mc="http://schemas.openxmlformats.org/markup-compatibility/2006" xmlns:p14="http://schemas.microsoft.com/office/powerpoint/2010/main">
-    <mc:Choice Requires="p14">
+  <mc:AlternateContent xmlns:mc="http://schemas.openxmlformats.org/markup-compatibility/2006">
+    <mc:Choice xmlns:p14="http://schemas.microsoft.com/office/powerpoint/2010/main" Requires="p14">
       <p:transition spd="med" p14:dur="700">
         <p:fade/>
       </p:transition>
     </mc:Choice>
-    <mc:Fallback xmlns="">
-      <p:transition spd="med">
-        <p:fade/>
-      </p:transition>
-    </mc:Fallback>
-  </mc:AlternateContent>
-</p:sld>
-</file>
-
-<file path=ppt/slides/slide39.xml><?xml version="1.0" encoding="utf-8"?>
-<p:sld xmlns:a="http://schemas.openxmlformats.org/drawingml/2006/main" xmlns:r="http://schemas.openxmlformats.org/officeDocument/2006/relationships" xmlns:p="http://schemas.openxmlformats.org/presentationml/2006/main">
-  <p:cSld>
-    <p:spTree>
-      <p:nvGrpSpPr>
-        <p:cNvPr id="1" name=""/>
-        <p:cNvGrpSpPr/>
-        <p:nvPr/>
-      </p:nvGrpSpPr>
-      <p:grpSpPr>
-        <a:xfrm>
-          <a:off x="0" y="0"/>
-          <a:ext cx="0" cy="0"/>
-          <a:chOff x="0" y="0"/>
-          <a:chExt cx="0" cy="0"/>
-        </a:xfrm>
-      </p:grpSpPr>
-      <p:sp>
-        <p:nvSpPr>
-          <p:cNvPr id="2" name="Title 1">
-            <a:extLst>
-              <a:ext uri="{FF2B5EF4-FFF2-40B4-BE49-F238E27FC236}">
-                <a16:creationId xmlns:a16="http://schemas.microsoft.com/office/drawing/2014/main" id="{C356B22A-7936-00B4-75C4-FB7AE9B05118}"/>
-              </a:ext>
-            </a:extLst>
-          </p:cNvPr>
-          <p:cNvSpPr>
-            <a:spLocks noGrp="1"/>
-          </p:cNvSpPr>
-          <p:nvPr>
-            <p:ph type="title"/>
-          </p:nvPr>
-        </p:nvSpPr>
-        <p:spPr/>
-        <p:txBody>
-          <a:bodyPr>
-            <a:normAutofit fontScale="90000"/>
-          </a:bodyPr>
-          <a:lstStyle/>
-          <a:p>
-            <a:r>
-              <a:rPr lang="en-US" dirty="0"/>
-              <a:t>Summaries &amp; Recommendations</a:t>
-            </a:r>
-            <a:endParaRPr lang="en-ID" dirty="0"/>
-          </a:p>
-        </p:txBody>
-      </p:sp>
-      <p:sp>
-        <p:nvSpPr>
-          <p:cNvPr id="3" name="Title 2">
-            <a:extLst>
-              <a:ext uri="{FF2B5EF4-FFF2-40B4-BE49-F238E27FC236}">
-                <a16:creationId xmlns:a16="http://schemas.microsoft.com/office/drawing/2014/main" id="{5F45063B-902F-2385-405A-3E24E70C2EED}"/>
-              </a:ext>
-            </a:extLst>
-          </p:cNvPr>
-          <p:cNvSpPr>
-            <a:spLocks noGrp="1"/>
-          </p:cNvSpPr>
-          <p:nvPr>
-            <p:ph type="title" idx="2"/>
-          </p:nvPr>
-        </p:nvSpPr>
-        <p:spPr/>
-        <p:txBody>
-          <a:bodyPr/>
-          <a:lstStyle/>
-          <a:p>
-            <a:r>
-              <a:rPr lang="en-US" dirty="0"/>
-              <a:t>VI</a:t>
-            </a:r>
-            <a:endParaRPr lang="en-ID" dirty="0"/>
-          </a:p>
-        </p:txBody>
-      </p:sp>
-    </p:spTree>
-    <p:extLst>
-      <p:ext uri="{BB962C8B-B14F-4D97-AF65-F5344CB8AC3E}">
-        <p14:creationId xmlns:p14="http://schemas.microsoft.com/office/powerpoint/2010/main" val="703020861"/>
-      </p:ext>
-    </p:extLst>
-  </p:cSld>
-  <p:clrMapOvr>
-    <a:masterClrMapping/>
-  </p:clrMapOvr>
-  <mc:AlternateContent xmlns:mc="http://schemas.openxmlformats.org/markup-compatibility/2006" xmlns:p14="http://schemas.microsoft.com/office/powerpoint/2010/main">
-    <mc:Choice Requires="p14">
-      <p:transition spd="med" p14:dur="700">
-        <p:fade/>
-      </p:transition>
-    </mc:Choice>
-    <mc:Fallback xmlns="">
+    <mc:Fallback>
       <p:transition spd="med">
         <p:fade/>
       </p:transition>
@@ -9189,13 +9240,13 @@
   <p:clrMapOvr>
     <a:masterClrMapping/>
   </p:clrMapOvr>
-  <mc:AlternateContent xmlns:mc="http://schemas.openxmlformats.org/markup-compatibility/2006" xmlns:p14="http://schemas.microsoft.com/office/powerpoint/2010/main">
-    <mc:Choice Requires="p14">
+  <mc:AlternateContent xmlns:mc="http://schemas.openxmlformats.org/markup-compatibility/2006">
+    <mc:Choice xmlns:p14="http://schemas.microsoft.com/office/powerpoint/2010/main" Requires="p14">
       <p:transition spd="med" p14:dur="700">
         <p:fade/>
       </p:transition>
     </mc:Choice>
-    <mc:Fallback xmlns="">
+    <mc:Fallback>
       <p:transition spd="med">
         <p:fade/>
       </p:transition>
@@ -9226,7 +9277,7 @@
           <p:cNvPr id="2" name="Title 1">
             <a:extLst>
               <a:ext uri="{FF2B5EF4-FFF2-40B4-BE49-F238E27FC236}">
-                <a16:creationId xmlns:a16="http://schemas.microsoft.com/office/drawing/2014/main" id="{A94FB180-E7E5-0014-2440-5D71AA764058}"/>
+                <a16:creationId xmlns:a16="http://schemas.microsoft.com/office/drawing/2014/main" id="{C356B22A-7936-00B4-75C4-FB7AE9B05118}"/>
               </a:ext>
             </a:extLst>
           </p:cNvPr>
@@ -9237,12 +9288,7 @@
             <p:ph type="title"/>
           </p:nvPr>
         </p:nvSpPr>
-        <p:spPr>
-          <a:xfrm>
-            <a:off x="311700" y="574625"/>
-            <a:ext cx="6377700" cy="572700"/>
-          </a:xfrm>
-        </p:spPr>
+        <p:spPr/>
         <p:txBody>
           <a:bodyPr>
             <a:normAutofit fontScale="90000"/>
@@ -9251,7 +9297,7 @@
           <a:p>
             <a:r>
               <a:rPr lang="en-US" dirty="0"/>
-              <a:t>Summaries</a:t>
+              <a:t>Summaries &amp; Recommendations</a:t>
             </a:r>
             <a:endParaRPr lang="en-ID" dirty="0"/>
           </a:p>
@@ -9259,10 +9305,10 @@
       </p:sp>
       <p:sp>
         <p:nvSpPr>
-          <p:cNvPr id="3" name="Text Placeholder 2">
-            <a:extLst>
-              <a:ext uri="{FF2B5EF4-FFF2-40B4-BE49-F238E27FC236}">
-                <a16:creationId xmlns:a16="http://schemas.microsoft.com/office/drawing/2014/main" id="{5ECC536C-45DA-CA82-2FAC-1216FF092312}"/>
+          <p:cNvPr id="3" name="Title 2">
+            <a:extLst>
+              <a:ext uri="{FF2B5EF4-FFF2-40B4-BE49-F238E27FC236}">
+                <a16:creationId xmlns:a16="http://schemas.microsoft.com/office/drawing/2014/main" id="{5F45063B-902F-2385-405A-3E24E70C2EED}"/>
               </a:ext>
             </a:extLst>
           </p:cNvPr>
@@ -9270,112 +9316,39 @@
             <a:spLocks noGrp="1"/>
           </p:cNvSpPr>
           <p:nvPr>
-            <p:ph type="body" idx="1"/>
+            <p:ph type="title" idx="2"/>
           </p:nvPr>
         </p:nvSpPr>
         <p:spPr/>
         <p:txBody>
-          <a:bodyPr>
-            <a:normAutofit fontScale="62500" lnSpcReduction="20000"/>
-          </a:bodyPr>
+          <a:bodyPr/>
           <a:lstStyle/>
           <a:p>
-            <a:pPr algn="just">
-              <a:lnSpc>
-                <a:spcPct val="170000"/>
-              </a:lnSpc>
-              <a:buFont typeface="Arial" panose="020B0604020202020204" pitchFamily="34" charset="0"/>
-              <a:buChar char="•"/>
-            </a:pPr>
             <a:r>
               <a:rPr lang="en-US" dirty="0"/>
-              <a:t>Traffic jam is the most frequently reported Alert Type by drivers in Bandung City.</a:t>
-            </a:r>
-          </a:p>
-          <a:p>
-            <a:pPr algn="just">
-              <a:lnSpc>
-                <a:spcPct val="170000"/>
-              </a:lnSpc>
-              <a:buFont typeface="Arial" panose="020B0604020202020204" pitchFamily="34" charset="0"/>
-              <a:buChar char="•"/>
-            </a:pPr>
-            <a:r>
-              <a:rPr lang="en-US" dirty="0"/>
-              <a:t>Traffic congestion is severe on Tuesdays, Thursdays, and Fridays and tends to increase between 9 a.m. to 3 p.m.</a:t>
-            </a:r>
-          </a:p>
-          <a:p>
-            <a:pPr algn="just">
-              <a:lnSpc>
-                <a:spcPct val="170000"/>
-              </a:lnSpc>
-              <a:buFont typeface="Arial" panose="020B0604020202020204" pitchFamily="34" charset="0"/>
-              <a:buChar char="•"/>
-            </a:pPr>
-            <a:r>
-              <a:rPr lang="en-US" dirty="0"/>
-              <a:t>There are three time periods (July to September 2022) where the trend for each alert report has significantly increased, requiring further diagnostic analysis to determine the causes of the trends.</a:t>
-            </a:r>
-          </a:p>
-          <a:p>
-            <a:pPr algn="just">
-              <a:lnSpc>
-                <a:spcPct val="170000"/>
-              </a:lnSpc>
-              <a:buFont typeface="Arial" panose="020B0604020202020204" pitchFamily="34" charset="0"/>
-              <a:buChar char="•"/>
-            </a:pPr>
-            <a:r>
-              <a:rPr lang="en-US" dirty="0"/>
-              <a:t>Only Streets in Cluster 1 and 2 have an average Irregularities Length that exceeds the overall average in Bandung, indicating these clusters may represent areas with higher road irregularities or poor road conditions.</a:t>
-            </a:r>
-          </a:p>
-          <a:p>
-            <a:pPr algn="just">
-              <a:lnSpc>
-                <a:spcPct val="170000"/>
-              </a:lnSpc>
-              <a:buFont typeface="Arial" panose="020B0604020202020204" pitchFamily="34" charset="0"/>
-              <a:buChar char="•"/>
-            </a:pPr>
-            <a:r>
-              <a:rPr lang="en-US" dirty="0"/>
-              <a:t>Only Streets in Cluster 1 and 3 have an average Irregularities Time Spent that exceeds the overall average in Bandung, suggesting these two clusters may represent areas with longer travel times or congestion during peak hours and have distinctive travel patterns and preferences compared to the other clusters.</a:t>
-            </a:r>
-          </a:p>
-          <a:p>
-            <a:pPr algn="just">
-              <a:lnSpc>
-                <a:spcPct val="170000"/>
-              </a:lnSpc>
-              <a:buFont typeface="Arial" panose="020B0604020202020204" pitchFamily="34" charset="0"/>
-              <a:buChar char="•"/>
-            </a:pPr>
-            <a:r>
-              <a:rPr lang="en-US" dirty="0"/>
-              <a:t>Only Streets in Cluster 1 and 2 have an average Irregularities Speed that exceeds the overall average in Bandung. These clusters may represent areas with higher traffic congestion, bottlenecks, or accidents and have distinct traffic characteristics and flow patterns compared to the other groups.</a:t>
-            </a:r>
+              <a:t>VI</a:t>
+            </a:r>
+            <a:endParaRPr lang="en-ID" dirty="0"/>
           </a:p>
         </p:txBody>
       </p:sp>
     </p:spTree>
     <p:extLst>
       <p:ext uri="{BB962C8B-B14F-4D97-AF65-F5344CB8AC3E}">
-        <p14:creationId xmlns:p14="http://schemas.microsoft.com/office/powerpoint/2010/main" val="1850332475"/>
+        <p14:creationId xmlns:p14="http://schemas.microsoft.com/office/powerpoint/2010/main" val="703020861"/>
       </p:ext>
     </p:extLst>
   </p:cSld>
   <p:clrMapOvr>
     <a:masterClrMapping/>
   </p:clrMapOvr>
-  <mc:AlternateContent xmlns:mc="http://schemas.openxmlformats.org/markup-compatibility/2006" xmlns:p14="http://schemas.microsoft.com/office/powerpoint/2010/main">
-    <mc:Choice Requires="p14">
+  <mc:AlternateContent xmlns:mc="http://schemas.openxmlformats.org/markup-compatibility/2006">
+    <mc:Choice xmlns:p14="http://schemas.microsoft.com/office/powerpoint/2010/main" Requires="p14">
       <p:transition spd="med" p14:dur="700">
         <p:fade/>
       </p:transition>
     </mc:Choice>
-    <mc:Fallback xmlns="">
+    <mc:Fallback>
       <p:transition spd="med">
         <p:fade/>
       </p:transition>
@@ -9406,7 +9379,7 @@
           <p:cNvPr id="2" name="Title 1">
             <a:extLst>
               <a:ext uri="{FF2B5EF4-FFF2-40B4-BE49-F238E27FC236}">
-                <a16:creationId xmlns:a16="http://schemas.microsoft.com/office/drawing/2014/main" id="{52721A40-1A72-D0BF-4FA6-503DFCE2A398}"/>
+                <a16:creationId xmlns:a16="http://schemas.microsoft.com/office/drawing/2014/main" id="{A94FB180-E7E5-0014-2440-5D71AA764058}"/>
               </a:ext>
             </a:extLst>
           </p:cNvPr>
@@ -9419,7 +9392,7 @@
         </p:nvSpPr>
         <p:spPr>
           <a:xfrm>
-            <a:off x="311700" y="579775"/>
+            <a:off x="311700" y="574625"/>
             <a:ext cx="6377700" cy="572700"/>
           </a:xfrm>
         </p:spPr>
@@ -9431,7 +9404,7 @@
           <a:p>
             <a:r>
               <a:rPr lang="en-US" dirty="0"/>
-              <a:t>Recommendations</a:t>
+              <a:t>Summaries</a:t>
             </a:r>
             <a:endParaRPr lang="en-ID" dirty="0"/>
           </a:p>
@@ -9442,7 +9415,7 @@
           <p:cNvPr id="3" name="Text Placeholder 2">
             <a:extLst>
               <a:ext uri="{FF2B5EF4-FFF2-40B4-BE49-F238E27FC236}">
-                <a16:creationId xmlns:a16="http://schemas.microsoft.com/office/drawing/2014/main" id="{37AA09DE-B730-E7C3-230D-9483F87CADBC}"/>
+                <a16:creationId xmlns:a16="http://schemas.microsoft.com/office/drawing/2014/main" id="{5ECC536C-45DA-CA82-2FAC-1216FF092312}"/>
               </a:ext>
             </a:extLst>
           </p:cNvPr>
@@ -9456,79 +9429,106 @@
         <p:spPr/>
         <p:txBody>
           <a:bodyPr>
-            <a:normAutofit fontScale="70000" lnSpcReduction="20000"/>
+            <a:normAutofit fontScale="62500" lnSpcReduction="20000"/>
           </a:bodyPr>
           <a:lstStyle/>
           <a:p>
             <a:pPr algn="just">
+              <a:lnSpc>
+                <a:spcPct val="170000"/>
+              </a:lnSpc>
               <a:buFont typeface="Arial" panose="020B0604020202020204" pitchFamily="34" charset="0"/>
               <a:buChar char="•"/>
             </a:pPr>
             <a:r>
               <a:rPr lang="en-US" dirty="0"/>
-              <a:t>To manage severe traffic congestion on Tuesdays, Thursdays, and Fridays, stakeholders should consider implementing road network optimization, rerouting, and information dissemination to provide alternative travel options to motorists. </a:t>
+              <a:t>Traffic jam is the most frequently reported Alert Type by drivers in Bandung City.</a:t>
             </a:r>
           </a:p>
           <a:p>
             <a:pPr algn="just">
+              <a:lnSpc>
+                <a:spcPct val="170000"/>
+              </a:lnSpc>
               <a:buFont typeface="Arial" panose="020B0604020202020204" pitchFamily="34" charset="0"/>
               <a:buChar char="•"/>
             </a:pPr>
             <a:r>
               <a:rPr lang="en-US" dirty="0"/>
-              <a:t>The three time periods where the trend for each alert report has significantly increased require further diagnostic analysis to determine the causes of the trends. This analysis can provide insight into identifying and addressing potential problems, allowing stakeholders to mitigate future effects of similar issues. </a:t>
+              <a:t>Traffic congestion is severe on Tuesdays, Thursdays, and Fridays and tends to increase between 9 a.m. to 3 p.m.</a:t>
             </a:r>
           </a:p>
           <a:p>
             <a:pPr algn="just">
+              <a:lnSpc>
+                <a:spcPct val="170000"/>
+              </a:lnSpc>
               <a:buFont typeface="Arial" panose="020B0604020202020204" pitchFamily="34" charset="0"/>
               <a:buChar char="•"/>
             </a:pPr>
             <a:r>
               <a:rPr lang="en-US" dirty="0"/>
-              <a:t>Streets in Cluster 1 and 2 may represent areas with higher road irregularities or poor road conditions, necessitating an evaluation of the roads' maintenance and repair needs by local authorities and transport infrastructure providers. </a:t>
+              <a:t>There are three time periods (July to September 2022) where the trend for each alert report has significantly increased, requiring further diagnostic analysis to determine the causes of the trends.</a:t>
             </a:r>
           </a:p>
           <a:p>
             <a:pPr algn="just">
+              <a:lnSpc>
+                <a:spcPct val="170000"/>
+              </a:lnSpc>
               <a:buFont typeface="Arial" panose="020B0604020202020204" pitchFamily="34" charset="0"/>
               <a:buChar char="•"/>
             </a:pPr>
             <a:r>
               <a:rPr lang="en-US" dirty="0"/>
-              <a:t>Streets in Cluster 1 and 3 may represent areas with longer travel times or congestion during peak hours. Stakeholders should consider implementing traffic management and control systems to alleviate congestion and improve traffic flow. </a:t>
+              <a:t>Only Streets in Cluster 1 and 2 have an average Irregularities Length that exceeds the overall average in Bandung, indicating these clusters may represent areas with higher road irregularities or poor road conditions.</a:t>
             </a:r>
           </a:p>
           <a:p>
             <a:pPr algn="just">
+              <a:lnSpc>
+                <a:spcPct val="170000"/>
+              </a:lnSpc>
               <a:buFont typeface="Arial" panose="020B0604020202020204" pitchFamily="34" charset="0"/>
               <a:buChar char="•"/>
             </a:pPr>
             <a:r>
               <a:rPr lang="en-US" dirty="0"/>
-              <a:t>Streets in Cluster 1 and 2 may represent areas with higher traffic congestion, bottlenecks, or accidents, necessitating traffic calming measures, road widening, and accident prevention strategies.</a:t>
-            </a:r>
-            <a:endParaRPr lang="en-ID" dirty="0"/>
+              <a:t>Only Streets in Cluster 1 and 3 have an average Irregularities Time Spent that exceeds the overall average in Bandung, suggesting these two clusters may represent areas with longer travel times or congestion during peak hours and have distinctive travel patterns and preferences compared to the other clusters.</a:t>
+            </a:r>
+          </a:p>
+          <a:p>
+            <a:pPr algn="just">
+              <a:lnSpc>
+                <a:spcPct val="170000"/>
+              </a:lnSpc>
+              <a:buFont typeface="Arial" panose="020B0604020202020204" pitchFamily="34" charset="0"/>
+              <a:buChar char="•"/>
+            </a:pPr>
+            <a:r>
+              <a:rPr lang="en-US" dirty="0"/>
+              <a:t>Only Streets in Cluster 1 and 2 have an average Irregularities Speed that exceeds the overall average in Bandung. These clusters may represent areas with higher traffic congestion, bottlenecks, or accidents and have distinct traffic characteristics and flow patterns compared to the other groups.</a:t>
+            </a:r>
           </a:p>
         </p:txBody>
       </p:sp>
     </p:spTree>
     <p:extLst>
       <p:ext uri="{BB962C8B-B14F-4D97-AF65-F5344CB8AC3E}">
-        <p14:creationId xmlns:p14="http://schemas.microsoft.com/office/powerpoint/2010/main" val="2651881613"/>
+        <p14:creationId xmlns:p14="http://schemas.microsoft.com/office/powerpoint/2010/main" val="1850332475"/>
       </p:ext>
     </p:extLst>
   </p:cSld>
   <p:clrMapOvr>
     <a:masterClrMapping/>
   </p:clrMapOvr>
-  <mc:AlternateContent xmlns:mc="http://schemas.openxmlformats.org/markup-compatibility/2006" xmlns:p14="http://schemas.microsoft.com/office/powerpoint/2010/main">
-    <mc:Choice Requires="p14">
+  <mc:AlternateContent xmlns:mc="http://schemas.openxmlformats.org/markup-compatibility/2006">
+    <mc:Choice xmlns:p14="http://schemas.microsoft.com/office/powerpoint/2010/main" Requires="p14">
       <p:transition spd="med" p14:dur="700">
         <p:fade/>
       </p:transition>
     </mc:Choice>
-    <mc:Fallback xmlns="">
+    <mc:Fallback>
       <p:transition spd="med">
         <p:fade/>
       </p:transition>
@@ -9559,7 +9559,7 @@
           <p:cNvPr id="2" name="Title 1">
             <a:extLst>
               <a:ext uri="{FF2B5EF4-FFF2-40B4-BE49-F238E27FC236}">
-                <a16:creationId xmlns:a16="http://schemas.microsoft.com/office/drawing/2014/main" id="{C356B22A-7936-00B4-75C4-FB7AE9B05118}"/>
+                <a16:creationId xmlns:a16="http://schemas.microsoft.com/office/drawing/2014/main" id="{52721A40-1A72-D0BF-4FA6-503DFCE2A398}"/>
               </a:ext>
             </a:extLst>
           </p:cNvPr>
@@ -9570,16 +9570,21 @@
             <p:ph type="title"/>
           </p:nvPr>
         </p:nvSpPr>
-        <p:spPr/>
+        <p:spPr>
+          <a:xfrm>
+            <a:off x="311700" y="579775"/>
+            <a:ext cx="6377700" cy="572700"/>
+          </a:xfrm>
+        </p:spPr>
         <p:txBody>
           <a:bodyPr>
-            <a:normAutofit/>
+            <a:normAutofit fontScale="90000"/>
           </a:bodyPr>
           <a:lstStyle/>
           <a:p>
             <a:r>
               <a:rPr lang="en-US" dirty="0"/>
-              <a:t>References</a:t>
+              <a:t>Recommendations</a:t>
             </a:r>
             <a:endParaRPr lang="en-ID" dirty="0"/>
           </a:p>
@@ -9587,10 +9592,10 @@
       </p:sp>
       <p:sp>
         <p:nvSpPr>
-          <p:cNvPr id="3" name="Title 2">
-            <a:extLst>
-              <a:ext uri="{FF2B5EF4-FFF2-40B4-BE49-F238E27FC236}">
-                <a16:creationId xmlns:a16="http://schemas.microsoft.com/office/drawing/2014/main" id="{5F45063B-902F-2385-405A-3E24E70C2EED}"/>
+          <p:cNvPr id="3" name="Text Placeholder 2">
+            <a:extLst>
+              <a:ext uri="{FF2B5EF4-FFF2-40B4-BE49-F238E27FC236}">
+                <a16:creationId xmlns:a16="http://schemas.microsoft.com/office/drawing/2014/main" id="{37AA09DE-B730-E7C3-230D-9483F87CADBC}"/>
               </a:ext>
             </a:extLst>
           </p:cNvPr>
@@ -9598,17 +9603,63 @@
             <a:spLocks noGrp="1"/>
           </p:cNvSpPr>
           <p:nvPr>
-            <p:ph type="title" idx="2"/>
+            <p:ph type="body" idx="1"/>
           </p:nvPr>
         </p:nvSpPr>
         <p:spPr/>
         <p:txBody>
-          <a:bodyPr/>
+          <a:bodyPr>
+            <a:normAutofit fontScale="70000" lnSpcReduction="20000"/>
+          </a:bodyPr>
           <a:lstStyle/>
           <a:p>
+            <a:pPr algn="just">
+              <a:buFont typeface="Arial" panose="020B0604020202020204" pitchFamily="34" charset="0"/>
+              <a:buChar char="•"/>
+            </a:pPr>
             <a:r>
               <a:rPr lang="en-US" dirty="0"/>
-              <a:t>VII</a:t>
+              <a:t>To manage severe traffic congestion on Tuesdays, Thursdays, and Fridays, stakeholders should consider implementing road network optimization, rerouting, and information dissemination to provide alternative travel options to motorists. </a:t>
+            </a:r>
+          </a:p>
+          <a:p>
+            <a:pPr algn="just">
+              <a:buFont typeface="Arial" panose="020B0604020202020204" pitchFamily="34" charset="0"/>
+              <a:buChar char="•"/>
+            </a:pPr>
+            <a:r>
+              <a:rPr lang="en-US" dirty="0"/>
+              <a:t>The three time periods where the trend for each alert report has significantly increased require further diagnostic analysis to determine the causes of the trends. This analysis can provide insight into identifying and addressing potential problems, allowing stakeholders to mitigate future effects of similar issues. </a:t>
+            </a:r>
+          </a:p>
+          <a:p>
+            <a:pPr algn="just">
+              <a:buFont typeface="Arial" panose="020B0604020202020204" pitchFamily="34" charset="0"/>
+              <a:buChar char="•"/>
+            </a:pPr>
+            <a:r>
+              <a:rPr lang="en-US" dirty="0"/>
+              <a:t>Streets in Cluster 1 and 2 may represent areas with higher road irregularities or poor road conditions, necessitating an evaluation of the roads' maintenance and repair needs by local authorities and transport infrastructure providers. </a:t>
+            </a:r>
+          </a:p>
+          <a:p>
+            <a:pPr algn="just">
+              <a:buFont typeface="Arial" panose="020B0604020202020204" pitchFamily="34" charset="0"/>
+              <a:buChar char="•"/>
+            </a:pPr>
+            <a:r>
+              <a:rPr lang="en-US" dirty="0"/>
+              <a:t>Streets in Cluster 1 and 3 may represent areas with longer travel times or congestion during peak hours. Stakeholders should consider implementing traffic management and control systems to alleviate congestion and improve traffic flow. </a:t>
+            </a:r>
+          </a:p>
+          <a:p>
+            <a:pPr algn="just">
+              <a:buFont typeface="Arial" panose="020B0604020202020204" pitchFamily="34" charset="0"/>
+              <a:buChar char="•"/>
+            </a:pPr>
+            <a:r>
+              <a:rPr lang="en-US" dirty="0"/>
+              <a:t>Streets in Cluster 1 and 2 may represent areas with higher traffic congestion, bottlenecks, or accidents, necessitating traffic calming measures, road widening, and accident prevention strategies.</a:t>
             </a:r>
             <a:endParaRPr lang="en-ID" dirty="0"/>
           </a:p>
@@ -9617,20 +9668,20 @@
     </p:spTree>
     <p:extLst>
       <p:ext uri="{BB962C8B-B14F-4D97-AF65-F5344CB8AC3E}">
-        <p14:creationId xmlns:p14="http://schemas.microsoft.com/office/powerpoint/2010/main" val="4019982233"/>
+        <p14:creationId xmlns:p14="http://schemas.microsoft.com/office/powerpoint/2010/main" val="2651881613"/>
       </p:ext>
     </p:extLst>
   </p:cSld>
   <p:clrMapOvr>
     <a:masterClrMapping/>
   </p:clrMapOvr>
-  <mc:AlternateContent xmlns:mc="http://schemas.openxmlformats.org/markup-compatibility/2006" xmlns:p14="http://schemas.microsoft.com/office/powerpoint/2010/main">
-    <mc:Choice Requires="p14">
+  <mc:AlternateContent xmlns:mc="http://schemas.openxmlformats.org/markup-compatibility/2006">
+    <mc:Choice xmlns:p14="http://schemas.microsoft.com/office/powerpoint/2010/main" Requires="p14">
       <p:transition spd="med" p14:dur="700">
         <p:fade/>
       </p:transition>
     </mc:Choice>
-    <mc:Fallback xmlns="">
+    <mc:Fallback>
       <p:transition spd="med">
         <p:fade/>
       </p:transition>
@@ -9658,10 +9709,10 @@
       </p:grpSpPr>
       <p:sp>
         <p:nvSpPr>
-          <p:cNvPr id="3" name="Text Placeholder 2">
-            <a:extLst>
-              <a:ext uri="{FF2B5EF4-FFF2-40B4-BE49-F238E27FC236}">
-                <a16:creationId xmlns:a16="http://schemas.microsoft.com/office/drawing/2014/main" id="{064CE004-5207-92B5-9EBA-A3C494F363D6}"/>
+          <p:cNvPr id="2" name="Title 1">
+            <a:extLst>
+              <a:ext uri="{FF2B5EF4-FFF2-40B4-BE49-F238E27FC236}">
+                <a16:creationId xmlns:a16="http://schemas.microsoft.com/office/drawing/2014/main" id="{C356B22A-7936-00B4-75C4-FB7AE9B05118}"/>
               </a:ext>
             </a:extLst>
           </p:cNvPr>
@@ -9669,7 +9720,38 @@
             <a:spLocks noGrp="1"/>
           </p:cNvSpPr>
           <p:nvPr>
-            <p:ph type="body" idx="1"/>
+            <p:ph type="title"/>
+          </p:nvPr>
+        </p:nvSpPr>
+        <p:spPr/>
+        <p:txBody>
+          <a:bodyPr>
+            <a:normAutofit/>
+          </a:bodyPr>
+          <a:lstStyle/>
+          <a:p>
+            <a:r>
+              <a:rPr lang="en-US" dirty="0"/>
+              <a:t>References</a:t>
+            </a:r>
+            <a:endParaRPr lang="en-ID" dirty="0"/>
+          </a:p>
+        </p:txBody>
+      </p:sp>
+      <p:sp>
+        <p:nvSpPr>
+          <p:cNvPr id="3" name="Title 2">
+            <a:extLst>
+              <a:ext uri="{FF2B5EF4-FFF2-40B4-BE49-F238E27FC236}">
+                <a16:creationId xmlns:a16="http://schemas.microsoft.com/office/drawing/2014/main" id="{5F45063B-902F-2385-405A-3E24E70C2EED}"/>
+              </a:ext>
+            </a:extLst>
+          </p:cNvPr>
+          <p:cNvSpPr>
+            <a:spLocks noGrp="1"/>
+          </p:cNvSpPr>
+          <p:nvPr>
+            <p:ph type="title" idx="2"/>
           </p:nvPr>
         </p:nvSpPr>
         <p:spPr/>
@@ -9678,46 +9760,8 @@
           <a:lstStyle/>
           <a:p>
             <a:r>
-              <a:rPr lang="en-ID" dirty="0">
-                <a:hlinkClick r:id="rId2"/>
-              </a:rPr>
-              <a:t>https://www.kaggle.com/code/prashant111/k-means-clustering-with-python/notebook</a:t>
-            </a:r>
-            <a:endParaRPr lang="en-ID" dirty="0"/>
-          </a:p>
-          <a:p>
-            <a:r>
-              <a:rPr lang="en-ID" dirty="0">
-                <a:hlinkClick r:id="rId3"/>
-              </a:rPr>
-              <a:t>https://towardsdatascience.com/elbow-method-is-not-sufficient-to-find-best-k-in-k-means-clustering-fc820da0631d</a:t>
-            </a:r>
-            <a:endParaRPr lang="en-ID" dirty="0"/>
-          </a:p>
-          <a:p>
-            <a:r>
-              <a:rPr lang="en-ID" dirty="0">
-                <a:hlinkClick r:id="rId4"/>
-              </a:rPr>
-              <a:t>https://www.kaggle.com/code/shrutimechlearn/step-by-step-kmeans-explained-in-detail</a:t>
-            </a:r>
-            <a:endParaRPr lang="en-ID" dirty="0"/>
-          </a:p>
-          <a:p>
-            <a:r>
-              <a:rPr lang="en-ID" dirty="0">
-                <a:hlinkClick r:id="rId5"/>
-              </a:rPr>
-              <a:t>https://pennmusa.github.io/MUSA_801.io/project_8/index.html</a:t>
-            </a:r>
-            <a:endParaRPr lang="en-ID" dirty="0"/>
-          </a:p>
-          <a:p>
-            <a:r>
-              <a:rPr lang="en-ID" dirty="0">
-                <a:hlinkClick r:id="rId6"/>
-              </a:rPr>
-              <a:t>https://www.arcgis.com/apps/dashboards/d1ee0d06645b49d5a01e3bad3add4c5a</a:t>
+              <a:rPr lang="en-US" dirty="0"/>
+              <a:t>VII</a:t>
             </a:r>
             <a:endParaRPr lang="en-ID" dirty="0"/>
           </a:p>
@@ -9726,20 +9770,20 @@
     </p:spTree>
     <p:extLst>
       <p:ext uri="{BB962C8B-B14F-4D97-AF65-F5344CB8AC3E}">
-        <p14:creationId xmlns:p14="http://schemas.microsoft.com/office/powerpoint/2010/main" val="1300305499"/>
+        <p14:creationId xmlns:p14="http://schemas.microsoft.com/office/powerpoint/2010/main" val="4019982233"/>
       </p:ext>
     </p:extLst>
   </p:cSld>
   <p:clrMapOvr>
     <a:masterClrMapping/>
   </p:clrMapOvr>
-  <mc:AlternateContent xmlns:mc="http://schemas.openxmlformats.org/markup-compatibility/2006" xmlns:p14="http://schemas.microsoft.com/office/powerpoint/2010/main">
-    <mc:Choice Requires="p14">
+  <mc:AlternateContent xmlns:mc="http://schemas.openxmlformats.org/markup-compatibility/2006">
+    <mc:Choice xmlns:p14="http://schemas.microsoft.com/office/powerpoint/2010/main" Requires="p14">
       <p:transition spd="med" p14:dur="700">
         <p:fade/>
       </p:transition>
     </mc:Choice>
-    <mc:Fallback xmlns="">
+    <mc:Fallback>
       <p:transition spd="med">
         <p:fade/>
       </p:transition>
@@ -9767,6 +9811,115 @@
       </p:grpSpPr>
       <p:sp>
         <p:nvSpPr>
+          <p:cNvPr id="3" name="Text Placeholder 2">
+            <a:extLst>
+              <a:ext uri="{FF2B5EF4-FFF2-40B4-BE49-F238E27FC236}">
+                <a16:creationId xmlns:a16="http://schemas.microsoft.com/office/drawing/2014/main" id="{064CE004-5207-92B5-9EBA-A3C494F363D6}"/>
+              </a:ext>
+            </a:extLst>
+          </p:cNvPr>
+          <p:cNvSpPr>
+            <a:spLocks noGrp="1"/>
+          </p:cNvSpPr>
+          <p:nvPr>
+            <p:ph type="body" idx="1"/>
+          </p:nvPr>
+        </p:nvSpPr>
+        <p:spPr/>
+        <p:txBody>
+          <a:bodyPr/>
+          <a:lstStyle/>
+          <a:p>
+            <a:r>
+              <a:rPr lang="en-ID" dirty="0">
+                <a:hlinkClick r:id="rId2"/>
+              </a:rPr>
+              <a:t>https://www.kaggle.com/code/prashant111/k-means-clustering-with-python/notebook</a:t>
+            </a:r>
+            <a:endParaRPr lang="en-ID" dirty="0"/>
+          </a:p>
+          <a:p>
+            <a:r>
+              <a:rPr lang="en-ID" dirty="0">
+                <a:hlinkClick r:id="rId3"/>
+              </a:rPr>
+              <a:t>https://towardsdatascience.com/elbow-method-is-not-sufficient-to-find-best-k-in-k-means-clustering-fc820da0631d</a:t>
+            </a:r>
+            <a:endParaRPr lang="en-ID" dirty="0"/>
+          </a:p>
+          <a:p>
+            <a:r>
+              <a:rPr lang="en-ID" dirty="0">
+                <a:hlinkClick r:id="rId4"/>
+              </a:rPr>
+              <a:t>https://www.kaggle.com/code/shrutimechlearn/step-by-step-kmeans-explained-in-detail</a:t>
+            </a:r>
+            <a:endParaRPr lang="en-ID" dirty="0"/>
+          </a:p>
+          <a:p>
+            <a:r>
+              <a:rPr lang="en-ID" dirty="0">
+                <a:hlinkClick r:id="rId5"/>
+              </a:rPr>
+              <a:t>https://pennmusa.github.io/MUSA_801.io/project_8/index.html</a:t>
+            </a:r>
+            <a:endParaRPr lang="en-ID" dirty="0"/>
+          </a:p>
+          <a:p>
+            <a:r>
+              <a:rPr lang="en-ID" dirty="0">
+                <a:hlinkClick r:id="rId6"/>
+              </a:rPr>
+              <a:t>https://www.arcgis.com/apps/dashboards/d1ee0d06645b49d5a01e3bad3add4c5a</a:t>
+            </a:r>
+            <a:endParaRPr lang="en-ID" dirty="0"/>
+          </a:p>
+        </p:txBody>
+      </p:sp>
+    </p:spTree>
+    <p:extLst>
+      <p:ext uri="{BB962C8B-B14F-4D97-AF65-F5344CB8AC3E}">
+        <p14:creationId xmlns:p14="http://schemas.microsoft.com/office/powerpoint/2010/main" val="1300305499"/>
+      </p:ext>
+    </p:extLst>
+  </p:cSld>
+  <p:clrMapOvr>
+    <a:masterClrMapping/>
+  </p:clrMapOvr>
+  <mc:AlternateContent xmlns:mc="http://schemas.openxmlformats.org/markup-compatibility/2006">
+    <mc:Choice xmlns:p14="http://schemas.microsoft.com/office/powerpoint/2010/main" Requires="p14">
+      <p:transition spd="med" p14:dur="700">
+        <p:fade/>
+      </p:transition>
+    </mc:Choice>
+    <mc:Fallback>
+      <p:transition spd="med">
+        <p:fade/>
+      </p:transition>
+    </mc:Fallback>
+  </mc:AlternateContent>
+</p:sld>
+</file>
+
+<file path=ppt/slides/slide45.xml><?xml version="1.0" encoding="utf-8"?>
+<p:sld xmlns:a="http://schemas.openxmlformats.org/drawingml/2006/main" xmlns:r="http://schemas.openxmlformats.org/officeDocument/2006/relationships" xmlns:p="http://schemas.openxmlformats.org/presentationml/2006/main">
+  <p:cSld>
+    <p:spTree>
+      <p:nvGrpSpPr>
+        <p:cNvPr id="1" name=""/>
+        <p:cNvGrpSpPr/>
+        <p:nvPr/>
+      </p:nvGrpSpPr>
+      <p:grpSpPr>
+        <a:xfrm>
+          <a:off x="0" y="0"/>
+          <a:ext cx="0" cy="0"/>
+          <a:chOff x="0" y="0"/>
+          <a:chExt cx="0" cy="0"/>
+        </a:xfrm>
+      </p:grpSpPr>
+      <p:sp>
+        <p:nvSpPr>
           <p:cNvPr id="2" name="Title 1">
             <a:extLst>
               <a:ext uri="{FF2B5EF4-FFF2-40B4-BE49-F238E27FC236}">
@@ -9804,13 +9957,13 @@
   <p:clrMapOvr>
     <a:masterClrMapping/>
   </p:clrMapOvr>
-  <mc:AlternateContent xmlns:mc="http://schemas.openxmlformats.org/markup-compatibility/2006" xmlns:p14="http://schemas.microsoft.com/office/powerpoint/2010/main">
-    <mc:Choice Requires="p14">
+  <mc:AlternateContent xmlns:mc="http://schemas.openxmlformats.org/markup-compatibility/2006">
+    <mc:Choice xmlns:p14="http://schemas.microsoft.com/office/powerpoint/2010/main" Requires="p14">
       <p:transition spd="med" p14:dur="700">
         <p:fade/>
       </p:transition>
     </mc:Choice>
-    <mc:Fallback xmlns="">
+    <mc:Fallback>
       <p:transition spd="med">
         <p:fade/>
       </p:transition>
@@ -9996,13 +10149,13 @@
   <p:clrMapOvr>
     <a:masterClrMapping/>
   </p:clrMapOvr>
-  <mc:AlternateContent xmlns:mc="http://schemas.openxmlformats.org/markup-compatibility/2006" xmlns:p14="http://schemas.microsoft.com/office/powerpoint/2010/main">
-    <mc:Choice Requires="p14">
+  <mc:AlternateContent xmlns:mc="http://schemas.openxmlformats.org/markup-compatibility/2006">
+    <mc:Choice xmlns:p14="http://schemas.microsoft.com/office/powerpoint/2010/main" Requires="p14">
       <p:transition spd="med" p14:dur="700">
         <p:fade/>
       </p:transition>
     </mc:Choice>
-    <mc:Fallback xmlns="">
+    <mc:Fallback>
       <p:transition spd="med">
         <p:fade/>
       </p:transition>
@@ -10188,13 +10341,13 @@
   <p:clrMapOvr>
     <a:masterClrMapping/>
   </p:clrMapOvr>
-  <mc:AlternateContent xmlns:mc="http://schemas.openxmlformats.org/markup-compatibility/2006" xmlns:p14="http://schemas.microsoft.com/office/powerpoint/2010/main">
-    <mc:Choice Requires="p14">
+  <mc:AlternateContent xmlns:mc="http://schemas.openxmlformats.org/markup-compatibility/2006">
+    <mc:Choice xmlns:p14="http://schemas.microsoft.com/office/powerpoint/2010/main" Requires="p14">
       <p:transition spd="med" p14:dur="700">
         <p:fade/>
       </p:transition>
     </mc:Choice>
-    <mc:Fallback xmlns="">
+    <mc:Fallback>
       <p:transition spd="med">
         <p:fade/>
       </p:transition>
@@ -10347,13 +10500,13 @@
   <p:clrMapOvr>
     <a:masterClrMapping/>
   </p:clrMapOvr>
-  <mc:AlternateContent xmlns:mc="http://schemas.openxmlformats.org/markup-compatibility/2006" xmlns:p14="http://schemas.microsoft.com/office/powerpoint/2010/main">
-    <mc:Choice Requires="p14">
+  <mc:AlternateContent xmlns:mc="http://schemas.openxmlformats.org/markup-compatibility/2006">
+    <mc:Choice xmlns:p14="http://schemas.microsoft.com/office/powerpoint/2010/main" Requires="p14">
       <p:transition spd="med" p14:dur="700">
         <p:fade/>
       </p:transition>
     </mc:Choice>
-    <mc:Fallback xmlns="">
+    <mc:Fallback>
       <p:transition spd="med">
         <p:fade/>
       </p:transition>
@@ -10534,13 +10687,13 @@
   <p:clrMapOvr>
     <a:masterClrMapping/>
   </p:clrMapOvr>
-  <mc:AlternateContent xmlns:mc="http://schemas.openxmlformats.org/markup-compatibility/2006" xmlns:p14="http://schemas.microsoft.com/office/powerpoint/2010/main">
-    <mc:Choice Requires="p14">
+  <mc:AlternateContent xmlns:mc="http://schemas.openxmlformats.org/markup-compatibility/2006">
+    <mc:Choice xmlns:p14="http://schemas.microsoft.com/office/powerpoint/2010/main" Requires="p14">
       <p:transition spd="med" p14:dur="700">
         <p:fade/>
       </p:transition>
     </mc:Choice>
-    <mc:Fallback xmlns="">
+    <mc:Fallback>
       <p:transition spd="med">
         <p:fade/>
       </p:transition>
@@ -10643,13 +10796,13 @@
   <p:clrMapOvr>
     <a:masterClrMapping/>
   </p:clrMapOvr>
-  <mc:AlternateContent xmlns:mc="http://schemas.openxmlformats.org/markup-compatibility/2006" xmlns:p14="http://schemas.microsoft.com/office/powerpoint/2010/main">
-    <mc:Choice Requires="p14">
+  <mc:AlternateContent xmlns:mc="http://schemas.openxmlformats.org/markup-compatibility/2006">
+    <mc:Choice xmlns:p14="http://schemas.microsoft.com/office/powerpoint/2010/main" Requires="p14">
       <p:transition spd="med" p14:dur="700">
         <p:fade/>
       </p:transition>
     </mc:Choice>
-    <mc:Fallback xmlns="">
+    <mc:Fallback>
       <p:transition spd="med">
         <p:fade/>
       </p:transition>
